--- a/TCP-IP.pptx
+++ b/TCP-IP.pptx
@@ -11,22 +11,26 @@
     <p:sldId id="259" r:id="rId5"/>
     <p:sldId id="260" r:id="rId6"/>
     <p:sldId id="261" r:id="rId7"/>
-    <p:sldId id="262" r:id="rId8"/>
-    <p:sldId id="263" r:id="rId9"/>
-    <p:sldId id="264" r:id="rId10"/>
-    <p:sldId id="265" r:id="rId11"/>
-    <p:sldId id="266" r:id="rId12"/>
-    <p:sldId id="267" r:id="rId13"/>
-    <p:sldId id="274" r:id="rId14"/>
-    <p:sldId id="268" r:id="rId15"/>
-    <p:sldId id="269" r:id="rId16"/>
-    <p:sldId id="270" r:id="rId17"/>
-    <p:sldId id="271" r:id="rId18"/>
-    <p:sldId id="272" r:id="rId19"/>
-    <p:sldId id="273" r:id="rId20"/>
-    <p:sldId id="275" r:id="rId21"/>
-    <p:sldId id="276" r:id="rId22"/>
-    <p:sldId id="277" r:id="rId23"/>
+    <p:sldId id="278" r:id="rId8"/>
+    <p:sldId id="279" r:id="rId9"/>
+    <p:sldId id="280" r:id="rId10"/>
+    <p:sldId id="281" r:id="rId11"/>
+    <p:sldId id="262" r:id="rId12"/>
+    <p:sldId id="263" r:id="rId13"/>
+    <p:sldId id="264" r:id="rId14"/>
+    <p:sldId id="265" r:id="rId15"/>
+    <p:sldId id="266" r:id="rId16"/>
+    <p:sldId id="267" r:id="rId17"/>
+    <p:sldId id="274" r:id="rId18"/>
+    <p:sldId id="268" r:id="rId19"/>
+    <p:sldId id="269" r:id="rId20"/>
+    <p:sldId id="270" r:id="rId21"/>
+    <p:sldId id="271" r:id="rId22"/>
+    <p:sldId id="272" r:id="rId23"/>
+    <p:sldId id="273" r:id="rId24"/>
+    <p:sldId id="275" r:id="rId25"/>
+    <p:sldId id="276" r:id="rId26"/>
+    <p:sldId id="277" r:id="rId27"/>
   </p:sldIdLst>
   <p:sldSz cx="12192000" cy="6858000"/>
   <p:notesSz cx="6858000" cy="9144000"/>
@@ -134,7 +138,7 @@
 </file>
 
 <file path=ppt/slideLayouts/slideLayout1.xml><?xml version="1.0" encoding="utf-8"?>
-<p:sldLayout xmlns:a="http://schemas.openxmlformats.org/drawingml/2006/main" xmlns:r="http://schemas.openxmlformats.org/officeDocument/2006/relationships" xmlns:p="http://schemas.openxmlformats.org/presentationml/2006/main" showMasterSp="0" type="title" preserve="1">
+<p:sldLayout xmlns:a="http://schemas.openxmlformats.org/drawingml/2006/main" xmlns:r="http://schemas.openxmlformats.org/officeDocument/2006/relationships" xmlns:p="http://schemas.openxmlformats.org/presentationml/2006/main" type="title" preserve="1">
   <p:cSld name="Title Slide">
     <p:spTree>
       <p:nvGrpSpPr>
@@ -2045,7 +2049,7 @@
 </file>
 
 <file path=ppt/slideLayouts/slideLayout7.xml><?xml version="1.0" encoding="utf-8"?>
-<p:sldLayout xmlns:a="http://schemas.openxmlformats.org/drawingml/2006/main" xmlns:r="http://schemas.openxmlformats.org/officeDocument/2006/relationships" xmlns:p="http://schemas.openxmlformats.org/presentationml/2006/main" showMasterSp="0" type="blank" preserve="1">
+<p:sldLayout xmlns:a="http://schemas.openxmlformats.org/drawingml/2006/main" xmlns:r="http://schemas.openxmlformats.org/officeDocument/2006/relationships" xmlns:p="http://schemas.openxmlformats.org/presentationml/2006/main" type="blank" preserve="1">
   <p:cSld name="Blank">
     <p:spTree>
       <p:nvGrpSpPr>
@@ -2709,9 +2713,39 @@
 <p:sldMaster xmlns:a="http://schemas.openxmlformats.org/drawingml/2006/main" xmlns:r="http://schemas.openxmlformats.org/officeDocument/2006/relationships" xmlns:p="http://schemas.openxmlformats.org/presentationml/2006/main">
   <p:cSld>
     <p:bg>
-      <p:bgRef idx="1001">
-        <a:schemeClr val="bg1"/>
-      </p:bgRef>
+      <p:bgPr>
+        <a:gradFill flip="none" rotWithShape="1">
+          <a:gsLst>
+            <a:gs pos="0">
+              <a:schemeClr val="accent1">
+                <a:lumMod val="5000"/>
+                <a:lumOff val="95000"/>
+              </a:schemeClr>
+            </a:gs>
+            <a:gs pos="74000">
+              <a:schemeClr val="accent1">
+                <a:lumMod val="45000"/>
+                <a:lumOff val="55000"/>
+              </a:schemeClr>
+            </a:gs>
+            <a:gs pos="83000">
+              <a:schemeClr val="accent1">
+                <a:lumMod val="45000"/>
+                <a:lumOff val="55000"/>
+              </a:schemeClr>
+            </a:gs>
+            <a:gs pos="100000">
+              <a:schemeClr val="accent1">
+                <a:lumMod val="30000"/>
+                <a:lumOff val="70000"/>
+              </a:schemeClr>
+            </a:gs>
+          </a:gsLst>
+          <a:lin ang="5400000" scaled="1"/>
+          <a:tileRect/>
+        </a:gradFill>
+        <a:effectLst/>
+      </p:bgPr>
     </p:bg>
     <p:spTree>
       <p:nvGrpSpPr>
@@ -3494,6 +3528,1332 @@
       <p:sp>
         <p:nvSpPr>
           <p:cNvPr id="4" name="Title 1"/>
+          <p:cNvSpPr>
+            <a:spLocks noGrp="1"/>
+          </p:cNvSpPr>
+          <p:nvPr>
+            <p:ph type="title"/>
+          </p:nvPr>
+        </p:nvSpPr>
+        <p:spPr/>
+        <p:txBody>
+          <a:bodyPr/>
+          <a:lstStyle/>
+          <a:p>
+            <a:pPr algn="ctr"/>
+            <a:r>
+              <a:rPr lang="en-US" b="1"/>
+              <a:t>OSI MODEL</a:t>
+            </a:r>
+            <a:endParaRPr lang="en-US"/>
+          </a:p>
+        </p:txBody>
+      </p:sp>
+      <p:sp>
+        <p:nvSpPr>
+          <p:cNvPr id="5" name="Rectangle 4"/>
+          <p:cNvSpPr/>
+          <p:nvPr/>
+        </p:nvSpPr>
+        <p:spPr>
+          <a:xfrm>
+            <a:off x="5941476" y="442317"/>
+            <a:ext cx="2986715" cy="523220"/>
+          </a:xfrm>
+          <a:prstGeom prst="rect">
+            <a:avLst/>
+          </a:prstGeom>
+        </p:spPr>
+        <p:txBody>
+          <a:bodyPr wrap="none">
+            <a:spAutoFit/>
+          </a:bodyPr>
+          <a:lstStyle/>
+          <a:p>
+            <a:pPr algn="ctr"/>
+            <a:r>
+              <a:rPr lang="en-US" sz="2800" b="1" smtClean="0">
+                <a:solidFill>
+                  <a:schemeClr val="accent2">
+                    <a:lumMod val="75000"/>
+                  </a:schemeClr>
+                </a:solidFill>
+                <a:latin typeface="Times New Roman" panose="02020603050405020304" pitchFamily="18" charset="0"/>
+                <a:cs typeface="Times New Roman" panose="02020603050405020304" pitchFamily="18" charset="0"/>
+              </a:rPr>
+              <a:t>Application Layer</a:t>
+            </a:r>
+            <a:endParaRPr lang="en-US" sz="2800" b="1" smtClean="0">
+              <a:solidFill>
+                <a:schemeClr val="accent2">
+                  <a:lumMod val="75000"/>
+                </a:schemeClr>
+              </a:solidFill>
+              <a:latin typeface="Times New Roman" panose="02020603050405020304" pitchFamily="18" charset="0"/>
+              <a:cs typeface="Times New Roman" panose="02020603050405020304" pitchFamily="18" charset="0"/>
+            </a:endParaRPr>
+          </a:p>
+        </p:txBody>
+      </p:sp>
+      <p:sp>
+        <p:nvSpPr>
+          <p:cNvPr id="6" name="Rectangle 5"/>
+          <p:cNvSpPr/>
+          <p:nvPr/>
+        </p:nvSpPr>
+        <p:spPr>
+          <a:xfrm>
+            <a:off x="4306956" y="1274571"/>
+            <a:ext cx="6970643" cy="4450449"/>
+          </a:xfrm>
+          <a:prstGeom prst="rect">
+            <a:avLst/>
+          </a:prstGeom>
+        </p:spPr>
+        <p:txBody>
+          <a:bodyPr wrap="square">
+            <a:spAutoFit/>
+          </a:bodyPr>
+          <a:lstStyle/>
+          <a:p>
+            <a:pPr marL="441325" indent="-342900" algn="just" defTabSz="414338">
+              <a:lnSpc>
+                <a:spcPct val="80000"/>
+              </a:lnSpc>
+              <a:spcBef>
+                <a:spcPct val="50000"/>
+              </a:spcBef>
+              <a:buClr>
+                <a:srgbClr val="CC0000"/>
+              </a:buClr>
+              <a:buFontTx/>
+              <a:buChar char="-"/>
+            </a:pPr>
+            <a:r>
+              <a:rPr lang="en-US" sz="2400" smtClean="0">
+                <a:latin typeface="Times New Roman" panose="02020603050405020304" pitchFamily="18" charset="0"/>
+                <a:cs typeface="Times New Roman" panose="02020603050405020304" pitchFamily="18" charset="0"/>
+              </a:rPr>
+              <a:t>Application </a:t>
+            </a:r>
+            <a:r>
+              <a:rPr lang="en-US" sz="2400">
+                <a:latin typeface="Times New Roman" panose="02020603050405020304" pitchFamily="18" charset="0"/>
+                <a:cs typeface="Times New Roman" panose="02020603050405020304" pitchFamily="18" charset="0"/>
+              </a:rPr>
+              <a:t>layer interacts with application programs and is the highest level of OSI </a:t>
+            </a:r>
+            <a:r>
+              <a:rPr lang="en-US" sz="2400">
+                <a:latin typeface="Times New Roman" panose="02020603050405020304" pitchFamily="18" charset="0"/>
+                <a:cs typeface="Times New Roman" panose="02020603050405020304" pitchFamily="18" charset="0"/>
+              </a:rPr>
+              <a:t>model</a:t>
+            </a:r>
+            <a:r>
+              <a:rPr lang="en-US" sz="2400" smtClean="0">
+                <a:latin typeface="Times New Roman" panose="02020603050405020304" pitchFamily="18" charset="0"/>
+                <a:cs typeface="Times New Roman" panose="02020603050405020304" pitchFamily="18" charset="0"/>
+              </a:rPr>
+              <a:t>.</a:t>
+            </a:r>
+          </a:p>
+          <a:p>
+            <a:pPr marL="441325" indent="-342900" algn="just" defTabSz="414338">
+              <a:lnSpc>
+                <a:spcPct val="80000"/>
+              </a:lnSpc>
+              <a:spcBef>
+                <a:spcPct val="50000"/>
+              </a:spcBef>
+              <a:buClr>
+                <a:srgbClr val="CC0000"/>
+              </a:buClr>
+              <a:buFontTx/>
+              <a:buChar char="-"/>
+            </a:pPr>
+            <a:endParaRPr lang="en-US" sz="2400" smtClean="0">
+              <a:latin typeface="Times New Roman" panose="02020603050405020304" pitchFamily="18" charset="0"/>
+              <a:cs typeface="Times New Roman" panose="02020603050405020304" pitchFamily="18" charset="0"/>
+            </a:endParaRPr>
+          </a:p>
+          <a:p>
+            <a:pPr marL="441325" indent="-342900" algn="just" defTabSz="414338">
+              <a:lnSpc>
+                <a:spcPct val="80000"/>
+              </a:lnSpc>
+              <a:spcBef>
+                <a:spcPct val="50000"/>
+              </a:spcBef>
+              <a:buClr>
+                <a:srgbClr val="CC0000"/>
+              </a:buClr>
+              <a:buFontTx/>
+              <a:buChar char="-"/>
+            </a:pPr>
+            <a:r>
+              <a:rPr lang="en-US" sz="2400">
+                <a:latin typeface="Times New Roman" panose="02020603050405020304" pitchFamily="18" charset="0"/>
+                <a:cs typeface="Times New Roman" panose="02020603050405020304" pitchFamily="18" charset="0"/>
+              </a:rPr>
+              <a:t>Application layer interacts with application programs and is the highest level of OSI model.</a:t>
+            </a:r>
+          </a:p>
+          <a:p>
+            <a:pPr marL="441325" indent="-342900" algn="just" defTabSz="414338">
+              <a:lnSpc>
+                <a:spcPct val="80000"/>
+              </a:lnSpc>
+              <a:spcBef>
+                <a:spcPct val="50000"/>
+              </a:spcBef>
+              <a:buClr>
+                <a:srgbClr val="CC0000"/>
+              </a:buClr>
+              <a:buFontTx/>
+              <a:buChar char="-"/>
+            </a:pPr>
+            <a:endParaRPr lang="en-US" sz="2400">
+              <a:latin typeface="Times New Roman" panose="02020603050405020304" pitchFamily="18" charset="0"/>
+              <a:cs typeface="Times New Roman" panose="02020603050405020304" pitchFamily="18" charset="0"/>
+            </a:endParaRPr>
+          </a:p>
+          <a:p>
+            <a:pPr marL="441325" indent="-342900" algn="just" defTabSz="414338">
+              <a:lnSpc>
+                <a:spcPct val="80000"/>
+              </a:lnSpc>
+              <a:spcBef>
+                <a:spcPct val="50000"/>
+              </a:spcBef>
+              <a:buClr>
+                <a:srgbClr val="CC0000"/>
+              </a:buClr>
+              <a:buFontTx/>
+              <a:buChar char="-"/>
+            </a:pPr>
+            <a:r>
+              <a:rPr lang="en-US" sz="2400">
+                <a:latin typeface="Times New Roman" panose="02020603050405020304" pitchFamily="18" charset="0"/>
+                <a:cs typeface="Times New Roman" panose="02020603050405020304" pitchFamily="18" charset="0"/>
+              </a:rPr>
+              <a:t>Application layer contains management functions to support distributed </a:t>
+            </a:r>
+            <a:r>
+              <a:rPr lang="en-US" sz="2400">
+                <a:latin typeface="Times New Roman" panose="02020603050405020304" pitchFamily="18" charset="0"/>
+                <a:cs typeface="Times New Roman" panose="02020603050405020304" pitchFamily="18" charset="0"/>
+              </a:rPr>
+              <a:t>applications</a:t>
+            </a:r>
+            <a:r>
+              <a:rPr lang="en-US" sz="2400" smtClean="0">
+                <a:latin typeface="Times New Roman" panose="02020603050405020304" pitchFamily="18" charset="0"/>
+                <a:cs typeface="Times New Roman" panose="02020603050405020304" pitchFamily="18" charset="0"/>
+              </a:rPr>
+              <a:t>.</a:t>
+            </a:r>
+          </a:p>
+          <a:p>
+            <a:pPr marL="441325" indent="-342900" algn="just" defTabSz="414338">
+              <a:lnSpc>
+                <a:spcPct val="80000"/>
+              </a:lnSpc>
+              <a:spcBef>
+                <a:spcPct val="50000"/>
+              </a:spcBef>
+              <a:buClr>
+                <a:srgbClr val="CC0000"/>
+              </a:buClr>
+              <a:buFontTx/>
+              <a:buChar char="-"/>
+            </a:pPr>
+            <a:endParaRPr lang="en-US" sz="2400">
+              <a:latin typeface="Times New Roman" panose="02020603050405020304" pitchFamily="18" charset="0"/>
+              <a:cs typeface="Times New Roman" panose="02020603050405020304" pitchFamily="18" charset="0"/>
+            </a:endParaRPr>
+          </a:p>
+          <a:p>
+            <a:pPr marL="441325" indent="-342900" algn="just" defTabSz="414338">
+              <a:lnSpc>
+                <a:spcPct val="80000"/>
+              </a:lnSpc>
+              <a:spcBef>
+                <a:spcPct val="50000"/>
+              </a:spcBef>
+              <a:buClr>
+                <a:srgbClr val="CC0000"/>
+              </a:buClr>
+              <a:buFontTx/>
+              <a:buChar char="-"/>
+            </a:pPr>
+            <a:r>
+              <a:rPr lang="en-US" sz="2400">
+                <a:latin typeface="Times New Roman" panose="02020603050405020304" pitchFamily="18" charset="0"/>
+                <a:cs typeface="Times New Roman" panose="02020603050405020304" pitchFamily="18" charset="0"/>
+              </a:rPr>
+              <a:t>Examples of application layer are applications such </a:t>
+            </a:r>
+            <a:r>
+              <a:rPr lang="en-US" sz="2400">
+                <a:latin typeface="Times New Roman" panose="02020603050405020304" pitchFamily="18" charset="0"/>
+                <a:cs typeface="Times New Roman" panose="02020603050405020304" pitchFamily="18" charset="0"/>
+              </a:rPr>
+              <a:t>as </a:t>
+            </a:r>
+            <a:r>
+              <a:rPr lang="vi-VN" sz="2400">
+                <a:solidFill>
+                  <a:srgbClr val="222222"/>
+                </a:solidFill>
+                <a:latin typeface="Times New Roman" panose="02020603050405020304" pitchFamily="18" charset="0"/>
+                <a:cs typeface="Times New Roman" panose="02020603050405020304" pitchFamily="18" charset="0"/>
+              </a:rPr>
+              <a:t>Web Server, FTP Server, Mail </a:t>
+            </a:r>
+            <a:r>
+              <a:rPr lang="vi-VN" sz="2400">
+                <a:solidFill>
+                  <a:srgbClr val="222222"/>
+                </a:solidFill>
+                <a:latin typeface="Times New Roman" panose="02020603050405020304" pitchFamily="18" charset="0"/>
+                <a:cs typeface="Times New Roman" panose="02020603050405020304" pitchFamily="18" charset="0"/>
+              </a:rPr>
+              <a:t>server </a:t>
+            </a:r>
+            <a:r>
+              <a:rPr lang="vi-VN" sz="2400" smtClean="0">
+                <a:solidFill>
+                  <a:srgbClr val="222222"/>
+                </a:solidFill>
+                <a:latin typeface="Times New Roman" panose="02020603050405020304" pitchFamily="18" charset="0"/>
+                <a:cs typeface="Times New Roman" panose="02020603050405020304" pitchFamily="18" charset="0"/>
+              </a:rPr>
+              <a:t>…</a:t>
+            </a:r>
+            <a:endParaRPr lang="vi-VN" sz="2400">
+              <a:solidFill>
+                <a:srgbClr val="222222"/>
+              </a:solidFill>
+              <a:latin typeface="Times New Roman" panose="02020603050405020304" pitchFamily="18" charset="0"/>
+              <a:cs typeface="Times New Roman" panose="02020603050405020304" pitchFamily="18" charset="0"/>
+            </a:endParaRPr>
+          </a:p>
+        </p:txBody>
+      </p:sp>
+    </p:spTree>
+    <p:extLst>
+      <p:ext uri="{BB962C8B-B14F-4D97-AF65-F5344CB8AC3E}">
+        <p14:creationId xmlns:p14="http://schemas.microsoft.com/office/powerpoint/2010/main" val="1422520011"/>
+      </p:ext>
+    </p:extLst>
+  </p:cSld>
+  <p:clrMapOvr>
+    <a:masterClrMapping/>
+  </p:clrMapOvr>
+</p:sld>
+</file>
+
+<file path=ppt/slides/slide11.xml><?xml version="1.0" encoding="utf-8"?>
+<p:sld xmlns:a="http://schemas.openxmlformats.org/drawingml/2006/main" xmlns:r="http://schemas.openxmlformats.org/officeDocument/2006/relationships" xmlns:p="http://schemas.openxmlformats.org/presentationml/2006/main">
+  <p:cSld>
+    <p:spTree>
+      <p:nvGrpSpPr>
+        <p:cNvPr id="1" name=""/>
+        <p:cNvGrpSpPr/>
+        <p:nvPr/>
+      </p:nvGrpSpPr>
+      <p:grpSpPr>
+        <a:xfrm>
+          <a:off x="0" y="0"/>
+          <a:ext cx="0" cy="0"/>
+          <a:chOff x="0" y="0"/>
+          <a:chExt cx="0" cy="0"/>
+        </a:xfrm>
+      </p:grpSpPr>
+      <p:sp>
+        <p:nvSpPr>
+          <p:cNvPr id="2" name="Title 1"/>
+          <p:cNvSpPr>
+            <a:spLocks noGrp="1"/>
+          </p:cNvSpPr>
+          <p:nvPr>
+            <p:ph type="title"/>
+          </p:nvPr>
+        </p:nvSpPr>
+        <p:spPr/>
+        <p:txBody>
+          <a:bodyPr/>
+          <a:lstStyle/>
+          <a:p>
+            <a:r>
+              <a:rPr lang="en-US" smtClean="0"/>
+              <a:t> 	 	</a:t>
+            </a:r>
+            <a:endParaRPr lang="en-US"/>
+          </a:p>
+        </p:txBody>
+      </p:sp>
+      <p:sp>
+        <p:nvSpPr>
+          <p:cNvPr id="4" name="Title 1"/>
+          <p:cNvSpPr txBox="1">
+            <a:spLocks/>
+          </p:cNvSpPr>
+          <p:nvPr/>
+        </p:nvSpPr>
+        <p:spPr>
+          <a:xfrm>
+            <a:off x="125260" y="1111311"/>
+            <a:ext cx="3169085" cy="4601183"/>
+          </a:xfrm>
+          <a:prstGeom prst="rect">
+            <a:avLst/>
+          </a:prstGeom>
+        </p:spPr>
+        <p:txBody>
+          <a:bodyPr vert="horz" lIns="91440" tIns="45720" rIns="91440" bIns="45720" rtlCol="0" anchor="ctr">
+            <a:normAutofit/>
+          </a:bodyPr>
+          <a:lstStyle>
+            <a:lvl1pPr algn="l" defTabSz="914400" rtl="0" eaLnBrk="1" latinLnBrk="0" hangingPunct="1">
+              <a:lnSpc>
+                <a:spcPct val="90000"/>
+              </a:lnSpc>
+              <a:spcBef>
+                <a:spcPct val="0"/>
+              </a:spcBef>
+              <a:buNone/>
+              <a:defRPr sz="3600" kern="1200" spc="-60" baseline="0">
+                <a:solidFill>
+                  <a:srgbClr val="FFFFFF"/>
+                </a:solidFill>
+                <a:latin typeface="+mj-lt"/>
+                <a:ea typeface="+mj-ea"/>
+                <a:cs typeface="+mj-cs"/>
+              </a:defRPr>
+            </a:lvl1pPr>
+          </a:lstStyle>
+          <a:p>
+            <a:pPr algn="ctr"/>
+            <a:r>
+              <a:rPr lang="en-US" b="1" smtClean="0"/>
+              <a:t>TCP/IP MODEL</a:t>
+            </a:r>
+            <a:endParaRPr lang="en-US"/>
+          </a:p>
+        </p:txBody>
+      </p:sp>
+      <p:pic>
+        <p:nvPicPr>
+          <p:cNvPr id="2050" name="Picture 2" descr="http://2.bp.blogspot.com/-jH4TzAOcspU/UzQeMUZ1JlI/AAAAAAAAADA/cWNGZjCtkI4/s1600/TCP-IP-Model.png"/>
+          <p:cNvPicPr>
+            <a:picLocks noChangeAspect="1" noChangeArrowheads="1"/>
+          </p:cNvPicPr>
+          <p:nvPr/>
+        </p:nvPicPr>
+        <p:blipFill>
+          <a:blip r:embed="rId2">
+            <a:extLst>
+              <a:ext uri="{28A0092B-C50C-407E-A947-70E740481C1C}">
+                <a14:useLocalDpi xmlns:a14="http://schemas.microsoft.com/office/drawing/2010/main" val="0"/>
+              </a:ext>
+            </a:extLst>
+          </a:blip>
+          <a:srcRect/>
+          <a:stretch>
+            <a:fillRect/>
+          </a:stretch>
+        </p:blipFill>
+        <p:spPr bwMode="auto">
+          <a:xfrm>
+            <a:off x="4822521" y="1435060"/>
+            <a:ext cx="5603483" cy="4575584"/>
+          </a:xfrm>
+          <a:prstGeom prst="rect">
+            <a:avLst/>
+          </a:prstGeom>
+          <a:noFill/>
+          <a:extLst>
+            <a:ext uri="{909E8E84-426E-40DD-AFC4-6F175D3DCCD1}">
+              <a14:hiddenFill xmlns:a14="http://schemas.microsoft.com/office/drawing/2010/main">
+                <a:solidFill>
+                  <a:srgbClr val="FFFFFF"/>
+                </a:solidFill>
+              </a14:hiddenFill>
+            </a:ext>
+          </a:extLst>
+        </p:spPr>
+      </p:pic>
+      <p:sp>
+        <p:nvSpPr>
+          <p:cNvPr id="7" name="TextBox 6"/>
+          <p:cNvSpPr txBox="1"/>
+          <p:nvPr/>
+        </p:nvSpPr>
+        <p:spPr>
+          <a:xfrm>
+            <a:off x="4509368" y="605268"/>
+            <a:ext cx="5787026" cy="430887"/>
+          </a:xfrm>
+          <a:prstGeom prst="rect">
+            <a:avLst/>
+          </a:prstGeom>
+          <a:noFill/>
+        </p:spPr>
+        <p:txBody>
+          <a:bodyPr wrap="square" rtlCol="0">
+            <a:spAutoFit/>
+          </a:bodyPr>
+          <a:lstStyle/>
+          <a:p>
+            <a:pPr algn="ctr"/>
+            <a:r>
+              <a:rPr lang="en-US" sz="2200" b="1" err="1" smtClean="0">
+                <a:solidFill>
+                  <a:schemeClr val="accent2">
+                    <a:lumMod val="75000"/>
+                  </a:schemeClr>
+                </a:solidFill>
+                <a:latin typeface="Times New Roman" panose="02020603050405020304" pitchFamily="18" charset="0"/>
+                <a:cs typeface="Times New Roman" panose="02020603050405020304" pitchFamily="18" charset="0"/>
+              </a:rPr>
+              <a:t>Các</a:t>
+            </a:r>
+            <a:r>
+              <a:rPr lang="en-US" sz="2200" b="1" smtClean="0">
+                <a:solidFill>
+                  <a:schemeClr val="accent2">
+                    <a:lumMod val="75000"/>
+                  </a:schemeClr>
+                </a:solidFill>
+                <a:latin typeface="Times New Roman" panose="02020603050405020304" pitchFamily="18" charset="0"/>
+                <a:cs typeface="Times New Roman" panose="02020603050405020304" pitchFamily="18" charset="0"/>
+              </a:rPr>
+              <a:t> </a:t>
+            </a:r>
+            <a:r>
+              <a:rPr lang="en-US" sz="2200" b="1" err="1" smtClean="0">
+                <a:solidFill>
+                  <a:schemeClr val="accent2">
+                    <a:lumMod val="75000"/>
+                  </a:schemeClr>
+                </a:solidFill>
+                <a:latin typeface="Times New Roman" panose="02020603050405020304" pitchFamily="18" charset="0"/>
+                <a:cs typeface="Times New Roman" panose="02020603050405020304" pitchFamily="18" charset="0"/>
+              </a:rPr>
+              <a:t>Tầng</a:t>
+            </a:r>
+            <a:r>
+              <a:rPr lang="en-US" sz="2200" b="1" smtClean="0">
+                <a:solidFill>
+                  <a:schemeClr val="accent2">
+                    <a:lumMod val="75000"/>
+                  </a:schemeClr>
+                </a:solidFill>
+                <a:latin typeface="Times New Roman" panose="02020603050405020304" pitchFamily="18" charset="0"/>
+                <a:cs typeface="Times New Roman" panose="02020603050405020304" pitchFamily="18" charset="0"/>
+              </a:rPr>
+              <a:t> </a:t>
+            </a:r>
+            <a:r>
+              <a:rPr lang="en-US" sz="2200" b="1" err="1" smtClean="0">
+                <a:solidFill>
+                  <a:schemeClr val="accent2">
+                    <a:lumMod val="75000"/>
+                  </a:schemeClr>
+                </a:solidFill>
+                <a:latin typeface="Times New Roman" panose="02020603050405020304" pitchFamily="18" charset="0"/>
+                <a:cs typeface="Times New Roman" panose="02020603050405020304" pitchFamily="18" charset="0"/>
+              </a:rPr>
+              <a:t>Của</a:t>
+            </a:r>
+            <a:r>
+              <a:rPr lang="en-US" sz="2200" b="1" smtClean="0">
+                <a:solidFill>
+                  <a:schemeClr val="accent2">
+                    <a:lumMod val="75000"/>
+                  </a:schemeClr>
+                </a:solidFill>
+                <a:latin typeface="Times New Roman" panose="02020603050405020304" pitchFamily="18" charset="0"/>
+                <a:cs typeface="Times New Roman" panose="02020603050405020304" pitchFamily="18" charset="0"/>
+              </a:rPr>
+              <a:t> </a:t>
+            </a:r>
+            <a:r>
+              <a:rPr lang="en-US" sz="2200" b="1" err="1" smtClean="0">
+                <a:solidFill>
+                  <a:schemeClr val="accent2">
+                    <a:lumMod val="75000"/>
+                  </a:schemeClr>
+                </a:solidFill>
+                <a:latin typeface="Times New Roman" panose="02020603050405020304" pitchFamily="18" charset="0"/>
+                <a:cs typeface="Times New Roman" panose="02020603050405020304" pitchFamily="18" charset="0"/>
+              </a:rPr>
+              <a:t>Mô</a:t>
+            </a:r>
+            <a:r>
+              <a:rPr lang="en-US" sz="2200" b="1" smtClean="0">
+                <a:solidFill>
+                  <a:schemeClr val="accent2">
+                    <a:lumMod val="75000"/>
+                  </a:schemeClr>
+                </a:solidFill>
+                <a:latin typeface="Times New Roman" panose="02020603050405020304" pitchFamily="18" charset="0"/>
+                <a:cs typeface="Times New Roman" panose="02020603050405020304" pitchFamily="18" charset="0"/>
+              </a:rPr>
+              <a:t> </a:t>
+            </a:r>
+            <a:r>
+              <a:rPr lang="en-US" sz="2200" b="1" err="1" smtClean="0">
+                <a:solidFill>
+                  <a:schemeClr val="accent2">
+                    <a:lumMod val="75000"/>
+                  </a:schemeClr>
+                </a:solidFill>
+                <a:latin typeface="Times New Roman" panose="02020603050405020304" pitchFamily="18" charset="0"/>
+                <a:cs typeface="Times New Roman" panose="02020603050405020304" pitchFamily="18" charset="0"/>
+              </a:rPr>
+              <a:t>Hình</a:t>
+            </a:r>
+            <a:r>
+              <a:rPr lang="en-US" sz="2200" b="1" smtClean="0">
+                <a:solidFill>
+                  <a:schemeClr val="accent2">
+                    <a:lumMod val="75000"/>
+                  </a:schemeClr>
+                </a:solidFill>
+                <a:latin typeface="Times New Roman" panose="02020603050405020304" pitchFamily="18" charset="0"/>
+                <a:cs typeface="Times New Roman" panose="02020603050405020304" pitchFamily="18" charset="0"/>
+              </a:rPr>
+              <a:t> TCP/IP  </a:t>
+            </a:r>
+            <a:endParaRPr lang="en-US" sz="2200" b="1">
+              <a:solidFill>
+                <a:schemeClr val="accent2">
+                  <a:lumMod val="75000"/>
+                </a:schemeClr>
+              </a:solidFill>
+              <a:latin typeface="Times New Roman" panose="02020603050405020304" pitchFamily="18" charset="0"/>
+              <a:cs typeface="Times New Roman" panose="02020603050405020304" pitchFamily="18" charset="0"/>
+            </a:endParaRPr>
+          </a:p>
+        </p:txBody>
+      </p:sp>
+    </p:spTree>
+    <p:extLst>
+      <p:ext uri="{BB962C8B-B14F-4D97-AF65-F5344CB8AC3E}">
+        <p14:creationId xmlns:p14="http://schemas.microsoft.com/office/powerpoint/2010/main" val="2399207951"/>
+      </p:ext>
+    </p:extLst>
+  </p:cSld>
+  <p:clrMapOvr>
+    <a:masterClrMapping/>
+  </p:clrMapOvr>
+  <p:timing>
+    <p:tnLst>
+      <p:par>
+        <p:cTn id="1" dur="indefinite" restart="never" nodeType="tmRoot"/>
+      </p:par>
+    </p:tnLst>
+  </p:timing>
+</p:sld>
+</file>
+
+<file path=ppt/slides/slide12.xml><?xml version="1.0" encoding="utf-8"?>
+<p:sld xmlns:a="http://schemas.openxmlformats.org/drawingml/2006/main" xmlns:r="http://schemas.openxmlformats.org/officeDocument/2006/relationships" xmlns:p="http://schemas.openxmlformats.org/presentationml/2006/main">
+  <p:cSld>
+    <p:spTree>
+      <p:nvGrpSpPr>
+        <p:cNvPr id="1" name=""/>
+        <p:cNvGrpSpPr/>
+        <p:nvPr/>
+      </p:nvGrpSpPr>
+      <p:grpSpPr>
+        <a:xfrm>
+          <a:off x="0" y="0"/>
+          <a:ext cx="0" cy="0"/>
+          <a:chOff x="0" y="0"/>
+          <a:chExt cx="0" cy="0"/>
+        </a:xfrm>
+      </p:grpSpPr>
+      <p:sp>
+        <p:nvSpPr>
+          <p:cNvPr id="4" name="TextBox 3"/>
+          <p:cNvSpPr txBox="1"/>
+          <p:nvPr/>
+        </p:nvSpPr>
+        <p:spPr>
+          <a:xfrm>
+            <a:off x="4509368" y="605268"/>
+            <a:ext cx="5787026" cy="430887"/>
+          </a:xfrm>
+          <a:prstGeom prst="rect">
+            <a:avLst/>
+          </a:prstGeom>
+          <a:noFill/>
+        </p:spPr>
+        <p:txBody>
+          <a:bodyPr wrap="square" rtlCol="0">
+            <a:spAutoFit/>
+          </a:bodyPr>
+          <a:lstStyle/>
+          <a:p>
+            <a:pPr algn="ctr"/>
+            <a:r>
+              <a:rPr lang="en-US" sz="2200" b="1" err="1" smtClean="0">
+                <a:solidFill>
+                  <a:schemeClr val="accent2">
+                    <a:lumMod val="75000"/>
+                  </a:schemeClr>
+                </a:solidFill>
+                <a:latin typeface="Times New Roman" panose="02020603050405020304" pitchFamily="18" charset="0"/>
+                <a:cs typeface="Times New Roman" panose="02020603050405020304" pitchFamily="18" charset="0"/>
+              </a:rPr>
+              <a:t>Các</a:t>
+            </a:r>
+            <a:r>
+              <a:rPr lang="en-US" sz="2200" b="1" smtClean="0">
+                <a:solidFill>
+                  <a:schemeClr val="accent2">
+                    <a:lumMod val="75000"/>
+                  </a:schemeClr>
+                </a:solidFill>
+                <a:latin typeface="Times New Roman" panose="02020603050405020304" pitchFamily="18" charset="0"/>
+                <a:cs typeface="Times New Roman" panose="02020603050405020304" pitchFamily="18" charset="0"/>
+              </a:rPr>
+              <a:t> </a:t>
+            </a:r>
+            <a:r>
+              <a:rPr lang="en-US" sz="2200" b="1" err="1" smtClean="0">
+                <a:solidFill>
+                  <a:schemeClr val="accent2">
+                    <a:lumMod val="75000"/>
+                  </a:schemeClr>
+                </a:solidFill>
+                <a:latin typeface="Times New Roman" panose="02020603050405020304" pitchFamily="18" charset="0"/>
+                <a:cs typeface="Times New Roman" panose="02020603050405020304" pitchFamily="18" charset="0"/>
+              </a:rPr>
+              <a:t>Tầng</a:t>
+            </a:r>
+            <a:r>
+              <a:rPr lang="en-US" sz="2200" b="1" smtClean="0">
+                <a:solidFill>
+                  <a:schemeClr val="accent2">
+                    <a:lumMod val="75000"/>
+                  </a:schemeClr>
+                </a:solidFill>
+                <a:latin typeface="Times New Roman" panose="02020603050405020304" pitchFamily="18" charset="0"/>
+                <a:cs typeface="Times New Roman" panose="02020603050405020304" pitchFamily="18" charset="0"/>
+              </a:rPr>
+              <a:t> </a:t>
+            </a:r>
+            <a:r>
+              <a:rPr lang="en-US" sz="2200" b="1" err="1" smtClean="0">
+                <a:solidFill>
+                  <a:schemeClr val="accent2">
+                    <a:lumMod val="75000"/>
+                  </a:schemeClr>
+                </a:solidFill>
+                <a:latin typeface="Times New Roman" panose="02020603050405020304" pitchFamily="18" charset="0"/>
+                <a:cs typeface="Times New Roman" panose="02020603050405020304" pitchFamily="18" charset="0"/>
+              </a:rPr>
+              <a:t>Của</a:t>
+            </a:r>
+            <a:r>
+              <a:rPr lang="en-US" sz="2200" b="1" smtClean="0">
+                <a:solidFill>
+                  <a:schemeClr val="accent2">
+                    <a:lumMod val="75000"/>
+                  </a:schemeClr>
+                </a:solidFill>
+                <a:latin typeface="Times New Roman" panose="02020603050405020304" pitchFamily="18" charset="0"/>
+                <a:cs typeface="Times New Roman" panose="02020603050405020304" pitchFamily="18" charset="0"/>
+              </a:rPr>
+              <a:t> </a:t>
+            </a:r>
+            <a:r>
+              <a:rPr lang="en-US" sz="2200" b="1" err="1" smtClean="0">
+                <a:solidFill>
+                  <a:schemeClr val="accent2">
+                    <a:lumMod val="75000"/>
+                  </a:schemeClr>
+                </a:solidFill>
+                <a:latin typeface="Times New Roman" panose="02020603050405020304" pitchFamily="18" charset="0"/>
+                <a:cs typeface="Times New Roman" panose="02020603050405020304" pitchFamily="18" charset="0"/>
+              </a:rPr>
+              <a:t>Mô</a:t>
+            </a:r>
+            <a:r>
+              <a:rPr lang="en-US" sz="2200" b="1" smtClean="0">
+                <a:solidFill>
+                  <a:schemeClr val="accent2">
+                    <a:lumMod val="75000"/>
+                  </a:schemeClr>
+                </a:solidFill>
+                <a:latin typeface="Times New Roman" panose="02020603050405020304" pitchFamily="18" charset="0"/>
+                <a:cs typeface="Times New Roman" panose="02020603050405020304" pitchFamily="18" charset="0"/>
+              </a:rPr>
+              <a:t> </a:t>
+            </a:r>
+            <a:r>
+              <a:rPr lang="en-US" sz="2200" b="1" err="1" smtClean="0">
+                <a:solidFill>
+                  <a:schemeClr val="accent2">
+                    <a:lumMod val="75000"/>
+                  </a:schemeClr>
+                </a:solidFill>
+                <a:latin typeface="Times New Roman" panose="02020603050405020304" pitchFamily="18" charset="0"/>
+                <a:cs typeface="Times New Roman" panose="02020603050405020304" pitchFamily="18" charset="0"/>
+              </a:rPr>
+              <a:t>Hình</a:t>
+            </a:r>
+            <a:r>
+              <a:rPr lang="en-US" sz="2200" b="1" smtClean="0">
+                <a:solidFill>
+                  <a:schemeClr val="accent2">
+                    <a:lumMod val="75000"/>
+                  </a:schemeClr>
+                </a:solidFill>
+                <a:latin typeface="Times New Roman" panose="02020603050405020304" pitchFamily="18" charset="0"/>
+                <a:cs typeface="Times New Roman" panose="02020603050405020304" pitchFamily="18" charset="0"/>
+              </a:rPr>
+              <a:t> TCP/IP  </a:t>
+            </a:r>
+            <a:endParaRPr lang="en-US" sz="2200" b="1">
+              <a:solidFill>
+                <a:schemeClr val="accent2">
+                  <a:lumMod val="75000"/>
+                </a:schemeClr>
+              </a:solidFill>
+              <a:latin typeface="Times New Roman" panose="02020603050405020304" pitchFamily="18" charset="0"/>
+              <a:cs typeface="Times New Roman" panose="02020603050405020304" pitchFamily="18" charset="0"/>
+            </a:endParaRPr>
+          </a:p>
+        </p:txBody>
+      </p:sp>
+      <p:sp>
+        <p:nvSpPr>
+          <p:cNvPr id="5" name="Title 1"/>
+          <p:cNvSpPr txBox="1">
+            <a:spLocks/>
+          </p:cNvSpPr>
+          <p:nvPr/>
+        </p:nvSpPr>
+        <p:spPr>
+          <a:xfrm>
+            <a:off x="125260" y="1111311"/>
+            <a:ext cx="3169085" cy="4601183"/>
+          </a:xfrm>
+          <a:prstGeom prst="rect">
+            <a:avLst/>
+          </a:prstGeom>
+        </p:spPr>
+        <p:txBody>
+          <a:bodyPr vert="horz" lIns="91440" tIns="45720" rIns="91440" bIns="45720" rtlCol="0" anchor="ctr">
+            <a:normAutofit/>
+          </a:bodyPr>
+          <a:lstStyle>
+            <a:lvl1pPr algn="l" defTabSz="914400" rtl="0" eaLnBrk="1" latinLnBrk="0" hangingPunct="1">
+              <a:lnSpc>
+                <a:spcPct val="90000"/>
+              </a:lnSpc>
+              <a:spcBef>
+                <a:spcPct val="0"/>
+              </a:spcBef>
+              <a:buNone/>
+              <a:defRPr sz="3600" kern="1200" spc="-60" baseline="0">
+                <a:solidFill>
+                  <a:srgbClr val="FFFFFF"/>
+                </a:solidFill>
+                <a:latin typeface="+mj-lt"/>
+                <a:ea typeface="+mj-ea"/>
+                <a:cs typeface="+mj-cs"/>
+              </a:defRPr>
+            </a:lvl1pPr>
+          </a:lstStyle>
+          <a:p>
+            <a:pPr algn="ctr"/>
+            <a:r>
+              <a:rPr lang="en-US" b="1" smtClean="0"/>
+              <a:t>TCP/IP MODEL</a:t>
+            </a:r>
+            <a:endParaRPr lang="en-US"/>
+          </a:p>
+        </p:txBody>
+      </p:sp>
+      <p:sp>
+        <p:nvSpPr>
+          <p:cNvPr id="6" name="Rectangle 5"/>
+          <p:cNvSpPr/>
+          <p:nvPr/>
+        </p:nvSpPr>
+        <p:spPr>
+          <a:xfrm>
+            <a:off x="4262906" y="1474566"/>
+            <a:ext cx="6877319" cy="3477875"/>
+          </a:xfrm>
+          <a:prstGeom prst="rect">
+            <a:avLst/>
+          </a:prstGeom>
+        </p:spPr>
+        <p:txBody>
+          <a:bodyPr wrap="square">
+            <a:spAutoFit/>
+          </a:bodyPr>
+          <a:lstStyle/>
+          <a:p>
+            <a:pPr algn="just" fontAlgn="base"/>
+            <a:r>
+              <a:rPr lang="vi-VN" sz="2000" b="1" i="0" smtClean="0">
+                <a:solidFill>
+                  <a:srgbClr val="222222"/>
+                </a:solidFill>
+                <a:effectLst/>
+                <a:latin typeface="Times New Roman" panose="02020603050405020304" pitchFamily="18" charset="0"/>
+                <a:cs typeface="Times New Roman" panose="02020603050405020304" pitchFamily="18" charset="0"/>
+              </a:rPr>
+              <a:t>Tầng 1 : Network Access Layer </a:t>
+            </a:r>
+            <a:r>
+              <a:rPr lang="vi-VN" sz="2000" b="0" i="0" smtClean="0">
+                <a:solidFill>
+                  <a:srgbClr val="222222"/>
+                </a:solidFill>
+                <a:effectLst/>
+                <a:latin typeface="Times New Roman" panose="02020603050405020304" pitchFamily="18" charset="0"/>
+                <a:cs typeface="Times New Roman" panose="02020603050405020304" pitchFamily="18" charset="0"/>
+              </a:rPr>
+              <a:t>(tầng truy cập) có thể coi tầng truy cập là một tầng riêng biệt hoặc cũng có thể tách thành 2 tầng vật lý và tầng liên kết dữ liệu như trong mô hình OSI, tầng truy cập được sử dụng để truyền gói tin từ tầng mạng đến các host trong mạng. Thành phần tầng truy cập bao gồm cả các thiết bị vật lý ( hun, switch, cáp mạng, card mạng HBA-Host Bus Adapter và các đặc tả mức thấp như tín hiệu điện.</a:t>
+            </a:r>
+            <a:endParaRPr lang="en-US" sz="2000" b="0" i="0" smtClean="0">
+              <a:solidFill>
+                <a:srgbClr val="222222"/>
+              </a:solidFill>
+              <a:effectLst/>
+              <a:latin typeface="Times New Roman" panose="02020603050405020304" pitchFamily="18" charset="0"/>
+              <a:cs typeface="Times New Roman" panose="02020603050405020304" pitchFamily="18" charset="0"/>
+            </a:endParaRPr>
+          </a:p>
+          <a:p>
+            <a:pPr algn="just" fontAlgn="base"/>
+            <a:endParaRPr lang="vi-VN" sz="2000" b="0" i="0" smtClean="0">
+              <a:solidFill>
+                <a:srgbClr val="222222"/>
+              </a:solidFill>
+              <a:effectLst/>
+              <a:latin typeface="Times New Roman" panose="02020603050405020304" pitchFamily="18" charset="0"/>
+              <a:cs typeface="Times New Roman" panose="02020603050405020304" pitchFamily="18" charset="0"/>
+            </a:endParaRPr>
+          </a:p>
+          <a:p>
+            <a:pPr algn="just" fontAlgn="base"/>
+            <a:r>
+              <a:rPr lang="vi-VN" sz="2000" b="1" i="0" smtClean="0">
+                <a:solidFill>
+                  <a:srgbClr val="222222"/>
+                </a:solidFill>
+                <a:effectLst/>
+                <a:latin typeface="Times New Roman" panose="02020603050405020304" pitchFamily="18" charset="0"/>
+                <a:cs typeface="Times New Roman" panose="02020603050405020304" pitchFamily="18" charset="0"/>
+              </a:rPr>
+              <a:t>Tầng 2 : Internet Layer </a:t>
+            </a:r>
+            <a:r>
+              <a:rPr lang="vi-VN" sz="2000" b="0" i="0" smtClean="0">
+                <a:solidFill>
+                  <a:srgbClr val="222222"/>
+                </a:solidFill>
+                <a:effectLst/>
+                <a:latin typeface="Times New Roman" panose="02020603050405020304" pitchFamily="18" charset="0"/>
+                <a:cs typeface="Times New Roman" panose="02020603050405020304" pitchFamily="18" charset="0"/>
+              </a:rPr>
+              <a:t>(tầng mạng) Nhiệm vụ của tầng mạng trên mô hình TCP/IP là giải quyết vấn đề dẫn các gói tin đi qua các mạng để đến đúng đích mong muốn.</a:t>
+            </a:r>
+          </a:p>
+        </p:txBody>
+      </p:sp>
+    </p:spTree>
+    <p:extLst>
+      <p:ext uri="{BB962C8B-B14F-4D97-AF65-F5344CB8AC3E}">
+        <p14:creationId xmlns:p14="http://schemas.microsoft.com/office/powerpoint/2010/main" val="3643462918"/>
+      </p:ext>
+    </p:extLst>
+  </p:cSld>
+  <p:clrMapOvr>
+    <a:masterClrMapping/>
+  </p:clrMapOvr>
+  <p:timing>
+    <p:tnLst>
+      <p:par>
+        <p:cTn id="1" dur="indefinite" restart="never" nodeType="tmRoot"/>
+      </p:par>
+    </p:tnLst>
+  </p:timing>
+</p:sld>
+</file>
+
+<file path=ppt/slides/slide13.xml><?xml version="1.0" encoding="utf-8"?>
+<p:sld xmlns:a="http://schemas.openxmlformats.org/drawingml/2006/main" xmlns:r="http://schemas.openxmlformats.org/officeDocument/2006/relationships" xmlns:p="http://schemas.openxmlformats.org/presentationml/2006/main">
+  <p:cSld>
+    <p:spTree>
+      <p:nvGrpSpPr>
+        <p:cNvPr id="1" name=""/>
+        <p:cNvGrpSpPr/>
+        <p:nvPr/>
+      </p:nvGrpSpPr>
+      <p:grpSpPr>
+        <a:xfrm>
+          <a:off x="0" y="0"/>
+          <a:ext cx="0" cy="0"/>
+          <a:chOff x="0" y="0"/>
+          <a:chExt cx="0" cy="0"/>
+        </a:xfrm>
+      </p:grpSpPr>
+      <p:sp>
+        <p:nvSpPr>
+          <p:cNvPr id="4" name="Rectangle 3"/>
+          <p:cNvSpPr/>
+          <p:nvPr/>
+        </p:nvSpPr>
+        <p:spPr>
+          <a:xfrm>
+            <a:off x="4262908" y="1532950"/>
+            <a:ext cx="6864438" cy="4093428"/>
+          </a:xfrm>
+          <a:prstGeom prst="rect">
+            <a:avLst/>
+          </a:prstGeom>
+        </p:spPr>
+        <p:txBody>
+          <a:bodyPr wrap="square">
+            <a:spAutoFit/>
+          </a:bodyPr>
+          <a:lstStyle/>
+          <a:p>
+            <a:pPr algn="just" fontAlgn="base"/>
+            <a:r>
+              <a:rPr lang="vi-VN" sz="2000" b="1" i="0" smtClean="0">
+                <a:solidFill>
+                  <a:srgbClr val="222222"/>
+                </a:solidFill>
+                <a:effectLst/>
+                <a:latin typeface="Times New Roman" panose="02020603050405020304" pitchFamily="18" charset="0"/>
+                <a:cs typeface="Times New Roman" panose="02020603050405020304" pitchFamily="18" charset="0"/>
+              </a:rPr>
+              <a:t>Tầng 3 : Transport Layer </a:t>
+            </a:r>
+            <a:r>
+              <a:rPr lang="vi-VN" sz="2000" b="0" i="0" smtClean="0">
+                <a:solidFill>
+                  <a:srgbClr val="222222"/>
+                </a:solidFill>
+                <a:effectLst/>
+                <a:latin typeface="Times New Roman" panose="02020603050405020304" pitchFamily="18" charset="0"/>
+                <a:cs typeface="Times New Roman" panose="02020603050405020304" pitchFamily="18" charset="0"/>
+              </a:rPr>
+              <a:t>(tầng vận chuyển) cũng giống với tầng vận chuyển của mô hình OSI, tầng vận chuyển làm nhiệm vụ phân nhỏ các gói tin có kích thước lớn khi gửi và tập hợp lại khi nhận, đảm bảo tính toàn vẹn cho dữ liệu (không lỗi,không mất, không lặp, đúng thứ tự).</a:t>
+            </a:r>
+            <a:endParaRPr lang="en-US" sz="2000" b="0" i="0" smtClean="0">
+              <a:solidFill>
+                <a:srgbClr val="222222"/>
+              </a:solidFill>
+              <a:effectLst/>
+              <a:latin typeface="Times New Roman" panose="02020603050405020304" pitchFamily="18" charset="0"/>
+              <a:cs typeface="Times New Roman" panose="02020603050405020304" pitchFamily="18" charset="0"/>
+            </a:endParaRPr>
+          </a:p>
+          <a:p>
+            <a:pPr algn="just" fontAlgn="base"/>
+            <a:endParaRPr lang="vi-VN" sz="2000" b="0" i="0" smtClean="0">
+              <a:solidFill>
+                <a:srgbClr val="222222"/>
+              </a:solidFill>
+              <a:effectLst/>
+              <a:latin typeface="Times New Roman" panose="02020603050405020304" pitchFamily="18" charset="0"/>
+              <a:cs typeface="Times New Roman" panose="02020603050405020304" pitchFamily="18" charset="0"/>
+            </a:endParaRPr>
+          </a:p>
+          <a:p>
+            <a:pPr algn="just" fontAlgn="base"/>
+            <a:r>
+              <a:rPr lang="vi-VN" sz="2000" b="1" i="0" smtClean="0">
+                <a:solidFill>
+                  <a:srgbClr val="222222"/>
+                </a:solidFill>
+                <a:effectLst/>
+                <a:latin typeface="Times New Roman" panose="02020603050405020304" pitchFamily="18" charset="0"/>
+                <a:cs typeface="Times New Roman" panose="02020603050405020304" pitchFamily="18" charset="0"/>
+              </a:rPr>
+              <a:t>Tầng 4 : Application Layer </a:t>
+            </a:r>
+            <a:r>
+              <a:rPr lang="vi-VN" sz="2000" b="0" i="0" smtClean="0">
+                <a:solidFill>
+                  <a:srgbClr val="222222"/>
+                </a:solidFill>
+                <a:effectLst/>
+                <a:latin typeface="Times New Roman" panose="02020603050405020304" pitchFamily="18" charset="0"/>
+                <a:cs typeface="Times New Roman" panose="02020603050405020304" pitchFamily="18" charset="0"/>
+              </a:rPr>
+              <a:t>(tầng ứng dụng) là nơi các chương trình mạng như Web Browser, Mail User Agent làm việc để liên lạc giữa các node mạng. Do mô hình TCP/IP không có tầng nào nằm giữa tầng ứng dụng và tầng vận chuyển , nên tầng ứng dụng của mô hình TCP/IP bao gồm cả các giao thức hoạt động như tầng trình diễn và phiên trong mô hình OSI. Việc này thường do người lập trình viên thực hiện.</a:t>
+            </a:r>
+            <a:endParaRPr lang="vi-VN" sz="2000" b="0" i="0">
+              <a:solidFill>
+                <a:srgbClr val="222222"/>
+              </a:solidFill>
+              <a:effectLst/>
+              <a:latin typeface="Times New Roman" panose="02020603050405020304" pitchFamily="18" charset="0"/>
+              <a:cs typeface="Times New Roman" panose="02020603050405020304" pitchFamily="18" charset="0"/>
+            </a:endParaRPr>
+          </a:p>
+        </p:txBody>
+      </p:sp>
+      <p:sp>
+        <p:nvSpPr>
+          <p:cNvPr id="5" name="Title 1"/>
+          <p:cNvSpPr txBox="1">
+            <a:spLocks/>
+          </p:cNvSpPr>
+          <p:nvPr/>
+        </p:nvSpPr>
+        <p:spPr>
+          <a:xfrm>
+            <a:off x="125260" y="1111311"/>
+            <a:ext cx="3169085" cy="4601183"/>
+          </a:xfrm>
+          <a:prstGeom prst="rect">
+            <a:avLst/>
+          </a:prstGeom>
+        </p:spPr>
+        <p:txBody>
+          <a:bodyPr vert="horz" lIns="91440" tIns="45720" rIns="91440" bIns="45720" rtlCol="0" anchor="ctr">
+            <a:normAutofit/>
+          </a:bodyPr>
+          <a:lstStyle>
+            <a:lvl1pPr algn="l" defTabSz="914400" rtl="0" eaLnBrk="1" latinLnBrk="0" hangingPunct="1">
+              <a:lnSpc>
+                <a:spcPct val="90000"/>
+              </a:lnSpc>
+              <a:spcBef>
+                <a:spcPct val="0"/>
+              </a:spcBef>
+              <a:buNone/>
+              <a:defRPr sz="3600" kern="1200" spc="-60" baseline="0">
+                <a:solidFill>
+                  <a:srgbClr val="FFFFFF"/>
+                </a:solidFill>
+                <a:latin typeface="+mj-lt"/>
+                <a:ea typeface="+mj-ea"/>
+                <a:cs typeface="+mj-cs"/>
+              </a:defRPr>
+            </a:lvl1pPr>
+          </a:lstStyle>
+          <a:p>
+            <a:pPr algn="ctr"/>
+            <a:r>
+              <a:rPr lang="en-US" b="1" smtClean="0"/>
+              <a:t>TCP/IP MODEL</a:t>
+            </a:r>
+            <a:endParaRPr lang="en-US"/>
+          </a:p>
+        </p:txBody>
+      </p:sp>
+      <p:sp>
+        <p:nvSpPr>
+          <p:cNvPr id="6" name="TextBox 5"/>
+          <p:cNvSpPr txBox="1"/>
+          <p:nvPr/>
+        </p:nvSpPr>
+        <p:spPr>
+          <a:xfrm>
+            <a:off x="4509368" y="605268"/>
+            <a:ext cx="5787026" cy="430887"/>
+          </a:xfrm>
+          <a:prstGeom prst="rect">
+            <a:avLst/>
+          </a:prstGeom>
+          <a:noFill/>
+        </p:spPr>
+        <p:txBody>
+          <a:bodyPr wrap="square" rtlCol="0">
+            <a:spAutoFit/>
+          </a:bodyPr>
+          <a:lstStyle/>
+          <a:p>
+            <a:pPr algn="ctr"/>
+            <a:r>
+              <a:rPr lang="en-US" sz="2200" b="1" err="1" smtClean="0">
+                <a:solidFill>
+                  <a:schemeClr val="accent2">
+                    <a:lumMod val="75000"/>
+                  </a:schemeClr>
+                </a:solidFill>
+                <a:latin typeface="Times New Roman" panose="02020603050405020304" pitchFamily="18" charset="0"/>
+                <a:cs typeface="Times New Roman" panose="02020603050405020304" pitchFamily="18" charset="0"/>
+              </a:rPr>
+              <a:t>Các</a:t>
+            </a:r>
+            <a:r>
+              <a:rPr lang="en-US" sz="2200" b="1" smtClean="0">
+                <a:solidFill>
+                  <a:schemeClr val="accent2">
+                    <a:lumMod val="75000"/>
+                  </a:schemeClr>
+                </a:solidFill>
+                <a:latin typeface="Times New Roman" panose="02020603050405020304" pitchFamily="18" charset="0"/>
+                <a:cs typeface="Times New Roman" panose="02020603050405020304" pitchFamily="18" charset="0"/>
+              </a:rPr>
+              <a:t> </a:t>
+            </a:r>
+            <a:r>
+              <a:rPr lang="en-US" sz="2200" b="1" err="1" smtClean="0">
+                <a:solidFill>
+                  <a:schemeClr val="accent2">
+                    <a:lumMod val="75000"/>
+                  </a:schemeClr>
+                </a:solidFill>
+                <a:latin typeface="Times New Roman" panose="02020603050405020304" pitchFamily="18" charset="0"/>
+                <a:cs typeface="Times New Roman" panose="02020603050405020304" pitchFamily="18" charset="0"/>
+              </a:rPr>
+              <a:t>Tầng</a:t>
+            </a:r>
+            <a:r>
+              <a:rPr lang="en-US" sz="2200" b="1" smtClean="0">
+                <a:solidFill>
+                  <a:schemeClr val="accent2">
+                    <a:lumMod val="75000"/>
+                  </a:schemeClr>
+                </a:solidFill>
+                <a:latin typeface="Times New Roman" panose="02020603050405020304" pitchFamily="18" charset="0"/>
+                <a:cs typeface="Times New Roman" panose="02020603050405020304" pitchFamily="18" charset="0"/>
+              </a:rPr>
+              <a:t> </a:t>
+            </a:r>
+            <a:r>
+              <a:rPr lang="en-US" sz="2200" b="1" err="1" smtClean="0">
+                <a:solidFill>
+                  <a:schemeClr val="accent2">
+                    <a:lumMod val="75000"/>
+                  </a:schemeClr>
+                </a:solidFill>
+                <a:latin typeface="Times New Roman" panose="02020603050405020304" pitchFamily="18" charset="0"/>
+                <a:cs typeface="Times New Roman" panose="02020603050405020304" pitchFamily="18" charset="0"/>
+              </a:rPr>
+              <a:t>Của</a:t>
+            </a:r>
+            <a:r>
+              <a:rPr lang="en-US" sz="2200" b="1" smtClean="0">
+                <a:solidFill>
+                  <a:schemeClr val="accent2">
+                    <a:lumMod val="75000"/>
+                  </a:schemeClr>
+                </a:solidFill>
+                <a:latin typeface="Times New Roman" panose="02020603050405020304" pitchFamily="18" charset="0"/>
+                <a:cs typeface="Times New Roman" panose="02020603050405020304" pitchFamily="18" charset="0"/>
+              </a:rPr>
+              <a:t> </a:t>
+            </a:r>
+            <a:r>
+              <a:rPr lang="en-US" sz="2200" b="1" err="1" smtClean="0">
+                <a:solidFill>
+                  <a:schemeClr val="accent2">
+                    <a:lumMod val="75000"/>
+                  </a:schemeClr>
+                </a:solidFill>
+                <a:latin typeface="Times New Roman" panose="02020603050405020304" pitchFamily="18" charset="0"/>
+                <a:cs typeface="Times New Roman" panose="02020603050405020304" pitchFamily="18" charset="0"/>
+              </a:rPr>
+              <a:t>Mô</a:t>
+            </a:r>
+            <a:r>
+              <a:rPr lang="en-US" sz="2200" b="1" smtClean="0">
+                <a:solidFill>
+                  <a:schemeClr val="accent2">
+                    <a:lumMod val="75000"/>
+                  </a:schemeClr>
+                </a:solidFill>
+                <a:latin typeface="Times New Roman" panose="02020603050405020304" pitchFamily="18" charset="0"/>
+                <a:cs typeface="Times New Roman" panose="02020603050405020304" pitchFamily="18" charset="0"/>
+              </a:rPr>
+              <a:t> </a:t>
+            </a:r>
+            <a:r>
+              <a:rPr lang="en-US" sz="2200" b="1" err="1" smtClean="0">
+                <a:solidFill>
+                  <a:schemeClr val="accent2">
+                    <a:lumMod val="75000"/>
+                  </a:schemeClr>
+                </a:solidFill>
+                <a:latin typeface="Times New Roman" panose="02020603050405020304" pitchFamily="18" charset="0"/>
+                <a:cs typeface="Times New Roman" panose="02020603050405020304" pitchFamily="18" charset="0"/>
+              </a:rPr>
+              <a:t>Hình</a:t>
+            </a:r>
+            <a:r>
+              <a:rPr lang="en-US" sz="2200" b="1" smtClean="0">
+                <a:solidFill>
+                  <a:schemeClr val="accent2">
+                    <a:lumMod val="75000"/>
+                  </a:schemeClr>
+                </a:solidFill>
+                <a:latin typeface="Times New Roman" panose="02020603050405020304" pitchFamily="18" charset="0"/>
+                <a:cs typeface="Times New Roman" panose="02020603050405020304" pitchFamily="18" charset="0"/>
+              </a:rPr>
+              <a:t> TCP/IP  </a:t>
+            </a:r>
+            <a:endParaRPr lang="en-US" sz="2200" b="1">
+              <a:solidFill>
+                <a:schemeClr val="accent2">
+                  <a:lumMod val="75000"/>
+                </a:schemeClr>
+              </a:solidFill>
+              <a:latin typeface="Times New Roman" panose="02020603050405020304" pitchFamily="18" charset="0"/>
+              <a:cs typeface="Times New Roman" panose="02020603050405020304" pitchFamily="18" charset="0"/>
+            </a:endParaRPr>
+          </a:p>
+        </p:txBody>
+      </p:sp>
+    </p:spTree>
+    <p:extLst>
+      <p:ext uri="{BB962C8B-B14F-4D97-AF65-F5344CB8AC3E}">
+        <p14:creationId xmlns:p14="http://schemas.microsoft.com/office/powerpoint/2010/main" val="1804764705"/>
+      </p:ext>
+    </p:extLst>
+  </p:cSld>
+  <p:clrMapOvr>
+    <a:masterClrMapping/>
+  </p:clrMapOvr>
+  <p:timing>
+    <p:tnLst>
+      <p:par>
+        <p:cTn id="1" dur="indefinite" restart="never" nodeType="tmRoot"/>
+      </p:par>
+    </p:tnLst>
+  </p:timing>
+</p:sld>
+</file>
+
+<file path=ppt/slides/slide14.xml><?xml version="1.0" encoding="utf-8"?>
+<p:sld xmlns:a="http://schemas.openxmlformats.org/drawingml/2006/main" xmlns:r="http://schemas.openxmlformats.org/officeDocument/2006/relationships" xmlns:p="http://schemas.openxmlformats.org/presentationml/2006/main">
+  <p:cSld>
+    <p:spTree>
+      <p:nvGrpSpPr>
+        <p:cNvPr id="1" name=""/>
+        <p:cNvGrpSpPr/>
+        <p:nvPr/>
+      </p:nvGrpSpPr>
+      <p:grpSpPr>
+        <a:xfrm>
+          <a:off x="0" y="0"/>
+          <a:ext cx="0" cy="0"/>
+          <a:chOff x="0" y="0"/>
+          <a:chExt cx="0" cy="0"/>
+        </a:xfrm>
+      </p:grpSpPr>
+      <p:sp>
+        <p:nvSpPr>
+          <p:cNvPr id="4" name="Title 1"/>
           <p:cNvSpPr txBox="1">
             <a:spLocks noGrp="1"/>
           </p:cNvSpPr>
@@ -3669,7 +5029,7 @@
 </p:sld>
 </file>
 
-<file path=ppt/slides/slide11.xml><?xml version="1.0" encoding="utf-8"?>
+<file path=ppt/slides/slide15.xml><?xml version="1.0" encoding="utf-8"?>
 <p:sld xmlns:a="http://schemas.openxmlformats.org/drawingml/2006/main" xmlns:r="http://schemas.openxmlformats.org/officeDocument/2006/relationships" xmlns:p="http://schemas.openxmlformats.org/presentationml/2006/main">
   <p:cSld>
     <p:spTree>
@@ -4169,7 +5529,7 @@
 </p:sld>
 </file>
 
-<file path=ppt/slides/slide12.xml><?xml version="1.0" encoding="utf-8"?>
+<file path=ppt/slides/slide16.xml><?xml version="1.0" encoding="utf-8"?>
 <p:sld xmlns:a="http://schemas.openxmlformats.org/drawingml/2006/main" xmlns:r="http://schemas.openxmlformats.org/officeDocument/2006/relationships" xmlns:p="http://schemas.openxmlformats.org/presentationml/2006/main">
   <p:cSld>
     <p:spTree>
@@ -4501,1829 +5861,6 @@
 </p:sld>
 </file>
 
-<file path=ppt/slides/slide13.xml><?xml version="1.0" encoding="utf-8"?>
-<p:sld xmlns:a="http://schemas.openxmlformats.org/drawingml/2006/main" xmlns:r="http://schemas.openxmlformats.org/officeDocument/2006/relationships" xmlns:p="http://schemas.openxmlformats.org/presentationml/2006/main">
-  <p:cSld>
-    <p:spTree>
-      <p:nvGrpSpPr>
-        <p:cNvPr id="1" name=""/>
-        <p:cNvGrpSpPr/>
-        <p:nvPr/>
-      </p:nvGrpSpPr>
-      <p:grpSpPr>
-        <a:xfrm>
-          <a:off x="0" y="0"/>
-          <a:ext cx="0" cy="0"/>
-          <a:chOff x="0" y="0"/>
-          <a:chExt cx="0" cy="0"/>
-        </a:xfrm>
-      </p:grpSpPr>
-      <p:sp>
-        <p:nvSpPr>
-          <p:cNvPr id="4" name="Title 1"/>
-          <p:cNvSpPr txBox="1">
-            <a:spLocks noGrp="1"/>
-          </p:cNvSpPr>
-          <p:nvPr>
-            <p:ph type="title"/>
-          </p:nvPr>
-        </p:nvSpPr>
-        <p:spPr>
-          <a:prstGeom prst="rect">
-            <a:avLst/>
-          </a:prstGeom>
-        </p:spPr>
-        <p:txBody>
-          <a:bodyPr vert="horz" lIns="91440" tIns="45720" rIns="91440" bIns="45720" rtlCol="0" anchor="ctr">
-            <a:normAutofit/>
-          </a:bodyPr>
-          <a:lstStyle>
-            <a:lvl1pPr algn="l" defTabSz="914400" rtl="0" eaLnBrk="1" latinLnBrk="0" hangingPunct="1">
-              <a:lnSpc>
-                <a:spcPct val="90000"/>
-              </a:lnSpc>
-              <a:spcBef>
-                <a:spcPct val="0"/>
-              </a:spcBef>
-              <a:buNone/>
-              <a:defRPr sz="3600" kern="1200" spc="-60" baseline="0">
-                <a:solidFill>
-                  <a:srgbClr val="FFFFFF"/>
-                </a:solidFill>
-                <a:latin typeface="+mj-lt"/>
-                <a:ea typeface="+mj-ea"/>
-                <a:cs typeface="+mj-cs"/>
-              </a:defRPr>
-            </a:lvl1pPr>
-          </a:lstStyle>
-          <a:p>
-            <a:pPr algn="ctr"/>
-            <a:r>
-              <a:rPr lang="en-US" b="1" smtClean="0"/>
-              <a:t>CÁC GIAO THỨC / DỊCH VỤ TRONG TẦNG APPLICATION</a:t>
-            </a:r>
-            <a:endParaRPr lang="en-US"/>
-          </a:p>
-        </p:txBody>
-      </p:sp>
-      <p:sp>
-        <p:nvSpPr>
-          <p:cNvPr id="5" name="TextBox 4"/>
-          <p:cNvSpPr txBox="1"/>
-          <p:nvPr/>
-        </p:nvSpPr>
-        <p:spPr>
-          <a:xfrm>
-            <a:off x="4509368" y="605268"/>
-            <a:ext cx="5787026" cy="430887"/>
-          </a:xfrm>
-          <a:prstGeom prst="rect">
-            <a:avLst/>
-          </a:prstGeom>
-          <a:noFill/>
-        </p:spPr>
-        <p:txBody>
-          <a:bodyPr wrap="square" rtlCol="0">
-            <a:spAutoFit/>
-          </a:bodyPr>
-          <a:lstStyle/>
-          <a:p>
-            <a:pPr algn="ctr"/>
-            <a:r>
-              <a:rPr lang="en-US" sz="2200" b="1">
-                <a:solidFill>
-                  <a:schemeClr val="accent2">
-                    <a:lumMod val="75000"/>
-                  </a:schemeClr>
-                </a:solidFill>
-                <a:latin typeface="Times New Roman" panose="02020603050405020304" pitchFamily="18" charset="0"/>
-                <a:cs typeface="Times New Roman" panose="02020603050405020304" pitchFamily="18" charset="0"/>
-              </a:rPr>
-              <a:t>D</a:t>
-            </a:r>
-            <a:r>
-              <a:rPr lang="en-US" sz="2200" b="1" smtClean="0">
-                <a:solidFill>
-                  <a:schemeClr val="accent2">
-                    <a:lumMod val="75000"/>
-                  </a:schemeClr>
-                </a:solidFill>
-                <a:latin typeface="Times New Roman" panose="02020603050405020304" pitchFamily="18" charset="0"/>
-                <a:cs typeface="Times New Roman" panose="02020603050405020304" pitchFamily="18" charset="0"/>
-              </a:rPr>
-              <a:t>ịch vụ Web: HTTP và HTTPS.</a:t>
-            </a:r>
-            <a:endParaRPr lang="en-US" sz="2200" b="1">
-              <a:solidFill>
-                <a:schemeClr val="accent2">
-                  <a:lumMod val="75000"/>
-                </a:schemeClr>
-              </a:solidFill>
-              <a:latin typeface="Times New Roman" panose="02020603050405020304" pitchFamily="18" charset="0"/>
-              <a:cs typeface="Times New Roman" panose="02020603050405020304" pitchFamily="18" charset="0"/>
-            </a:endParaRPr>
-          </a:p>
-        </p:txBody>
-      </p:sp>
-      <p:sp>
-        <p:nvSpPr>
-          <p:cNvPr id="6" name="Rectangle 5"/>
-          <p:cNvSpPr/>
-          <p:nvPr/>
-        </p:nvSpPr>
-        <p:spPr>
-          <a:xfrm>
-            <a:off x="4198513" y="1278385"/>
-            <a:ext cx="7328078" cy="5062924"/>
-          </a:xfrm>
-          <a:prstGeom prst="rect">
-            <a:avLst/>
-          </a:prstGeom>
-        </p:spPr>
-        <p:txBody>
-          <a:bodyPr wrap="square">
-            <a:spAutoFit/>
-          </a:bodyPr>
-          <a:lstStyle/>
-          <a:p>
-            <a:pPr algn="just" fontAlgn="base"/>
-            <a:r>
-              <a:rPr lang="en-US" sz="1900" smtClean="0">
-                <a:solidFill>
-                  <a:srgbClr val="1D1D1D"/>
-                </a:solidFill>
-                <a:latin typeface="Times New Roman" panose="02020603050405020304" pitchFamily="18" charset="0"/>
-                <a:cs typeface="Times New Roman" panose="02020603050405020304" pitchFamily="18" charset="0"/>
-              </a:rPr>
-              <a:t>- </a:t>
-            </a:r>
-            <a:r>
-              <a:rPr lang="vi-VN" sz="1900" smtClean="0">
-                <a:solidFill>
-                  <a:srgbClr val="1D1D1D"/>
-                </a:solidFill>
-                <a:latin typeface="Times New Roman" panose="02020603050405020304" pitchFamily="18" charset="0"/>
-                <a:cs typeface="Times New Roman" panose="02020603050405020304" pitchFamily="18" charset="0"/>
-              </a:rPr>
-              <a:t>Các </a:t>
-            </a:r>
-            <a:r>
-              <a:rPr lang="vi-VN" sz="1900">
-                <a:solidFill>
-                  <a:srgbClr val="1D1D1D"/>
-                </a:solidFill>
-                <a:latin typeface="Times New Roman" panose="02020603050405020304" pitchFamily="18" charset="0"/>
-                <a:cs typeface="Times New Roman" panose="02020603050405020304" pitchFamily="18" charset="0"/>
-              </a:rPr>
-              <a:t>bước hoạt động:</a:t>
-            </a:r>
-          </a:p>
-          <a:p>
-            <a:pPr algn="just" fontAlgn="base"/>
-            <a:r>
-              <a:rPr lang="en-US" sz="1900">
-                <a:solidFill>
-                  <a:srgbClr val="1D1D1D"/>
-                </a:solidFill>
-                <a:latin typeface="Times New Roman" panose="02020603050405020304" pitchFamily="18" charset="0"/>
-                <a:cs typeface="Times New Roman" panose="02020603050405020304" pitchFamily="18" charset="0"/>
-              </a:rPr>
-              <a:t> </a:t>
-            </a:r>
-            <a:r>
-              <a:rPr lang="en-US" sz="1900" smtClean="0">
-                <a:solidFill>
-                  <a:srgbClr val="1D1D1D"/>
-                </a:solidFill>
-                <a:latin typeface="Times New Roman" panose="02020603050405020304" pitchFamily="18" charset="0"/>
-                <a:cs typeface="Times New Roman" panose="02020603050405020304" pitchFamily="18" charset="0"/>
-              </a:rPr>
-              <a:t>+ </a:t>
-            </a:r>
-            <a:r>
-              <a:rPr lang="vi-VN" sz="1900" b="1" smtClean="0">
-                <a:solidFill>
-                  <a:srgbClr val="1D1D1D"/>
-                </a:solidFill>
-                <a:latin typeface="Times New Roman" panose="02020603050405020304" pitchFamily="18" charset="0"/>
-                <a:cs typeface="Times New Roman" panose="02020603050405020304" pitchFamily="18" charset="0"/>
-              </a:rPr>
-              <a:t>Bước </a:t>
-            </a:r>
-            <a:r>
-              <a:rPr lang="vi-VN" sz="1900" b="1">
-                <a:solidFill>
-                  <a:srgbClr val="1D1D1D"/>
-                </a:solidFill>
-                <a:latin typeface="Times New Roman" panose="02020603050405020304" pitchFamily="18" charset="0"/>
-                <a:cs typeface="Times New Roman" panose="02020603050405020304" pitchFamily="18" charset="0"/>
-              </a:rPr>
-              <a:t>1</a:t>
-            </a:r>
-            <a:r>
-              <a:rPr lang="vi-VN" sz="1900">
-                <a:solidFill>
-                  <a:srgbClr val="1D1D1D"/>
-                </a:solidFill>
-                <a:latin typeface="Times New Roman" panose="02020603050405020304" pitchFamily="18" charset="0"/>
-                <a:cs typeface="Times New Roman" panose="02020603050405020304" pitchFamily="18" charset="0"/>
-              </a:rPr>
-              <a:t>: </a:t>
-            </a:r>
-            <a:r>
-              <a:rPr lang="en-US" sz="1900" smtClean="0">
-                <a:solidFill>
-                  <a:srgbClr val="1D1D1D"/>
-                </a:solidFill>
-                <a:latin typeface="Times New Roman" panose="02020603050405020304" pitchFamily="18" charset="0"/>
-                <a:cs typeface="Times New Roman" panose="02020603050405020304" pitchFamily="18" charset="0"/>
-              </a:rPr>
-              <a:t>N</a:t>
-            </a:r>
-            <a:r>
-              <a:rPr lang="vi-VN" sz="1900" smtClean="0">
-                <a:solidFill>
-                  <a:srgbClr val="1D1D1D"/>
-                </a:solidFill>
-                <a:latin typeface="Times New Roman" panose="02020603050405020304" pitchFamily="18" charset="0"/>
-                <a:cs typeface="Times New Roman" panose="02020603050405020304" pitchFamily="18" charset="0"/>
-              </a:rPr>
-              <a:t>gười </a:t>
-            </a:r>
-            <a:r>
-              <a:rPr lang="vi-VN" sz="1900">
-                <a:solidFill>
-                  <a:srgbClr val="1D1D1D"/>
-                </a:solidFill>
-                <a:latin typeface="Times New Roman" panose="02020603050405020304" pitchFamily="18" charset="0"/>
-                <a:cs typeface="Times New Roman" panose="02020603050405020304" pitchFamily="18" charset="0"/>
-              </a:rPr>
-              <a:t>dùng truy cập tên miền </a:t>
-            </a:r>
-            <a:r>
-              <a:rPr lang="vi-VN" sz="1900" smtClean="0">
-                <a:solidFill>
-                  <a:srgbClr val="1D1D1D"/>
-                </a:solidFill>
-                <a:latin typeface="Times New Roman" panose="02020603050405020304" pitchFamily="18" charset="0"/>
-                <a:cs typeface="Times New Roman" panose="02020603050405020304" pitchFamily="18" charset="0"/>
-              </a:rPr>
-              <a:t>Website</a:t>
-            </a:r>
-            <a:r>
-              <a:rPr lang="en-US" sz="1900" smtClean="0">
-                <a:solidFill>
-                  <a:srgbClr val="1D1D1D"/>
-                </a:solidFill>
-                <a:latin typeface="Times New Roman" panose="02020603050405020304" pitchFamily="18" charset="0"/>
-                <a:cs typeface="Times New Roman" panose="02020603050405020304" pitchFamily="18" charset="0"/>
-              </a:rPr>
-              <a:t> bằng trình duyệt</a:t>
-            </a:r>
-            <a:r>
-              <a:rPr lang="vi-VN" sz="1900" smtClean="0">
-                <a:solidFill>
-                  <a:srgbClr val="1D1D1D"/>
-                </a:solidFill>
-                <a:latin typeface="Times New Roman" panose="02020603050405020304" pitchFamily="18" charset="0"/>
-                <a:cs typeface="Times New Roman" panose="02020603050405020304" pitchFamily="18" charset="0"/>
-              </a:rPr>
-              <a:t>.</a:t>
-            </a:r>
-            <a:endParaRPr lang="vi-VN" sz="1900">
-              <a:solidFill>
-                <a:srgbClr val="1D1D1D"/>
-              </a:solidFill>
-              <a:latin typeface="Times New Roman" panose="02020603050405020304" pitchFamily="18" charset="0"/>
-              <a:cs typeface="Times New Roman" panose="02020603050405020304" pitchFamily="18" charset="0"/>
-            </a:endParaRPr>
-          </a:p>
-          <a:p>
-            <a:pPr algn="just" fontAlgn="base"/>
-            <a:r>
-              <a:rPr lang="en-US" sz="1900">
-                <a:solidFill>
-                  <a:srgbClr val="1D1D1D"/>
-                </a:solidFill>
-                <a:latin typeface="Times New Roman" panose="02020603050405020304" pitchFamily="18" charset="0"/>
-                <a:cs typeface="Times New Roman" panose="02020603050405020304" pitchFamily="18" charset="0"/>
-              </a:rPr>
-              <a:t> </a:t>
-            </a:r>
-            <a:r>
-              <a:rPr lang="en-US" sz="1900" smtClean="0">
-                <a:solidFill>
-                  <a:srgbClr val="1D1D1D"/>
-                </a:solidFill>
-                <a:latin typeface="Times New Roman" panose="02020603050405020304" pitchFamily="18" charset="0"/>
-                <a:cs typeface="Times New Roman" panose="02020603050405020304" pitchFamily="18" charset="0"/>
-              </a:rPr>
-              <a:t>+ </a:t>
-            </a:r>
-            <a:r>
-              <a:rPr lang="vi-VN" sz="1900" b="1" smtClean="0">
-                <a:solidFill>
-                  <a:srgbClr val="1D1D1D"/>
-                </a:solidFill>
-                <a:latin typeface="Times New Roman" panose="02020603050405020304" pitchFamily="18" charset="0"/>
-                <a:cs typeface="Times New Roman" panose="02020603050405020304" pitchFamily="18" charset="0"/>
-              </a:rPr>
-              <a:t>Bước</a:t>
-            </a:r>
-            <a:r>
-              <a:rPr lang="en-US" sz="1900" b="1" smtClean="0">
-                <a:solidFill>
-                  <a:srgbClr val="1D1D1D"/>
-                </a:solidFill>
-                <a:latin typeface="Times New Roman" panose="02020603050405020304" pitchFamily="18" charset="0"/>
-                <a:cs typeface="Times New Roman" panose="02020603050405020304" pitchFamily="18" charset="0"/>
-              </a:rPr>
-              <a:t> </a:t>
-            </a:r>
-            <a:r>
-              <a:rPr lang="vi-VN" sz="1900" b="1" smtClean="0">
-                <a:solidFill>
-                  <a:srgbClr val="1D1D1D"/>
-                </a:solidFill>
-                <a:latin typeface="Times New Roman" panose="02020603050405020304" pitchFamily="18" charset="0"/>
-                <a:cs typeface="Times New Roman" panose="02020603050405020304" pitchFamily="18" charset="0"/>
-              </a:rPr>
-              <a:t>2</a:t>
-            </a:r>
-            <a:r>
-              <a:rPr lang="vi-VN" sz="1900">
-                <a:solidFill>
-                  <a:srgbClr val="1D1D1D"/>
-                </a:solidFill>
-                <a:latin typeface="Times New Roman" panose="02020603050405020304" pitchFamily="18" charset="0"/>
-                <a:cs typeface="Times New Roman" panose="02020603050405020304" pitchFamily="18" charset="0"/>
-              </a:rPr>
-              <a:t>: IE hoặc Firefox sẽ sinh ra một Port cao đồng thời dữ liệu sẽ chuyển xuống tầng Transport. Đồng thời </a:t>
-            </a:r>
-            <a:r>
-              <a:rPr lang="en-US" sz="1900" smtClean="0">
-                <a:solidFill>
-                  <a:srgbClr val="1D1D1D"/>
-                </a:solidFill>
-                <a:latin typeface="Times New Roman" panose="02020603050405020304" pitchFamily="18" charset="0"/>
-                <a:cs typeface="Times New Roman" panose="02020603050405020304" pitchFamily="18" charset="0"/>
-              </a:rPr>
-              <a:t>trình duyệt </a:t>
-            </a:r>
-            <a:r>
-              <a:rPr lang="vi-VN" sz="1900" smtClean="0">
-                <a:solidFill>
-                  <a:srgbClr val="1D1D1D"/>
-                </a:solidFill>
-                <a:latin typeface="Times New Roman" panose="02020603050405020304" pitchFamily="18" charset="0"/>
-                <a:cs typeface="Times New Roman" panose="02020603050405020304" pitchFamily="18" charset="0"/>
-              </a:rPr>
-              <a:t>sẽ </a:t>
-            </a:r>
-            <a:r>
-              <a:rPr lang="vi-VN" sz="1900">
-                <a:solidFill>
-                  <a:srgbClr val="1D1D1D"/>
-                </a:solidFill>
-                <a:latin typeface="Times New Roman" panose="02020603050405020304" pitchFamily="18" charset="0"/>
-                <a:cs typeface="Times New Roman" panose="02020603050405020304" pitchFamily="18" charset="0"/>
-              </a:rPr>
-              <a:t>nhờ DNS Client phân giải hộ tên miền ra địa chỉ IP Web Server.</a:t>
-            </a:r>
-          </a:p>
-          <a:p>
-            <a:pPr algn="just" fontAlgn="base"/>
-            <a:r>
-              <a:rPr lang="en-US" sz="1900">
-                <a:solidFill>
-                  <a:srgbClr val="1D1D1D"/>
-                </a:solidFill>
-                <a:latin typeface="Times New Roman" panose="02020603050405020304" pitchFamily="18" charset="0"/>
-                <a:cs typeface="Times New Roman" panose="02020603050405020304" pitchFamily="18" charset="0"/>
-              </a:rPr>
-              <a:t> </a:t>
-            </a:r>
-            <a:r>
-              <a:rPr lang="en-US" sz="1900" smtClean="0">
-                <a:solidFill>
-                  <a:srgbClr val="1D1D1D"/>
-                </a:solidFill>
-                <a:latin typeface="Times New Roman" panose="02020603050405020304" pitchFamily="18" charset="0"/>
-                <a:cs typeface="Times New Roman" panose="02020603050405020304" pitchFamily="18" charset="0"/>
-              </a:rPr>
-              <a:t>+ </a:t>
-            </a:r>
-            <a:r>
-              <a:rPr lang="vi-VN" sz="1900" b="1" smtClean="0">
-                <a:solidFill>
-                  <a:srgbClr val="1D1D1D"/>
-                </a:solidFill>
-                <a:latin typeface="Times New Roman" panose="02020603050405020304" pitchFamily="18" charset="0"/>
-                <a:cs typeface="Times New Roman" panose="02020603050405020304" pitchFamily="18" charset="0"/>
-              </a:rPr>
-              <a:t>Bước </a:t>
-            </a:r>
-            <a:r>
-              <a:rPr lang="vi-VN" sz="1900" b="1">
-                <a:solidFill>
-                  <a:srgbClr val="1D1D1D"/>
-                </a:solidFill>
-                <a:latin typeface="Times New Roman" panose="02020603050405020304" pitchFamily="18" charset="0"/>
-                <a:cs typeface="Times New Roman" panose="02020603050405020304" pitchFamily="18" charset="0"/>
-              </a:rPr>
-              <a:t>3</a:t>
-            </a:r>
-            <a:r>
-              <a:rPr lang="vi-VN" sz="1900">
-                <a:solidFill>
-                  <a:srgbClr val="1D1D1D"/>
-                </a:solidFill>
-                <a:latin typeface="Times New Roman" panose="02020603050405020304" pitchFamily="18" charset="0"/>
-                <a:cs typeface="Times New Roman" panose="02020603050405020304" pitchFamily="18" charset="0"/>
-              </a:rPr>
-              <a:t>: </a:t>
-            </a:r>
-            <a:r>
-              <a:rPr lang="en-US" sz="1900" smtClean="0">
-                <a:solidFill>
-                  <a:srgbClr val="1D1D1D"/>
-                </a:solidFill>
-                <a:latin typeface="Times New Roman" panose="02020603050405020304" pitchFamily="18" charset="0"/>
-                <a:cs typeface="Times New Roman" panose="02020603050405020304" pitchFamily="18" charset="0"/>
-              </a:rPr>
-              <a:t>Tầng </a:t>
-            </a:r>
-            <a:r>
-              <a:rPr lang="vi-VN" sz="1900" smtClean="0">
-                <a:solidFill>
-                  <a:srgbClr val="1D1D1D"/>
-                </a:solidFill>
-                <a:latin typeface="Times New Roman" panose="02020603050405020304" pitchFamily="18" charset="0"/>
-                <a:cs typeface="Times New Roman" panose="02020603050405020304" pitchFamily="18" charset="0"/>
-              </a:rPr>
-              <a:t>Transport thấy </a:t>
-            </a:r>
-            <a:r>
-              <a:rPr lang="vi-VN" sz="1900">
-                <a:solidFill>
-                  <a:srgbClr val="1D1D1D"/>
-                </a:solidFill>
-                <a:latin typeface="Times New Roman" panose="02020603050405020304" pitchFamily="18" charset="0"/>
-                <a:cs typeface="Times New Roman" panose="02020603050405020304" pitchFamily="18" charset="0"/>
-              </a:rPr>
-              <a:t>dữ liệu là Web nó sẽ nhận bằng Port 80 hoặc 443 sau đó đóng giao thức TCP rồi truyền xuống dưới.</a:t>
-            </a:r>
-          </a:p>
-          <a:p>
-            <a:pPr algn="just" fontAlgn="base"/>
-            <a:r>
-              <a:rPr lang="en-US" sz="1900">
-                <a:solidFill>
-                  <a:srgbClr val="1D1D1D"/>
-                </a:solidFill>
-                <a:latin typeface="Times New Roman" panose="02020603050405020304" pitchFamily="18" charset="0"/>
-                <a:cs typeface="Times New Roman" panose="02020603050405020304" pitchFamily="18" charset="0"/>
-              </a:rPr>
-              <a:t> </a:t>
-            </a:r>
-            <a:r>
-              <a:rPr lang="en-US" sz="1900" smtClean="0">
-                <a:solidFill>
-                  <a:srgbClr val="1D1D1D"/>
-                </a:solidFill>
-                <a:latin typeface="Times New Roman" panose="02020603050405020304" pitchFamily="18" charset="0"/>
-                <a:cs typeface="Times New Roman" panose="02020603050405020304" pitchFamily="18" charset="0"/>
-              </a:rPr>
-              <a:t>+ </a:t>
-            </a:r>
-            <a:r>
-              <a:rPr lang="vi-VN" sz="1900" b="1" smtClean="0">
-                <a:solidFill>
-                  <a:srgbClr val="1D1D1D"/>
-                </a:solidFill>
-                <a:latin typeface="Times New Roman" panose="02020603050405020304" pitchFamily="18" charset="0"/>
-                <a:cs typeface="Times New Roman" panose="02020603050405020304" pitchFamily="18" charset="0"/>
-              </a:rPr>
-              <a:t>Bước </a:t>
-            </a:r>
-            <a:r>
-              <a:rPr lang="vi-VN" sz="1900" b="1">
-                <a:solidFill>
-                  <a:srgbClr val="1D1D1D"/>
-                </a:solidFill>
-                <a:latin typeface="Times New Roman" panose="02020603050405020304" pitchFamily="18" charset="0"/>
-                <a:cs typeface="Times New Roman" panose="02020603050405020304" pitchFamily="18" charset="0"/>
-              </a:rPr>
-              <a:t>4</a:t>
-            </a:r>
-            <a:r>
-              <a:rPr lang="vi-VN" sz="1900">
-                <a:solidFill>
-                  <a:srgbClr val="1D1D1D"/>
-                </a:solidFill>
-                <a:latin typeface="Times New Roman" panose="02020603050405020304" pitchFamily="18" charset="0"/>
-                <a:cs typeface="Times New Roman" panose="02020603050405020304" pitchFamily="18" charset="0"/>
-              </a:rPr>
-              <a:t>: Dữ liệu sẽ được tầng Network đóng IP máy mình và IP máy Web Server (IP Web Server được DNS Client nhờ DNS Server phân giải hộ).</a:t>
-            </a:r>
-          </a:p>
-          <a:p>
-            <a:pPr algn="just" fontAlgn="base"/>
-            <a:r>
-              <a:rPr lang="en-US" sz="1900">
-                <a:solidFill>
-                  <a:srgbClr val="1D1D1D"/>
-                </a:solidFill>
-                <a:latin typeface="Times New Roman" panose="02020603050405020304" pitchFamily="18" charset="0"/>
-                <a:cs typeface="Times New Roman" panose="02020603050405020304" pitchFamily="18" charset="0"/>
-              </a:rPr>
-              <a:t> </a:t>
-            </a:r>
-            <a:r>
-              <a:rPr lang="en-US" sz="1900" smtClean="0">
-                <a:solidFill>
-                  <a:srgbClr val="1D1D1D"/>
-                </a:solidFill>
-                <a:latin typeface="Times New Roman" panose="02020603050405020304" pitchFamily="18" charset="0"/>
-                <a:cs typeface="Times New Roman" panose="02020603050405020304" pitchFamily="18" charset="0"/>
-              </a:rPr>
-              <a:t>+ </a:t>
-            </a:r>
-            <a:r>
-              <a:rPr lang="vi-VN" sz="1900" b="1" smtClean="0">
-                <a:solidFill>
-                  <a:srgbClr val="1D1D1D"/>
-                </a:solidFill>
-                <a:latin typeface="Times New Roman" panose="02020603050405020304" pitchFamily="18" charset="0"/>
-                <a:cs typeface="Times New Roman" panose="02020603050405020304" pitchFamily="18" charset="0"/>
-              </a:rPr>
-              <a:t>Bước </a:t>
-            </a:r>
-            <a:r>
-              <a:rPr lang="vi-VN" sz="1900" b="1">
-                <a:solidFill>
-                  <a:srgbClr val="1D1D1D"/>
-                </a:solidFill>
-                <a:latin typeface="Times New Roman" panose="02020603050405020304" pitchFamily="18" charset="0"/>
-                <a:cs typeface="Times New Roman" panose="02020603050405020304" pitchFamily="18" charset="0"/>
-              </a:rPr>
-              <a:t>5</a:t>
-            </a:r>
-            <a:r>
-              <a:rPr lang="vi-VN" sz="1900">
-                <a:solidFill>
-                  <a:srgbClr val="1D1D1D"/>
-                </a:solidFill>
-                <a:latin typeface="Times New Roman" panose="02020603050405020304" pitchFamily="18" charset="0"/>
-                <a:cs typeface="Times New Roman" panose="02020603050405020304" pitchFamily="18" charset="0"/>
-              </a:rPr>
-              <a:t>: Sau khi dữ liệu tới được Web Server nó sẽ được chuyển lên theo Port 80 hoặc 443. Sau đó dữ liệu được đóng lại và gửi xuống đường truyền.</a:t>
-            </a:r>
-          </a:p>
-          <a:p>
-            <a:pPr algn="just" fontAlgn="base"/>
-            <a:r>
-              <a:rPr lang="en-US" sz="1900">
-                <a:solidFill>
-                  <a:srgbClr val="1D1D1D"/>
-                </a:solidFill>
-                <a:latin typeface="Times New Roman" panose="02020603050405020304" pitchFamily="18" charset="0"/>
-                <a:cs typeface="Times New Roman" panose="02020603050405020304" pitchFamily="18" charset="0"/>
-              </a:rPr>
-              <a:t> </a:t>
-            </a:r>
-            <a:r>
-              <a:rPr lang="en-US" sz="1900" smtClean="0">
-                <a:solidFill>
-                  <a:srgbClr val="1D1D1D"/>
-                </a:solidFill>
-                <a:latin typeface="Times New Roman" panose="02020603050405020304" pitchFamily="18" charset="0"/>
-                <a:cs typeface="Times New Roman" panose="02020603050405020304" pitchFamily="18" charset="0"/>
-              </a:rPr>
-              <a:t>+ </a:t>
-            </a:r>
-            <a:r>
-              <a:rPr lang="en-US" sz="1900" b="1" smtClean="0">
-                <a:solidFill>
-                  <a:srgbClr val="1D1D1D"/>
-                </a:solidFill>
-                <a:latin typeface="Times New Roman" panose="02020603050405020304" pitchFamily="18" charset="0"/>
-                <a:cs typeface="Times New Roman" panose="02020603050405020304" pitchFamily="18" charset="0"/>
-              </a:rPr>
-              <a:t>Bước 6</a:t>
-            </a:r>
-            <a:r>
-              <a:rPr lang="en-US" sz="1900" smtClean="0">
-                <a:solidFill>
-                  <a:srgbClr val="1D1D1D"/>
-                </a:solidFill>
-                <a:latin typeface="Times New Roman" panose="02020603050405020304" pitchFamily="18" charset="0"/>
-                <a:cs typeface="Times New Roman" panose="02020603050405020304" pitchFamily="18" charset="0"/>
-              </a:rPr>
-              <a:t>: </a:t>
-            </a:r>
-            <a:r>
-              <a:rPr lang="vi-VN" sz="1900" smtClean="0">
-                <a:solidFill>
-                  <a:srgbClr val="1D1D1D"/>
-                </a:solidFill>
-                <a:latin typeface="Times New Roman" panose="02020603050405020304" pitchFamily="18" charset="0"/>
-                <a:cs typeface="Times New Roman" panose="02020603050405020304" pitchFamily="18" charset="0"/>
-              </a:rPr>
-              <a:t>Khi </a:t>
-            </a:r>
-            <a:r>
-              <a:rPr lang="vi-VN" sz="1900">
-                <a:solidFill>
-                  <a:srgbClr val="1D1D1D"/>
-                </a:solidFill>
-                <a:latin typeface="Times New Roman" panose="02020603050405020304" pitchFamily="18" charset="0"/>
-                <a:cs typeface="Times New Roman" panose="02020603050405020304" pitchFamily="18" charset="0"/>
-              </a:rPr>
-              <a:t>Client nhận được nó sẽ được Transport chuyển lên IE đúng vào Port cao khi khởi tạo (do có Port cao này nên ta có thể mở nhiều cửa sổ trên một trình duyệt với nhiều Website khác nhau mà không sợ bị trùng.</a:t>
-            </a:r>
-            <a:endParaRPr lang="vi-VN" sz="1900" b="0" i="0">
-              <a:solidFill>
-                <a:srgbClr val="1D1D1D"/>
-              </a:solidFill>
-              <a:effectLst/>
-              <a:latin typeface="Times New Roman" panose="02020603050405020304" pitchFamily="18" charset="0"/>
-              <a:cs typeface="Times New Roman" panose="02020603050405020304" pitchFamily="18" charset="0"/>
-            </a:endParaRPr>
-          </a:p>
-        </p:txBody>
-      </p:sp>
-    </p:spTree>
-    <p:extLst>
-      <p:ext uri="{BB962C8B-B14F-4D97-AF65-F5344CB8AC3E}">
-        <p14:creationId xmlns:p14="http://schemas.microsoft.com/office/powerpoint/2010/main" val="4160904312"/>
-      </p:ext>
-    </p:extLst>
-  </p:cSld>
-  <p:clrMapOvr>
-    <a:masterClrMapping/>
-  </p:clrMapOvr>
-</p:sld>
-</file>
-
-<file path=ppt/slides/slide14.xml><?xml version="1.0" encoding="utf-8"?>
-<p:sld xmlns:a="http://schemas.openxmlformats.org/drawingml/2006/main" xmlns:r="http://schemas.openxmlformats.org/officeDocument/2006/relationships" xmlns:p="http://schemas.openxmlformats.org/presentationml/2006/main">
-  <p:cSld>
-    <p:spTree>
-      <p:nvGrpSpPr>
-        <p:cNvPr id="1" name=""/>
-        <p:cNvGrpSpPr/>
-        <p:nvPr/>
-      </p:nvGrpSpPr>
-      <p:grpSpPr>
-        <a:xfrm>
-          <a:off x="0" y="0"/>
-          <a:ext cx="0" cy="0"/>
-          <a:chOff x="0" y="0"/>
-          <a:chExt cx="0" cy="0"/>
-        </a:xfrm>
-      </p:grpSpPr>
-      <p:sp>
-        <p:nvSpPr>
-          <p:cNvPr id="5" name="Title 1"/>
-          <p:cNvSpPr txBox="1">
-            <a:spLocks noGrp="1"/>
-          </p:cNvSpPr>
-          <p:nvPr>
-            <p:ph type="title"/>
-          </p:nvPr>
-        </p:nvSpPr>
-        <p:spPr>
-          <a:xfrm>
-            <a:off x="252413" y="1123950"/>
-            <a:ext cx="2947987" cy="4600575"/>
-          </a:xfrm>
-          <a:prstGeom prst="rect">
-            <a:avLst/>
-          </a:prstGeom>
-        </p:spPr>
-        <p:txBody>
-          <a:bodyPr vert="horz" lIns="91440" tIns="45720" rIns="91440" bIns="45720" rtlCol="0" anchor="ctr">
-            <a:normAutofit/>
-          </a:bodyPr>
-          <a:lstStyle>
-            <a:lvl1pPr algn="l" defTabSz="914400" rtl="0" eaLnBrk="1" latinLnBrk="0" hangingPunct="1">
-              <a:lnSpc>
-                <a:spcPct val="90000"/>
-              </a:lnSpc>
-              <a:spcBef>
-                <a:spcPct val="0"/>
-              </a:spcBef>
-              <a:buNone/>
-              <a:defRPr sz="3600" kern="1200" spc="-60" baseline="0">
-                <a:solidFill>
-                  <a:srgbClr val="FFFFFF"/>
-                </a:solidFill>
-                <a:latin typeface="+mj-lt"/>
-                <a:ea typeface="+mj-ea"/>
-                <a:cs typeface="+mj-cs"/>
-              </a:defRPr>
-            </a:lvl1pPr>
-          </a:lstStyle>
-          <a:p>
-            <a:pPr algn="ctr"/>
-            <a:r>
-              <a:rPr lang="en-US" b="1" smtClean="0"/>
-              <a:t>CÁC GIAO THỨC / DỊCH VỤ TRONG TẦNG APPLICATION</a:t>
-            </a:r>
-            <a:endParaRPr lang="en-US"/>
-          </a:p>
-        </p:txBody>
-      </p:sp>
-      <p:sp>
-        <p:nvSpPr>
-          <p:cNvPr id="6" name="TextBox 5"/>
-          <p:cNvSpPr txBox="1"/>
-          <p:nvPr/>
-        </p:nvSpPr>
-        <p:spPr>
-          <a:xfrm>
-            <a:off x="4509367" y="605268"/>
-            <a:ext cx="6383920" cy="430887"/>
-          </a:xfrm>
-          <a:prstGeom prst="rect">
-            <a:avLst/>
-          </a:prstGeom>
-          <a:noFill/>
-        </p:spPr>
-        <p:txBody>
-          <a:bodyPr wrap="square" rtlCol="0">
-            <a:spAutoFit/>
-          </a:bodyPr>
-          <a:lstStyle/>
-          <a:p>
-            <a:pPr algn="ctr"/>
-            <a:r>
-              <a:rPr lang="en-US" sz="2200" b="1" smtClean="0">
-                <a:solidFill>
-                  <a:schemeClr val="accent2">
-                    <a:lumMod val="75000"/>
-                  </a:schemeClr>
-                </a:solidFill>
-                <a:latin typeface="Times New Roman" panose="02020603050405020304" pitchFamily="18" charset="0"/>
-                <a:cs typeface="Times New Roman" panose="02020603050405020304" pitchFamily="18" charset="0"/>
-              </a:rPr>
-              <a:t>Giao thức dịch vụ Mail: SMTP, POP, IMAP</a:t>
-            </a:r>
-            <a:endParaRPr lang="en-US" sz="2200" b="1">
-              <a:solidFill>
-                <a:schemeClr val="accent2">
-                  <a:lumMod val="75000"/>
-                </a:schemeClr>
-              </a:solidFill>
-              <a:latin typeface="Times New Roman" panose="02020603050405020304" pitchFamily="18" charset="0"/>
-              <a:cs typeface="Times New Roman" panose="02020603050405020304" pitchFamily="18" charset="0"/>
-            </a:endParaRPr>
-          </a:p>
-        </p:txBody>
-      </p:sp>
-      <p:sp>
-        <p:nvSpPr>
-          <p:cNvPr id="7" name="Rectangle 6"/>
-          <p:cNvSpPr/>
-          <p:nvPr/>
-        </p:nvSpPr>
-        <p:spPr>
-          <a:xfrm>
-            <a:off x="4253948" y="1212073"/>
-            <a:ext cx="7301948" cy="5016758"/>
-          </a:xfrm>
-          <a:prstGeom prst="rect">
-            <a:avLst/>
-          </a:prstGeom>
-        </p:spPr>
-        <p:txBody>
-          <a:bodyPr wrap="square">
-            <a:spAutoFit/>
-          </a:bodyPr>
-          <a:lstStyle/>
-          <a:p>
-            <a:pPr algn="just"/>
-            <a:r>
-              <a:rPr lang="en-US" sz="2000" b="1" smtClean="0">
-                <a:solidFill>
-                  <a:srgbClr val="1D1D1D"/>
-                </a:solidFill>
-                <a:latin typeface="Times New Roman" panose="02020603050405020304" pitchFamily="18" charset="0"/>
-                <a:cs typeface="Times New Roman" panose="02020603050405020304" pitchFamily="18" charset="0"/>
-              </a:rPr>
-              <a:t>- </a:t>
-            </a:r>
-            <a:r>
-              <a:rPr lang="vi-VN" sz="2000" b="1" smtClean="0">
-                <a:solidFill>
-                  <a:srgbClr val="1D1D1D"/>
-                </a:solidFill>
-                <a:latin typeface="Times New Roman" panose="02020603050405020304" pitchFamily="18" charset="0"/>
-                <a:cs typeface="Times New Roman" panose="02020603050405020304" pitchFamily="18" charset="0"/>
-              </a:rPr>
-              <a:t>Dịch </a:t>
-            </a:r>
-            <a:r>
-              <a:rPr lang="vi-VN" sz="2000" b="1">
-                <a:solidFill>
-                  <a:srgbClr val="1D1D1D"/>
-                </a:solidFill>
-                <a:latin typeface="Times New Roman" panose="02020603050405020304" pitchFamily="18" charset="0"/>
-                <a:cs typeface="Times New Roman" panose="02020603050405020304" pitchFamily="18" charset="0"/>
-              </a:rPr>
-              <a:t>vụ Mail: </a:t>
-            </a:r>
-            <a:r>
-              <a:rPr lang="vi-VN" sz="2000">
-                <a:solidFill>
-                  <a:srgbClr val="1D1D1D"/>
-                </a:solidFill>
-                <a:latin typeface="Times New Roman" panose="02020603050405020304" pitchFamily="18" charset="0"/>
-                <a:cs typeface="Times New Roman" panose="02020603050405020304" pitchFamily="18" charset="0"/>
-              </a:rPr>
-              <a:t>là dịch vụ thư điện tử. Thay vì nội dung thư của bạn được viết lên giấy và chuyển đi qua đường bưu điện thì email được lưu dưới dạng các tệp văn bản trong máy tính và được chuyển đi qua đường Internet. </a:t>
-            </a:r>
-            <a:endParaRPr lang="en-US" sz="2000" smtClean="0">
-              <a:solidFill>
-                <a:srgbClr val="1D1D1D"/>
-              </a:solidFill>
-              <a:latin typeface="Times New Roman" panose="02020603050405020304" pitchFamily="18" charset="0"/>
-              <a:cs typeface="Times New Roman" panose="02020603050405020304" pitchFamily="18" charset="0"/>
-            </a:endParaRPr>
-          </a:p>
-          <a:p>
-            <a:pPr marL="342900" indent="-342900" algn="just">
-              <a:buFontTx/>
-              <a:buChar char="-"/>
-            </a:pPr>
-            <a:r>
-              <a:rPr lang="vi-VN" sz="2000" smtClean="0">
-                <a:latin typeface="Times New Roman" panose="02020603050405020304" pitchFamily="18" charset="0"/>
-                <a:cs typeface="Times New Roman" panose="02020603050405020304" pitchFamily="18" charset="0"/>
-              </a:rPr>
-              <a:t>Để </a:t>
-            </a:r>
-            <a:r>
-              <a:rPr lang="vi-VN" sz="2000">
-                <a:latin typeface="Times New Roman" panose="02020603050405020304" pitchFamily="18" charset="0"/>
-                <a:cs typeface="Times New Roman" panose="02020603050405020304" pitchFamily="18" charset="0"/>
-              </a:rPr>
-              <a:t>dịch vụ Mail hoạt động được thì phải đảm bảo 2 thành phần: Mail Server, Mail Client</a:t>
-            </a:r>
-            <a:r>
-              <a:rPr lang="vi-VN" sz="2000" smtClean="0">
-                <a:latin typeface="Times New Roman" panose="02020603050405020304" pitchFamily="18" charset="0"/>
-                <a:cs typeface="Times New Roman" panose="02020603050405020304" pitchFamily="18" charset="0"/>
-              </a:rPr>
-              <a:t>.</a:t>
-            </a:r>
-            <a:endParaRPr lang="en-US" sz="2000" smtClean="0">
-              <a:latin typeface="Times New Roman" panose="02020603050405020304" pitchFamily="18" charset="0"/>
-              <a:cs typeface="Times New Roman" panose="02020603050405020304" pitchFamily="18" charset="0"/>
-            </a:endParaRPr>
-          </a:p>
-          <a:p>
-            <a:pPr algn="just"/>
-            <a:r>
-              <a:rPr lang="en-US" sz="2000" smtClean="0">
-                <a:latin typeface="Times New Roman" panose="02020603050405020304" pitchFamily="18" charset="0"/>
-                <a:cs typeface="Times New Roman" panose="02020603050405020304" pitchFamily="18" charset="0"/>
-              </a:rPr>
-              <a:t>+ </a:t>
-            </a:r>
-            <a:r>
-              <a:rPr lang="vi-VN" sz="2000" b="1">
-                <a:latin typeface="Times New Roman" panose="02020603050405020304" pitchFamily="18" charset="0"/>
-                <a:cs typeface="Times New Roman" panose="02020603050405020304" pitchFamily="18" charset="0"/>
-              </a:rPr>
-              <a:t>Mail Server:</a:t>
-            </a:r>
-            <a:r>
-              <a:rPr lang="vi-VN" sz="2000">
-                <a:latin typeface="Times New Roman" panose="02020603050405020304" pitchFamily="18" charset="0"/>
-                <a:cs typeface="Times New Roman" panose="02020603050405020304" pitchFamily="18" charset="0"/>
-              </a:rPr>
-              <a:t> dùng để nhận mail từ người dùng rồi chuyển Mail đi. Sau khi nhận được mail chuyển lại sẽ phân phối mail sang cho người dùng. Trong Mail Server có 2 thành phần chính là MDA (Mail Transfer Agent) dùng để quản lý mail, MTA (Mail Delivery Agent) dùng để gửi và nhận mail</a:t>
-            </a:r>
-            <a:r>
-              <a:rPr lang="vi-VN" sz="2000" smtClean="0">
-                <a:latin typeface="Times New Roman" panose="02020603050405020304" pitchFamily="18" charset="0"/>
-                <a:cs typeface="Times New Roman" panose="02020603050405020304" pitchFamily="18" charset="0"/>
-              </a:rPr>
-              <a:t>.</a:t>
-            </a:r>
-            <a:endParaRPr lang="en-US" sz="2000" smtClean="0">
-              <a:latin typeface="Times New Roman" panose="02020603050405020304" pitchFamily="18" charset="0"/>
-              <a:cs typeface="Times New Roman" panose="02020603050405020304" pitchFamily="18" charset="0"/>
-            </a:endParaRPr>
-          </a:p>
-          <a:p>
-            <a:pPr algn="just"/>
-            <a:r>
-              <a:rPr lang="en-US" sz="2000" smtClean="0">
-                <a:latin typeface="Times New Roman" panose="02020603050405020304" pitchFamily="18" charset="0"/>
-                <a:cs typeface="Times New Roman" panose="02020603050405020304" pitchFamily="18" charset="0"/>
-              </a:rPr>
-              <a:t>+ </a:t>
-            </a:r>
-            <a:r>
-              <a:rPr lang="vi-VN" sz="2000" b="1">
-                <a:latin typeface="Times New Roman" panose="02020603050405020304" pitchFamily="18" charset="0"/>
-                <a:cs typeface="Times New Roman" panose="02020603050405020304" pitchFamily="18" charset="0"/>
-              </a:rPr>
-              <a:t>Mail Client:</a:t>
-            </a:r>
-            <a:r>
-              <a:rPr lang="vi-VN" sz="2000">
-                <a:latin typeface="Times New Roman" panose="02020603050405020304" pitchFamily="18" charset="0"/>
-                <a:cs typeface="Times New Roman" panose="02020603050405020304" pitchFamily="18" charset="0"/>
-              </a:rPr>
-              <a:t> dùng để gửi mail của người dùng đi lên Mail Server và nhận từ Server về để hiển thị cho người dùng </a:t>
-            </a:r>
-            <a:r>
-              <a:rPr lang="vi-VN" sz="2000" smtClean="0">
-                <a:latin typeface="Times New Roman" panose="02020603050405020304" pitchFamily="18" charset="0"/>
-                <a:cs typeface="Times New Roman" panose="02020603050405020304" pitchFamily="18" charset="0"/>
-              </a:rPr>
-              <a:t>xem</a:t>
-            </a:r>
-            <a:r>
-              <a:rPr lang="en-US" sz="2000" smtClean="0">
-                <a:latin typeface="Times New Roman" panose="02020603050405020304" pitchFamily="18" charset="0"/>
-                <a:cs typeface="Times New Roman" panose="02020603050405020304" pitchFamily="18" charset="0"/>
-              </a:rPr>
-              <a:t>. </a:t>
-            </a:r>
-            <a:r>
-              <a:rPr lang="en-US" sz="2000">
-                <a:latin typeface="Times New Roman" panose="02020603050405020304" pitchFamily="18" charset="0"/>
-                <a:cs typeface="Times New Roman" panose="02020603050405020304" pitchFamily="18" charset="0"/>
-              </a:rPr>
-              <a:t>Mail Client sử dụng theo POP sẽ cắt toàn bộ Mail trên Server về, nếu sử dụng theo IMAP là lấy theo tiêu đề về. Tiêu đề nào lựa chọn thì sẽ lấy về. Giữ lại một bản trên Server.</a:t>
-            </a:r>
-          </a:p>
-        </p:txBody>
-      </p:sp>
-    </p:spTree>
-    <p:extLst>
-      <p:ext uri="{BB962C8B-B14F-4D97-AF65-F5344CB8AC3E}">
-        <p14:creationId xmlns:p14="http://schemas.microsoft.com/office/powerpoint/2010/main" val="3500032751"/>
-      </p:ext>
-    </p:extLst>
-  </p:cSld>
-  <p:clrMapOvr>
-    <a:masterClrMapping/>
-  </p:clrMapOvr>
-</p:sld>
-</file>
-
-<file path=ppt/slides/slide15.xml><?xml version="1.0" encoding="utf-8"?>
-<p:sld xmlns:a="http://schemas.openxmlformats.org/drawingml/2006/main" xmlns:r="http://schemas.openxmlformats.org/officeDocument/2006/relationships" xmlns:p="http://schemas.openxmlformats.org/presentationml/2006/main">
-  <p:cSld>
-    <p:spTree>
-      <p:nvGrpSpPr>
-        <p:cNvPr id="1" name=""/>
-        <p:cNvGrpSpPr/>
-        <p:nvPr/>
-      </p:nvGrpSpPr>
-      <p:grpSpPr>
-        <a:xfrm>
-          <a:off x="0" y="0"/>
-          <a:ext cx="0" cy="0"/>
-          <a:chOff x="0" y="0"/>
-          <a:chExt cx="0" cy="0"/>
-        </a:xfrm>
-      </p:grpSpPr>
-      <p:sp>
-        <p:nvSpPr>
-          <p:cNvPr id="5" name="Title 1"/>
-          <p:cNvSpPr txBox="1">
-            <a:spLocks noGrp="1"/>
-          </p:cNvSpPr>
-          <p:nvPr>
-            <p:ph type="title"/>
-          </p:nvPr>
-        </p:nvSpPr>
-        <p:spPr>
-          <a:xfrm>
-            <a:off x="252413" y="1123950"/>
-            <a:ext cx="2947987" cy="4600575"/>
-          </a:xfrm>
-          <a:prstGeom prst="rect">
-            <a:avLst/>
-          </a:prstGeom>
-        </p:spPr>
-        <p:txBody>
-          <a:bodyPr vert="horz" lIns="91440" tIns="45720" rIns="91440" bIns="45720" rtlCol="0" anchor="ctr">
-            <a:normAutofit/>
-          </a:bodyPr>
-          <a:lstStyle>
-            <a:lvl1pPr algn="l" defTabSz="914400" rtl="0" eaLnBrk="1" latinLnBrk="0" hangingPunct="1">
-              <a:lnSpc>
-                <a:spcPct val="90000"/>
-              </a:lnSpc>
-              <a:spcBef>
-                <a:spcPct val="0"/>
-              </a:spcBef>
-              <a:buNone/>
-              <a:defRPr sz="3600" kern="1200" spc="-60" baseline="0">
-                <a:solidFill>
-                  <a:srgbClr val="FFFFFF"/>
-                </a:solidFill>
-                <a:latin typeface="+mj-lt"/>
-                <a:ea typeface="+mj-ea"/>
-                <a:cs typeface="+mj-cs"/>
-              </a:defRPr>
-            </a:lvl1pPr>
-          </a:lstStyle>
-          <a:p>
-            <a:pPr algn="ctr"/>
-            <a:r>
-              <a:rPr lang="en-US" b="1" smtClean="0"/>
-              <a:t>CÁC GIAO THỨC / DỊCH VỤ TRONG TẦNG APPLICATION</a:t>
-            </a:r>
-            <a:endParaRPr lang="en-US"/>
-          </a:p>
-        </p:txBody>
-      </p:sp>
-      <p:sp>
-        <p:nvSpPr>
-          <p:cNvPr id="6" name="TextBox 5"/>
-          <p:cNvSpPr txBox="1"/>
-          <p:nvPr/>
-        </p:nvSpPr>
-        <p:spPr>
-          <a:xfrm>
-            <a:off x="4509367" y="605268"/>
-            <a:ext cx="6383920" cy="430887"/>
-          </a:xfrm>
-          <a:prstGeom prst="rect">
-            <a:avLst/>
-          </a:prstGeom>
-          <a:noFill/>
-        </p:spPr>
-        <p:txBody>
-          <a:bodyPr wrap="square" rtlCol="0">
-            <a:spAutoFit/>
-          </a:bodyPr>
-          <a:lstStyle/>
-          <a:p>
-            <a:pPr algn="ctr"/>
-            <a:r>
-              <a:rPr lang="en-US" sz="2200" b="1">
-                <a:solidFill>
-                  <a:schemeClr val="accent2">
-                    <a:lumMod val="75000"/>
-                  </a:schemeClr>
-                </a:solidFill>
-                <a:latin typeface="Times New Roman" panose="02020603050405020304" pitchFamily="18" charset="0"/>
-                <a:cs typeface="Times New Roman" panose="02020603050405020304" pitchFamily="18" charset="0"/>
-              </a:rPr>
-              <a:t>D</a:t>
-            </a:r>
-            <a:r>
-              <a:rPr lang="en-US" sz="2200" b="1" smtClean="0">
-                <a:solidFill>
-                  <a:schemeClr val="accent2">
-                    <a:lumMod val="75000"/>
-                  </a:schemeClr>
-                </a:solidFill>
-                <a:latin typeface="Times New Roman" panose="02020603050405020304" pitchFamily="18" charset="0"/>
-                <a:cs typeface="Times New Roman" panose="02020603050405020304" pitchFamily="18" charset="0"/>
-              </a:rPr>
-              <a:t>ịch vụ Mail: SMTP, POP, IMAP</a:t>
-            </a:r>
-            <a:endParaRPr lang="en-US" sz="2200" b="1">
-              <a:solidFill>
-                <a:schemeClr val="accent2">
-                  <a:lumMod val="75000"/>
-                </a:schemeClr>
-              </a:solidFill>
-              <a:latin typeface="Times New Roman" panose="02020603050405020304" pitchFamily="18" charset="0"/>
-              <a:cs typeface="Times New Roman" panose="02020603050405020304" pitchFamily="18" charset="0"/>
-            </a:endParaRPr>
-          </a:p>
-        </p:txBody>
-      </p:sp>
-      <p:sp>
-        <p:nvSpPr>
-          <p:cNvPr id="7" name="Rectangle 6"/>
-          <p:cNvSpPr/>
-          <p:nvPr/>
-        </p:nvSpPr>
-        <p:spPr>
-          <a:xfrm>
-            <a:off x="4306958" y="1298067"/>
-            <a:ext cx="6864626" cy="4401205"/>
-          </a:xfrm>
-          <a:prstGeom prst="rect">
-            <a:avLst/>
-          </a:prstGeom>
-        </p:spPr>
-        <p:txBody>
-          <a:bodyPr wrap="square">
-            <a:spAutoFit/>
-          </a:bodyPr>
-          <a:lstStyle/>
-          <a:p>
-            <a:pPr algn="just" fontAlgn="base"/>
-            <a:r>
-              <a:rPr lang="en-US" sz="2000" smtClean="0">
-                <a:solidFill>
-                  <a:srgbClr val="1D1D1D"/>
-                </a:solidFill>
-                <a:latin typeface="Times New Roman" panose="02020603050405020304" pitchFamily="18" charset="0"/>
-                <a:cs typeface="Times New Roman" panose="02020603050405020304" pitchFamily="18" charset="0"/>
-              </a:rPr>
-              <a:t>- </a:t>
-            </a:r>
-            <a:r>
-              <a:rPr lang="vi-VN" sz="2000" smtClean="0">
-                <a:solidFill>
-                  <a:srgbClr val="1D1D1D"/>
-                </a:solidFill>
-                <a:latin typeface="Times New Roman" panose="02020603050405020304" pitchFamily="18" charset="0"/>
-                <a:cs typeface="Times New Roman" panose="02020603050405020304" pitchFamily="18" charset="0"/>
-              </a:rPr>
-              <a:t>Các </a:t>
-            </a:r>
-            <a:r>
-              <a:rPr lang="vi-VN" sz="2000">
-                <a:solidFill>
-                  <a:srgbClr val="1D1D1D"/>
-                </a:solidFill>
-                <a:latin typeface="Times New Roman" panose="02020603050405020304" pitchFamily="18" charset="0"/>
-                <a:cs typeface="Times New Roman" panose="02020603050405020304" pitchFamily="18" charset="0"/>
-              </a:rPr>
-              <a:t>bước hoạt động:</a:t>
-            </a:r>
-          </a:p>
-          <a:p>
-            <a:pPr algn="just" fontAlgn="base"/>
-            <a:r>
-              <a:rPr lang="en-US" sz="2000">
-                <a:solidFill>
-                  <a:srgbClr val="1D1D1D"/>
-                </a:solidFill>
-                <a:latin typeface="Times New Roman" panose="02020603050405020304" pitchFamily="18" charset="0"/>
-                <a:cs typeface="Times New Roman" panose="02020603050405020304" pitchFamily="18" charset="0"/>
-              </a:rPr>
-              <a:t>+</a:t>
-            </a:r>
-            <a:r>
-              <a:rPr lang="vi-VN" sz="2000" smtClean="0">
-                <a:solidFill>
-                  <a:srgbClr val="1D1D1D"/>
-                </a:solidFill>
-                <a:latin typeface="Times New Roman" panose="02020603050405020304" pitchFamily="18" charset="0"/>
-                <a:cs typeface="Times New Roman" panose="02020603050405020304" pitchFamily="18" charset="0"/>
-              </a:rPr>
-              <a:t> </a:t>
-            </a:r>
-            <a:r>
-              <a:rPr lang="vi-VN" sz="2000">
-                <a:solidFill>
-                  <a:srgbClr val="1D1D1D"/>
-                </a:solidFill>
-                <a:latin typeface="Times New Roman" panose="02020603050405020304" pitchFamily="18" charset="0"/>
-                <a:cs typeface="Times New Roman" panose="02020603050405020304" pitchFamily="18" charset="0"/>
-              </a:rPr>
-              <a:t>Bước 1: Mail Client gửi mail lên Server bằng giao thức SMTP thông qua Port 25</a:t>
-            </a:r>
-          </a:p>
-          <a:p>
-            <a:pPr algn="just" fontAlgn="base"/>
-            <a:r>
-              <a:rPr lang="en-US" sz="2000" smtClean="0">
-                <a:solidFill>
-                  <a:srgbClr val="1D1D1D"/>
-                </a:solidFill>
-                <a:latin typeface="Times New Roman" panose="02020603050405020304" pitchFamily="18" charset="0"/>
-                <a:cs typeface="Times New Roman" panose="02020603050405020304" pitchFamily="18" charset="0"/>
-              </a:rPr>
-              <a:t>+ </a:t>
-            </a:r>
-            <a:r>
-              <a:rPr lang="vi-VN" sz="2000" smtClean="0">
-                <a:solidFill>
-                  <a:srgbClr val="1D1D1D"/>
-                </a:solidFill>
-                <a:latin typeface="Times New Roman" panose="02020603050405020304" pitchFamily="18" charset="0"/>
-                <a:cs typeface="Times New Roman" panose="02020603050405020304" pitchFamily="18" charset="0"/>
-              </a:rPr>
-              <a:t>Bước </a:t>
-            </a:r>
-            <a:r>
-              <a:rPr lang="vi-VN" sz="2000">
-                <a:solidFill>
-                  <a:srgbClr val="1D1D1D"/>
-                </a:solidFill>
-                <a:latin typeface="Times New Roman" panose="02020603050405020304" pitchFamily="18" charset="0"/>
-                <a:cs typeface="Times New Roman" panose="02020603050405020304" pitchFamily="18" charset="0"/>
-              </a:rPr>
-              <a:t>2: Mail Server sẽ nhận mail từ Client bằng giao thức SMTP thông qua Port </a:t>
-            </a:r>
-            <a:r>
-              <a:rPr lang="vi-VN" sz="2000" smtClean="0">
-                <a:solidFill>
-                  <a:srgbClr val="1D1D1D"/>
-                </a:solidFill>
-                <a:latin typeface="Times New Roman" panose="02020603050405020304" pitchFamily="18" charset="0"/>
-                <a:cs typeface="Times New Roman" panose="02020603050405020304" pitchFamily="18" charset="0"/>
-              </a:rPr>
-              <a:t>25.</a:t>
-            </a:r>
-            <a:endParaRPr lang="en-US" sz="2000" smtClean="0">
-              <a:solidFill>
-                <a:srgbClr val="1D1D1D"/>
-              </a:solidFill>
-              <a:latin typeface="Times New Roman" panose="02020603050405020304" pitchFamily="18" charset="0"/>
-              <a:cs typeface="Times New Roman" panose="02020603050405020304" pitchFamily="18" charset="0"/>
-            </a:endParaRPr>
-          </a:p>
-          <a:p>
-            <a:pPr algn="just" fontAlgn="base"/>
-            <a:r>
-              <a:rPr lang="en-US" sz="2000" smtClean="0">
-                <a:solidFill>
-                  <a:srgbClr val="1D1D1D"/>
-                </a:solidFill>
-                <a:latin typeface="Times New Roman" panose="02020603050405020304" pitchFamily="18" charset="0"/>
-                <a:cs typeface="Times New Roman" panose="02020603050405020304" pitchFamily="18" charset="0"/>
-              </a:rPr>
-              <a:t>+ </a:t>
-            </a:r>
-            <a:r>
-              <a:rPr lang="vi-VN" sz="2000" smtClean="0">
-                <a:solidFill>
-                  <a:srgbClr val="1D1D1D"/>
-                </a:solidFill>
-                <a:latin typeface="Times New Roman" panose="02020603050405020304" pitchFamily="18" charset="0"/>
-                <a:cs typeface="Times New Roman" panose="02020603050405020304" pitchFamily="18" charset="0"/>
-              </a:rPr>
-              <a:t>Bước </a:t>
-            </a:r>
-            <a:r>
-              <a:rPr lang="vi-VN" sz="2000">
-                <a:solidFill>
-                  <a:srgbClr val="1D1D1D"/>
-                </a:solidFill>
-                <a:latin typeface="Times New Roman" panose="02020603050405020304" pitchFamily="18" charset="0"/>
-                <a:cs typeface="Times New Roman" panose="02020603050405020304" pitchFamily="18" charset="0"/>
-              </a:rPr>
-              <a:t>3: Mail Server sẽ nhờ DNS Client của mình gửi tới </a:t>
-            </a:r>
-            <a:r>
-              <a:rPr lang="en-US" sz="2000" smtClean="0">
-                <a:solidFill>
-                  <a:srgbClr val="1D1D1D"/>
-                </a:solidFill>
-                <a:latin typeface="Times New Roman" panose="02020603050405020304" pitchFamily="18" charset="0"/>
-                <a:cs typeface="Times New Roman" panose="02020603050405020304" pitchFamily="18" charset="0"/>
-              </a:rPr>
-              <a:t> </a:t>
-            </a:r>
-            <a:r>
-              <a:rPr lang="vi-VN" sz="2000" smtClean="0">
-                <a:solidFill>
-                  <a:srgbClr val="1D1D1D"/>
-                </a:solidFill>
-                <a:latin typeface="Times New Roman" panose="02020603050405020304" pitchFamily="18" charset="0"/>
-                <a:cs typeface="Times New Roman" panose="02020603050405020304" pitchFamily="18" charset="0"/>
-              </a:rPr>
-              <a:t>DNS </a:t>
-            </a:r>
-            <a:r>
-              <a:rPr lang="vi-VN" sz="2000">
-                <a:solidFill>
-                  <a:srgbClr val="1D1D1D"/>
-                </a:solidFill>
-                <a:latin typeface="Times New Roman" panose="02020603050405020304" pitchFamily="18" charset="0"/>
-                <a:cs typeface="Times New Roman" panose="02020603050405020304" pitchFamily="18" charset="0"/>
-              </a:rPr>
-              <a:t>Server để phân giải từ tên miền Mail (vd:mail.google.com) ra địa chỉ IP của Mail Server đó.</a:t>
-            </a:r>
-          </a:p>
-          <a:p>
-            <a:pPr algn="just" fontAlgn="base"/>
-            <a:r>
-              <a:rPr lang="en-US" sz="2000" smtClean="0">
-                <a:solidFill>
-                  <a:srgbClr val="1D1D1D"/>
-                </a:solidFill>
-                <a:latin typeface="Times New Roman" panose="02020603050405020304" pitchFamily="18" charset="0"/>
-                <a:cs typeface="Times New Roman" panose="02020603050405020304" pitchFamily="18" charset="0"/>
-              </a:rPr>
-              <a:t>+</a:t>
-            </a:r>
-            <a:r>
-              <a:rPr lang="vi-VN" sz="2000" smtClean="0">
-                <a:solidFill>
-                  <a:srgbClr val="1D1D1D"/>
-                </a:solidFill>
-                <a:latin typeface="Times New Roman" panose="02020603050405020304" pitchFamily="18" charset="0"/>
-                <a:cs typeface="Times New Roman" panose="02020603050405020304" pitchFamily="18" charset="0"/>
-              </a:rPr>
-              <a:t> </a:t>
-            </a:r>
-            <a:r>
-              <a:rPr lang="vi-VN" sz="2000">
-                <a:solidFill>
-                  <a:srgbClr val="1D1D1D"/>
-                </a:solidFill>
-                <a:latin typeface="Times New Roman" panose="02020603050405020304" pitchFamily="18" charset="0"/>
-                <a:cs typeface="Times New Roman" panose="02020603050405020304" pitchFamily="18" charset="0"/>
-              </a:rPr>
-              <a:t>Bước 4: Sau khi có địa chỉ IP của Mail Server kia thì Mail Server sẽ  liên lạc trực tiếp, rồi gửi và nhận Mail từ Mail Server đó qua Port </a:t>
-            </a:r>
-            <a:r>
-              <a:rPr lang="vi-VN" sz="2000" smtClean="0">
-                <a:solidFill>
-                  <a:srgbClr val="1D1D1D"/>
-                </a:solidFill>
-                <a:latin typeface="Times New Roman" panose="02020603050405020304" pitchFamily="18" charset="0"/>
-                <a:cs typeface="Times New Roman" panose="02020603050405020304" pitchFamily="18" charset="0"/>
-              </a:rPr>
-              <a:t>25</a:t>
-            </a:r>
-            <a:r>
-              <a:rPr lang="en-US" sz="2000" smtClean="0">
-                <a:solidFill>
-                  <a:srgbClr val="1D1D1D"/>
-                </a:solidFill>
-                <a:latin typeface="Times New Roman" panose="02020603050405020304" pitchFamily="18" charset="0"/>
-                <a:cs typeface="Times New Roman" panose="02020603050405020304" pitchFamily="18" charset="0"/>
-              </a:rPr>
-              <a:t> bằng giao thức SMTP</a:t>
-            </a:r>
-            <a:r>
-              <a:rPr lang="vi-VN" sz="2000" smtClean="0">
-                <a:solidFill>
-                  <a:srgbClr val="1D1D1D"/>
-                </a:solidFill>
-                <a:latin typeface="Times New Roman" panose="02020603050405020304" pitchFamily="18" charset="0"/>
-                <a:cs typeface="Times New Roman" panose="02020603050405020304" pitchFamily="18" charset="0"/>
-              </a:rPr>
-              <a:t>. </a:t>
-            </a:r>
-            <a:r>
-              <a:rPr lang="vi-VN" sz="2000">
-                <a:solidFill>
-                  <a:srgbClr val="1D1D1D"/>
-                </a:solidFill>
-                <a:latin typeface="Times New Roman" panose="02020603050405020304" pitchFamily="18" charset="0"/>
-                <a:cs typeface="Times New Roman" panose="02020603050405020304" pitchFamily="18" charset="0"/>
-              </a:rPr>
-              <a:t>Sau đó sẽ chuyển sang Mail Box thông qua MDA để người dùng lấy </a:t>
-            </a:r>
-            <a:r>
-              <a:rPr lang="vi-VN" sz="2000" smtClean="0">
-                <a:solidFill>
-                  <a:srgbClr val="1D1D1D"/>
-                </a:solidFill>
-                <a:latin typeface="Times New Roman" panose="02020603050405020304" pitchFamily="18" charset="0"/>
-                <a:cs typeface="Times New Roman" panose="02020603050405020304" pitchFamily="18" charset="0"/>
-              </a:rPr>
-              <a:t>về.</a:t>
-            </a:r>
-            <a:endParaRPr lang="en-US" sz="2000" smtClean="0">
-              <a:solidFill>
-                <a:srgbClr val="1D1D1D"/>
-              </a:solidFill>
-              <a:latin typeface="Times New Roman" panose="02020603050405020304" pitchFamily="18" charset="0"/>
-              <a:cs typeface="Times New Roman" panose="02020603050405020304" pitchFamily="18" charset="0"/>
-            </a:endParaRPr>
-          </a:p>
-          <a:p>
-            <a:pPr algn="just" fontAlgn="base"/>
-            <a:r>
-              <a:rPr lang="en-US" sz="2000" smtClean="0">
-                <a:solidFill>
-                  <a:srgbClr val="1D1D1D"/>
-                </a:solidFill>
-                <a:latin typeface="Times New Roman" panose="02020603050405020304" pitchFamily="18" charset="0"/>
-                <a:cs typeface="Times New Roman" panose="02020603050405020304" pitchFamily="18" charset="0"/>
-              </a:rPr>
-              <a:t>+ </a:t>
-            </a:r>
-            <a:r>
-              <a:rPr lang="vi-VN" sz="2000" smtClean="0">
-                <a:solidFill>
-                  <a:srgbClr val="1D1D1D"/>
-                </a:solidFill>
-                <a:latin typeface="Times New Roman" panose="02020603050405020304" pitchFamily="18" charset="0"/>
-                <a:cs typeface="Times New Roman" panose="02020603050405020304" pitchFamily="18" charset="0"/>
-              </a:rPr>
-              <a:t>Bước </a:t>
-            </a:r>
-            <a:r>
-              <a:rPr lang="vi-VN" sz="2000">
-                <a:solidFill>
-                  <a:srgbClr val="1D1D1D"/>
-                </a:solidFill>
-                <a:latin typeface="Times New Roman" panose="02020603050405020304" pitchFamily="18" charset="0"/>
-                <a:cs typeface="Times New Roman" panose="02020603050405020304" pitchFamily="18" charset="0"/>
-              </a:rPr>
-              <a:t>5: Người dùng sẽ lấy Mail từ trong Mail Box thông qua giao thức </a:t>
-            </a:r>
-            <a:r>
-              <a:rPr lang="vi-VN" sz="2000" smtClean="0">
-                <a:solidFill>
-                  <a:srgbClr val="1D1D1D"/>
-                </a:solidFill>
-                <a:latin typeface="Times New Roman" panose="02020603050405020304" pitchFamily="18" charset="0"/>
-                <a:cs typeface="Times New Roman" panose="02020603050405020304" pitchFamily="18" charset="0"/>
-              </a:rPr>
-              <a:t>POP3</a:t>
-            </a:r>
-            <a:r>
-              <a:rPr lang="en-US" sz="2000" smtClean="0">
-                <a:solidFill>
-                  <a:srgbClr val="1D1D1D"/>
-                </a:solidFill>
-                <a:latin typeface="Times New Roman" panose="02020603050405020304" pitchFamily="18" charset="0"/>
-                <a:cs typeface="Times New Roman" panose="02020603050405020304" pitchFamily="18" charset="0"/>
-              </a:rPr>
-              <a:t> hoặc IMAP</a:t>
-            </a:r>
-            <a:endParaRPr lang="vi-VN" sz="2000" b="0" i="0">
-              <a:solidFill>
-                <a:srgbClr val="1D1D1D"/>
-              </a:solidFill>
-              <a:effectLst/>
-              <a:latin typeface="Times New Roman" panose="02020603050405020304" pitchFamily="18" charset="0"/>
-              <a:cs typeface="Times New Roman" panose="02020603050405020304" pitchFamily="18" charset="0"/>
-            </a:endParaRPr>
-          </a:p>
-        </p:txBody>
-      </p:sp>
-    </p:spTree>
-    <p:extLst>
-      <p:ext uri="{BB962C8B-B14F-4D97-AF65-F5344CB8AC3E}">
-        <p14:creationId xmlns:p14="http://schemas.microsoft.com/office/powerpoint/2010/main" val="2083171694"/>
-      </p:ext>
-    </p:extLst>
-  </p:cSld>
-  <p:clrMapOvr>
-    <a:masterClrMapping/>
-  </p:clrMapOvr>
-</p:sld>
-</file>
-
-<file path=ppt/slides/slide16.xml><?xml version="1.0" encoding="utf-8"?>
-<p:sld xmlns:a="http://schemas.openxmlformats.org/drawingml/2006/main" xmlns:r="http://schemas.openxmlformats.org/officeDocument/2006/relationships" xmlns:p="http://schemas.openxmlformats.org/presentationml/2006/main">
-  <p:cSld>
-    <p:spTree>
-      <p:nvGrpSpPr>
-        <p:cNvPr id="1" name=""/>
-        <p:cNvGrpSpPr/>
-        <p:nvPr/>
-      </p:nvGrpSpPr>
-      <p:grpSpPr>
-        <a:xfrm>
-          <a:off x="0" y="0"/>
-          <a:ext cx="0" cy="0"/>
-          <a:chOff x="0" y="0"/>
-          <a:chExt cx="0" cy="0"/>
-        </a:xfrm>
-      </p:grpSpPr>
-      <p:sp>
-        <p:nvSpPr>
-          <p:cNvPr id="4" name="Title 1"/>
-          <p:cNvSpPr txBox="1">
-            <a:spLocks noGrp="1"/>
-          </p:cNvSpPr>
-          <p:nvPr>
-            <p:ph type="title"/>
-          </p:nvPr>
-        </p:nvSpPr>
-        <p:spPr>
-          <a:xfrm>
-            <a:off x="252413" y="1123950"/>
-            <a:ext cx="2947987" cy="4600575"/>
-          </a:xfrm>
-          <a:prstGeom prst="rect">
-            <a:avLst/>
-          </a:prstGeom>
-        </p:spPr>
-        <p:txBody>
-          <a:bodyPr vert="horz" lIns="91440" tIns="45720" rIns="91440" bIns="45720" rtlCol="0" anchor="ctr">
-            <a:normAutofit/>
-          </a:bodyPr>
-          <a:lstStyle>
-            <a:lvl1pPr algn="l" defTabSz="914400" rtl="0" eaLnBrk="1" latinLnBrk="0" hangingPunct="1">
-              <a:lnSpc>
-                <a:spcPct val="90000"/>
-              </a:lnSpc>
-              <a:spcBef>
-                <a:spcPct val="0"/>
-              </a:spcBef>
-              <a:buNone/>
-              <a:defRPr sz="3600" kern="1200" spc="-60" baseline="0">
-                <a:solidFill>
-                  <a:srgbClr val="FFFFFF"/>
-                </a:solidFill>
-                <a:latin typeface="+mj-lt"/>
-                <a:ea typeface="+mj-ea"/>
-                <a:cs typeface="+mj-cs"/>
-              </a:defRPr>
-            </a:lvl1pPr>
-          </a:lstStyle>
-          <a:p>
-            <a:pPr algn="ctr"/>
-            <a:r>
-              <a:rPr lang="en-US" b="1" smtClean="0"/>
-              <a:t>CÁC GIAO THỨC / DỊCH VỤ TRONG TẦNG APPLICATION</a:t>
-            </a:r>
-            <a:endParaRPr lang="en-US"/>
-          </a:p>
-        </p:txBody>
-      </p:sp>
-      <p:sp>
-        <p:nvSpPr>
-          <p:cNvPr id="6" name="TextBox 5"/>
-          <p:cNvSpPr txBox="1"/>
-          <p:nvPr/>
-        </p:nvSpPr>
-        <p:spPr>
-          <a:xfrm>
-            <a:off x="4443106" y="693063"/>
-            <a:ext cx="6383920" cy="430887"/>
-          </a:xfrm>
-          <a:prstGeom prst="rect">
-            <a:avLst/>
-          </a:prstGeom>
-          <a:noFill/>
-        </p:spPr>
-        <p:txBody>
-          <a:bodyPr wrap="square" rtlCol="0">
-            <a:spAutoFit/>
-          </a:bodyPr>
-          <a:lstStyle/>
-          <a:p>
-            <a:pPr algn="ctr"/>
-            <a:r>
-              <a:rPr lang="en-US" sz="2200" b="1">
-                <a:solidFill>
-                  <a:schemeClr val="accent2">
-                    <a:lumMod val="75000"/>
-                  </a:schemeClr>
-                </a:solidFill>
-                <a:latin typeface="Times New Roman" panose="02020603050405020304" pitchFamily="18" charset="0"/>
-                <a:cs typeface="Times New Roman" panose="02020603050405020304" pitchFamily="18" charset="0"/>
-              </a:rPr>
-              <a:t>D</a:t>
-            </a:r>
-            <a:r>
-              <a:rPr lang="en-US" sz="2200" b="1" smtClean="0">
-                <a:solidFill>
-                  <a:schemeClr val="accent2">
-                    <a:lumMod val="75000"/>
-                  </a:schemeClr>
-                </a:solidFill>
-                <a:latin typeface="Times New Roman" panose="02020603050405020304" pitchFamily="18" charset="0"/>
-                <a:cs typeface="Times New Roman" panose="02020603050405020304" pitchFamily="18" charset="0"/>
-              </a:rPr>
-              <a:t>ịch vụ DNS</a:t>
-            </a:r>
-            <a:endParaRPr lang="en-US" sz="2200" b="1">
-              <a:solidFill>
-                <a:schemeClr val="accent2">
-                  <a:lumMod val="75000"/>
-                </a:schemeClr>
-              </a:solidFill>
-              <a:latin typeface="Times New Roman" panose="02020603050405020304" pitchFamily="18" charset="0"/>
-              <a:cs typeface="Times New Roman" panose="02020603050405020304" pitchFamily="18" charset="0"/>
-            </a:endParaRPr>
-          </a:p>
-        </p:txBody>
-      </p:sp>
-      <p:sp>
-        <p:nvSpPr>
-          <p:cNvPr id="7" name="Rectangle 6"/>
-          <p:cNvSpPr/>
-          <p:nvPr/>
-        </p:nvSpPr>
-        <p:spPr>
-          <a:xfrm>
-            <a:off x="4189501" y="1238575"/>
-            <a:ext cx="7326638" cy="5016758"/>
-          </a:xfrm>
-          <a:prstGeom prst="rect">
-            <a:avLst/>
-          </a:prstGeom>
-        </p:spPr>
-        <p:txBody>
-          <a:bodyPr wrap="square">
-            <a:spAutoFit/>
-          </a:bodyPr>
-          <a:lstStyle/>
-          <a:p>
-            <a:pPr marL="342900" indent="-342900" algn="just" fontAlgn="base">
-              <a:buFontTx/>
-              <a:buChar char="-"/>
-            </a:pPr>
-            <a:r>
-              <a:rPr lang="vi-VN" sz="2000" b="1" smtClean="0">
-                <a:solidFill>
-                  <a:srgbClr val="1D1D1D"/>
-                </a:solidFill>
-                <a:latin typeface="Times New Roman" panose="02020603050405020304" pitchFamily="18" charset="0"/>
-                <a:cs typeface="Times New Roman" panose="02020603050405020304" pitchFamily="18" charset="0"/>
-              </a:rPr>
-              <a:t>Dịch </a:t>
-            </a:r>
-            <a:r>
-              <a:rPr lang="vi-VN" sz="2000" b="1">
-                <a:solidFill>
-                  <a:srgbClr val="1D1D1D"/>
-                </a:solidFill>
-                <a:latin typeface="Times New Roman" panose="02020603050405020304" pitchFamily="18" charset="0"/>
-                <a:cs typeface="Times New Roman" panose="02020603050405020304" pitchFamily="18" charset="0"/>
-              </a:rPr>
-              <a:t>vụ DNS:</a:t>
-            </a:r>
-            <a:r>
-              <a:rPr lang="vi-VN" sz="2000">
-                <a:solidFill>
-                  <a:srgbClr val="1D1D1D"/>
-                </a:solidFill>
-                <a:latin typeface="Times New Roman" panose="02020603050405020304" pitchFamily="18" charset="0"/>
-                <a:cs typeface="Times New Roman" panose="02020603050405020304" pitchFamily="18" charset="0"/>
-              </a:rPr>
-              <a:t> là một dịch vụ phân giải tên miền có cơ sở dữ liệu phân cấp, phân tán đồng thời có chứa cơ chế ánh xạ từ tên miền tới những địa chỉ IP và ngược lại. DNS sử dụng Port giao tiếp là 53</a:t>
-            </a:r>
-            <a:r>
-              <a:rPr lang="vi-VN" sz="2000" smtClean="0">
-                <a:solidFill>
-                  <a:srgbClr val="1D1D1D"/>
-                </a:solidFill>
-                <a:latin typeface="Times New Roman" panose="02020603050405020304" pitchFamily="18" charset="0"/>
-                <a:cs typeface="Times New Roman" panose="02020603050405020304" pitchFamily="18" charset="0"/>
-              </a:rPr>
-              <a:t>.</a:t>
-            </a:r>
-            <a:endParaRPr lang="en-US" sz="2000" smtClean="0">
-              <a:solidFill>
-                <a:srgbClr val="1D1D1D"/>
-              </a:solidFill>
-              <a:latin typeface="Times New Roman" panose="02020603050405020304" pitchFamily="18" charset="0"/>
-              <a:cs typeface="Times New Roman" panose="02020603050405020304" pitchFamily="18" charset="0"/>
-            </a:endParaRPr>
-          </a:p>
-          <a:p>
-            <a:pPr marL="342900" indent="-342900" algn="just" fontAlgn="base">
-              <a:buFontTx/>
-              <a:buChar char="-"/>
-            </a:pPr>
-            <a:r>
-              <a:rPr lang="vi-VN" sz="2000">
-                <a:latin typeface="Times New Roman" panose="02020603050405020304" pitchFamily="18" charset="0"/>
-                <a:cs typeface="Times New Roman" panose="02020603050405020304" pitchFamily="18" charset="0"/>
-              </a:rPr>
-              <a:t>Để hoạt động được thì DNS phải có 2 thành phần: DNS Server và DNS </a:t>
-            </a:r>
-            <a:r>
-              <a:rPr lang="vi-VN" sz="2000" smtClean="0">
-                <a:latin typeface="Times New Roman" panose="02020603050405020304" pitchFamily="18" charset="0"/>
-                <a:cs typeface="Times New Roman" panose="02020603050405020304" pitchFamily="18" charset="0"/>
-              </a:rPr>
-              <a:t>Client</a:t>
-            </a:r>
-            <a:r>
-              <a:rPr lang="en-US" sz="2000" smtClean="0">
-                <a:latin typeface="Times New Roman" panose="02020603050405020304" pitchFamily="18" charset="0"/>
-                <a:cs typeface="Times New Roman" panose="02020603050405020304" pitchFamily="18" charset="0"/>
-              </a:rPr>
-              <a:t>.</a:t>
-            </a:r>
-          </a:p>
-          <a:p>
-            <a:pPr marL="342900" indent="-342900" algn="just" fontAlgn="base">
-              <a:buFontTx/>
-              <a:buChar char="-"/>
-            </a:pPr>
-            <a:r>
-              <a:rPr lang="vi-VN" sz="2000">
-                <a:latin typeface="Times New Roman" panose="02020603050405020304" pitchFamily="18" charset="0"/>
-                <a:cs typeface="Times New Roman" panose="02020603050405020304" pitchFamily="18" charset="0"/>
-              </a:rPr>
-              <a:t>DNS Server dùng để phân giải tên miền ra IP và ngược lại là IP sang tên miền. Thông qua tìm kiếm trên cơ sở dữ liệu của nó, nếu không có nó sẽ đi hỏi DNS </a:t>
-            </a:r>
-            <a:r>
-              <a:rPr lang="vi-VN" sz="2000" smtClean="0">
-                <a:latin typeface="Times New Roman" panose="02020603050405020304" pitchFamily="18" charset="0"/>
-                <a:cs typeface="Times New Roman" panose="02020603050405020304" pitchFamily="18" charset="0"/>
-              </a:rPr>
-              <a:t>khác</a:t>
-            </a:r>
-            <a:r>
-              <a:rPr lang="en-US" sz="2000" smtClean="0">
-                <a:latin typeface="Times New Roman" panose="02020603050405020304" pitchFamily="18" charset="0"/>
-                <a:cs typeface="Times New Roman" panose="02020603050405020304" pitchFamily="18" charset="0"/>
-              </a:rPr>
-              <a:t>.</a:t>
-            </a:r>
-            <a:r>
-              <a:rPr lang="en-US" sz="2000">
-                <a:latin typeface="Times New Roman" panose="02020603050405020304" pitchFamily="18" charset="0"/>
-                <a:cs typeface="Times New Roman" panose="02020603050405020304" pitchFamily="18" charset="0"/>
-              </a:rPr>
-              <a:t> DNS Server sử dụng 2 giao thức để hoạt động là TCP và </a:t>
-            </a:r>
-            <a:r>
-              <a:rPr lang="en-US" sz="2000" smtClean="0">
-                <a:latin typeface="Times New Roman" panose="02020603050405020304" pitchFamily="18" charset="0"/>
-                <a:cs typeface="Times New Roman" panose="02020603050405020304" pitchFamily="18" charset="0"/>
-              </a:rPr>
-              <a:t>UDP:</a:t>
-            </a:r>
-          </a:p>
-          <a:p>
-            <a:pPr marL="344488" indent="-344488" algn="just" fontAlgn="base"/>
-            <a:r>
-              <a:rPr lang="en-US" sz="2000" smtClean="0">
-                <a:latin typeface="Times New Roman" panose="02020603050405020304" pitchFamily="18" charset="0"/>
-                <a:cs typeface="Times New Roman" panose="02020603050405020304" pitchFamily="18" charset="0"/>
-              </a:rPr>
-              <a:t>     + </a:t>
-            </a:r>
-            <a:r>
-              <a:rPr lang="en-US" sz="2000">
-                <a:latin typeface="Times New Roman" panose="02020603050405020304" pitchFamily="18" charset="0"/>
-                <a:cs typeface="Times New Roman" panose="02020603050405020304" pitchFamily="18" charset="0"/>
-              </a:rPr>
-              <a:t>TCP dùng để đóng gói khi 2 Server DNS trao đổi dữ liệu với nhau. Đảm bảo an toàn cho dữ liệu</a:t>
-            </a:r>
-            <a:r>
-              <a:rPr lang="en-US" sz="2000" smtClean="0">
-                <a:latin typeface="Times New Roman" panose="02020603050405020304" pitchFamily="18" charset="0"/>
-                <a:cs typeface="Times New Roman" panose="02020603050405020304" pitchFamily="18" charset="0"/>
-              </a:rPr>
-              <a:t>.</a:t>
-            </a:r>
-          </a:p>
-          <a:p>
-            <a:pPr algn="just" fontAlgn="base"/>
-            <a:r>
-              <a:rPr lang="en-US" sz="2000" smtClean="0">
-                <a:latin typeface="Times New Roman" panose="02020603050405020304" pitchFamily="18" charset="0"/>
-                <a:cs typeface="Times New Roman" panose="02020603050405020304" pitchFamily="18" charset="0"/>
-              </a:rPr>
-              <a:t>     + </a:t>
-            </a:r>
-            <a:r>
-              <a:rPr lang="en-US" sz="2000">
-                <a:latin typeface="Times New Roman" panose="02020603050405020304" pitchFamily="18" charset="0"/>
-                <a:cs typeface="Times New Roman" panose="02020603050405020304" pitchFamily="18" charset="0"/>
-              </a:rPr>
-              <a:t>UDP dùng để đóng gói khi Client yêu cầu phân giải tên miền</a:t>
-            </a:r>
-            <a:endParaRPr lang="en-US" sz="2000" smtClean="0">
-              <a:latin typeface="Times New Roman" panose="02020603050405020304" pitchFamily="18" charset="0"/>
-              <a:cs typeface="Times New Roman" panose="02020603050405020304" pitchFamily="18" charset="0"/>
-            </a:endParaRPr>
-          </a:p>
-          <a:p>
-            <a:pPr marL="342900" indent="-342900" algn="just" fontAlgn="base">
-              <a:buFontTx/>
-              <a:buChar char="-"/>
-            </a:pPr>
-            <a:r>
-              <a:rPr lang="vi-VN" sz="2000">
-                <a:latin typeface="Times New Roman" panose="02020603050405020304" pitchFamily="18" charset="0"/>
-                <a:cs typeface="Times New Roman" panose="02020603050405020304" pitchFamily="18" charset="0"/>
-              </a:rPr>
-              <a:t>DNS Client dùng để phân giải cho máy người dùng. Khi người dùng truy cập tên miền DNS Client sẽ nhờ sang DNS Server phân giải</a:t>
-            </a:r>
-            <a:r>
-              <a:rPr lang="vi-VN" sz="2000" smtClean="0">
-                <a:latin typeface="Times New Roman" panose="02020603050405020304" pitchFamily="18" charset="0"/>
-                <a:cs typeface="Times New Roman" panose="02020603050405020304" pitchFamily="18" charset="0"/>
-              </a:rPr>
-              <a:t>.</a:t>
-            </a:r>
-            <a:endParaRPr lang="en-US" sz="2000" smtClean="0">
-              <a:latin typeface="Times New Roman" panose="02020603050405020304" pitchFamily="18" charset="0"/>
-              <a:cs typeface="Times New Roman" panose="02020603050405020304" pitchFamily="18" charset="0"/>
-            </a:endParaRPr>
-          </a:p>
-        </p:txBody>
-      </p:sp>
-    </p:spTree>
-    <p:extLst>
-      <p:ext uri="{BB962C8B-B14F-4D97-AF65-F5344CB8AC3E}">
-        <p14:creationId xmlns:p14="http://schemas.microsoft.com/office/powerpoint/2010/main" val="1435304489"/>
-      </p:ext>
-    </p:extLst>
-  </p:cSld>
-  <p:clrMapOvr>
-    <a:masterClrMapping/>
-  </p:clrMapOvr>
-</p:sld>
-</file>
-
 <file path=ppt/slides/slide17.xml><?xml version="1.0" encoding="utf-8"?>
 <p:sld xmlns:a="http://schemas.openxmlformats.org/drawingml/2006/main" xmlns:r="http://schemas.openxmlformats.org/officeDocument/2006/relationships" xmlns:p="http://schemas.openxmlformats.org/presentationml/2006/main">
   <p:cSld>
@@ -6397,8 +5934,8 @@
         </p:nvSpPr>
         <p:spPr>
           <a:xfrm>
-            <a:off x="4443106" y="693063"/>
-            <a:ext cx="6383920" cy="430887"/>
+            <a:off x="4509368" y="605268"/>
+            <a:ext cx="5787026" cy="430887"/>
           </a:xfrm>
           <a:prstGeom prst="rect">
             <a:avLst/>
@@ -6434,7 +5971,7 @@
                 <a:latin typeface="Times New Roman" panose="02020603050405020304" pitchFamily="18" charset="0"/>
                 <a:cs typeface="Times New Roman" panose="02020603050405020304" pitchFamily="18" charset="0"/>
               </a:rPr>
-              <a:t>ịch vụ DNS</a:t>
+              <a:t>ịch vụ Web: HTTP và HTTPS.</a:t>
             </a:r>
             <a:endParaRPr lang="en-US" sz="2200" b="1">
               <a:solidFill>
@@ -6456,8 +5993,8 @@
         </p:nvSpPr>
         <p:spPr>
           <a:xfrm>
-            <a:off x="4253947" y="1241674"/>
-            <a:ext cx="7248940" cy="4770537"/>
+            <a:off x="4198513" y="1278385"/>
+            <a:ext cx="7328078" cy="5062924"/>
           </a:xfrm>
           <a:prstGeom prst="rect">
             <a:avLst/>
@@ -6469,10 +6006,17 @@
           </a:bodyPr>
           <a:lstStyle/>
           <a:p>
-            <a:pPr marL="342900" indent="-342900" algn="just" fontAlgn="base">
-              <a:buFontTx/>
-              <a:buChar char="-"/>
-            </a:pPr>
+            <a:pPr algn="just" fontAlgn="base"/>
+            <a:r>
+              <a:rPr lang="en-US" sz="1900" smtClean="0">
+                <a:solidFill>
+                  <a:srgbClr val="1D1D1D"/>
+                </a:solidFill>
+                <a:latin typeface="Times New Roman" panose="02020603050405020304" pitchFamily="18" charset="0"/>
+                <a:cs typeface="Times New Roman" panose="02020603050405020304" pitchFamily="18" charset="0"/>
+              </a:rPr>
+              <a:t>- </a:t>
+            </a:r>
             <a:r>
               <a:rPr lang="vi-VN" sz="1900" smtClean="0">
                 <a:solidFill>
@@ -6481,9 +6025,132 @@
                 <a:latin typeface="Times New Roman" panose="02020603050405020304" pitchFamily="18" charset="0"/>
                 <a:cs typeface="Times New Roman" panose="02020603050405020304" pitchFamily="18" charset="0"/>
               </a:rPr>
-              <a:t>Cách thức hoạt động:</a:t>
-            </a:r>
-            <a:endParaRPr lang="en-US" sz="1900" smtClean="0">
+              <a:t>Các </a:t>
+            </a:r>
+            <a:r>
+              <a:rPr lang="vi-VN" sz="1900">
+                <a:solidFill>
+                  <a:srgbClr val="1D1D1D"/>
+                </a:solidFill>
+                <a:latin typeface="Times New Roman" panose="02020603050405020304" pitchFamily="18" charset="0"/>
+                <a:cs typeface="Times New Roman" panose="02020603050405020304" pitchFamily="18" charset="0"/>
+              </a:rPr>
+              <a:t>bước hoạt động:</a:t>
+            </a:r>
+          </a:p>
+          <a:p>
+            <a:pPr algn="just" fontAlgn="base"/>
+            <a:r>
+              <a:rPr lang="en-US" sz="1900">
+                <a:solidFill>
+                  <a:srgbClr val="1D1D1D"/>
+                </a:solidFill>
+                <a:latin typeface="Times New Roman" panose="02020603050405020304" pitchFamily="18" charset="0"/>
+                <a:cs typeface="Times New Roman" panose="02020603050405020304" pitchFamily="18" charset="0"/>
+              </a:rPr>
+              <a:t> </a:t>
+            </a:r>
+            <a:r>
+              <a:rPr lang="en-US" sz="1900" smtClean="0">
+                <a:solidFill>
+                  <a:srgbClr val="1D1D1D"/>
+                </a:solidFill>
+                <a:latin typeface="Times New Roman" panose="02020603050405020304" pitchFamily="18" charset="0"/>
+                <a:cs typeface="Times New Roman" panose="02020603050405020304" pitchFamily="18" charset="0"/>
+              </a:rPr>
+              <a:t>+ </a:t>
+            </a:r>
+            <a:r>
+              <a:rPr lang="vi-VN" sz="1900" b="1" smtClean="0">
+                <a:solidFill>
+                  <a:srgbClr val="1D1D1D"/>
+                </a:solidFill>
+                <a:latin typeface="Times New Roman" panose="02020603050405020304" pitchFamily="18" charset="0"/>
+                <a:cs typeface="Times New Roman" panose="02020603050405020304" pitchFamily="18" charset="0"/>
+              </a:rPr>
+              <a:t>Bước </a:t>
+            </a:r>
+            <a:r>
+              <a:rPr lang="vi-VN" sz="1900" b="1">
+                <a:solidFill>
+                  <a:srgbClr val="1D1D1D"/>
+                </a:solidFill>
+                <a:latin typeface="Times New Roman" panose="02020603050405020304" pitchFamily="18" charset="0"/>
+                <a:cs typeface="Times New Roman" panose="02020603050405020304" pitchFamily="18" charset="0"/>
+              </a:rPr>
+              <a:t>1</a:t>
+            </a:r>
+            <a:r>
+              <a:rPr lang="vi-VN" sz="1900">
+                <a:solidFill>
+                  <a:srgbClr val="1D1D1D"/>
+                </a:solidFill>
+                <a:latin typeface="Times New Roman" panose="02020603050405020304" pitchFamily="18" charset="0"/>
+                <a:cs typeface="Times New Roman" panose="02020603050405020304" pitchFamily="18" charset="0"/>
+              </a:rPr>
+              <a:t>: </a:t>
+            </a:r>
+            <a:r>
+              <a:rPr lang="en-US" sz="1900" smtClean="0">
+                <a:solidFill>
+                  <a:srgbClr val="1D1D1D"/>
+                </a:solidFill>
+                <a:latin typeface="Times New Roman" panose="02020603050405020304" pitchFamily="18" charset="0"/>
+                <a:cs typeface="Times New Roman" panose="02020603050405020304" pitchFamily="18" charset="0"/>
+              </a:rPr>
+              <a:t>N</a:t>
+            </a:r>
+            <a:r>
+              <a:rPr lang="vi-VN" sz="1900" smtClean="0">
+                <a:solidFill>
+                  <a:srgbClr val="1D1D1D"/>
+                </a:solidFill>
+                <a:latin typeface="Times New Roman" panose="02020603050405020304" pitchFamily="18" charset="0"/>
+                <a:cs typeface="Times New Roman" panose="02020603050405020304" pitchFamily="18" charset="0"/>
+              </a:rPr>
+              <a:t>gười </a:t>
+            </a:r>
+            <a:r>
+              <a:rPr lang="vi-VN" sz="1900">
+                <a:solidFill>
+                  <a:srgbClr val="1D1D1D"/>
+                </a:solidFill>
+                <a:latin typeface="Times New Roman" panose="02020603050405020304" pitchFamily="18" charset="0"/>
+                <a:cs typeface="Times New Roman" panose="02020603050405020304" pitchFamily="18" charset="0"/>
+              </a:rPr>
+              <a:t>dùng truy cập tên miền </a:t>
+            </a:r>
+            <a:r>
+              <a:rPr lang="vi-VN" sz="1900" smtClean="0">
+                <a:solidFill>
+                  <a:srgbClr val="1D1D1D"/>
+                </a:solidFill>
+                <a:latin typeface="Times New Roman" panose="02020603050405020304" pitchFamily="18" charset="0"/>
+                <a:cs typeface="Times New Roman" panose="02020603050405020304" pitchFamily="18" charset="0"/>
+              </a:rPr>
+              <a:t>Website</a:t>
+            </a:r>
+            <a:r>
+              <a:rPr lang="en-US" sz="1900" smtClean="0">
+                <a:solidFill>
+                  <a:srgbClr val="1D1D1D"/>
+                </a:solidFill>
+                <a:latin typeface="Times New Roman" panose="02020603050405020304" pitchFamily="18" charset="0"/>
+                <a:cs typeface="Times New Roman" panose="02020603050405020304" pitchFamily="18" charset="0"/>
+              </a:rPr>
+              <a:t> bằng trình duyệt</a:t>
+            </a:r>
+            <a:r>
+              <a:rPr lang="vi-VN" sz="1900" smtClean="0">
+                <a:solidFill>
+                  <a:srgbClr val="1D1D1D"/>
+                </a:solidFill>
+                <a:latin typeface="Times New Roman" panose="02020603050405020304" pitchFamily="18" charset="0"/>
+                <a:cs typeface="Times New Roman" panose="02020603050405020304" pitchFamily="18" charset="0"/>
+              </a:rPr>
+              <a:t>.</a:t>
+            </a:r>
+            <a:endParaRPr lang="vi-VN" sz="1900">
               <a:solidFill>
                 <a:srgbClr val="1D1D1D"/>
               </a:solidFill>
@@ -6494,6 +6161,16 @@
           <a:p>
             <a:pPr algn="just" fontAlgn="base"/>
             <a:r>
+              <a:rPr lang="en-US" sz="1900">
+                <a:solidFill>
+                  <a:srgbClr val="1D1D1D"/>
+                </a:solidFill>
+                <a:latin typeface="Times New Roman" panose="02020603050405020304" pitchFamily="18" charset="0"/>
+                <a:cs typeface="Times New Roman" panose="02020603050405020304" pitchFamily="18" charset="0"/>
+              </a:rPr>
+              <a:t> </a:t>
+            </a:r>
+            <a:r>
               <a:rPr lang="en-US" sz="1900" smtClean="0">
                 <a:solidFill>
                   <a:srgbClr val="1D1D1D"/>
@@ -6504,6 +6181,56 @@
               <a:t>+ </a:t>
             </a:r>
             <a:r>
+              <a:rPr lang="vi-VN" sz="1900" b="1" smtClean="0">
+                <a:solidFill>
+                  <a:srgbClr val="1D1D1D"/>
+                </a:solidFill>
+                <a:latin typeface="Times New Roman" panose="02020603050405020304" pitchFamily="18" charset="0"/>
+                <a:cs typeface="Times New Roman" panose="02020603050405020304" pitchFamily="18" charset="0"/>
+              </a:rPr>
+              <a:t>Bước</a:t>
+            </a:r>
+            <a:r>
+              <a:rPr lang="en-US" sz="1900" b="1" smtClean="0">
+                <a:solidFill>
+                  <a:srgbClr val="1D1D1D"/>
+                </a:solidFill>
+                <a:latin typeface="Times New Roman" panose="02020603050405020304" pitchFamily="18" charset="0"/>
+                <a:cs typeface="Times New Roman" panose="02020603050405020304" pitchFamily="18" charset="0"/>
+              </a:rPr>
+              <a:t> </a:t>
+            </a:r>
+            <a:r>
+              <a:rPr lang="vi-VN" sz="1900" b="1" smtClean="0">
+                <a:solidFill>
+                  <a:srgbClr val="1D1D1D"/>
+                </a:solidFill>
+                <a:latin typeface="Times New Roman" panose="02020603050405020304" pitchFamily="18" charset="0"/>
+                <a:cs typeface="Times New Roman" panose="02020603050405020304" pitchFamily="18" charset="0"/>
+              </a:rPr>
+              <a:t>2</a:t>
+            </a:r>
+            <a:r>
+              <a:rPr lang="vi-VN" sz="1900">
+                <a:solidFill>
+                  <a:srgbClr val="1D1D1D"/>
+                </a:solidFill>
+                <a:latin typeface="Times New Roman" panose="02020603050405020304" pitchFamily="18" charset="0"/>
+                <a:cs typeface="Times New Roman" panose="02020603050405020304" pitchFamily="18" charset="0"/>
+              </a:rPr>
+              <a:t>: IE hoặc Firefox sẽ sinh ra một Port cao đồng thời dữ liệu sẽ chuyển xuống tầng Transport. Đồng thời </a:t>
+            </a:r>
+            <a:r>
+              <a:rPr lang="en-US" sz="1900" smtClean="0">
+                <a:solidFill>
+                  <a:srgbClr val="1D1D1D"/>
+                </a:solidFill>
+                <a:latin typeface="Times New Roman" panose="02020603050405020304" pitchFamily="18" charset="0"/>
+                <a:cs typeface="Times New Roman" panose="02020603050405020304" pitchFamily="18" charset="0"/>
+              </a:rPr>
+              <a:t>trình duyệt </a:t>
+            </a:r>
+            <a:r>
               <a:rPr lang="vi-VN" sz="1900" smtClean="0">
                 <a:solidFill>
                   <a:srgbClr val="1D1D1D"/>
@@ -6511,7 +6238,30 @@
                 <a:latin typeface="Times New Roman" panose="02020603050405020304" pitchFamily="18" charset="0"/>
                 <a:cs typeface="Times New Roman" panose="02020603050405020304" pitchFamily="18" charset="0"/>
               </a:rPr>
-              <a:t>Bước 1: Trên máy người dùng truy cập Website: htttp://google.com.vn bằng</a:t>
+              <a:t>sẽ </a:t>
+            </a:r>
+            <a:r>
+              <a:rPr lang="vi-VN" sz="1900">
+                <a:solidFill>
+                  <a:srgbClr val="1D1D1D"/>
+                </a:solidFill>
+                <a:latin typeface="Times New Roman" panose="02020603050405020304" pitchFamily="18" charset="0"/>
+                <a:cs typeface="Times New Roman" panose="02020603050405020304" pitchFamily="18" charset="0"/>
+              </a:rPr>
+              <a:t>nhờ DNS Client phân giải hộ tên miền ra địa chỉ IP Web Server.</a:t>
+            </a:r>
+          </a:p>
+          <a:p>
+            <a:pPr algn="just" fontAlgn="base"/>
+            <a:r>
+              <a:rPr lang="en-US" sz="1900">
+                <a:solidFill>
+                  <a:srgbClr val="1D1D1D"/>
+                </a:solidFill>
+                <a:latin typeface="Times New Roman" panose="02020603050405020304" pitchFamily="18" charset="0"/>
+                <a:cs typeface="Times New Roman" panose="02020603050405020304" pitchFamily="18" charset="0"/>
+              </a:rPr>
+              <a:t> </a:t>
             </a:r>
             <a:r>
               <a:rPr lang="en-US" sz="1900" smtClean="0">
@@ -6521,9 +6271,218 @@
                 <a:latin typeface="Times New Roman" panose="02020603050405020304" pitchFamily="18" charset="0"/>
                 <a:cs typeface="Times New Roman" panose="02020603050405020304" pitchFamily="18" charset="0"/>
               </a:rPr>
+              <a:t>+ </a:t>
+            </a:r>
+            <a:r>
+              <a:rPr lang="vi-VN" sz="1900" b="1" smtClean="0">
+                <a:solidFill>
+                  <a:srgbClr val="1D1D1D"/>
+                </a:solidFill>
+                <a:latin typeface="Times New Roman" panose="02020603050405020304" pitchFamily="18" charset="0"/>
+                <a:cs typeface="Times New Roman" panose="02020603050405020304" pitchFamily="18" charset="0"/>
+              </a:rPr>
+              <a:t>Bước </a:t>
+            </a:r>
+            <a:r>
+              <a:rPr lang="vi-VN" sz="1900" b="1">
+                <a:solidFill>
+                  <a:srgbClr val="1D1D1D"/>
+                </a:solidFill>
+                <a:latin typeface="Times New Roman" panose="02020603050405020304" pitchFamily="18" charset="0"/>
+                <a:cs typeface="Times New Roman" panose="02020603050405020304" pitchFamily="18" charset="0"/>
+              </a:rPr>
+              <a:t>3</a:t>
+            </a:r>
+            <a:r>
+              <a:rPr lang="vi-VN" sz="1900">
+                <a:solidFill>
+                  <a:srgbClr val="1D1D1D"/>
+                </a:solidFill>
+                <a:latin typeface="Times New Roman" panose="02020603050405020304" pitchFamily="18" charset="0"/>
+                <a:cs typeface="Times New Roman" panose="02020603050405020304" pitchFamily="18" charset="0"/>
+              </a:rPr>
+              <a:t>: </a:t>
+            </a:r>
+            <a:r>
+              <a:rPr lang="en-US" sz="1900" smtClean="0">
+                <a:solidFill>
+                  <a:srgbClr val="1D1D1D"/>
+                </a:solidFill>
+                <a:latin typeface="Times New Roman" panose="02020603050405020304" pitchFamily="18" charset="0"/>
+                <a:cs typeface="Times New Roman" panose="02020603050405020304" pitchFamily="18" charset="0"/>
+              </a:rPr>
+              <a:t>Tầng </a:t>
+            </a:r>
+            <a:r>
+              <a:rPr lang="vi-VN" sz="1900" smtClean="0">
+                <a:solidFill>
+                  <a:srgbClr val="1D1D1D"/>
+                </a:solidFill>
+                <a:latin typeface="Times New Roman" panose="02020603050405020304" pitchFamily="18" charset="0"/>
+                <a:cs typeface="Times New Roman" panose="02020603050405020304" pitchFamily="18" charset="0"/>
+              </a:rPr>
+              <a:t>Transport thấy </a:t>
+            </a:r>
+            <a:r>
+              <a:rPr lang="vi-VN" sz="1900">
+                <a:solidFill>
+                  <a:srgbClr val="1D1D1D"/>
+                </a:solidFill>
+                <a:latin typeface="Times New Roman" panose="02020603050405020304" pitchFamily="18" charset="0"/>
+                <a:cs typeface="Times New Roman" panose="02020603050405020304" pitchFamily="18" charset="0"/>
+              </a:rPr>
+              <a:t>dữ liệu là Web nó sẽ nhận bằng Port 80 hoặc 443 sau đó đóng giao thức TCP rồi truyền xuống dưới.</a:t>
+            </a:r>
+          </a:p>
+          <a:p>
+            <a:pPr algn="just" fontAlgn="base"/>
+            <a:r>
+              <a:rPr lang="en-US" sz="1900">
+                <a:solidFill>
+                  <a:srgbClr val="1D1D1D"/>
+                </a:solidFill>
+                <a:latin typeface="Times New Roman" panose="02020603050405020304" pitchFamily="18" charset="0"/>
+                <a:cs typeface="Times New Roman" panose="02020603050405020304" pitchFamily="18" charset="0"/>
+              </a:rPr>
               <a:t> </a:t>
             </a:r>
             <a:r>
+              <a:rPr lang="en-US" sz="1900" smtClean="0">
+                <a:solidFill>
+                  <a:srgbClr val="1D1D1D"/>
+                </a:solidFill>
+                <a:latin typeface="Times New Roman" panose="02020603050405020304" pitchFamily="18" charset="0"/>
+                <a:cs typeface="Times New Roman" panose="02020603050405020304" pitchFamily="18" charset="0"/>
+              </a:rPr>
+              <a:t>+ </a:t>
+            </a:r>
+            <a:r>
+              <a:rPr lang="vi-VN" sz="1900" b="1" smtClean="0">
+                <a:solidFill>
+                  <a:srgbClr val="1D1D1D"/>
+                </a:solidFill>
+                <a:latin typeface="Times New Roman" panose="02020603050405020304" pitchFamily="18" charset="0"/>
+                <a:cs typeface="Times New Roman" panose="02020603050405020304" pitchFamily="18" charset="0"/>
+              </a:rPr>
+              <a:t>Bước </a:t>
+            </a:r>
+            <a:r>
+              <a:rPr lang="vi-VN" sz="1900" b="1">
+                <a:solidFill>
+                  <a:srgbClr val="1D1D1D"/>
+                </a:solidFill>
+                <a:latin typeface="Times New Roman" panose="02020603050405020304" pitchFamily="18" charset="0"/>
+                <a:cs typeface="Times New Roman" panose="02020603050405020304" pitchFamily="18" charset="0"/>
+              </a:rPr>
+              <a:t>4</a:t>
+            </a:r>
+            <a:r>
+              <a:rPr lang="vi-VN" sz="1900">
+                <a:solidFill>
+                  <a:srgbClr val="1D1D1D"/>
+                </a:solidFill>
+                <a:latin typeface="Times New Roman" panose="02020603050405020304" pitchFamily="18" charset="0"/>
+                <a:cs typeface="Times New Roman" panose="02020603050405020304" pitchFamily="18" charset="0"/>
+              </a:rPr>
+              <a:t>: Dữ liệu sẽ được tầng Network đóng IP máy mình và IP máy Web Server (IP Web Server được DNS Client nhờ DNS Server phân giải hộ).</a:t>
+            </a:r>
+          </a:p>
+          <a:p>
+            <a:pPr algn="just" fontAlgn="base"/>
+            <a:r>
+              <a:rPr lang="en-US" sz="1900">
+                <a:solidFill>
+                  <a:srgbClr val="1D1D1D"/>
+                </a:solidFill>
+                <a:latin typeface="Times New Roman" panose="02020603050405020304" pitchFamily="18" charset="0"/>
+                <a:cs typeface="Times New Roman" panose="02020603050405020304" pitchFamily="18" charset="0"/>
+              </a:rPr>
+              <a:t> </a:t>
+            </a:r>
+            <a:r>
+              <a:rPr lang="en-US" sz="1900" smtClean="0">
+                <a:solidFill>
+                  <a:srgbClr val="1D1D1D"/>
+                </a:solidFill>
+                <a:latin typeface="Times New Roman" panose="02020603050405020304" pitchFamily="18" charset="0"/>
+                <a:cs typeface="Times New Roman" panose="02020603050405020304" pitchFamily="18" charset="0"/>
+              </a:rPr>
+              <a:t>+ </a:t>
+            </a:r>
+            <a:r>
+              <a:rPr lang="vi-VN" sz="1900" b="1" smtClean="0">
+                <a:solidFill>
+                  <a:srgbClr val="1D1D1D"/>
+                </a:solidFill>
+                <a:latin typeface="Times New Roman" panose="02020603050405020304" pitchFamily="18" charset="0"/>
+                <a:cs typeface="Times New Roman" panose="02020603050405020304" pitchFamily="18" charset="0"/>
+              </a:rPr>
+              <a:t>Bước </a:t>
+            </a:r>
+            <a:r>
+              <a:rPr lang="vi-VN" sz="1900" b="1">
+                <a:solidFill>
+                  <a:srgbClr val="1D1D1D"/>
+                </a:solidFill>
+                <a:latin typeface="Times New Roman" panose="02020603050405020304" pitchFamily="18" charset="0"/>
+                <a:cs typeface="Times New Roman" panose="02020603050405020304" pitchFamily="18" charset="0"/>
+              </a:rPr>
+              <a:t>5</a:t>
+            </a:r>
+            <a:r>
+              <a:rPr lang="vi-VN" sz="1900">
+                <a:solidFill>
+                  <a:srgbClr val="1D1D1D"/>
+                </a:solidFill>
+                <a:latin typeface="Times New Roman" panose="02020603050405020304" pitchFamily="18" charset="0"/>
+                <a:cs typeface="Times New Roman" panose="02020603050405020304" pitchFamily="18" charset="0"/>
+              </a:rPr>
+              <a:t>: Sau khi dữ liệu tới được Web Server nó sẽ được chuyển lên theo Port 80 hoặc 443. Sau đó dữ liệu được đóng lại và gửi xuống đường truyền.</a:t>
+            </a:r>
+          </a:p>
+          <a:p>
+            <a:pPr algn="just" fontAlgn="base"/>
+            <a:r>
+              <a:rPr lang="en-US" sz="1900">
+                <a:solidFill>
+                  <a:srgbClr val="1D1D1D"/>
+                </a:solidFill>
+                <a:latin typeface="Times New Roman" panose="02020603050405020304" pitchFamily="18" charset="0"/>
+                <a:cs typeface="Times New Roman" panose="02020603050405020304" pitchFamily="18" charset="0"/>
+              </a:rPr>
+              <a:t> </a:t>
+            </a:r>
+            <a:r>
+              <a:rPr lang="en-US" sz="1900" smtClean="0">
+                <a:solidFill>
+                  <a:srgbClr val="1D1D1D"/>
+                </a:solidFill>
+                <a:latin typeface="Times New Roman" panose="02020603050405020304" pitchFamily="18" charset="0"/>
+                <a:cs typeface="Times New Roman" panose="02020603050405020304" pitchFamily="18" charset="0"/>
+              </a:rPr>
+              <a:t>+ </a:t>
+            </a:r>
+            <a:r>
+              <a:rPr lang="en-US" sz="1900" b="1" smtClean="0">
+                <a:solidFill>
+                  <a:srgbClr val="1D1D1D"/>
+                </a:solidFill>
+                <a:latin typeface="Times New Roman" panose="02020603050405020304" pitchFamily="18" charset="0"/>
+                <a:cs typeface="Times New Roman" panose="02020603050405020304" pitchFamily="18" charset="0"/>
+              </a:rPr>
+              <a:t>Bước 6</a:t>
+            </a:r>
+            <a:r>
+              <a:rPr lang="en-US" sz="1900" smtClean="0">
+                <a:solidFill>
+                  <a:srgbClr val="1D1D1D"/>
+                </a:solidFill>
+                <a:latin typeface="Times New Roman" panose="02020603050405020304" pitchFamily="18" charset="0"/>
+                <a:cs typeface="Times New Roman" panose="02020603050405020304" pitchFamily="18" charset="0"/>
+              </a:rPr>
+              <a:t>: </a:t>
+            </a:r>
+            <a:r>
               <a:rPr lang="vi-VN" sz="1900" smtClean="0">
                 <a:solidFill>
                   <a:srgbClr val="1D1D1D"/>
@@ -6531,253 +6490,17 @@
                 <a:latin typeface="Times New Roman" panose="02020603050405020304" pitchFamily="18" charset="0"/>
                 <a:cs typeface="Times New Roman" panose="02020603050405020304" pitchFamily="18" charset="0"/>
               </a:rPr>
-              <a:t>IE. Lập tức IE sẽ nhờ DNS Client phân giải tên miền google.com.vn sang địa chỉ IP.</a:t>
-            </a:r>
-            <a:endParaRPr lang="en-US" sz="1900" smtClean="0">
-              <a:solidFill>
-                <a:srgbClr val="1D1D1D"/>
-              </a:solidFill>
-              <a:latin typeface="Times New Roman" panose="02020603050405020304" pitchFamily="18" charset="0"/>
-              <a:cs typeface="Times New Roman" panose="02020603050405020304" pitchFamily="18" charset="0"/>
-            </a:endParaRPr>
-          </a:p>
-          <a:p>
-            <a:pPr algn="just" fontAlgn="base"/>
-            <a:r>
-              <a:rPr lang="en-US" sz="1900" smtClean="0">
-                <a:solidFill>
-                  <a:srgbClr val="1D1D1D"/>
-                </a:solidFill>
-                <a:latin typeface="Times New Roman" panose="02020603050405020304" pitchFamily="18" charset="0"/>
-                <a:cs typeface="Times New Roman" panose="02020603050405020304" pitchFamily="18" charset="0"/>
-              </a:rPr>
-              <a:t>+ </a:t>
-            </a:r>
-            <a:r>
-              <a:rPr lang="vi-VN" sz="1900" smtClean="0">
-                <a:solidFill>
-                  <a:srgbClr val="1D1D1D"/>
-                </a:solidFill>
-                <a:latin typeface="Times New Roman" panose="02020603050405020304" pitchFamily="18" charset="0"/>
-                <a:cs typeface="Times New Roman" panose="02020603050405020304" pitchFamily="18" charset="0"/>
-              </a:rPr>
-              <a:t>Bước 2: Gói tin của DNS client sẽ được chuyển xuống tầng Transport và đóng gói giao thức UDP. Sau đó chuyển xuống Network.</a:t>
-            </a:r>
-            <a:endParaRPr lang="en-US" sz="1900" smtClean="0">
-              <a:solidFill>
-                <a:srgbClr val="1D1D1D"/>
-              </a:solidFill>
-              <a:latin typeface="Times New Roman" panose="02020603050405020304" pitchFamily="18" charset="0"/>
-              <a:cs typeface="Times New Roman" panose="02020603050405020304" pitchFamily="18" charset="0"/>
-            </a:endParaRPr>
-          </a:p>
-          <a:p>
-            <a:pPr algn="just" fontAlgn="base"/>
-            <a:r>
-              <a:rPr lang="en-US" sz="1900">
-                <a:solidFill>
-                  <a:srgbClr val="1D1D1D"/>
-                </a:solidFill>
-                <a:latin typeface="Times New Roman" panose="02020603050405020304" pitchFamily="18" charset="0"/>
-                <a:cs typeface="Times New Roman" panose="02020603050405020304" pitchFamily="18" charset="0"/>
-              </a:rPr>
-              <a:t> </a:t>
-            </a:r>
-            <a:r>
-              <a:rPr lang="en-US" sz="1900" smtClean="0">
-                <a:solidFill>
-                  <a:srgbClr val="1D1D1D"/>
-                </a:solidFill>
-                <a:latin typeface="Times New Roman" panose="02020603050405020304" pitchFamily="18" charset="0"/>
-                <a:cs typeface="Times New Roman" panose="02020603050405020304" pitchFamily="18" charset="0"/>
-              </a:rPr>
-              <a:t>+ </a:t>
-            </a:r>
-            <a:r>
-              <a:rPr lang="vi-VN" sz="1900" smtClean="0">
-                <a:solidFill>
-                  <a:srgbClr val="1D1D1D"/>
-                </a:solidFill>
-                <a:latin typeface="Times New Roman" panose="02020603050405020304" pitchFamily="18" charset="0"/>
-                <a:cs typeface="Times New Roman" panose="02020603050405020304" pitchFamily="18" charset="0"/>
-              </a:rPr>
-              <a:t>Bước 3: Network sẽ đóng IP nguồn là IP máy tính, IP </a:t>
-            </a:r>
-            <a:r>
-              <a:rPr lang="en-US" sz="1900" smtClean="0">
-                <a:solidFill>
-                  <a:srgbClr val="1D1D1D"/>
-                </a:solidFill>
-                <a:latin typeface="Times New Roman" panose="02020603050405020304" pitchFamily="18" charset="0"/>
-                <a:cs typeface="Times New Roman" panose="02020603050405020304" pitchFamily="18" charset="0"/>
-              </a:rPr>
-              <a:t>đích</a:t>
-            </a:r>
-            <a:r>
-              <a:rPr lang="vi-VN" sz="1900" smtClean="0">
-                <a:solidFill>
-                  <a:srgbClr val="1D1D1D"/>
-                </a:solidFill>
-                <a:latin typeface="Times New Roman" panose="02020603050405020304" pitchFamily="18" charset="0"/>
-                <a:cs typeface="Times New Roman" panose="02020603050405020304" pitchFamily="18" charset="0"/>
-              </a:rPr>
-              <a:t> sẽ là IP DNS Server. Ta hay nhập ở dòng Preferred DNS.</a:t>
-            </a:r>
-          </a:p>
-          <a:p>
-            <a:pPr algn="just" fontAlgn="base"/>
-            <a:r>
-              <a:rPr lang="en-US" sz="1900">
-                <a:solidFill>
-                  <a:srgbClr val="1D1D1D"/>
-                </a:solidFill>
-                <a:latin typeface="Times New Roman" panose="02020603050405020304" pitchFamily="18" charset="0"/>
-                <a:cs typeface="Times New Roman" panose="02020603050405020304" pitchFamily="18" charset="0"/>
-              </a:rPr>
-              <a:t> </a:t>
-            </a:r>
-            <a:r>
-              <a:rPr lang="en-US" sz="1900" smtClean="0">
-                <a:solidFill>
-                  <a:srgbClr val="1D1D1D"/>
-                </a:solidFill>
-                <a:latin typeface="Times New Roman" panose="02020603050405020304" pitchFamily="18" charset="0"/>
-                <a:cs typeface="Times New Roman" panose="02020603050405020304" pitchFamily="18" charset="0"/>
-              </a:rPr>
-              <a:t>+ </a:t>
-            </a:r>
-            <a:r>
-              <a:rPr lang="vi-VN" sz="1900" smtClean="0">
-                <a:solidFill>
-                  <a:srgbClr val="1D1D1D"/>
-                </a:solidFill>
-                <a:latin typeface="Times New Roman" panose="02020603050405020304" pitchFamily="18" charset="0"/>
-                <a:cs typeface="Times New Roman" panose="02020603050405020304" pitchFamily="18" charset="0"/>
-              </a:rPr>
-              <a:t>Bước 4: Đã có IP nguồn và IP đích, dữ liệu sẽ chuyển xuống tầng bên dưới và truyền tới đúng DNS Server</a:t>
-            </a:r>
-            <a:r>
-              <a:rPr lang="en-US" sz="1900" smtClean="0">
-                <a:solidFill>
-                  <a:srgbClr val="1D1D1D"/>
-                </a:solidFill>
-                <a:latin typeface="Times New Roman" panose="02020603050405020304" pitchFamily="18" charset="0"/>
-                <a:cs typeface="Times New Roman" panose="02020603050405020304" pitchFamily="18" charset="0"/>
-              </a:rPr>
-              <a:t>.</a:t>
-            </a:r>
-          </a:p>
-          <a:p>
-            <a:pPr algn="just" fontAlgn="base"/>
-            <a:r>
-              <a:rPr lang="en-US" sz="1900">
-                <a:solidFill>
-                  <a:srgbClr val="1D1D1D"/>
-                </a:solidFill>
-                <a:latin typeface="Times New Roman" panose="02020603050405020304" pitchFamily="18" charset="0"/>
-                <a:cs typeface="Times New Roman" panose="02020603050405020304" pitchFamily="18" charset="0"/>
-              </a:rPr>
-              <a:t> </a:t>
-            </a:r>
-            <a:r>
-              <a:rPr lang="en-US" sz="1900" smtClean="0">
-                <a:solidFill>
-                  <a:srgbClr val="1D1D1D"/>
-                </a:solidFill>
-                <a:latin typeface="Times New Roman" panose="02020603050405020304" pitchFamily="18" charset="0"/>
-                <a:cs typeface="Times New Roman" panose="02020603050405020304" pitchFamily="18" charset="0"/>
-              </a:rPr>
-              <a:t>+ </a:t>
-            </a:r>
-            <a:r>
-              <a:rPr lang="vi-VN" sz="1900" smtClean="0">
-                <a:solidFill>
-                  <a:srgbClr val="1D1D1D"/>
-                </a:solidFill>
-                <a:latin typeface="Times New Roman" panose="02020603050405020304" pitchFamily="18" charset="0"/>
-                <a:cs typeface="Times New Roman" panose="02020603050405020304" pitchFamily="18" charset="0"/>
-              </a:rPr>
-              <a:t>Bước 5: Khi yêu cầu gửi tới DNS Server nó sẽ tìm trong cơ sở dữ liệu của mình xem tền miền đó ứng địa chỉ IP của Server Website nào.</a:t>
-            </a:r>
-            <a:endParaRPr lang="en-US" sz="1900" smtClean="0">
-              <a:solidFill>
-                <a:srgbClr val="1D1D1D"/>
-              </a:solidFill>
-              <a:latin typeface="Times New Roman" panose="02020603050405020304" pitchFamily="18" charset="0"/>
-              <a:cs typeface="Times New Roman" panose="02020603050405020304" pitchFamily="18" charset="0"/>
-            </a:endParaRPr>
-          </a:p>
-          <a:p>
-            <a:pPr algn="just" fontAlgn="base"/>
-            <a:r>
-              <a:rPr lang="en-US" sz="1900">
-                <a:solidFill>
-                  <a:srgbClr val="1D1D1D"/>
-                </a:solidFill>
-                <a:latin typeface="Times New Roman" panose="02020603050405020304" pitchFamily="18" charset="0"/>
-                <a:cs typeface="Times New Roman" panose="02020603050405020304" pitchFamily="18" charset="0"/>
-              </a:rPr>
-              <a:t> </a:t>
-            </a:r>
-            <a:r>
-              <a:rPr lang="en-US" sz="1900" smtClean="0">
-                <a:solidFill>
-                  <a:srgbClr val="1D1D1D"/>
-                </a:solidFill>
-                <a:latin typeface="Times New Roman" panose="02020603050405020304" pitchFamily="18" charset="0"/>
-                <a:cs typeface="Times New Roman" panose="02020603050405020304" pitchFamily="18" charset="0"/>
-              </a:rPr>
-              <a:t>+ </a:t>
-            </a:r>
-            <a:r>
-              <a:rPr lang="vi-VN" sz="1900" smtClean="0">
-                <a:solidFill>
-                  <a:srgbClr val="1D1D1D"/>
-                </a:solidFill>
-                <a:latin typeface="Times New Roman" panose="02020603050405020304" pitchFamily="18" charset="0"/>
-                <a:cs typeface="Times New Roman" panose="02020603050405020304" pitchFamily="18" charset="0"/>
-              </a:rPr>
-              <a:t>Bước 6: Sau khi tìm được nó sẽ gửi lại cho máy có DNS Client yêu cầu.</a:t>
-            </a:r>
-            <a:endParaRPr lang="en-US" sz="1900" smtClean="0">
-              <a:solidFill>
-                <a:srgbClr val="1D1D1D"/>
-              </a:solidFill>
-              <a:latin typeface="Times New Roman" panose="02020603050405020304" pitchFamily="18" charset="0"/>
-              <a:cs typeface="Times New Roman" panose="02020603050405020304" pitchFamily="18" charset="0"/>
-            </a:endParaRPr>
-          </a:p>
-          <a:p>
-            <a:pPr algn="just" fontAlgn="base"/>
-            <a:r>
-              <a:rPr lang="en-US" sz="1900">
-                <a:solidFill>
-                  <a:srgbClr val="1D1D1D"/>
-                </a:solidFill>
-                <a:latin typeface="Times New Roman" panose="02020603050405020304" pitchFamily="18" charset="0"/>
-                <a:cs typeface="Times New Roman" panose="02020603050405020304" pitchFamily="18" charset="0"/>
-              </a:rPr>
-              <a:t> </a:t>
-            </a:r>
-            <a:r>
-              <a:rPr lang="en-US" sz="1900" smtClean="0">
-                <a:solidFill>
-                  <a:srgbClr val="1D1D1D"/>
-                </a:solidFill>
-                <a:latin typeface="Times New Roman" panose="02020603050405020304" pitchFamily="18" charset="0"/>
-                <a:cs typeface="Times New Roman" panose="02020603050405020304" pitchFamily="18" charset="0"/>
-              </a:rPr>
-              <a:t>+ </a:t>
-            </a:r>
-            <a:r>
-              <a:rPr lang="vi-VN" sz="1900" smtClean="0">
-                <a:solidFill>
-                  <a:srgbClr val="1D1D1D"/>
-                </a:solidFill>
-                <a:latin typeface="Times New Roman" panose="02020603050405020304" pitchFamily="18" charset="0"/>
-                <a:cs typeface="Times New Roman" panose="02020603050405020304" pitchFamily="18" charset="0"/>
-              </a:rPr>
-              <a:t>Bước 7: IP của Server Website đã sẵn sàng cho tầng Network đóng vào gói dữ liệu của gói tin truy cập Website</a:t>
+              <a:t>Khi </a:t>
+            </a:r>
+            <a:r>
+              <a:rPr lang="vi-VN" sz="1900">
+                <a:solidFill>
+                  <a:srgbClr val="1D1D1D"/>
+                </a:solidFill>
+                <a:latin typeface="Times New Roman" panose="02020603050405020304" pitchFamily="18" charset="0"/>
+                <a:cs typeface="Times New Roman" panose="02020603050405020304" pitchFamily="18" charset="0"/>
+              </a:rPr>
+              <a:t>Client nhận được nó sẽ được Transport chuyển lên IE đúng vào Port cao khi khởi tạo (do có Port cao này nên ta có thể mở nhiều cửa sổ trên một trình duyệt với nhiều Website khác nhau mà không sợ bị trùng.</a:t>
             </a:r>
             <a:endParaRPr lang="vi-VN" sz="1900" b="0" i="0">
               <a:solidFill>
@@ -6793,7 +6516,7 @@
     </p:spTree>
     <p:extLst>
       <p:ext uri="{BB962C8B-B14F-4D97-AF65-F5344CB8AC3E}">
-        <p14:creationId xmlns:p14="http://schemas.microsoft.com/office/powerpoint/2010/main" val="2152591897"/>
+        <p14:creationId xmlns:p14="http://schemas.microsoft.com/office/powerpoint/2010/main" val="4160904312"/>
       </p:ext>
     </p:extLst>
   </p:cSld>
@@ -6832,8 +6555,8 @@
         </p:nvSpPr>
         <p:spPr>
           <a:xfrm>
-            <a:off x="252919" y="1123837"/>
-            <a:ext cx="2947482" cy="4601183"/>
+            <a:off x="252413" y="1123950"/>
+            <a:ext cx="2947987" cy="4600575"/>
           </a:xfrm>
           <a:prstGeom prst="rect">
             <a:avLst/>
@@ -6880,7 +6603,7 @@
         </p:nvSpPr>
         <p:spPr>
           <a:xfrm>
-            <a:off x="4443106" y="693063"/>
+            <a:off x="4509367" y="605268"/>
             <a:ext cx="6383920" cy="430887"/>
           </a:xfrm>
           <a:prstGeom prst="rect">
@@ -6896,7 +6619,7 @@
           <a:p>
             <a:pPr algn="ctr"/>
             <a:r>
-              <a:rPr lang="en-US" sz="2200" b="1">
+              <a:rPr lang="en-US" sz="2200" b="1" smtClean="0">
                 <a:solidFill>
                   <a:schemeClr val="accent2">
                     <a:lumMod val="75000"/>
@@ -6905,19 +6628,7 @@
                 <a:latin typeface="Times New Roman" panose="02020603050405020304" pitchFamily="18" charset="0"/>
                 <a:cs typeface="Times New Roman" panose="02020603050405020304" pitchFamily="18" charset="0"/>
               </a:rPr>
-              <a:t>D</a:t>
-            </a:r>
-            <a:r>
-              <a:rPr lang="en-US" sz="2200" b="1" smtClean="0">
-                <a:solidFill>
-                  <a:schemeClr val="accent2">
-                    <a:lumMod val="75000"/>
-                  </a:schemeClr>
-                </a:solidFill>
-                <a:latin typeface="Times New Roman" panose="02020603050405020304" pitchFamily="18" charset="0"/>
-                <a:cs typeface="Times New Roman" panose="02020603050405020304" pitchFamily="18" charset="0"/>
-              </a:rPr>
-              <a:t>ịch vụ DHCP</a:t>
+              <a:t>Giao thức dịch vụ Mail: SMTP, POP, IMAP</a:t>
             </a:r>
             <a:endParaRPr lang="en-US" sz="2200" b="1">
               <a:solidFill>
@@ -6939,8 +6650,8 @@
         </p:nvSpPr>
         <p:spPr>
           <a:xfrm>
-            <a:off x="4262905" y="1431375"/>
-            <a:ext cx="7289443" cy="5062924"/>
+            <a:off x="4253948" y="1212073"/>
+            <a:ext cx="7301948" cy="5016758"/>
           </a:xfrm>
           <a:prstGeom prst="rect">
             <a:avLst/>
@@ -6952,12 +6663,19 @@
           </a:bodyPr>
           <a:lstStyle/>
           <a:p>
-            <a:pPr marL="342900" indent="-342900" algn="just" fontAlgn="base">
-              <a:buFontTx/>
-              <a:buChar char="-"/>
-            </a:pPr>
-            <a:r>
-              <a:rPr lang="en-US" sz="1900" smtClean="0">
+            <a:pPr algn="just"/>
+            <a:r>
+              <a:rPr lang="en-US" sz="2000" b="1" smtClean="0">
+                <a:solidFill>
+                  <a:srgbClr val="1D1D1D"/>
+                </a:solidFill>
+                <a:latin typeface="Times New Roman" panose="02020603050405020304" pitchFamily="18" charset="0"/>
+                <a:cs typeface="Times New Roman" panose="02020603050405020304" pitchFamily="18" charset="0"/>
+              </a:rPr>
+              <a:t>- </a:t>
+            </a:r>
+            <a:r>
+              <a:rPr lang="vi-VN" sz="2000" b="1" smtClean="0">
                 <a:solidFill>
                   <a:srgbClr val="1D1D1D"/>
                 </a:solidFill>
@@ -6967,155 +6685,26 @@
               <a:t>Dịch </a:t>
             </a:r>
             <a:r>
-              <a:rPr lang="en-US" sz="1900">
-                <a:solidFill>
-                  <a:srgbClr val="1D1D1D"/>
-                </a:solidFill>
-                <a:latin typeface="Times New Roman" panose="02020603050405020304" pitchFamily="18" charset="0"/>
-                <a:cs typeface="Times New Roman" panose="02020603050405020304" pitchFamily="18" charset="0"/>
-              </a:rPr>
-              <a:t>vụ DHCP</a:t>
-            </a:r>
-            <a:r>
-              <a:rPr lang="en-US" sz="1900" b="1">
-                <a:solidFill>
-                  <a:srgbClr val="1D1D1D"/>
-                </a:solidFill>
-                <a:latin typeface="Times New Roman" panose="02020603050405020304" pitchFamily="18" charset="0"/>
-                <a:cs typeface="Times New Roman" panose="02020603050405020304" pitchFamily="18" charset="0"/>
-              </a:rPr>
-              <a:t>:</a:t>
-            </a:r>
-            <a:r>
-              <a:rPr lang="en-US" sz="1900">
-                <a:solidFill>
-                  <a:srgbClr val="1D1D1D"/>
-                </a:solidFill>
-                <a:latin typeface="Times New Roman" panose="02020603050405020304" pitchFamily="18" charset="0"/>
-                <a:cs typeface="Times New Roman" panose="02020603050405020304" pitchFamily="18" charset="0"/>
-              </a:rPr>
-              <a:t> là dịch vụ cấp phát địa chỉ IP động. Trong một hệ thống lớn có nhiều máy, thay vì chúng ta phải đi nhập IP bằng tay cho tất cả các máy thì chúng ta dùng DHCP cấp phát </a:t>
-            </a:r>
-            <a:r>
-              <a:rPr lang="en-US" sz="1900" smtClean="0">
-                <a:solidFill>
-                  <a:srgbClr val="1D1D1D"/>
-                </a:solidFill>
-                <a:latin typeface="Times New Roman" panose="02020603050405020304" pitchFamily="18" charset="0"/>
-                <a:cs typeface="Times New Roman" panose="02020603050405020304" pitchFamily="18" charset="0"/>
-              </a:rPr>
-              <a:t>IP.</a:t>
-            </a:r>
-          </a:p>
-          <a:p>
-            <a:pPr marL="342900" indent="-342900" algn="just" fontAlgn="base">
-              <a:buFontTx/>
-              <a:buChar char="-"/>
-            </a:pPr>
-            <a:r>
-              <a:rPr lang="vi-VN" sz="1900">
-                <a:latin typeface="Times New Roman" panose="02020603050405020304" pitchFamily="18" charset="0"/>
-                <a:cs typeface="Times New Roman" panose="02020603050405020304" pitchFamily="18" charset="0"/>
-              </a:rPr>
-              <a:t>Để dịch vụ DHCP hoạt động được nó phải có 2 thành phần: DHCP Server và DHCP </a:t>
-            </a:r>
-            <a:r>
-              <a:rPr lang="vi-VN" sz="1900" smtClean="0">
-                <a:latin typeface="Times New Roman" panose="02020603050405020304" pitchFamily="18" charset="0"/>
-                <a:cs typeface="Times New Roman" panose="02020603050405020304" pitchFamily="18" charset="0"/>
-              </a:rPr>
-              <a:t>Client</a:t>
-            </a:r>
-            <a:r>
-              <a:rPr lang="en-US" sz="1900" smtClean="0">
-                <a:latin typeface="Times New Roman" panose="02020603050405020304" pitchFamily="18" charset="0"/>
-                <a:cs typeface="Times New Roman" panose="02020603050405020304" pitchFamily="18" charset="0"/>
-              </a:rPr>
-              <a:t>.</a:t>
-            </a:r>
-          </a:p>
-          <a:p>
-            <a:pPr marL="566738" indent="-219075" algn="just" fontAlgn="base"/>
-            <a:r>
-              <a:rPr lang="en-US" sz="1900" smtClean="0">
-                <a:solidFill>
-                  <a:srgbClr val="1D1D1D"/>
-                </a:solidFill>
-                <a:latin typeface="Times New Roman" panose="02020603050405020304" pitchFamily="18" charset="0"/>
-                <a:cs typeface="Times New Roman" panose="02020603050405020304" pitchFamily="18" charset="0"/>
-              </a:rPr>
-              <a:t>+ </a:t>
-            </a:r>
-            <a:r>
-              <a:rPr lang="en-US" sz="1900">
-                <a:latin typeface="Times New Roman" panose="02020603050405020304" pitchFamily="18" charset="0"/>
-                <a:cs typeface="Times New Roman" panose="02020603050405020304" pitchFamily="18" charset="0"/>
-              </a:rPr>
-              <a:t>DHCP Server dùng để cấp phát IP động sử dụng Port </a:t>
-            </a:r>
-            <a:r>
-              <a:rPr lang="en-US" sz="1900" smtClean="0">
-                <a:latin typeface="Times New Roman" panose="02020603050405020304" pitchFamily="18" charset="0"/>
-                <a:cs typeface="Times New Roman" panose="02020603050405020304" pitchFamily="18" charset="0"/>
-              </a:rPr>
-              <a:t>67. </a:t>
-            </a:r>
-            <a:r>
-              <a:rPr lang="en-US" sz="1900">
-                <a:latin typeface="Times New Roman" panose="02020603050405020304" pitchFamily="18" charset="0"/>
-                <a:cs typeface="Times New Roman" panose="02020603050405020304" pitchFamily="18" charset="0"/>
-              </a:rPr>
-              <a:t>Gửi IP hoặc nhận thông tin đều ở Port này</a:t>
-            </a:r>
-            <a:r>
-              <a:rPr lang="en-US" sz="1900" smtClean="0">
-                <a:latin typeface="Times New Roman" panose="02020603050405020304" pitchFamily="18" charset="0"/>
-                <a:cs typeface="Times New Roman" panose="02020603050405020304" pitchFamily="18" charset="0"/>
-              </a:rPr>
-              <a:t>.</a:t>
-            </a:r>
-          </a:p>
-          <a:p>
-            <a:pPr marL="566738" indent="-219075" algn="just" fontAlgn="base"/>
-            <a:r>
-              <a:rPr lang="en-US" sz="1900" smtClean="0">
-                <a:solidFill>
-                  <a:srgbClr val="1D1D1D"/>
-                </a:solidFill>
-                <a:latin typeface="Times New Roman" panose="02020603050405020304" pitchFamily="18" charset="0"/>
-                <a:cs typeface="Times New Roman" panose="02020603050405020304" pitchFamily="18" charset="0"/>
-              </a:rPr>
-              <a:t>+ </a:t>
-            </a:r>
-            <a:r>
-              <a:rPr lang="en-US" sz="1900">
-                <a:latin typeface="Times New Roman" panose="02020603050405020304" pitchFamily="18" charset="0"/>
-                <a:cs typeface="Times New Roman" panose="02020603050405020304" pitchFamily="18" charset="0"/>
-              </a:rPr>
-              <a:t>DHCP Client dùng để nhận IP, xin cấp phát IP sử dụng Port </a:t>
-            </a:r>
-            <a:r>
-              <a:rPr lang="en-US" sz="1900" smtClean="0">
-                <a:latin typeface="Times New Roman" panose="02020603050405020304" pitchFamily="18" charset="0"/>
-                <a:cs typeface="Times New Roman" panose="02020603050405020304" pitchFamily="18" charset="0"/>
-              </a:rPr>
-              <a:t>68. </a:t>
-            </a:r>
-            <a:r>
-              <a:rPr lang="en-US" sz="1900">
-                <a:latin typeface="Times New Roman" panose="02020603050405020304" pitchFamily="18" charset="0"/>
-                <a:cs typeface="Times New Roman" panose="02020603050405020304" pitchFamily="18" charset="0"/>
-              </a:rPr>
-              <a:t>Xin IP hoặc nhận IP đều dùng ở Port này</a:t>
-            </a:r>
-            <a:r>
-              <a:rPr lang="en-US" sz="1900" smtClean="0">
-                <a:latin typeface="Times New Roman" panose="02020603050405020304" pitchFamily="18" charset="0"/>
-                <a:cs typeface="Times New Roman" panose="02020603050405020304" pitchFamily="18" charset="0"/>
-              </a:rPr>
-              <a:t>.</a:t>
-            </a:r>
-            <a:endParaRPr lang="en-US" sz="1900">
+              <a:rPr lang="vi-VN" sz="2000" b="1">
+                <a:solidFill>
+                  <a:srgbClr val="1D1D1D"/>
+                </a:solidFill>
+                <a:latin typeface="Times New Roman" panose="02020603050405020304" pitchFamily="18" charset="0"/>
+                <a:cs typeface="Times New Roman" panose="02020603050405020304" pitchFamily="18" charset="0"/>
+              </a:rPr>
+              <a:t>vụ Mail: </a:t>
+            </a:r>
+            <a:r>
+              <a:rPr lang="vi-VN" sz="2000">
+                <a:solidFill>
+                  <a:srgbClr val="1D1D1D"/>
+                </a:solidFill>
+                <a:latin typeface="Times New Roman" panose="02020603050405020304" pitchFamily="18" charset="0"/>
+                <a:cs typeface="Times New Roman" panose="02020603050405020304" pitchFamily="18" charset="0"/>
+              </a:rPr>
+              <a:t>là dịch vụ thư điện tử. Thay vì nội dung thư của bạn được viết lên giấy và chuyển đi qua đường bưu điện thì email được lưu dưới dạng các tệp văn bản trong máy tính và được chuyển đi qua đường Internet. </a:t>
+            </a:r>
+            <a:endParaRPr lang="en-US" sz="2000" smtClean="0">
               <a:solidFill>
                 <a:srgbClr val="1D1D1D"/>
               </a:solidFill>
@@ -7124,51 +6713,122 @@
             </a:endParaRPr>
           </a:p>
           <a:p>
-            <a:pPr marL="342900" indent="-342900" algn="just" fontAlgn="base">
+            <a:pPr marL="342900" indent="-342900" algn="just">
               <a:buFontTx/>
               <a:buChar char="-"/>
             </a:pPr>
             <a:r>
-              <a:rPr lang="en-US" sz="1900" smtClean="0">
-                <a:solidFill>
-                  <a:srgbClr val="1D1D1D"/>
-                </a:solidFill>
-                <a:latin typeface="Times New Roman" panose="02020603050405020304" pitchFamily="18" charset="0"/>
-                <a:cs typeface="Times New Roman" panose="02020603050405020304" pitchFamily="18" charset="0"/>
-              </a:rPr>
-              <a:t>Các bước hoạt động:</a:t>
-            </a:r>
-          </a:p>
-          <a:p>
-            <a:pPr algn="just" fontAlgn="base"/>
-            <a:r>
-              <a:rPr lang="en-US" sz="1900" smtClean="0">
-                <a:solidFill>
-                  <a:srgbClr val="1D1D1D"/>
-                </a:solidFill>
-                <a:latin typeface="Times New Roman" panose="02020603050405020304" pitchFamily="18" charset="0"/>
-                <a:cs typeface="Times New Roman" panose="02020603050405020304" pitchFamily="18" charset="0"/>
-              </a:rPr>
-              <a:t>+ </a:t>
-            </a:r>
-            <a:r>
-              <a:rPr lang="vi-VN" sz="1900">
-                <a:latin typeface="Times New Roman" panose="02020603050405020304" pitchFamily="18" charset="0"/>
-                <a:cs typeface="Times New Roman" panose="02020603050405020304" pitchFamily="18" charset="0"/>
-              </a:rPr>
-              <a:t>Bước 1: DHCP Client sẽ gửi một bản tin Broadcast là Discover. Bản tin là thông tin yêu cầu xin địa chỉ IP. Bản tin sẽ được tầng Transport nhận bằng cổng 68 sau đó đóng gói bằng giao thức UDP  rồi truyền xuống dưới. Tầng Network Access sẽ đóng địa chỉ MAC nguồn là máy mình và MAC đích là MAC Broadcast  rồi chuyển ra đường truyền. Do có địa chỉ MAC là Broadcast nên tất cả các máy trong mạng đều nhận được, trong đó có máy DHCP Server.</a:t>
-            </a:r>
-            <a:endParaRPr lang="en-US" sz="1900" smtClean="0">
+              <a:rPr lang="vi-VN" sz="2000" smtClean="0">
+                <a:latin typeface="Times New Roman" panose="02020603050405020304" pitchFamily="18" charset="0"/>
+                <a:cs typeface="Times New Roman" panose="02020603050405020304" pitchFamily="18" charset="0"/>
+              </a:rPr>
+              <a:t>Để </a:t>
+            </a:r>
+            <a:r>
+              <a:rPr lang="vi-VN" sz="2000">
+                <a:latin typeface="Times New Roman" panose="02020603050405020304" pitchFamily="18" charset="0"/>
+                <a:cs typeface="Times New Roman" panose="02020603050405020304" pitchFamily="18" charset="0"/>
+              </a:rPr>
+              <a:t>dịch vụ Mail hoạt động được thì phải đảm bảo 2 thành phần: Mail Server, Mail Client</a:t>
+            </a:r>
+            <a:r>
+              <a:rPr lang="vi-VN" sz="2000" smtClean="0">
+                <a:latin typeface="Times New Roman" panose="02020603050405020304" pitchFamily="18" charset="0"/>
+                <a:cs typeface="Times New Roman" panose="02020603050405020304" pitchFamily="18" charset="0"/>
+              </a:rPr>
+              <a:t>.</a:t>
+            </a:r>
+            <a:endParaRPr lang="en-US" sz="2000" smtClean="0">
               <a:latin typeface="Times New Roman" panose="02020603050405020304" pitchFamily="18" charset="0"/>
               <a:cs typeface="Times New Roman" panose="02020603050405020304" pitchFamily="18" charset="0"/>
             </a:endParaRPr>
           </a:p>
+          <a:p>
+            <a:pPr algn="just"/>
+            <a:r>
+              <a:rPr lang="en-US" sz="2000" smtClean="0">
+                <a:latin typeface="Times New Roman" panose="02020603050405020304" pitchFamily="18" charset="0"/>
+                <a:cs typeface="Times New Roman" panose="02020603050405020304" pitchFamily="18" charset="0"/>
+              </a:rPr>
+              <a:t>+ </a:t>
+            </a:r>
+            <a:r>
+              <a:rPr lang="vi-VN" sz="2000" b="1">
+                <a:latin typeface="Times New Roman" panose="02020603050405020304" pitchFamily="18" charset="0"/>
+                <a:cs typeface="Times New Roman" panose="02020603050405020304" pitchFamily="18" charset="0"/>
+              </a:rPr>
+              <a:t>Mail Server:</a:t>
+            </a:r>
+            <a:r>
+              <a:rPr lang="vi-VN" sz="2000">
+                <a:latin typeface="Times New Roman" panose="02020603050405020304" pitchFamily="18" charset="0"/>
+                <a:cs typeface="Times New Roman" panose="02020603050405020304" pitchFamily="18" charset="0"/>
+              </a:rPr>
+              <a:t> dùng để nhận mail từ người dùng rồi chuyển Mail đi. Sau khi nhận được mail chuyển lại sẽ phân phối mail sang cho người dùng. Trong Mail Server có 2 thành phần chính là MDA (Mail Transfer Agent) dùng để quản lý mail, MTA (Mail Delivery Agent) dùng để gửi và nhận mail</a:t>
+            </a:r>
+            <a:r>
+              <a:rPr lang="vi-VN" sz="2000" smtClean="0">
+                <a:latin typeface="Times New Roman" panose="02020603050405020304" pitchFamily="18" charset="0"/>
+                <a:cs typeface="Times New Roman" panose="02020603050405020304" pitchFamily="18" charset="0"/>
+              </a:rPr>
+              <a:t>.</a:t>
+            </a:r>
+            <a:endParaRPr lang="en-US" sz="2000" smtClean="0">
+              <a:latin typeface="Times New Roman" panose="02020603050405020304" pitchFamily="18" charset="0"/>
+              <a:cs typeface="Times New Roman" panose="02020603050405020304" pitchFamily="18" charset="0"/>
+            </a:endParaRPr>
+          </a:p>
+          <a:p>
+            <a:pPr algn="just"/>
+            <a:r>
+              <a:rPr lang="en-US" sz="2000" smtClean="0">
+                <a:latin typeface="Times New Roman" panose="02020603050405020304" pitchFamily="18" charset="0"/>
+                <a:cs typeface="Times New Roman" panose="02020603050405020304" pitchFamily="18" charset="0"/>
+              </a:rPr>
+              <a:t>+ </a:t>
+            </a:r>
+            <a:r>
+              <a:rPr lang="vi-VN" sz="2000" b="1">
+                <a:latin typeface="Times New Roman" panose="02020603050405020304" pitchFamily="18" charset="0"/>
+                <a:cs typeface="Times New Roman" panose="02020603050405020304" pitchFamily="18" charset="0"/>
+              </a:rPr>
+              <a:t>Mail Client:</a:t>
+            </a:r>
+            <a:r>
+              <a:rPr lang="vi-VN" sz="2000">
+                <a:latin typeface="Times New Roman" panose="02020603050405020304" pitchFamily="18" charset="0"/>
+                <a:cs typeface="Times New Roman" panose="02020603050405020304" pitchFamily="18" charset="0"/>
+              </a:rPr>
+              <a:t> dùng để gửi mail của người dùng đi lên Mail Server và nhận từ Server về để hiển thị cho người dùng </a:t>
+            </a:r>
+            <a:r>
+              <a:rPr lang="vi-VN" sz="2000" smtClean="0">
+                <a:latin typeface="Times New Roman" panose="02020603050405020304" pitchFamily="18" charset="0"/>
+                <a:cs typeface="Times New Roman" panose="02020603050405020304" pitchFamily="18" charset="0"/>
+              </a:rPr>
+              <a:t>xem</a:t>
+            </a:r>
+            <a:r>
+              <a:rPr lang="en-US" sz="2000" smtClean="0">
+                <a:latin typeface="Times New Roman" panose="02020603050405020304" pitchFamily="18" charset="0"/>
+                <a:cs typeface="Times New Roman" panose="02020603050405020304" pitchFamily="18" charset="0"/>
+              </a:rPr>
+              <a:t>. </a:t>
+            </a:r>
+            <a:r>
+              <a:rPr lang="en-US" sz="2000">
+                <a:latin typeface="Times New Roman" panose="02020603050405020304" pitchFamily="18" charset="0"/>
+                <a:cs typeface="Times New Roman" panose="02020603050405020304" pitchFamily="18" charset="0"/>
+              </a:rPr>
+              <a:t>Mail Client sử dụng theo POP sẽ cắt toàn bộ Mail trên Server về, nếu sử dụng theo IMAP là lấy theo tiêu đề về. Tiêu đề nào lựa chọn thì sẽ lấy về. Giữ lại một bản trên Server.</a:t>
+            </a:r>
+          </a:p>
         </p:txBody>
       </p:sp>
     </p:spTree>
     <p:extLst>
       <p:ext uri="{BB962C8B-B14F-4D97-AF65-F5344CB8AC3E}">
-        <p14:creationId xmlns:p14="http://schemas.microsoft.com/office/powerpoint/2010/main" val="1513036006"/>
+        <p14:creationId xmlns:p14="http://schemas.microsoft.com/office/powerpoint/2010/main" val="3500032751"/>
       </p:ext>
     </p:extLst>
   </p:cSld>
@@ -7197,7 +6857,7 @@
       </p:grpSpPr>
       <p:sp>
         <p:nvSpPr>
-          <p:cNvPr id="4" name="Title 1"/>
+          <p:cNvPr id="5" name="Title 1"/>
           <p:cNvSpPr txBox="1">
             <a:spLocks noGrp="1"/>
           </p:cNvSpPr>
@@ -7206,6 +6866,10 @@
           </p:nvPr>
         </p:nvSpPr>
         <p:spPr>
+          <a:xfrm>
+            <a:off x="252413" y="1123950"/>
+            <a:ext cx="2947987" cy="4600575"/>
+          </a:xfrm>
           <a:prstGeom prst="rect">
             <a:avLst/>
           </a:prstGeom>
@@ -7245,13 +6909,13 @@
       </p:sp>
       <p:sp>
         <p:nvSpPr>
-          <p:cNvPr id="5" name="TextBox 4"/>
+          <p:cNvPr id="6" name="TextBox 5"/>
           <p:cNvSpPr txBox="1"/>
           <p:nvPr/>
         </p:nvSpPr>
         <p:spPr>
           <a:xfrm>
-            <a:off x="4443106" y="693063"/>
+            <a:off x="4509367" y="605268"/>
             <a:ext cx="6383920" cy="430887"/>
           </a:xfrm>
           <a:prstGeom prst="rect">
@@ -7288,7 +6952,7 @@
                 <a:latin typeface="Times New Roman" panose="02020603050405020304" pitchFamily="18" charset="0"/>
                 <a:cs typeface="Times New Roman" panose="02020603050405020304" pitchFamily="18" charset="0"/>
               </a:rPr>
-              <a:t>ịch vụ TELNET</a:t>
+              <a:t>ịch vụ Mail: SMTP, POP, IMAP</a:t>
             </a:r>
             <a:endParaRPr lang="en-US" sz="2200" b="1">
               <a:solidFill>
@@ -7304,14 +6968,14 @@
       </p:sp>
       <p:sp>
         <p:nvSpPr>
-          <p:cNvPr id="6" name="Rectangle 5"/>
+          <p:cNvPr id="7" name="Rectangle 6"/>
           <p:cNvSpPr/>
           <p:nvPr/>
         </p:nvSpPr>
         <p:spPr>
           <a:xfrm>
-            <a:off x="4237148" y="1439269"/>
-            <a:ext cx="7302321" cy="4185761"/>
+            <a:off x="4306958" y="1298067"/>
+            <a:ext cx="6864626" cy="4401205"/>
           </a:xfrm>
           <a:prstGeom prst="rect">
             <a:avLst/>
@@ -7325,25 +6989,83 @@
           <a:p>
             <a:pPr algn="just" fontAlgn="base"/>
             <a:r>
-              <a:rPr lang="en-US" smtClean="0">
-                <a:solidFill>
-                  <a:srgbClr val="1D1D1D"/>
-                </a:solidFill>
-                <a:latin typeface="Helvetica" panose="020B0604020202020204" pitchFamily="34" charset="0"/>
-              </a:rPr>
-              <a:t> +</a:t>
-            </a:r>
-            <a:r>
-              <a:rPr lang="vi-VN">
-                <a:solidFill>
-                  <a:srgbClr val="1D1D1D"/>
-                </a:solidFill>
-                <a:latin typeface="Helvetica" panose="020B0604020202020204" pitchFamily="34" charset="0"/>
-              </a:rPr>
-              <a:t> </a:t>
-            </a:r>
-            <a:r>
-              <a:rPr lang="vi-VN" sz="1900" smtClean="0">
+              <a:rPr lang="en-US" sz="2000" smtClean="0">
+                <a:solidFill>
+                  <a:srgbClr val="1D1D1D"/>
+                </a:solidFill>
+                <a:latin typeface="Times New Roman" panose="02020603050405020304" pitchFamily="18" charset="0"/>
+                <a:cs typeface="Times New Roman" panose="02020603050405020304" pitchFamily="18" charset="0"/>
+              </a:rPr>
+              <a:t>- </a:t>
+            </a:r>
+            <a:r>
+              <a:rPr lang="vi-VN" sz="2000" smtClean="0">
+                <a:solidFill>
+                  <a:srgbClr val="1D1D1D"/>
+                </a:solidFill>
+                <a:latin typeface="Times New Roman" panose="02020603050405020304" pitchFamily="18" charset="0"/>
+                <a:cs typeface="Times New Roman" panose="02020603050405020304" pitchFamily="18" charset="0"/>
+              </a:rPr>
+              <a:t>Các </a:t>
+            </a:r>
+            <a:r>
+              <a:rPr lang="vi-VN" sz="2000">
+                <a:solidFill>
+                  <a:srgbClr val="1D1D1D"/>
+                </a:solidFill>
+                <a:latin typeface="Times New Roman" panose="02020603050405020304" pitchFamily="18" charset="0"/>
+                <a:cs typeface="Times New Roman" panose="02020603050405020304" pitchFamily="18" charset="0"/>
+              </a:rPr>
+              <a:t>bước hoạt động:</a:t>
+            </a:r>
+          </a:p>
+          <a:p>
+            <a:pPr algn="just" fontAlgn="base"/>
+            <a:r>
+              <a:rPr lang="en-US" sz="2000">
+                <a:solidFill>
+                  <a:srgbClr val="1D1D1D"/>
+                </a:solidFill>
+                <a:latin typeface="Times New Roman" panose="02020603050405020304" pitchFamily="18" charset="0"/>
+                <a:cs typeface="Times New Roman" panose="02020603050405020304" pitchFamily="18" charset="0"/>
+              </a:rPr>
+              <a:t>+</a:t>
+            </a:r>
+            <a:r>
+              <a:rPr lang="vi-VN" sz="2000" smtClean="0">
+                <a:solidFill>
+                  <a:srgbClr val="1D1D1D"/>
+                </a:solidFill>
+                <a:latin typeface="Times New Roman" panose="02020603050405020304" pitchFamily="18" charset="0"/>
+                <a:cs typeface="Times New Roman" panose="02020603050405020304" pitchFamily="18" charset="0"/>
+              </a:rPr>
+              <a:t> </a:t>
+            </a:r>
+            <a:r>
+              <a:rPr lang="vi-VN" sz="2000">
+                <a:solidFill>
+                  <a:srgbClr val="1D1D1D"/>
+                </a:solidFill>
+                <a:latin typeface="Times New Roman" panose="02020603050405020304" pitchFamily="18" charset="0"/>
+                <a:cs typeface="Times New Roman" panose="02020603050405020304" pitchFamily="18" charset="0"/>
+              </a:rPr>
+              <a:t>Bước 1: Mail Client gửi mail lên Server bằng giao thức SMTP thông qua Port 25</a:t>
+            </a:r>
+          </a:p>
+          <a:p>
+            <a:pPr algn="just" fontAlgn="base"/>
+            <a:r>
+              <a:rPr lang="en-US" sz="2000" smtClean="0">
+                <a:solidFill>
+                  <a:srgbClr val="1D1D1D"/>
+                </a:solidFill>
+                <a:latin typeface="Times New Roman" panose="02020603050405020304" pitchFamily="18" charset="0"/>
+                <a:cs typeface="Times New Roman" panose="02020603050405020304" pitchFamily="18" charset="0"/>
+              </a:rPr>
+              <a:t>+ </a:t>
+            </a:r>
+            <a:r>
+              <a:rPr lang="vi-VN" sz="2000" smtClean="0">
                 <a:solidFill>
                   <a:srgbClr val="1D1D1D"/>
                 </a:solidFill>
@@ -7353,20 +7075,67 @@
               <a:t>Bước </a:t>
             </a:r>
             <a:r>
-              <a:rPr lang="vi-VN" sz="1900">
-                <a:solidFill>
-                  <a:srgbClr val="1D1D1D"/>
-                </a:solidFill>
-                <a:latin typeface="Times New Roman" panose="02020603050405020304" pitchFamily="18" charset="0"/>
-                <a:cs typeface="Times New Roman" panose="02020603050405020304" pitchFamily="18" charset="0"/>
-              </a:rPr>
-              <a:t>2: Sau khi DHCP Server nhận được gói tin nó sẽ được tầng Network Access sẽ chuyển lên bên trên để xử lý. Tầng Transport sẽ nhận thông tin rồi chuyển lên Port 67 cho tầng Application.</a:t>
-            </a:r>
+              <a:rPr lang="vi-VN" sz="2000">
+                <a:solidFill>
+                  <a:srgbClr val="1D1D1D"/>
+                </a:solidFill>
+                <a:latin typeface="Times New Roman" panose="02020603050405020304" pitchFamily="18" charset="0"/>
+                <a:cs typeface="Times New Roman" panose="02020603050405020304" pitchFamily="18" charset="0"/>
+              </a:rPr>
+              <a:t>2: Mail Server sẽ nhận mail từ Client bằng giao thức SMTP thông qua Port </a:t>
+            </a:r>
+            <a:r>
+              <a:rPr lang="vi-VN" sz="2000" smtClean="0">
+                <a:solidFill>
+                  <a:srgbClr val="1D1D1D"/>
+                </a:solidFill>
+                <a:latin typeface="Times New Roman" panose="02020603050405020304" pitchFamily="18" charset="0"/>
+                <a:cs typeface="Times New Roman" panose="02020603050405020304" pitchFamily="18" charset="0"/>
+              </a:rPr>
+              <a:t>25.</a:t>
+            </a:r>
+            <a:endParaRPr lang="en-US" sz="2000" smtClean="0">
+              <a:solidFill>
+                <a:srgbClr val="1D1D1D"/>
+              </a:solidFill>
+              <a:latin typeface="Times New Roman" panose="02020603050405020304" pitchFamily="18" charset="0"/>
+              <a:cs typeface="Times New Roman" panose="02020603050405020304" pitchFamily="18" charset="0"/>
+            </a:endParaRPr>
           </a:p>
           <a:p>
             <a:pPr algn="just" fontAlgn="base"/>
             <a:r>
-              <a:rPr lang="en-US" sz="1900">
+              <a:rPr lang="en-US" sz="2000" smtClean="0">
+                <a:solidFill>
+                  <a:srgbClr val="1D1D1D"/>
+                </a:solidFill>
+                <a:latin typeface="Times New Roman" panose="02020603050405020304" pitchFamily="18" charset="0"/>
+                <a:cs typeface="Times New Roman" panose="02020603050405020304" pitchFamily="18" charset="0"/>
+              </a:rPr>
+              <a:t>+ </a:t>
+            </a:r>
+            <a:r>
+              <a:rPr lang="vi-VN" sz="2000" smtClean="0">
+                <a:solidFill>
+                  <a:srgbClr val="1D1D1D"/>
+                </a:solidFill>
+                <a:latin typeface="Times New Roman" panose="02020603050405020304" pitchFamily="18" charset="0"/>
+                <a:cs typeface="Times New Roman" panose="02020603050405020304" pitchFamily="18" charset="0"/>
+              </a:rPr>
+              <a:t>Bước </a:t>
+            </a:r>
+            <a:r>
+              <a:rPr lang="vi-VN" sz="2000">
+                <a:solidFill>
+                  <a:srgbClr val="1D1D1D"/>
+                </a:solidFill>
+                <a:latin typeface="Times New Roman" panose="02020603050405020304" pitchFamily="18" charset="0"/>
+                <a:cs typeface="Times New Roman" panose="02020603050405020304" pitchFamily="18" charset="0"/>
+              </a:rPr>
+              <a:t>3: Mail Server sẽ nhờ DNS Client của mình gửi tới </a:t>
+            </a:r>
+            <a:r>
+              <a:rPr lang="en-US" sz="2000" smtClean="0">
                 <a:solidFill>
                   <a:srgbClr val="1D1D1D"/>
                 </a:solidFill>
@@ -7376,7 +7145,120 @@
               <a:t> </a:t>
             </a:r>
             <a:r>
-              <a:rPr lang="en-US" sz="1900" smtClean="0">
+              <a:rPr lang="vi-VN" sz="2000" smtClean="0">
+                <a:solidFill>
+                  <a:srgbClr val="1D1D1D"/>
+                </a:solidFill>
+                <a:latin typeface="Times New Roman" panose="02020603050405020304" pitchFamily="18" charset="0"/>
+                <a:cs typeface="Times New Roman" panose="02020603050405020304" pitchFamily="18" charset="0"/>
+              </a:rPr>
+              <a:t>DNS </a:t>
+            </a:r>
+            <a:r>
+              <a:rPr lang="vi-VN" sz="2000">
+                <a:solidFill>
+                  <a:srgbClr val="1D1D1D"/>
+                </a:solidFill>
+                <a:latin typeface="Times New Roman" panose="02020603050405020304" pitchFamily="18" charset="0"/>
+                <a:cs typeface="Times New Roman" panose="02020603050405020304" pitchFamily="18" charset="0"/>
+              </a:rPr>
+              <a:t>Server để phân giải từ tên miền Mail (vd:mail.google.com) ra địa chỉ IP của Mail Server đó.</a:t>
+            </a:r>
+          </a:p>
+          <a:p>
+            <a:pPr algn="just" fontAlgn="base"/>
+            <a:r>
+              <a:rPr lang="en-US" sz="2000" smtClean="0">
+                <a:solidFill>
+                  <a:srgbClr val="1D1D1D"/>
+                </a:solidFill>
+                <a:latin typeface="Times New Roman" panose="02020603050405020304" pitchFamily="18" charset="0"/>
+                <a:cs typeface="Times New Roman" panose="02020603050405020304" pitchFamily="18" charset="0"/>
+              </a:rPr>
+              <a:t>+</a:t>
+            </a:r>
+            <a:r>
+              <a:rPr lang="vi-VN" sz="2000" smtClean="0">
+                <a:solidFill>
+                  <a:srgbClr val="1D1D1D"/>
+                </a:solidFill>
+                <a:latin typeface="Times New Roman" panose="02020603050405020304" pitchFamily="18" charset="0"/>
+                <a:cs typeface="Times New Roman" panose="02020603050405020304" pitchFamily="18" charset="0"/>
+              </a:rPr>
+              <a:t> </a:t>
+            </a:r>
+            <a:r>
+              <a:rPr lang="vi-VN" sz="2000">
+                <a:solidFill>
+                  <a:srgbClr val="1D1D1D"/>
+                </a:solidFill>
+                <a:latin typeface="Times New Roman" panose="02020603050405020304" pitchFamily="18" charset="0"/>
+                <a:cs typeface="Times New Roman" panose="02020603050405020304" pitchFamily="18" charset="0"/>
+              </a:rPr>
+              <a:t>Bước 4: Sau khi có địa chỉ IP của Mail Server kia thì Mail Server sẽ  liên lạc trực tiếp, rồi gửi và nhận Mail từ Mail Server đó qua Port </a:t>
+            </a:r>
+            <a:r>
+              <a:rPr lang="vi-VN" sz="2000" smtClean="0">
+                <a:solidFill>
+                  <a:srgbClr val="1D1D1D"/>
+                </a:solidFill>
+                <a:latin typeface="Times New Roman" panose="02020603050405020304" pitchFamily="18" charset="0"/>
+                <a:cs typeface="Times New Roman" panose="02020603050405020304" pitchFamily="18" charset="0"/>
+              </a:rPr>
+              <a:t>25</a:t>
+            </a:r>
+            <a:r>
+              <a:rPr lang="en-US" sz="2000" smtClean="0">
+                <a:solidFill>
+                  <a:srgbClr val="1D1D1D"/>
+                </a:solidFill>
+                <a:latin typeface="Times New Roman" panose="02020603050405020304" pitchFamily="18" charset="0"/>
+                <a:cs typeface="Times New Roman" panose="02020603050405020304" pitchFamily="18" charset="0"/>
+              </a:rPr>
+              <a:t> bằng giao thức SMTP</a:t>
+            </a:r>
+            <a:r>
+              <a:rPr lang="vi-VN" sz="2000" smtClean="0">
+                <a:solidFill>
+                  <a:srgbClr val="1D1D1D"/>
+                </a:solidFill>
+                <a:latin typeface="Times New Roman" panose="02020603050405020304" pitchFamily="18" charset="0"/>
+                <a:cs typeface="Times New Roman" panose="02020603050405020304" pitchFamily="18" charset="0"/>
+              </a:rPr>
+              <a:t>. </a:t>
+            </a:r>
+            <a:r>
+              <a:rPr lang="vi-VN" sz="2000">
+                <a:solidFill>
+                  <a:srgbClr val="1D1D1D"/>
+                </a:solidFill>
+                <a:latin typeface="Times New Roman" panose="02020603050405020304" pitchFamily="18" charset="0"/>
+                <a:cs typeface="Times New Roman" panose="02020603050405020304" pitchFamily="18" charset="0"/>
+              </a:rPr>
+              <a:t>Sau đó sẽ chuyển sang Mail Box thông qua MDA để người dùng lấy </a:t>
+            </a:r>
+            <a:r>
+              <a:rPr lang="vi-VN" sz="2000" smtClean="0">
+                <a:solidFill>
+                  <a:srgbClr val="1D1D1D"/>
+                </a:solidFill>
+                <a:latin typeface="Times New Roman" panose="02020603050405020304" pitchFamily="18" charset="0"/>
+                <a:cs typeface="Times New Roman" panose="02020603050405020304" pitchFamily="18" charset="0"/>
+              </a:rPr>
+              <a:t>về.</a:t>
+            </a:r>
+            <a:endParaRPr lang="en-US" sz="2000" smtClean="0">
+              <a:solidFill>
+                <a:srgbClr val="1D1D1D"/>
+              </a:solidFill>
+              <a:latin typeface="Times New Roman" panose="02020603050405020304" pitchFamily="18" charset="0"/>
+              <a:cs typeface="Times New Roman" panose="02020603050405020304" pitchFamily="18" charset="0"/>
+            </a:endParaRPr>
+          </a:p>
+          <a:p>
+            <a:pPr algn="just" fontAlgn="base"/>
+            <a:r>
+              <a:rPr lang="en-US" sz="2000" smtClean="0">
                 <a:solidFill>
                   <a:srgbClr val="1D1D1D"/>
                 </a:solidFill>
@@ -7386,7 +7268,7 @@
               <a:t>+ </a:t>
             </a:r>
             <a:r>
-              <a:rPr lang="vi-VN" sz="1900" smtClean="0">
+              <a:rPr lang="vi-VN" sz="2000" smtClean="0">
                 <a:solidFill>
                   <a:srgbClr val="1D1D1D"/>
                 </a:solidFill>
@@ -7396,122 +7278,36 @@
               <a:t>Bước </a:t>
             </a:r>
             <a:r>
-              <a:rPr lang="vi-VN" sz="1900">
-                <a:solidFill>
-                  <a:srgbClr val="1D1D1D"/>
-                </a:solidFill>
-                <a:latin typeface="Times New Roman" panose="02020603050405020304" pitchFamily="18" charset="0"/>
-                <a:cs typeface="Times New Roman" panose="02020603050405020304" pitchFamily="18" charset="0"/>
-              </a:rPr>
-              <a:t>3: Sau khi DHCP Server xử lý, Server sẽ gửi lại một bản tin Offer bao gồm thông tin địa chỉ IP cấp cho máy Client và thông tinh máy của mình như tên, IP. Rồi chuyển xuống cho tầng Transport đóng gói bằng cổng 67. Tầng Transport sẽ đóng bằng giao thức UDP và tiếp tục chuyển xuống đóng địa chỉ MAC nguồn MAC đích. Tiếp theo dữ liệu sẽ gửi ra đường </a:t>
-            </a:r>
-            <a:r>
-              <a:rPr lang="vi-VN" sz="1900" smtClean="0">
-                <a:solidFill>
-                  <a:srgbClr val="1D1D1D"/>
-                </a:solidFill>
-                <a:latin typeface="Times New Roman" panose="02020603050405020304" pitchFamily="18" charset="0"/>
-                <a:cs typeface="Times New Roman" panose="02020603050405020304" pitchFamily="18" charset="0"/>
-              </a:rPr>
-              <a:t>truyền.</a:t>
-            </a:r>
-            <a:r>
-              <a:rPr lang="en-US" sz="1900" smtClean="0">
-                <a:solidFill>
-                  <a:srgbClr val="1D1D1D"/>
-                </a:solidFill>
-                <a:latin typeface="Times New Roman" panose="02020603050405020304" pitchFamily="18" charset="0"/>
-                <a:cs typeface="Times New Roman" panose="02020603050405020304" pitchFamily="18" charset="0"/>
-              </a:rPr>
-              <a:t> </a:t>
-            </a:r>
-          </a:p>
-          <a:p>
-            <a:pPr algn="just" fontAlgn="base"/>
-            <a:r>
-              <a:rPr lang="en-US" sz="1900">
-                <a:solidFill>
-                  <a:srgbClr val="1D1D1D"/>
-                </a:solidFill>
-                <a:latin typeface="Times New Roman" panose="02020603050405020304" pitchFamily="18" charset="0"/>
-                <a:cs typeface="Times New Roman" panose="02020603050405020304" pitchFamily="18" charset="0"/>
-              </a:rPr>
-              <a:t> </a:t>
-            </a:r>
-            <a:r>
-              <a:rPr lang="en-US" sz="1900" smtClean="0">
-                <a:solidFill>
-                  <a:srgbClr val="1D1D1D"/>
-                </a:solidFill>
-                <a:latin typeface="Times New Roman" panose="02020603050405020304" pitchFamily="18" charset="0"/>
-                <a:cs typeface="Times New Roman" panose="02020603050405020304" pitchFamily="18" charset="0"/>
-              </a:rPr>
-              <a:t>+ </a:t>
-            </a:r>
-            <a:r>
-              <a:rPr lang="vi-VN" sz="1900" smtClean="0">
-                <a:solidFill>
-                  <a:srgbClr val="1D1D1D"/>
-                </a:solidFill>
-                <a:latin typeface="Times New Roman" panose="02020603050405020304" pitchFamily="18" charset="0"/>
-                <a:cs typeface="Times New Roman" panose="02020603050405020304" pitchFamily="18" charset="0"/>
-              </a:rPr>
-              <a:t>Bước </a:t>
-            </a:r>
-            <a:r>
-              <a:rPr lang="vi-VN" sz="1900">
-                <a:solidFill>
-                  <a:srgbClr val="1D1D1D"/>
-                </a:solidFill>
-                <a:latin typeface="Times New Roman" panose="02020603050405020304" pitchFamily="18" charset="0"/>
-                <a:cs typeface="Times New Roman" panose="02020603050405020304" pitchFamily="18" charset="0"/>
-              </a:rPr>
-              <a:t>4: Client nhận dữ liệu từ Port 68 và đưa IP vào DHCP Client. Sau đó DHCP Client sẽ gửi lại một bản tin Request là đồng ý sử dụng IP đó để DHCP Server xác nhận</a:t>
-            </a:r>
-          </a:p>
-          <a:p>
-            <a:pPr algn="just" fontAlgn="base"/>
-            <a:r>
-              <a:rPr lang="en-US" sz="1900">
-                <a:solidFill>
-                  <a:srgbClr val="1D1D1D"/>
-                </a:solidFill>
-                <a:latin typeface="Times New Roman" panose="02020603050405020304" pitchFamily="18" charset="0"/>
-                <a:cs typeface="Times New Roman" panose="02020603050405020304" pitchFamily="18" charset="0"/>
-              </a:rPr>
-              <a:t> </a:t>
-            </a:r>
-            <a:r>
-              <a:rPr lang="en-US" sz="1900" smtClean="0">
-                <a:solidFill>
-                  <a:srgbClr val="1D1D1D"/>
-                </a:solidFill>
-                <a:latin typeface="Times New Roman" panose="02020603050405020304" pitchFamily="18" charset="0"/>
-                <a:cs typeface="Times New Roman" panose="02020603050405020304" pitchFamily="18" charset="0"/>
-              </a:rPr>
-              <a:t>+ </a:t>
-            </a:r>
-            <a:r>
-              <a:rPr lang="vi-VN" sz="1900" smtClean="0">
-                <a:solidFill>
-                  <a:srgbClr val="1D1D1D"/>
-                </a:solidFill>
-                <a:latin typeface="Times New Roman" panose="02020603050405020304" pitchFamily="18" charset="0"/>
-                <a:cs typeface="Times New Roman" panose="02020603050405020304" pitchFamily="18" charset="0"/>
-              </a:rPr>
-              <a:t>Bước </a:t>
-            </a:r>
-            <a:r>
-              <a:rPr lang="vi-VN" sz="1900">
-                <a:solidFill>
-                  <a:srgbClr val="1D1D1D"/>
-                </a:solidFill>
-                <a:latin typeface="Times New Roman" panose="02020603050405020304" pitchFamily="18" charset="0"/>
-                <a:cs typeface="Times New Roman" panose="02020603050405020304" pitchFamily="18" charset="0"/>
-              </a:rPr>
-              <a:t>5: DHCP Server nhận được thông tin từ DHCP Client sẽ gửi lại một bản tin ACK để xác nhận là quá trình đã thành công.</a:t>
-            </a:r>
-            <a:endParaRPr lang="vi-VN" sz="1900" b="0" i="0">
+              <a:rPr lang="vi-VN" sz="2000">
+                <a:solidFill>
+                  <a:srgbClr val="1D1D1D"/>
+                </a:solidFill>
+                <a:latin typeface="Times New Roman" panose="02020603050405020304" pitchFamily="18" charset="0"/>
+                <a:cs typeface="Times New Roman" panose="02020603050405020304" pitchFamily="18" charset="0"/>
+              </a:rPr>
+              <a:t>5: Người dùng sẽ lấy Mail từ trong Mail Box thông qua giao thức </a:t>
+            </a:r>
+            <a:r>
+              <a:rPr lang="vi-VN" sz="2000" smtClean="0">
+                <a:solidFill>
+                  <a:srgbClr val="1D1D1D"/>
+                </a:solidFill>
+                <a:latin typeface="Times New Roman" panose="02020603050405020304" pitchFamily="18" charset="0"/>
+                <a:cs typeface="Times New Roman" panose="02020603050405020304" pitchFamily="18" charset="0"/>
+              </a:rPr>
+              <a:t>POP3</a:t>
+            </a:r>
+            <a:r>
+              <a:rPr lang="en-US" sz="2000" smtClean="0">
+                <a:solidFill>
+                  <a:srgbClr val="1D1D1D"/>
+                </a:solidFill>
+                <a:latin typeface="Times New Roman" panose="02020603050405020304" pitchFamily="18" charset="0"/>
+                <a:cs typeface="Times New Roman" panose="02020603050405020304" pitchFamily="18" charset="0"/>
+              </a:rPr>
+              <a:t> hoặc IMAP</a:t>
+            </a:r>
+            <a:endParaRPr lang="vi-VN" sz="2000" b="0" i="0">
               <a:solidFill>
                 <a:srgbClr val="1D1D1D"/>
               </a:solidFill>
@@ -7525,7 +7321,7 @@
     </p:spTree>
     <p:extLst>
       <p:ext uri="{BB962C8B-B14F-4D97-AF65-F5344CB8AC3E}">
-        <p14:creationId xmlns:p14="http://schemas.microsoft.com/office/powerpoint/2010/main" val="327111372"/>
+        <p14:creationId xmlns:p14="http://schemas.microsoft.com/office/powerpoint/2010/main" val="2083171694"/>
       </p:ext>
     </p:extLst>
   </p:cSld>
@@ -7585,7 +7381,7 @@
         <p:spPr>
           <a:xfrm>
             <a:off x="3707704" y="776614"/>
-            <a:ext cx="7628351" cy="4739759"/>
+            <a:ext cx="7628351" cy="4832092"/>
           </a:xfrm>
           <a:prstGeom prst="rect">
             <a:avLst/>
@@ -7600,7 +7396,7 @@
           <a:p>
             <a:pPr algn="ctr"/>
             <a:r>
-              <a:rPr lang="en-US" sz="2200" b="1" smtClean="0">
+              <a:rPr lang="en-US" sz="2800" b="1" smtClean="0">
                 <a:solidFill>
                   <a:schemeClr val="accent2">
                     <a:lumMod val="75000"/>
@@ -7611,15 +7407,6 @@
               </a:rPr>
               <a:t>OSI Model</a:t>
             </a:r>
-            <a:endParaRPr lang="en-US" sz="2200" b="1" smtClean="0">
-              <a:solidFill>
-                <a:schemeClr val="accent2">
-                  <a:lumMod val="75000"/>
-                </a:schemeClr>
-              </a:solidFill>
-              <a:latin typeface="Times New Roman" panose="02020603050405020304" pitchFamily="18" charset="0"/>
-              <a:cs typeface="Times New Roman" panose="02020603050405020304" pitchFamily="18" charset="0"/>
-            </a:endParaRPr>
           </a:p>
           <a:p>
             <a:pPr algn="just"/>
@@ -7725,10 +7512,6 @@
               </a:rPr>
               <a:t>Term “open” denotes the ability to connect any two systems which conform to the reference model and associated standards.</a:t>
             </a:r>
-            <a:endParaRPr lang="en-US" sz="2000" smtClean="0">
-              <a:latin typeface="Times New Roman" panose="02020603050405020304" pitchFamily="18" charset="0"/>
-              <a:cs typeface="Times New Roman" panose="02020603050405020304" pitchFamily="18" charset="0"/>
-            </a:endParaRPr>
           </a:p>
           <a:p>
             <a:pPr marL="342900" indent="-342900" algn="just">
@@ -7801,207 +7584,7 @@
       </p:grpSpPr>
       <p:sp>
         <p:nvSpPr>
-          <p:cNvPr id="4" name="Rectangle 3"/>
-          <p:cNvSpPr/>
-          <p:nvPr/>
-        </p:nvSpPr>
-        <p:spPr>
-          <a:xfrm>
-            <a:off x="4275786" y="1491983"/>
-            <a:ext cx="7263683" cy="3477875"/>
-          </a:xfrm>
-          <a:prstGeom prst="rect">
-            <a:avLst/>
-          </a:prstGeom>
-        </p:spPr>
-        <p:txBody>
-          <a:bodyPr wrap="square">
-            <a:spAutoFit/>
-          </a:bodyPr>
-          <a:lstStyle/>
-          <a:p>
-            <a:pPr marL="398463" indent="-398463" algn="just">
-              <a:buFontTx/>
-              <a:buChar char="-"/>
-            </a:pPr>
-            <a:r>
-              <a:rPr lang="vi-VN" sz="2000" smtClean="0">
-                <a:latin typeface="Times New Roman" panose="02020603050405020304" pitchFamily="18" charset="0"/>
-                <a:cs typeface="Times New Roman" panose="02020603050405020304" pitchFamily="18" charset="0"/>
-              </a:rPr>
-              <a:t>TELNET</a:t>
-            </a:r>
-            <a:r>
-              <a:rPr lang="vi-VN" sz="2000">
-                <a:latin typeface="Times New Roman" panose="02020603050405020304" pitchFamily="18" charset="0"/>
-                <a:cs typeface="Times New Roman" panose="02020603050405020304" pitchFamily="18" charset="0"/>
-              </a:rPr>
-              <a:t> viết tắt của TerminaL Network là </a:t>
-            </a:r>
-            <a:r>
-              <a:rPr lang="vi-VN" sz="2000" smtClean="0">
-                <a:latin typeface="Times New Roman" panose="02020603050405020304" pitchFamily="18" charset="0"/>
-                <a:cs typeface="Times New Roman" panose="02020603050405020304" pitchFamily="18" charset="0"/>
-              </a:rPr>
-              <a:t>một</a:t>
-            </a:r>
-            <a:r>
-              <a:rPr lang="en-US" sz="2000">
-                <a:latin typeface="Times New Roman" panose="02020603050405020304" pitchFamily="18" charset="0"/>
-                <a:cs typeface="Times New Roman" panose="02020603050405020304" pitchFamily="18" charset="0"/>
-              </a:rPr>
-              <a:t> </a:t>
-            </a:r>
-            <a:r>
-              <a:rPr lang="en-US" sz="2000" smtClean="0">
-                <a:latin typeface="Times New Roman" panose="02020603050405020304" pitchFamily="18" charset="0"/>
-                <a:cs typeface="Times New Roman" panose="02020603050405020304" pitchFamily="18" charset="0"/>
-              </a:rPr>
-              <a:t>giao thức mạng </a:t>
-            </a:r>
-            <a:r>
-              <a:rPr lang="vi-VN" sz="2000" smtClean="0">
-                <a:latin typeface="Times New Roman" panose="02020603050405020304" pitchFamily="18" charset="0"/>
-                <a:cs typeface="Times New Roman" panose="02020603050405020304" pitchFamily="18" charset="0"/>
-              </a:rPr>
-              <a:t>được </a:t>
-            </a:r>
-            <a:r>
-              <a:rPr lang="vi-VN" sz="2000">
-                <a:latin typeface="Times New Roman" panose="02020603050405020304" pitchFamily="18" charset="0"/>
-                <a:cs typeface="Times New Roman" panose="02020603050405020304" pitchFamily="18" charset="0"/>
-              </a:rPr>
-              <a:t>dùng trên các kết nối </a:t>
-            </a:r>
-            <a:r>
-              <a:rPr lang="vi-VN" sz="2000" smtClean="0">
-                <a:latin typeface="Times New Roman" panose="02020603050405020304" pitchFamily="18" charset="0"/>
-                <a:cs typeface="Times New Roman" panose="02020603050405020304" pitchFamily="18" charset="0"/>
-              </a:rPr>
-              <a:t>với</a:t>
-            </a:r>
-            <a:r>
-              <a:rPr lang="en-US" sz="2000">
-                <a:latin typeface="Times New Roman" panose="02020603050405020304" pitchFamily="18" charset="0"/>
-                <a:cs typeface="Times New Roman" panose="02020603050405020304" pitchFamily="18" charset="0"/>
-              </a:rPr>
-              <a:t> </a:t>
-            </a:r>
-            <a:r>
-              <a:rPr lang="en-US" sz="2000" smtClean="0">
-                <a:latin typeface="Times New Roman" panose="02020603050405020304" pitchFamily="18" charset="0"/>
-                <a:cs typeface="Times New Roman" panose="02020603050405020304" pitchFamily="18" charset="0"/>
-              </a:rPr>
-              <a:t>Internet </a:t>
-            </a:r>
-            <a:r>
-              <a:rPr lang="vi-VN" sz="2000" smtClean="0">
-                <a:latin typeface="Times New Roman" panose="02020603050405020304" pitchFamily="18" charset="0"/>
-                <a:cs typeface="Times New Roman" panose="02020603050405020304" pitchFamily="18" charset="0"/>
-              </a:rPr>
-              <a:t>hoặc </a:t>
-            </a:r>
-            <a:r>
-              <a:rPr lang="vi-VN" sz="2000">
-                <a:latin typeface="Times New Roman" panose="02020603050405020304" pitchFamily="18" charset="0"/>
-                <a:cs typeface="Times New Roman" panose="02020603050405020304" pitchFamily="18" charset="0"/>
-              </a:rPr>
-              <a:t>các kết nối tại mạng máy tính cục bộ </a:t>
-            </a:r>
-            <a:r>
-              <a:rPr lang="en-US" sz="2000" smtClean="0">
-                <a:latin typeface="Times New Roman" panose="02020603050405020304" pitchFamily="18" charset="0"/>
-                <a:cs typeface="Times New Roman" panose="02020603050405020304" pitchFamily="18" charset="0"/>
-              </a:rPr>
-              <a:t>Lan.</a:t>
-            </a:r>
-            <a:endParaRPr lang="en-US" sz="2000" smtClean="0">
-              <a:solidFill>
-                <a:srgbClr val="252C2F"/>
-              </a:solidFill>
-              <a:latin typeface="Times New Roman" panose="02020603050405020304" pitchFamily="18" charset="0"/>
-              <a:cs typeface="Times New Roman" panose="02020603050405020304" pitchFamily="18" charset="0"/>
-            </a:endParaRPr>
-          </a:p>
-          <a:p>
-            <a:pPr marL="342900" indent="-342900" algn="just">
-              <a:buFontTx/>
-              <a:buChar char="-"/>
-            </a:pPr>
-            <a:r>
-              <a:rPr lang="en-US" sz="2000" smtClean="0">
-                <a:solidFill>
-                  <a:srgbClr val="252C2F"/>
-                </a:solidFill>
-                <a:latin typeface="Times New Roman" panose="02020603050405020304" pitchFamily="18" charset="0"/>
-                <a:cs typeface="Times New Roman" panose="02020603050405020304" pitchFamily="18" charset="0"/>
-              </a:rPr>
-              <a:t>Chúng ta cũng có thể hiểu Telnet là một giao thức Client – Server dựa trên nền TCP, và phần Client thường kết nối vào cổng 23 với một Server – nơi cung cấp chương trình ứng dụng thi hành các dịch vụ.</a:t>
-            </a:r>
-          </a:p>
-          <a:p>
-            <a:pPr marL="342900" indent="-342900" algn="just">
-              <a:buFontTx/>
-              <a:buChar char="-"/>
-            </a:pPr>
-            <a:r>
-              <a:rPr lang="vi-VN" sz="2000" smtClean="0">
-                <a:latin typeface="Times New Roman" panose="02020603050405020304" pitchFamily="18" charset="0"/>
-                <a:cs typeface="Times New Roman" panose="02020603050405020304" pitchFamily="18" charset="0"/>
-              </a:rPr>
-              <a:t>Telnet </a:t>
-            </a:r>
-            <a:r>
-              <a:rPr lang="vi-VN" sz="2000">
-                <a:latin typeface="Times New Roman" panose="02020603050405020304" pitchFamily="18" charset="0"/>
-                <a:cs typeface="Times New Roman" panose="02020603050405020304" pitchFamily="18" charset="0"/>
-              </a:rPr>
-              <a:t>không mã hóa dữ liệu truyền tải qua các đường dây kết nối, kể cả mật khẩu, vì thế việc thông tin bị đánh cắp là tương đối dễ </a:t>
-            </a:r>
-            <a:r>
-              <a:rPr lang="vi-VN" sz="2000" smtClean="0">
-                <a:latin typeface="Times New Roman" panose="02020603050405020304" pitchFamily="18" charset="0"/>
-                <a:cs typeface="Times New Roman" panose="02020603050405020304" pitchFamily="18" charset="0"/>
-              </a:rPr>
-              <a:t>dàng.</a:t>
-            </a:r>
-            <a:r>
-              <a:rPr lang="en-US" sz="2000" smtClean="0">
-                <a:latin typeface="Times New Roman" panose="02020603050405020304" pitchFamily="18" charset="0"/>
-                <a:cs typeface="Times New Roman" panose="02020603050405020304" pitchFamily="18" charset="0"/>
-              </a:rPr>
-              <a:t> </a:t>
-            </a:r>
-            <a:r>
-              <a:rPr lang="vi-VN" sz="2000" smtClean="0">
-                <a:latin typeface="Times New Roman" panose="02020603050405020304" pitchFamily="18" charset="0"/>
-                <a:cs typeface="Times New Roman" panose="02020603050405020304" pitchFamily="18" charset="0"/>
-              </a:rPr>
-              <a:t>Telnet </a:t>
-            </a:r>
-            <a:r>
-              <a:rPr lang="vi-VN" sz="2000">
-                <a:latin typeface="Times New Roman" panose="02020603050405020304" pitchFamily="18" charset="0"/>
-                <a:cs typeface="Times New Roman" panose="02020603050405020304" pitchFamily="18" charset="0"/>
-              </a:rPr>
-              <a:t>thiếu tính xác thực người dùng. </a:t>
-            </a:r>
-            <a:br>
-              <a:rPr lang="vi-VN" sz="2000">
-                <a:latin typeface="Times New Roman" panose="02020603050405020304" pitchFamily="18" charset="0"/>
-                <a:cs typeface="Times New Roman" panose="02020603050405020304" pitchFamily="18" charset="0"/>
-              </a:rPr>
-            </a:br>
-            <a:endParaRPr lang="en-US" sz="2000">
-              <a:latin typeface="Times New Roman" panose="02020603050405020304" pitchFamily="18" charset="0"/>
-              <a:cs typeface="Times New Roman" panose="02020603050405020304" pitchFamily="18" charset="0"/>
-            </a:endParaRPr>
-          </a:p>
-        </p:txBody>
-      </p:sp>
-      <p:sp>
-        <p:nvSpPr>
-          <p:cNvPr id="5" name="Title 1"/>
+          <p:cNvPr id="4" name="Title 1"/>
           <p:cNvSpPr txBox="1">
             <a:spLocks noGrp="1"/>
           </p:cNvSpPr>
@@ -8010,6 +7593,10 @@
           </p:nvPr>
         </p:nvSpPr>
         <p:spPr>
+          <a:xfrm>
+            <a:off x="252413" y="1123950"/>
+            <a:ext cx="2947987" cy="4600575"/>
+          </a:xfrm>
           <a:prstGeom prst="rect">
             <a:avLst/>
           </a:prstGeom>
@@ -8092,7 +7679,7 @@
                 <a:latin typeface="Times New Roman" panose="02020603050405020304" pitchFamily="18" charset="0"/>
                 <a:cs typeface="Times New Roman" panose="02020603050405020304" pitchFamily="18" charset="0"/>
               </a:rPr>
-              <a:t>ịch vụ DHCP</a:t>
+              <a:t>ịch vụ DNS</a:t>
             </a:r>
             <a:endParaRPr lang="en-US" sz="2200" b="1">
               <a:solidFill>
@@ -8106,10 +7693,222 @@
           </a:p>
         </p:txBody>
       </p:sp>
+      <p:sp>
+        <p:nvSpPr>
+          <p:cNvPr id="7" name="Rectangle 6"/>
+          <p:cNvSpPr/>
+          <p:nvPr/>
+        </p:nvSpPr>
+        <p:spPr>
+          <a:xfrm>
+            <a:off x="4189501" y="1238575"/>
+            <a:ext cx="7326638" cy="5016758"/>
+          </a:xfrm>
+          <a:prstGeom prst="rect">
+            <a:avLst/>
+          </a:prstGeom>
+        </p:spPr>
+        <p:txBody>
+          <a:bodyPr wrap="square">
+            <a:spAutoFit/>
+          </a:bodyPr>
+          <a:lstStyle/>
+          <a:p>
+            <a:pPr marL="342900" indent="-342900" algn="just" fontAlgn="base">
+              <a:buFontTx/>
+              <a:buChar char="-"/>
+            </a:pPr>
+            <a:r>
+              <a:rPr lang="vi-VN" sz="2000" b="1" smtClean="0">
+                <a:solidFill>
+                  <a:srgbClr val="1D1D1D"/>
+                </a:solidFill>
+                <a:latin typeface="Times New Roman" panose="02020603050405020304" pitchFamily="18" charset="0"/>
+                <a:cs typeface="Times New Roman" panose="02020603050405020304" pitchFamily="18" charset="0"/>
+              </a:rPr>
+              <a:t>Dịch </a:t>
+            </a:r>
+            <a:r>
+              <a:rPr lang="vi-VN" sz="2000" b="1">
+                <a:solidFill>
+                  <a:srgbClr val="1D1D1D"/>
+                </a:solidFill>
+                <a:latin typeface="Times New Roman" panose="02020603050405020304" pitchFamily="18" charset="0"/>
+                <a:cs typeface="Times New Roman" panose="02020603050405020304" pitchFamily="18" charset="0"/>
+              </a:rPr>
+              <a:t>vụ DNS:</a:t>
+            </a:r>
+            <a:r>
+              <a:rPr lang="vi-VN" sz="2000">
+                <a:solidFill>
+                  <a:srgbClr val="1D1D1D"/>
+                </a:solidFill>
+                <a:latin typeface="Times New Roman" panose="02020603050405020304" pitchFamily="18" charset="0"/>
+                <a:cs typeface="Times New Roman" panose="02020603050405020304" pitchFamily="18" charset="0"/>
+              </a:rPr>
+              <a:t> là một dịch vụ phân giải tên miền có cơ sở dữ liệu phân cấp, phân tán đồng thời có chứa cơ chế ánh xạ từ tên miền tới những địa chỉ IP và ngược lại. DNS sử dụng Port giao tiếp là 53</a:t>
+            </a:r>
+            <a:r>
+              <a:rPr lang="vi-VN" sz="2000" smtClean="0">
+                <a:solidFill>
+                  <a:srgbClr val="1D1D1D"/>
+                </a:solidFill>
+                <a:latin typeface="Times New Roman" panose="02020603050405020304" pitchFamily="18" charset="0"/>
+                <a:cs typeface="Times New Roman" panose="02020603050405020304" pitchFamily="18" charset="0"/>
+              </a:rPr>
+              <a:t>.</a:t>
+            </a:r>
+            <a:endParaRPr lang="en-US" sz="2000" smtClean="0">
+              <a:solidFill>
+                <a:srgbClr val="1D1D1D"/>
+              </a:solidFill>
+              <a:latin typeface="Times New Roman" panose="02020603050405020304" pitchFamily="18" charset="0"/>
+              <a:cs typeface="Times New Roman" panose="02020603050405020304" pitchFamily="18" charset="0"/>
+            </a:endParaRPr>
+          </a:p>
+          <a:p>
+            <a:pPr marL="342900" indent="-342900" algn="just" fontAlgn="base">
+              <a:buFontTx/>
+              <a:buChar char="-"/>
+            </a:pPr>
+            <a:r>
+              <a:rPr lang="vi-VN" sz="2000">
+                <a:latin typeface="Times New Roman" panose="02020603050405020304" pitchFamily="18" charset="0"/>
+                <a:cs typeface="Times New Roman" panose="02020603050405020304" pitchFamily="18" charset="0"/>
+              </a:rPr>
+              <a:t>Để hoạt động được thì DNS phải có 2 thành phần: DNS Server và DNS </a:t>
+            </a:r>
+            <a:r>
+              <a:rPr lang="vi-VN" sz="2000" smtClean="0">
+                <a:latin typeface="Times New Roman" panose="02020603050405020304" pitchFamily="18" charset="0"/>
+                <a:cs typeface="Times New Roman" panose="02020603050405020304" pitchFamily="18" charset="0"/>
+              </a:rPr>
+              <a:t>Client</a:t>
+            </a:r>
+            <a:r>
+              <a:rPr lang="en-US" sz="2000" smtClean="0">
+                <a:latin typeface="Times New Roman" panose="02020603050405020304" pitchFamily="18" charset="0"/>
+                <a:cs typeface="Times New Roman" panose="02020603050405020304" pitchFamily="18" charset="0"/>
+              </a:rPr>
+              <a:t>.</a:t>
+            </a:r>
+          </a:p>
+          <a:p>
+            <a:pPr marL="342900" indent="-342900" algn="just" fontAlgn="base">
+              <a:buFontTx/>
+              <a:buChar char="-"/>
+            </a:pPr>
+            <a:r>
+              <a:rPr lang="vi-VN" sz="2000">
+                <a:latin typeface="Times New Roman" panose="02020603050405020304" pitchFamily="18" charset="0"/>
+                <a:cs typeface="Times New Roman" panose="02020603050405020304" pitchFamily="18" charset="0"/>
+              </a:rPr>
+              <a:t>DNS Server dùng để phân giải tên miền ra IP và ngược lại là IP sang tên miền. Thông qua tìm kiếm trên cơ sở dữ liệu của nó, nếu không có nó sẽ đi hỏi DNS </a:t>
+            </a:r>
+            <a:r>
+              <a:rPr lang="vi-VN" sz="2000" smtClean="0">
+                <a:latin typeface="Times New Roman" panose="02020603050405020304" pitchFamily="18" charset="0"/>
+                <a:cs typeface="Times New Roman" panose="02020603050405020304" pitchFamily="18" charset="0"/>
+              </a:rPr>
+              <a:t>khác</a:t>
+            </a:r>
+            <a:r>
+              <a:rPr lang="en-US" sz="2000" smtClean="0">
+                <a:latin typeface="Times New Roman" panose="02020603050405020304" pitchFamily="18" charset="0"/>
+                <a:cs typeface="Times New Roman" panose="02020603050405020304" pitchFamily="18" charset="0"/>
+              </a:rPr>
+              <a:t>.</a:t>
+            </a:r>
+            <a:r>
+              <a:rPr lang="en-US" sz="2000">
+                <a:latin typeface="Times New Roman" panose="02020603050405020304" pitchFamily="18" charset="0"/>
+                <a:cs typeface="Times New Roman" panose="02020603050405020304" pitchFamily="18" charset="0"/>
+              </a:rPr>
+              <a:t> DNS Server sử dụng 2 giao thức để hoạt động là TCP và </a:t>
+            </a:r>
+            <a:r>
+              <a:rPr lang="en-US" sz="2000" smtClean="0">
+                <a:latin typeface="Times New Roman" panose="02020603050405020304" pitchFamily="18" charset="0"/>
+                <a:cs typeface="Times New Roman" panose="02020603050405020304" pitchFamily="18" charset="0"/>
+              </a:rPr>
+              <a:t>UDP:</a:t>
+            </a:r>
+          </a:p>
+          <a:p>
+            <a:pPr marL="344488" indent="-344488" algn="just" fontAlgn="base"/>
+            <a:r>
+              <a:rPr lang="en-US" sz="2000" smtClean="0">
+                <a:latin typeface="Times New Roman" panose="02020603050405020304" pitchFamily="18" charset="0"/>
+                <a:cs typeface="Times New Roman" panose="02020603050405020304" pitchFamily="18" charset="0"/>
+              </a:rPr>
+              <a:t>     + </a:t>
+            </a:r>
+            <a:r>
+              <a:rPr lang="en-US" sz="2000">
+                <a:latin typeface="Times New Roman" panose="02020603050405020304" pitchFamily="18" charset="0"/>
+                <a:cs typeface="Times New Roman" panose="02020603050405020304" pitchFamily="18" charset="0"/>
+              </a:rPr>
+              <a:t>TCP dùng để đóng gói khi 2 Server DNS trao đổi dữ liệu với nhau. Đảm bảo an toàn cho dữ liệu</a:t>
+            </a:r>
+            <a:r>
+              <a:rPr lang="en-US" sz="2000" smtClean="0">
+                <a:latin typeface="Times New Roman" panose="02020603050405020304" pitchFamily="18" charset="0"/>
+                <a:cs typeface="Times New Roman" panose="02020603050405020304" pitchFamily="18" charset="0"/>
+              </a:rPr>
+              <a:t>.</a:t>
+            </a:r>
+          </a:p>
+          <a:p>
+            <a:pPr algn="just" fontAlgn="base"/>
+            <a:r>
+              <a:rPr lang="en-US" sz="2000" smtClean="0">
+                <a:latin typeface="Times New Roman" panose="02020603050405020304" pitchFamily="18" charset="0"/>
+                <a:cs typeface="Times New Roman" panose="02020603050405020304" pitchFamily="18" charset="0"/>
+              </a:rPr>
+              <a:t>     + </a:t>
+            </a:r>
+            <a:r>
+              <a:rPr lang="en-US" sz="2000">
+                <a:latin typeface="Times New Roman" panose="02020603050405020304" pitchFamily="18" charset="0"/>
+                <a:cs typeface="Times New Roman" panose="02020603050405020304" pitchFamily="18" charset="0"/>
+              </a:rPr>
+              <a:t>UDP dùng để đóng gói khi Client yêu cầu phân giải tên miền</a:t>
+            </a:r>
+            <a:endParaRPr lang="en-US" sz="2000" smtClean="0">
+              <a:latin typeface="Times New Roman" panose="02020603050405020304" pitchFamily="18" charset="0"/>
+              <a:cs typeface="Times New Roman" panose="02020603050405020304" pitchFamily="18" charset="0"/>
+            </a:endParaRPr>
+          </a:p>
+          <a:p>
+            <a:pPr marL="342900" indent="-342900" algn="just" fontAlgn="base">
+              <a:buFontTx/>
+              <a:buChar char="-"/>
+            </a:pPr>
+            <a:r>
+              <a:rPr lang="vi-VN" sz="2000">
+                <a:latin typeface="Times New Roman" panose="02020603050405020304" pitchFamily="18" charset="0"/>
+                <a:cs typeface="Times New Roman" panose="02020603050405020304" pitchFamily="18" charset="0"/>
+              </a:rPr>
+              <a:t>DNS Client dùng để phân giải cho máy người dùng. Khi người dùng truy cập tên miền DNS Client sẽ nhờ sang DNS Server phân giải</a:t>
+            </a:r>
+            <a:r>
+              <a:rPr lang="vi-VN" sz="2000" smtClean="0">
+                <a:latin typeface="Times New Roman" panose="02020603050405020304" pitchFamily="18" charset="0"/>
+                <a:cs typeface="Times New Roman" panose="02020603050405020304" pitchFamily="18" charset="0"/>
+              </a:rPr>
+              <a:t>.</a:t>
+            </a:r>
+            <a:endParaRPr lang="en-US" sz="2000" smtClean="0">
+              <a:latin typeface="Times New Roman" panose="02020603050405020304" pitchFamily="18" charset="0"/>
+              <a:cs typeface="Times New Roman" panose="02020603050405020304" pitchFamily="18" charset="0"/>
+            </a:endParaRPr>
+          </a:p>
+        </p:txBody>
+      </p:sp>
     </p:spTree>
     <p:extLst>
       <p:ext uri="{BB962C8B-B14F-4D97-AF65-F5344CB8AC3E}">
-        <p14:creationId xmlns:p14="http://schemas.microsoft.com/office/powerpoint/2010/main" val="2563394508"/>
+        <p14:creationId xmlns:p14="http://schemas.microsoft.com/office/powerpoint/2010/main" val="1435304489"/>
       </p:ext>
     </p:extLst>
   </p:cSld>
@@ -8178,6 +7977,1554 @@
             <a:pPr algn="ctr"/>
             <a:r>
               <a:rPr lang="en-US" b="1" smtClean="0"/>
+              <a:t>CÁC GIAO THỨC / DỊCH VỤ TRONG TẦNG APPLICATION</a:t>
+            </a:r>
+            <a:endParaRPr lang="en-US"/>
+          </a:p>
+        </p:txBody>
+      </p:sp>
+      <p:sp>
+        <p:nvSpPr>
+          <p:cNvPr id="5" name="TextBox 4"/>
+          <p:cNvSpPr txBox="1"/>
+          <p:nvPr/>
+        </p:nvSpPr>
+        <p:spPr>
+          <a:xfrm>
+            <a:off x="4443106" y="693063"/>
+            <a:ext cx="6383920" cy="430887"/>
+          </a:xfrm>
+          <a:prstGeom prst="rect">
+            <a:avLst/>
+          </a:prstGeom>
+          <a:noFill/>
+        </p:spPr>
+        <p:txBody>
+          <a:bodyPr wrap="square" rtlCol="0">
+            <a:spAutoFit/>
+          </a:bodyPr>
+          <a:lstStyle/>
+          <a:p>
+            <a:pPr algn="ctr"/>
+            <a:r>
+              <a:rPr lang="en-US" sz="2200" b="1">
+                <a:solidFill>
+                  <a:schemeClr val="accent2">
+                    <a:lumMod val="75000"/>
+                  </a:schemeClr>
+                </a:solidFill>
+                <a:latin typeface="Times New Roman" panose="02020603050405020304" pitchFamily="18" charset="0"/>
+                <a:cs typeface="Times New Roman" panose="02020603050405020304" pitchFamily="18" charset="0"/>
+              </a:rPr>
+              <a:t>D</a:t>
+            </a:r>
+            <a:r>
+              <a:rPr lang="en-US" sz="2200" b="1" smtClean="0">
+                <a:solidFill>
+                  <a:schemeClr val="accent2">
+                    <a:lumMod val="75000"/>
+                  </a:schemeClr>
+                </a:solidFill>
+                <a:latin typeface="Times New Roman" panose="02020603050405020304" pitchFamily="18" charset="0"/>
+                <a:cs typeface="Times New Roman" panose="02020603050405020304" pitchFamily="18" charset="0"/>
+              </a:rPr>
+              <a:t>ịch vụ DNS</a:t>
+            </a:r>
+            <a:endParaRPr lang="en-US" sz="2200" b="1">
+              <a:solidFill>
+                <a:schemeClr val="accent2">
+                  <a:lumMod val="75000"/>
+                </a:schemeClr>
+              </a:solidFill>
+              <a:latin typeface="Times New Roman" panose="02020603050405020304" pitchFamily="18" charset="0"/>
+              <a:cs typeface="Times New Roman" panose="02020603050405020304" pitchFamily="18" charset="0"/>
+            </a:endParaRPr>
+          </a:p>
+        </p:txBody>
+      </p:sp>
+      <p:sp>
+        <p:nvSpPr>
+          <p:cNvPr id="6" name="Rectangle 5"/>
+          <p:cNvSpPr/>
+          <p:nvPr/>
+        </p:nvSpPr>
+        <p:spPr>
+          <a:xfrm>
+            <a:off x="4253947" y="1241674"/>
+            <a:ext cx="7248940" cy="4770537"/>
+          </a:xfrm>
+          <a:prstGeom prst="rect">
+            <a:avLst/>
+          </a:prstGeom>
+        </p:spPr>
+        <p:txBody>
+          <a:bodyPr wrap="square">
+            <a:spAutoFit/>
+          </a:bodyPr>
+          <a:lstStyle/>
+          <a:p>
+            <a:pPr marL="342900" indent="-342900" algn="just" fontAlgn="base">
+              <a:buFontTx/>
+              <a:buChar char="-"/>
+            </a:pPr>
+            <a:r>
+              <a:rPr lang="vi-VN" sz="1900" smtClean="0">
+                <a:solidFill>
+                  <a:srgbClr val="1D1D1D"/>
+                </a:solidFill>
+                <a:latin typeface="Times New Roman" panose="02020603050405020304" pitchFamily="18" charset="0"/>
+                <a:cs typeface="Times New Roman" panose="02020603050405020304" pitchFamily="18" charset="0"/>
+              </a:rPr>
+              <a:t>Cách thức hoạt động:</a:t>
+            </a:r>
+            <a:endParaRPr lang="en-US" sz="1900" smtClean="0">
+              <a:solidFill>
+                <a:srgbClr val="1D1D1D"/>
+              </a:solidFill>
+              <a:latin typeface="Times New Roman" panose="02020603050405020304" pitchFamily="18" charset="0"/>
+              <a:cs typeface="Times New Roman" panose="02020603050405020304" pitchFamily="18" charset="0"/>
+            </a:endParaRPr>
+          </a:p>
+          <a:p>
+            <a:pPr algn="just" fontAlgn="base"/>
+            <a:r>
+              <a:rPr lang="en-US" sz="1900" smtClean="0">
+                <a:solidFill>
+                  <a:srgbClr val="1D1D1D"/>
+                </a:solidFill>
+                <a:latin typeface="Times New Roman" panose="02020603050405020304" pitchFamily="18" charset="0"/>
+                <a:cs typeface="Times New Roman" panose="02020603050405020304" pitchFamily="18" charset="0"/>
+              </a:rPr>
+              <a:t>+ </a:t>
+            </a:r>
+            <a:r>
+              <a:rPr lang="vi-VN" sz="1900" smtClean="0">
+                <a:solidFill>
+                  <a:srgbClr val="1D1D1D"/>
+                </a:solidFill>
+                <a:latin typeface="Times New Roman" panose="02020603050405020304" pitchFamily="18" charset="0"/>
+                <a:cs typeface="Times New Roman" panose="02020603050405020304" pitchFamily="18" charset="0"/>
+              </a:rPr>
+              <a:t>Bước 1: Trên máy người dùng truy cập Website: htttp://google.com.vn bằng</a:t>
+            </a:r>
+            <a:r>
+              <a:rPr lang="en-US" sz="1900" smtClean="0">
+                <a:solidFill>
+                  <a:srgbClr val="1D1D1D"/>
+                </a:solidFill>
+                <a:latin typeface="Times New Roman" panose="02020603050405020304" pitchFamily="18" charset="0"/>
+                <a:cs typeface="Times New Roman" panose="02020603050405020304" pitchFamily="18" charset="0"/>
+              </a:rPr>
+              <a:t> </a:t>
+            </a:r>
+            <a:r>
+              <a:rPr lang="vi-VN" sz="1900" smtClean="0">
+                <a:solidFill>
+                  <a:srgbClr val="1D1D1D"/>
+                </a:solidFill>
+                <a:latin typeface="Times New Roman" panose="02020603050405020304" pitchFamily="18" charset="0"/>
+                <a:cs typeface="Times New Roman" panose="02020603050405020304" pitchFamily="18" charset="0"/>
+              </a:rPr>
+              <a:t>IE. Lập tức IE sẽ nhờ DNS Client phân giải tên miền google.com.vn sang địa chỉ IP.</a:t>
+            </a:r>
+            <a:endParaRPr lang="en-US" sz="1900" smtClean="0">
+              <a:solidFill>
+                <a:srgbClr val="1D1D1D"/>
+              </a:solidFill>
+              <a:latin typeface="Times New Roman" panose="02020603050405020304" pitchFamily="18" charset="0"/>
+              <a:cs typeface="Times New Roman" panose="02020603050405020304" pitchFamily="18" charset="0"/>
+            </a:endParaRPr>
+          </a:p>
+          <a:p>
+            <a:pPr algn="just" fontAlgn="base"/>
+            <a:r>
+              <a:rPr lang="en-US" sz="1900" smtClean="0">
+                <a:solidFill>
+                  <a:srgbClr val="1D1D1D"/>
+                </a:solidFill>
+                <a:latin typeface="Times New Roman" panose="02020603050405020304" pitchFamily="18" charset="0"/>
+                <a:cs typeface="Times New Roman" panose="02020603050405020304" pitchFamily="18" charset="0"/>
+              </a:rPr>
+              <a:t>+ </a:t>
+            </a:r>
+            <a:r>
+              <a:rPr lang="vi-VN" sz="1900" smtClean="0">
+                <a:solidFill>
+                  <a:srgbClr val="1D1D1D"/>
+                </a:solidFill>
+                <a:latin typeface="Times New Roman" panose="02020603050405020304" pitchFamily="18" charset="0"/>
+                <a:cs typeface="Times New Roman" panose="02020603050405020304" pitchFamily="18" charset="0"/>
+              </a:rPr>
+              <a:t>Bước 2: Gói tin của DNS client sẽ được chuyển xuống tầng Transport và đóng gói giao thức UDP. Sau đó chuyển xuống Network.</a:t>
+            </a:r>
+            <a:endParaRPr lang="en-US" sz="1900" smtClean="0">
+              <a:solidFill>
+                <a:srgbClr val="1D1D1D"/>
+              </a:solidFill>
+              <a:latin typeface="Times New Roman" panose="02020603050405020304" pitchFamily="18" charset="0"/>
+              <a:cs typeface="Times New Roman" panose="02020603050405020304" pitchFamily="18" charset="0"/>
+            </a:endParaRPr>
+          </a:p>
+          <a:p>
+            <a:pPr algn="just" fontAlgn="base"/>
+            <a:r>
+              <a:rPr lang="en-US" sz="1900">
+                <a:solidFill>
+                  <a:srgbClr val="1D1D1D"/>
+                </a:solidFill>
+                <a:latin typeface="Times New Roman" panose="02020603050405020304" pitchFamily="18" charset="0"/>
+                <a:cs typeface="Times New Roman" panose="02020603050405020304" pitchFamily="18" charset="0"/>
+              </a:rPr>
+              <a:t> </a:t>
+            </a:r>
+            <a:r>
+              <a:rPr lang="en-US" sz="1900" smtClean="0">
+                <a:solidFill>
+                  <a:srgbClr val="1D1D1D"/>
+                </a:solidFill>
+                <a:latin typeface="Times New Roman" panose="02020603050405020304" pitchFamily="18" charset="0"/>
+                <a:cs typeface="Times New Roman" panose="02020603050405020304" pitchFamily="18" charset="0"/>
+              </a:rPr>
+              <a:t>+ </a:t>
+            </a:r>
+            <a:r>
+              <a:rPr lang="vi-VN" sz="1900" smtClean="0">
+                <a:solidFill>
+                  <a:srgbClr val="1D1D1D"/>
+                </a:solidFill>
+                <a:latin typeface="Times New Roman" panose="02020603050405020304" pitchFamily="18" charset="0"/>
+                <a:cs typeface="Times New Roman" panose="02020603050405020304" pitchFamily="18" charset="0"/>
+              </a:rPr>
+              <a:t>Bước 3: Network sẽ đóng IP nguồn là IP máy tính, IP </a:t>
+            </a:r>
+            <a:r>
+              <a:rPr lang="en-US" sz="1900" smtClean="0">
+                <a:solidFill>
+                  <a:srgbClr val="1D1D1D"/>
+                </a:solidFill>
+                <a:latin typeface="Times New Roman" panose="02020603050405020304" pitchFamily="18" charset="0"/>
+                <a:cs typeface="Times New Roman" panose="02020603050405020304" pitchFamily="18" charset="0"/>
+              </a:rPr>
+              <a:t>đích</a:t>
+            </a:r>
+            <a:r>
+              <a:rPr lang="vi-VN" sz="1900" smtClean="0">
+                <a:solidFill>
+                  <a:srgbClr val="1D1D1D"/>
+                </a:solidFill>
+                <a:latin typeface="Times New Roman" panose="02020603050405020304" pitchFamily="18" charset="0"/>
+                <a:cs typeface="Times New Roman" panose="02020603050405020304" pitchFamily="18" charset="0"/>
+              </a:rPr>
+              <a:t> sẽ là IP DNS Server. Ta hay nhập ở dòng Preferred DNS.</a:t>
+            </a:r>
+          </a:p>
+          <a:p>
+            <a:pPr algn="just" fontAlgn="base"/>
+            <a:r>
+              <a:rPr lang="en-US" sz="1900">
+                <a:solidFill>
+                  <a:srgbClr val="1D1D1D"/>
+                </a:solidFill>
+                <a:latin typeface="Times New Roman" panose="02020603050405020304" pitchFamily="18" charset="0"/>
+                <a:cs typeface="Times New Roman" panose="02020603050405020304" pitchFamily="18" charset="0"/>
+              </a:rPr>
+              <a:t> </a:t>
+            </a:r>
+            <a:r>
+              <a:rPr lang="en-US" sz="1900" smtClean="0">
+                <a:solidFill>
+                  <a:srgbClr val="1D1D1D"/>
+                </a:solidFill>
+                <a:latin typeface="Times New Roman" panose="02020603050405020304" pitchFamily="18" charset="0"/>
+                <a:cs typeface="Times New Roman" panose="02020603050405020304" pitchFamily="18" charset="0"/>
+              </a:rPr>
+              <a:t>+ </a:t>
+            </a:r>
+            <a:r>
+              <a:rPr lang="vi-VN" sz="1900" smtClean="0">
+                <a:solidFill>
+                  <a:srgbClr val="1D1D1D"/>
+                </a:solidFill>
+                <a:latin typeface="Times New Roman" panose="02020603050405020304" pitchFamily="18" charset="0"/>
+                <a:cs typeface="Times New Roman" panose="02020603050405020304" pitchFamily="18" charset="0"/>
+              </a:rPr>
+              <a:t>Bước 4: Đã có IP nguồn và IP đích, dữ liệu sẽ chuyển xuống tầng bên dưới và truyền tới đúng DNS Server</a:t>
+            </a:r>
+            <a:r>
+              <a:rPr lang="en-US" sz="1900" smtClean="0">
+                <a:solidFill>
+                  <a:srgbClr val="1D1D1D"/>
+                </a:solidFill>
+                <a:latin typeface="Times New Roman" panose="02020603050405020304" pitchFamily="18" charset="0"/>
+                <a:cs typeface="Times New Roman" panose="02020603050405020304" pitchFamily="18" charset="0"/>
+              </a:rPr>
+              <a:t>.</a:t>
+            </a:r>
+          </a:p>
+          <a:p>
+            <a:pPr algn="just" fontAlgn="base"/>
+            <a:r>
+              <a:rPr lang="en-US" sz="1900">
+                <a:solidFill>
+                  <a:srgbClr val="1D1D1D"/>
+                </a:solidFill>
+                <a:latin typeface="Times New Roman" panose="02020603050405020304" pitchFamily="18" charset="0"/>
+                <a:cs typeface="Times New Roman" panose="02020603050405020304" pitchFamily="18" charset="0"/>
+              </a:rPr>
+              <a:t> </a:t>
+            </a:r>
+            <a:r>
+              <a:rPr lang="en-US" sz="1900" smtClean="0">
+                <a:solidFill>
+                  <a:srgbClr val="1D1D1D"/>
+                </a:solidFill>
+                <a:latin typeface="Times New Roman" panose="02020603050405020304" pitchFamily="18" charset="0"/>
+                <a:cs typeface="Times New Roman" panose="02020603050405020304" pitchFamily="18" charset="0"/>
+              </a:rPr>
+              <a:t>+ </a:t>
+            </a:r>
+            <a:r>
+              <a:rPr lang="vi-VN" sz="1900" smtClean="0">
+                <a:solidFill>
+                  <a:srgbClr val="1D1D1D"/>
+                </a:solidFill>
+                <a:latin typeface="Times New Roman" panose="02020603050405020304" pitchFamily="18" charset="0"/>
+                <a:cs typeface="Times New Roman" panose="02020603050405020304" pitchFamily="18" charset="0"/>
+              </a:rPr>
+              <a:t>Bước 5: Khi yêu cầu gửi tới DNS Server nó sẽ tìm trong cơ sở dữ liệu của mình xem tền miền đó ứng địa chỉ IP của Server Website nào.</a:t>
+            </a:r>
+            <a:endParaRPr lang="en-US" sz="1900" smtClean="0">
+              <a:solidFill>
+                <a:srgbClr val="1D1D1D"/>
+              </a:solidFill>
+              <a:latin typeface="Times New Roman" panose="02020603050405020304" pitchFamily="18" charset="0"/>
+              <a:cs typeface="Times New Roman" panose="02020603050405020304" pitchFamily="18" charset="0"/>
+            </a:endParaRPr>
+          </a:p>
+          <a:p>
+            <a:pPr algn="just" fontAlgn="base"/>
+            <a:r>
+              <a:rPr lang="en-US" sz="1900">
+                <a:solidFill>
+                  <a:srgbClr val="1D1D1D"/>
+                </a:solidFill>
+                <a:latin typeface="Times New Roman" panose="02020603050405020304" pitchFamily="18" charset="0"/>
+                <a:cs typeface="Times New Roman" panose="02020603050405020304" pitchFamily="18" charset="0"/>
+              </a:rPr>
+              <a:t> </a:t>
+            </a:r>
+            <a:r>
+              <a:rPr lang="en-US" sz="1900" smtClean="0">
+                <a:solidFill>
+                  <a:srgbClr val="1D1D1D"/>
+                </a:solidFill>
+                <a:latin typeface="Times New Roman" panose="02020603050405020304" pitchFamily="18" charset="0"/>
+                <a:cs typeface="Times New Roman" panose="02020603050405020304" pitchFamily="18" charset="0"/>
+              </a:rPr>
+              <a:t>+ </a:t>
+            </a:r>
+            <a:r>
+              <a:rPr lang="vi-VN" sz="1900" smtClean="0">
+                <a:solidFill>
+                  <a:srgbClr val="1D1D1D"/>
+                </a:solidFill>
+                <a:latin typeface="Times New Roman" panose="02020603050405020304" pitchFamily="18" charset="0"/>
+                <a:cs typeface="Times New Roman" panose="02020603050405020304" pitchFamily="18" charset="0"/>
+              </a:rPr>
+              <a:t>Bước 6: Sau khi tìm được nó sẽ gửi lại cho máy có DNS Client yêu cầu.</a:t>
+            </a:r>
+            <a:endParaRPr lang="en-US" sz="1900" smtClean="0">
+              <a:solidFill>
+                <a:srgbClr val="1D1D1D"/>
+              </a:solidFill>
+              <a:latin typeface="Times New Roman" panose="02020603050405020304" pitchFamily="18" charset="0"/>
+              <a:cs typeface="Times New Roman" panose="02020603050405020304" pitchFamily="18" charset="0"/>
+            </a:endParaRPr>
+          </a:p>
+          <a:p>
+            <a:pPr algn="just" fontAlgn="base"/>
+            <a:r>
+              <a:rPr lang="en-US" sz="1900">
+                <a:solidFill>
+                  <a:srgbClr val="1D1D1D"/>
+                </a:solidFill>
+                <a:latin typeface="Times New Roman" panose="02020603050405020304" pitchFamily="18" charset="0"/>
+                <a:cs typeface="Times New Roman" panose="02020603050405020304" pitchFamily="18" charset="0"/>
+              </a:rPr>
+              <a:t> </a:t>
+            </a:r>
+            <a:r>
+              <a:rPr lang="en-US" sz="1900" smtClean="0">
+                <a:solidFill>
+                  <a:srgbClr val="1D1D1D"/>
+                </a:solidFill>
+                <a:latin typeface="Times New Roman" panose="02020603050405020304" pitchFamily="18" charset="0"/>
+                <a:cs typeface="Times New Roman" panose="02020603050405020304" pitchFamily="18" charset="0"/>
+              </a:rPr>
+              <a:t>+ </a:t>
+            </a:r>
+            <a:r>
+              <a:rPr lang="vi-VN" sz="1900" smtClean="0">
+                <a:solidFill>
+                  <a:srgbClr val="1D1D1D"/>
+                </a:solidFill>
+                <a:latin typeface="Times New Roman" panose="02020603050405020304" pitchFamily="18" charset="0"/>
+                <a:cs typeface="Times New Roman" panose="02020603050405020304" pitchFamily="18" charset="0"/>
+              </a:rPr>
+              <a:t>Bước 7: IP của Server Website đã sẵn sàng cho tầng Network đóng vào gói dữ liệu của gói tin truy cập Website</a:t>
+            </a:r>
+            <a:endParaRPr lang="vi-VN" sz="1900" b="0" i="0">
+              <a:solidFill>
+                <a:srgbClr val="1D1D1D"/>
+              </a:solidFill>
+              <a:effectLst/>
+              <a:latin typeface="Times New Roman" panose="02020603050405020304" pitchFamily="18" charset="0"/>
+              <a:cs typeface="Times New Roman" panose="02020603050405020304" pitchFamily="18" charset="0"/>
+            </a:endParaRPr>
+          </a:p>
+        </p:txBody>
+      </p:sp>
+    </p:spTree>
+    <p:extLst>
+      <p:ext uri="{BB962C8B-B14F-4D97-AF65-F5344CB8AC3E}">
+        <p14:creationId xmlns:p14="http://schemas.microsoft.com/office/powerpoint/2010/main" val="2152591897"/>
+      </p:ext>
+    </p:extLst>
+  </p:cSld>
+  <p:clrMapOvr>
+    <a:masterClrMapping/>
+  </p:clrMapOvr>
+</p:sld>
+</file>
+
+<file path=ppt/slides/slide22.xml><?xml version="1.0" encoding="utf-8"?>
+<p:sld xmlns:a="http://schemas.openxmlformats.org/drawingml/2006/main" xmlns:r="http://schemas.openxmlformats.org/officeDocument/2006/relationships" xmlns:p="http://schemas.openxmlformats.org/presentationml/2006/main">
+  <p:cSld>
+    <p:spTree>
+      <p:nvGrpSpPr>
+        <p:cNvPr id="1" name=""/>
+        <p:cNvGrpSpPr/>
+        <p:nvPr/>
+      </p:nvGrpSpPr>
+      <p:grpSpPr>
+        <a:xfrm>
+          <a:off x="0" y="0"/>
+          <a:ext cx="0" cy="0"/>
+          <a:chOff x="0" y="0"/>
+          <a:chExt cx="0" cy="0"/>
+        </a:xfrm>
+      </p:grpSpPr>
+      <p:sp>
+        <p:nvSpPr>
+          <p:cNvPr id="5" name="Title 1"/>
+          <p:cNvSpPr txBox="1">
+            <a:spLocks noGrp="1"/>
+          </p:cNvSpPr>
+          <p:nvPr>
+            <p:ph type="title"/>
+          </p:nvPr>
+        </p:nvSpPr>
+        <p:spPr>
+          <a:xfrm>
+            <a:off x="252919" y="1123837"/>
+            <a:ext cx="2947482" cy="4601183"/>
+          </a:xfrm>
+          <a:prstGeom prst="rect">
+            <a:avLst/>
+          </a:prstGeom>
+        </p:spPr>
+        <p:txBody>
+          <a:bodyPr vert="horz" lIns="91440" tIns="45720" rIns="91440" bIns="45720" rtlCol="0" anchor="ctr">
+            <a:normAutofit/>
+          </a:bodyPr>
+          <a:lstStyle>
+            <a:lvl1pPr algn="l" defTabSz="914400" rtl="0" eaLnBrk="1" latinLnBrk="0" hangingPunct="1">
+              <a:lnSpc>
+                <a:spcPct val="90000"/>
+              </a:lnSpc>
+              <a:spcBef>
+                <a:spcPct val="0"/>
+              </a:spcBef>
+              <a:buNone/>
+              <a:defRPr sz="3600" kern="1200" spc="-60" baseline="0">
+                <a:solidFill>
+                  <a:srgbClr val="FFFFFF"/>
+                </a:solidFill>
+                <a:latin typeface="+mj-lt"/>
+                <a:ea typeface="+mj-ea"/>
+                <a:cs typeface="+mj-cs"/>
+              </a:defRPr>
+            </a:lvl1pPr>
+          </a:lstStyle>
+          <a:p>
+            <a:pPr algn="ctr"/>
+            <a:r>
+              <a:rPr lang="en-US" b="1" smtClean="0"/>
+              <a:t>CÁC GIAO THỨC / DỊCH VỤ TRONG TẦNG APPLICATION</a:t>
+            </a:r>
+            <a:endParaRPr lang="en-US"/>
+          </a:p>
+        </p:txBody>
+      </p:sp>
+      <p:sp>
+        <p:nvSpPr>
+          <p:cNvPr id="6" name="TextBox 5"/>
+          <p:cNvSpPr txBox="1"/>
+          <p:nvPr/>
+        </p:nvSpPr>
+        <p:spPr>
+          <a:xfrm>
+            <a:off x="4443106" y="693063"/>
+            <a:ext cx="6383920" cy="430887"/>
+          </a:xfrm>
+          <a:prstGeom prst="rect">
+            <a:avLst/>
+          </a:prstGeom>
+          <a:noFill/>
+        </p:spPr>
+        <p:txBody>
+          <a:bodyPr wrap="square" rtlCol="0">
+            <a:spAutoFit/>
+          </a:bodyPr>
+          <a:lstStyle/>
+          <a:p>
+            <a:pPr algn="ctr"/>
+            <a:r>
+              <a:rPr lang="en-US" sz="2200" b="1">
+                <a:solidFill>
+                  <a:schemeClr val="accent2">
+                    <a:lumMod val="75000"/>
+                  </a:schemeClr>
+                </a:solidFill>
+                <a:latin typeface="Times New Roman" panose="02020603050405020304" pitchFamily="18" charset="0"/>
+                <a:cs typeface="Times New Roman" panose="02020603050405020304" pitchFamily="18" charset="0"/>
+              </a:rPr>
+              <a:t>D</a:t>
+            </a:r>
+            <a:r>
+              <a:rPr lang="en-US" sz="2200" b="1" smtClean="0">
+                <a:solidFill>
+                  <a:schemeClr val="accent2">
+                    <a:lumMod val="75000"/>
+                  </a:schemeClr>
+                </a:solidFill>
+                <a:latin typeface="Times New Roman" panose="02020603050405020304" pitchFamily="18" charset="0"/>
+                <a:cs typeface="Times New Roman" panose="02020603050405020304" pitchFamily="18" charset="0"/>
+              </a:rPr>
+              <a:t>ịch vụ DHCP</a:t>
+            </a:r>
+            <a:endParaRPr lang="en-US" sz="2200" b="1">
+              <a:solidFill>
+                <a:schemeClr val="accent2">
+                  <a:lumMod val="75000"/>
+                </a:schemeClr>
+              </a:solidFill>
+              <a:latin typeface="Times New Roman" panose="02020603050405020304" pitchFamily="18" charset="0"/>
+              <a:cs typeface="Times New Roman" panose="02020603050405020304" pitchFamily="18" charset="0"/>
+            </a:endParaRPr>
+          </a:p>
+        </p:txBody>
+      </p:sp>
+      <p:sp>
+        <p:nvSpPr>
+          <p:cNvPr id="7" name="Rectangle 6"/>
+          <p:cNvSpPr/>
+          <p:nvPr/>
+        </p:nvSpPr>
+        <p:spPr>
+          <a:xfrm>
+            <a:off x="4262905" y="1431375"/>
+            <a:ext cx="7289443" cy="5062924"/>
+          </a:xfrm>
+          <a:prstGeom prst="rect">
+            <a:avLst/>
+          </a:prstGeom>
+        </p:spPr>
+        <p:txBody>
+          <a:bodyPr wrap="square">
+            <a:spAutoFit/>
+          </a:bodyPr>
+          <a:lstStyle/>
+          <a:p>
+            <a:pPr marL="342900" indent="-342900" algn="just" fontAlgn="base">
+              <a:buFontTx/>
+              <a:buChar char="-"/>
+            </a:pPr>
+            <a:r>
+              <a:rPr lang="en-US" sz="1900" smtClean="0">
+                <a:solidFill>
+                  <a:srgbClr val="1D1D1D"/>
+                </a:solidFill>
+                <a:latin typeface="Times New Roman" panose="02020603050405020304" pitchFamily="18" charset="0"/>
+                <a:cs typeface="Times New Roman" panose="02020603050405020304" pitchFamily="18" charset="0"/>
+              </a:rPr>
+              <a:t>Dịch </a:t>
+            </a:r>
+            <a:r>
+              <a:rPr lang="en-US" sz="1900">
+                <a:solidFill>
+                  <a:srgbClr val="1D1D1D"/>
+                </a:solidFill>
+                <a:latin typeface="Times New Roman" panose="02020603050405020304" pitchFamily="18" charset="0"/>
+                <a:cs typeface="Times New Roman" panose="02020603050405020304" pitchFamily="18" charset="0"/>
+              </a:rPr>
+              <a:t>vụ DHCP</a:t>
+            </a:r>
+            <a:r>
+              <a:rPr lang="en-US" sz="1900" b="1">
+                <a:solidFill>
+                  <a:srgbClr val="1D1D1D"/>
+                </a:solidFill>
+                <a:latin typeface="Times New Roman" panose="02020603050405020304" pitchFamily="18" charset="0"/>
+                <a:cs typeface="Times New Roman" panose="02020603050405020304" pitchFamily="18" charset="0"/>
+              </a:rPr>
+              <a:t>:</a:t>
+            </a:r>
+            <a:r>
+              <a:rPr lang="en-US" sz="1900">
+                <a:solidFill>
+                  <a:srgbClr val="1D1D1D"/>
+                </a:solidFill>
+                <a:latin typeface="Times New Roman" panose="02020603050405020304" pitchFamily="18" charset="0"/>
+                <a:cs typeface="Times New Roman" panose="02020603050405020304" pitchFamily="18" charset="0"/>
+              </a:rPr>
+              <a:t> là dịch vụ cấp phát địa chỉ IP động. Trong một hệ thống lớn có nhiều máy, thay vì chúng ta phải đi nhập IP bằng tay cho tất cả các máy thì chúng ta dùng DHCP cấp phát </a:t>
+            </a:r>
+            <a:r>
+              <a:rPr lang="en-US" sz="1900" smtClean="0">
+                <a:solidFill>
+                  <a:srgbClr val="1D1D1D"/>
+                </a:solidFill>
+                <a:latin typeface="Times New Roman" panose="02020603050405020304" pitchFamily="18" charset="0"/>
+                <a:cs typeface="Times New Roman" panose="02020603050405020304" pitchFamily="18" charset="0"/>
+              </a:rPr>
+              <a:t>IP.</a:t>
+            </a:r>
+          </a:p>
+          <a:p>
+            <a:pPr marL="342900" indent="-342900" algn="just" fontAlgn="base">
+              <a:buFontTx/>
+              <a:buChar char="-"/>
+            </a:pPr>
+            <a:r>
+              <a:rPr lang="vi-VN" sz="1900">
+                <a:latin typeface="Times New Roman" panose="02020603050405020304" pitchFamily="18" charset="0"/>
+                <a:cs typeface="Times New Roman" panose="02020603050405020304" pitchFamily="18" charset="0"/>
+              </a:rPr>
+              <a:t>Để dịch vụ DHCP hoạt động được nó phải có 2 thành phần: DHCP Server và DHCP </a:t>
+            </a:r>
+            <a:r>
+              <a:rPr lang="vi-VN" sz="1900" smtClean="0">
+                <a:latin typeface="Times New Roman" panose="02020603050405020304" pitchFamily="18" charset="0"/>
+                <a:cs typeface="Times New Roman" panose="02020603050405020304" pitchFamily="18" charset="0"/>
+              </a:rPr>
+              <a:t>Client</a:t>
+            </a:r>
+            <a:r>
+              <a:rPr lang="en-US" sz="1900" smtClean="0">
+                <a:latin typeface="Times New Roman" panose="02020603050405020304" pitchFamily="18" charset="0"/>
+                <a:cs typeface="Times New Roman" panose="02020603050405020304" pitchFamily="18" charset="0"/>
+              </a:rPr>
+              <a:t>.</a:t>
+            </a:r>
+          </a:p>
+          <a:p>
+            <a:pPr marL="566738" indent="-219075" algn="just" fontAlgn="base"/>
+            <a:r>
+              <a:rPr lang="en-US" sz="1900" smtClean="0">
+                <a:solidFill>
+                  <a:srgbClr val="1D1D1D"/>
+                </a:solidFill>
+                <a:latin typeface="Times New Roman" panose="02020603050405020304" pitchFamily="18" charset="0"/>
+                <a:cs typeface="Times New Roman" panose="02020603050405020304" pitchFamily="18" charset="0"/>
+              </a:rPr>
+              <a:t>+ </a:t>
+            </a:r>
+            <a:r>
+              <a:rPr lang="en-US" sz="1900">
+                <a:latin typeface="Times New Roman" panose="02020603050405020304" pitchFamily="18" charset="0"/>
+                <a:cs typeface="Times New Roman" panose="02020603050405020304" pitchFamily="18" charset="0"/>
+              </a:rPr>
+              <a:t>DHCP Server dùng để cấp phát IP động sử dụng Port </a:t>
+            </a:r>
+            <a:r>
+              <a:rPr lang="en-US" sz="1900" smtClean="0">
+                <a:latin typeface="Times New Roman" panose="02020603050405020304" pitchFamily="18" charset="0"/>
+                <a:cs typeface="Times New Roman" panose="02020603050405020304" pitchFamily="18" charset="0"/>
+              </a:rPr>
+              <a:t>67. </a:t>
+            </a:r>
+            <a:r>
+              <a:rPr lang="en-US" sz="1900">
+                <a:latin typeface="Times New Roman" panose="02020603050405020304" pitchFamily="18" charset="0"/>
+                <a:cs typeface="Times New Roman" panose="02020603050405020304" pitchFamily="18" charset="0"/>
+              </a:rPr>
+              <a:t>Gửi IP hoặc nhận thông tin đều ở Port này</a:t>
+            </a:r>
+            <a:r>
+              <a:rPr lang="en-US" sz="1900" smtClean="0">
+                <a:latin typeface="Times New Roman" panose="02020603050405020304" pitchFamily="18" charset="0"/>
+                <a:cs typeface="Times New Roman" panose="02020603050405020304" pitchFamily="18" charset="0"/>
+              </a:rPr>
+              <a:t>.</a:t>
+            </a:r>
+          </a:p>
+          <a:p>
+            <a:pPr marL="566738" indent="-219075" algn="just" fontAlgn="base"/>
+            <a:r>
+              <a:rPr lang="en-US" sz="1900" smtClean="0">
+                <a:solidFill>
+                  <a:srgbClr val="1D1D1D"/>
+                </a:solidFill>
+                <a:latin typeface="Times New Roman" panose="02020603050405020304" pitchFamily="18" charset="0"/>
+                <a:cs typeface="Times New Roman" panose="02020603050405020304" pitchFamily="18" charset="0"/>
+              </a:rPr>
+              <a:t>+ </a:t>
+            </a:r>
+            <a:r>
+              <a:rPr lang="en-US" sz="1900">
+                <a:latin typeface="Times New Roman" panose="02020603050405020304" pitchFamily="18" charset="0"/>
+                <a:cs typeface="Times New Roman" panose="02020603050405020304" pitchFamily="18" charset="0"/>
+              </a:rPr>
+              <a:t>DHCP Client dùng để nhận IP, xin cấp phát IP sử dụng Port </a:t>
+            </a:r>
+            <a:r>
+              <a:rPr lang="en-US" sz="1900" smtClean="0">
+                <a:latin typeface="Times New Roman" panose="02020603050405020304" pitchFamily="18" charset="0"/>
+                <a:cs typeface="Times New Roman" panose="02020603050405020304" pitchFamily="18" charset="0"/>
+              </a:rPr>
+              <a:t>68. </a:t>
+            </a:r>
+            <a:r>
+              <a:rPr lang="en-US" sz="1900">
+                <a:latin typeface="Times New Roman" panose="02020603050405020304" pitchFamily="18" charset="0"/>
+                <a:cs typeface="Times New Roman" panose="02020603050405020304" pitchFamily="18" charset="0"/>
+              </a:rPr>
+              <a:t>Xin IP hoặc nhận IP đều dùng ở Port này</a:t>
+            </a:r>
+            <a:r>
+              <a:rPr lang="en-US" sz="1900" smtClean="0">
+                <a:latin typeface="Times New Roman" panose="02020603050405020304" pitchFamily="18" charset="0"/>
+                <a:cs typeface="Times New Roman" panose="02020603050405020304" pitchFamily="18" charset="0"/>
+              </a:rPr>
+              <a:t>.</a:t>
+            </a:r>
+            <a:endParaRPr lang="en-US" sz="1900">
+              <a:solidFill>
+                <a:srgbClr val="1D1D1D"/>
+              </a:solidFill>
+              <a:latin typeface="Times New Roman" panose="02020603050405020304" pitchFamily="18" charset="0"/>
+              <a:cs typeface="Times New Roman" panose="02020603050405020304" pitchFamily="18" charset="0"/>
+            </a:endParaRPr>
+          </a:p>
+          <a:p>
+            <a:pPr marL="342900" indent="-342900" algn="just" fontAlgn="base">
+              <a:buFontTx/>
+              <a:buChar char="-"/>
+            </a:pPr>
+            <a:r>
+              <a:rPr lang="en-US" sz="1900" smtClean="0">
+                <a:solidFill>
+                  <a:srgbClr val="1D1D1D"/>
+                </a:solidFill>
+                <a:latin typeface="Times New Roman" panose="02020603050405020304" pitchFamily="18" charset="0"/>
+                <a:cs typeface="Times New Roman" panose="02020603050405020304" pitchFamily="18" charset="0"/>
+              </a:rPr>
+              <a:t>Các bước hoạt động:</a:t>
+            </a:r>
+          </a:p>
+          <a:p>
+            <a:pPr algn="just" fontAlgn="base"/>
+            <a:r>
+              <a:rPr lang="en-US" sz="1900" smtClean="0">
+                <a:solidFill>
+                  <a:srgbClr val="1D1D1D"/>
+                </a:solidFill>
+                <a:latin typeface="Times New Roman" panose="02020603050405020304" pitchFamily="18" charset="0"/>
+                <a:cs typeface="Times New Roman" panose="02020603050405020304" pitchFamily="18" charset="0"/>
+              </a:rPr>
+              <a:t>+ </a:t>
+            </a:r>
+            <a:r>
+              <a:rPr lang="vi-VN" sz="1900">
+                <a:latin typeface="Times New Roman" panose="02020603050405020304" pitchFamily="18" charset="0"/>
+                <a:cs typeface="Times New Roman" panose="02020603050405020304" pitchFamily="18" charset="0"/>
+              </a:rPr>
+              <a:t>Bước 1: DHCP Client sẽ gửi một bản tin Broadcast là Discover. Bản tin là thông tin yêu cầu xin địa chỉ IP. Bản tin sẽ được tầng Transport nhận bằng cổng 68 sau đó đóng gói bằng giao thức UDP  rồi truyền xuống dưới. Tầng Network Access sẽ đóng địa chỉ MAC nguồn là máy mình và MAC đích là MAC Broadcast  rồi chuyển ra đường truyền. Do có địa chỉ MAC là Broadcast nên tất cả các máy trong mạng đều nhận được, trong đó có máy DHCP Server.</a:t>
+            </a:r>
+            <a:endParaRPr lang="en-US" sz="1900" smtClean="0">
+              <a:latin typeface="Times New Roman" panose="02020603050405020304" pitchFamily="18" charset="0"/>
+              <a:cs typeface="Times New Roman" panose="02020603050405020304" pitchFamily="18" charset="0"/>
+            </a:endParaRPr>
+          </a:p>
+        </p:txBody>
+      </p:sp>
+    </p:spTree>
+    <p:extLst>
+      <p:ext uri="{BB962C8B-B14F-4D97-AF65-F5344CB8AC3E}">
+        <p14:creationId xmlns:p14="http://schemas.microsoft.com/office/powerpoint/2010/main" val="1513036006"/>
+      </p:ext>
+    </p:extLst>
+  </p:cSld>
+  <p:clrMapOvr>
+    <a:masterClrMapping/>
+  </p:clrMapOvr>
+</p:sld>
+</file>
+
+<file path=ppt/slides/slide23.xml><?xml version="1.0" encoding="utf-8"?>
+<p:sld xmlns:a="http://schemas.openxmlformats.org/drawingml/2006/main" xmlns:r="http://schemas.openxmlformats.org/officeDocument/2006/relationships" xmlns:p="http://schemas.openxmlformats.org/presentationml/2006/main">
+  <p:cSld>
+    <p:spTree>
+      <p:nvGrpSpPr>
+        <p:cNvPr id="1" name=""/>
+        <p:cNvGrpSpPr/>
+        <p:nvPr/>
+      </p:nvGrpSpPr>
+      <p:grpSpPr>
+        <a:xfrm>
+          <a:off x="0" y="0"/>
+          <a:ext cx="0" cy="0"/>
+          <a:chOff x="0" y="0"/>
+          <a:chExt cx="0" cy="0"/>
+        </a:xfrm>
+      </p:grpSpPr>
+      <p:sp>
+        <p:nvSpPr>
+          <p:cNvPr id="4" name="Title 1"/>
+          <p:cNvSpPr txBox="1">
+            <a:spLocks noGrp="1"/>
+          </p:cNvSpPr>
+          <p:nvPr>
+            <p:ph type="title"/>
+          </p:nvPr>
+        </p:nvSpPr>
+        <p:spPr>
+          <a:prstGeom prst="rect">
+            <a:avLst/>
+          </a:prstGeom>
+        </p:spPr>
+        <p:txBody>
+          <a:bodyPr vert="horz" lIns="91440" tIns="45720" rIns="91440" bIns="45720" rtlCol="0" anchor="ctr">
+            <a:normAutofit/>
+          </a:bodyPr>
+          <a:lstStyle>
+            <a:lvl1pPr algn="l" defTabSz="914400" rtl="0" eaLnBrk="1" latinLnBrk="0" hangingPunct="1">
+              <a:lnSpc>
+                <a:spcPct val="90000"/>
+              </a:lnSpc>
+              <a:spcBef>
+                <a:spcPct val="0"/>
+              </a:spcBef>
+              <a:buNone/>
+              <a:defRPr sz="3600" kern="1200" spc="-60" baseline="0">
+                <a:solidFill>
+                  <a:srgbClr val="FFFFFF"/>
+                </a:solidFill>
+                <a:latin typeface="+mj-lt"/>
+                <a:ea typeface="+mj-ea"/>
+                <a:cs typeface="+mj-cs"/>
+              </a:defRPr>
+            </a:lvl1pPr>
+          </a:lstStyle>
+          <a:p>
+            <a:pPr algn="ctr"/>
+            <a:r>
+              <a:rPr lang="en-US" b="1" smtClean="0"/>
+              <a:t>CÁC GIAO THỨC / DỊCH VỤ TRONG TẦNG APPLICATION</a:t>
+            </a:r>
+            <a:endParaRPr lang="en-US"/>
+          </a:p>
+        </p:txBody>
+      </p:sp>
+      <p:sp>
+        <p:nvSpPr>
+          <p:cNvPr id="5" name="TextBox 4"/>
+          <p:cNvSpPr txBox="1"/>
+          <p:nvPr/>
+        </p:nvSpPr>
+        <p:spPr>
+          <a:xfrm>
+            <a:off x="4443106" y="693063"/>
+            <a:ext cx="6383920" cy="430887"/>
+          </a:xfrm>
+          <a:prstGeom prst="rect">
+            <a:avLst/>
+          </a:prstGeom>
+          <a:noFill/>
+        </p:spPr>
+        <p:txBody>
+          <a:bodyPr wrap="square" rtlCol="0">
+            <a:spAutoFit/>
+          </a:bodyPr>
+          <a:lstStyle/>
+          <a:p>
+            <a:pPr algn="ctr"/>
+            <a:r>
+              <a:rPr lang="en-US" sz="2200" b="1">
+                <a:solidFill>
+                  <a:schemeClr val="accent2">
+                    <a:lumMod val="75000"/>
+                  </a:schemeClr>
+                </a:solidFill>
+                <a:latin typeface="Times New Roman" panose="02020603050405020304" pitchFamily="18" charset="0"/>
+                <a:cs typeface="Times New Roman" panose="02020603050405020304" pitchFamily="18" charset="0"/>
+              </a:rPr>
+              <a:t>D</a:t>
+            </a:r>
+            <a:r>
+              <a:rPr lang="en-US" sz="2200" b="1" smtClean="0">
+                <a:solidFill>
+                  <a:schemeClr val="accent2">
+                    <a:lumMod val="75000"/>
+                  </a:schemeClr>
+                </a:solidFill>
+                <a:latin typeface="Times New Roman" panose="02020603050405020304" pitchFamily="18" charset="0"/>
+                <a:cs typeface="Times New Roman" panose="02020603050405020304" pitchFamily="18" charset="0"/>
+              </a:rPr>
+              <a:t>ịch vụ TELNET</a:t>
+            </a:r>
+            <a:endParaRPr lang="en-US" sz="2200" b="1">
+              <a:solidFill>
+                <a:schemeClr val="accent2">
+                  <a:lumMod val="75000"/>
+                </a:schemeClr>
+              </a:solidFill>
+              <a:latin typeface="Times New Roman" panose="02020603050405020304" pitchFamily="18" charset="0"/>
+              <a:cs typeface="Times New Roman" panose="02020603050405020304" pitchFamily="18" charset="0"/>
+            </a:endParaRPr>
+          </a:p>
+        </p:txBody>
+      </p:sp>
+      <p:sp>
+        <p:nvSpPr>
+          <p:cNvPr id="6" name="Rectangle 5"/>
+          <p:cNvSpPr/>
+          <p:nvPr/>
+        </p:nvSpPr>
+        <p:spPr>
+          <a:xfrm>
+            <a:off x="4237148" y="1439269"/>
+            <a:ext cx="7302321" cy="4185761"/>
+          </a:xfrm>
+          <a:prstGeom prst="rect">
+            <a:avLst/>
+          </a:prstGeom>
+        </p:spPr>
+        <p:txBody>
+          <a:bodyPr wrap="square">
+            <a:spAutoFit/>
+          </a:bodyPr>
+          <a:lstStyle/>
+          <a:p>
+            <a:pPr algn="just" fontAlgn="base"/>
+            <a:r>
+              <a:rPr lang="en-US" smtClean="0">
+                <a:solidFill>
+                  <a:srgbClr val="1D1D1D"/>
+                </a:solidFill>
+                <a:latin typeface="Helvetica" panose="020B0604020202020204" pitchFamily="34" charset="0"/>
+              </a:rPr>
+              <a:t> +</a:t>
+            </a:r>
+            <a:r>
+              <a:rPr lang="vi-VN">
+                <a:solidFill>
+                  <a:srgbClr val="1D1D1D"/>
+                </a:solidFill>
+                <a:latin typeface="Helvetica" panose="020B0604020202020204" pitchFamily="34" charset="0"/>
+              </a:rPr>
+              <a:t> </a:t>
+            </a:r>
+            <a:r>
+              <a:rPr lang="vi-VN" sz="1900" smtClean="0">
+                <a:solidFill>
+                  <a:srgbClr val="1D1D1D"/>
+                </a:solidFill>
+                <a:latin typeface="Times New Roman" panose="02020603050405020304" pitchFamily="18" charset="0"/>
+                <a:cs typeface="Times New Roman" panose="02020603050405020304" pitchFamily="18" charset="0"/>
+              </a:rPr>
+              <a:t>Bước </a:t>
+            </a:r>
+            <a:r>
+              <a:rPr lang="vi-VN" sz="1900">
+                <a:solidFill>
+                  <a:srgbClr val="1D1D1D"/>
+                </a:solidFill>
+                <a:latin typeface="Times New Roman" panose="02020603050405020304" pitchFamily="18" charset="0"/>
+                <a:cs typeface="Times New Roman" panose="02020603050405020304" pitchFamily="18" charset="0"/>
+              </a:rPr>
+              <a:t>2: Sau khi DHCP Server nhận được gói tin nó sẽ được tầng Network Access sẽ chuyển lên bên trên để xử lý. Tầng Transport sẽ nhận thông tin rồi chuyển lên Port 67 cho tầng Application.</a:t>
+            </a:r>
+          </a:p>
+          <a:p>
+            <a:pPr algn="just" fontAlgn="base"/>
+            <a:r>
+              <a:rPr lang="en-US" sz="1900">
+                <a:solidFill>
+                  <a:srgbClr val="1D1D1D"/>
+                </a:solidFill>
+                <a:latin typeface="Times New Roman" panose="02020603050405020304" pitchFamily="18" charset="0"/>
+                <a:cs typeface="Times New Roman" panose="02020603050405020304" pitchFamily="18" charset="0"/>
+              </a:rPr>
+              <a:t> </a:t>
+            </a:r>
+            <a:r>
+              <a:rPr lang="en-US" sz="1900" smtClean="0">
+                <a:solidFill>
+                  <a:srgbClr val="1D1D1D"/>
+                </a:solidFill>
+                <a:latin typeface="Times New Roman" panose="02020603050405020304" pitchFamily="18" charset="0"/>
+                <a:cs typeface="Times New Roman" panose="02020603050405020304" pitchFamily="18" charset="0"/>
+              </a:rPr>
+              <a:t>+ </a:t>
+            </a:r>
+            <a:r>
+              <a:rPr lang="vi-VN" sz="1900" smtClean="0">
+                <a:solidFill>
+                  <a:srgbClr val="1D1D1D"/>
+                </a:solidFill>
+                <a:latin typeface="Times New Roman" panose="02020603050405020304" pitchFamily="18" charset="0"/>
+                <a:cs typeface="Times New Roman" panose="02020603050405020304" pitchFamily="18" charset="0"/>
+              </a:rPr>
+              <a:t>Bước </a:t>
+            </a:r>
+            <a:r>
+              <a:rPr lang="vi-VN" sz="1900">
+                <a:solidFill>
+                  <a:srgbClr val="1D1D1D"/>
+                </a:solidFill>
+                <a:latin typeface="Times New Roman" panose="02020603050405020304" pitchFamily="18" charset="0"/>
+                <a:cs typeface="Times New Roman" panose="02020603050405020304" pitchFamily="18" charset="0"/>
+              </a:rPr>
+              <a:t>3: Sau khi DHCP Server xử lý, Server sẽ gửi lại một bản tin Offer bao gồm thông tin địa chỉ IP cấp cho máy Client và thông tinh máy của mình như tên, IP. Rồi chuyển xuống cho tầng Transport đóng gói bằng cổng 67. Tầng Transport sẽ đóng bằng giao thức UDP và tiếp tục chuyển xuống đóng địa chỉ MAC nguồn MAC đích. Tiếp theo dữ liệu sẽ gửi ra đường </a:t>
+            </a:r>
+            <a:r>
+              <a:rPr lang="vi-VN" sz="1900" smtClean="0">
+                <a:solidFill>
+                  <a:srgbClr val="1D1D1D"/>
+                </a:solidFill>
+                <a:latin typeface="Times New Roman" panose="02020603050405020304" pitchFamily="18" charset="0"/>
+                <a:cs typeface="Times New Roman" panose="02020603050405020304" pitchFamily="18" charset="0"/>
+              </a:rPr>
+              <a:t>truyền.</a:t>
+            </a:r>
+            <a:r>
+              <a:rPr lang="en-US" sz="1900" smtClean="0">
+                <a:solidFill>
+                  <a:srgbClr val="1D1D1D"/>
+                </a:solidFill>
+                <a:latin typeface="Times New Roman" panose="02020603050405020304" pitchFamily="18" charset="0"/>
+                <a:cs typeface="Times New Roman" panose="02020603050405020304" pitchFamily="18" charset="0"/>
+              </a:rPr>
+              <a:t> </a:t>
+            </a:r>
+          </a:p>
+          <a:p>
+            <a:pPr algn="just" fontAlgn="base"/>
+            <a:r>
+              <a:rPr lang="en-US" sz="1900">
+                <a:solidFill>
+                  <a:srgbClr val="1D1D1D"/>
+                </a:solidFill>
+                <a:latin typeface="Times New Roman" panose="02020603050405020304" pitchFamily="18" charset="0"/>
+                <a:cs typeface="Times New Roman" panose="02020603050405020304" pitchFamily="18" charset="0"/>
+              </a:rPr>
+              <a:t> </a:t>
+            </a:r>
+            <a:r>
+              <a:rPr lang="en-US" sz="1900" smtClean="0">
+                <a:solidFill>
+                  <a:srgbClr val="1D1D1D"/>
+                </a:solidFill>
+                <a:latin typeface="Times New Roman" panose="02020603050405020304" pitchFamily="18" charset="0"/>
+                <a:cs typeface="Times New Roman" panose="02020603050405020304" pitchFamily="18" charset="0"/>
+              </a:rPr>
+              <a:t>+ </a:t>
+            </a:r>
+            <a:r>
+              <a:rPr lang="vi-VN" sz="1900" smtClean="0">
+                <a:solidFill>
+                  <a:srgbClr val="1D1D1D"/>
+                </a:solidFill>
+                <a:latin typeface="Times New Roman" panose="02020603050405020304" pitchFamily="18" charset="0"/>
+                <a:cs typeface="Times New Roman" panose="02020603050405020304" pitchFamily="18" charset="0"/>
+              </a:rPr>
+              <a:t>Bước </a:t>
+            </a:r>
+            <a:r>
+              <a:rPr lang="vi-VN" sz="1900">
+                <a:solidFill>
+                  <a:srgbClr val="1D1D1D"/>
+                </a:solidFill>
+                <a:latin typeface="Times New Roman" panose="02020603050405020304" pitchFamily="18" charset="0"/>
+                <a:cs typeface="Times New Roman" panose="02020603050405020304" pitchFamily="18" charset="0"/>
+              </a:rPr>
+              <a:t>4: Client nhận dữ liệu từ Port 68 và đưa IP vào DHCP Client. Sau đó DHCP Client sẽ gửi lại một bản tin Request là đồng ý sử dụng IP đó để DHCP Server xác nhận</a:t>
+            </a:r>
+          </a:p>
+          <a:p>
+            <a:pPr algn="just" fontAlgn="base"/>
+            <a:r>
+              <a:rPr lang="en-US" sz="1900">
+                <a:solidFill>
+                  <a:srgbClr val="1D1D1D"/>
+                </a:solidFill>
+                <a:latin typeface="Times New Roman" panose="02020603050405020304" pitchFamily="18" charset="0"/>
+                <a:cs typeface="Times New Roman" panose="02020603050405020304" pitchFamily="18" charset="0"/>
+              </a:rPr>
+              <a:t> </a:t>
+            </a:r>
+            <a:r>
+              <a:rPr lang="en-US" sz="1900" smtClean="0">
+                <a:solidFill>
+                  <a:srgbClr val="1D1D1D"/>
+                </a:solidFill>
+                <a:latin typeface="Times New Roman" panose="02020603050405020304" pitchFamily="18" charset="0"/>
+                <a:cs typeface="Times New Roman" panose="02020603050405020304" pitchFamily="18" charset="0"/>
+              </a:rPr>
+              <a:t>+ </a:t>
+            </a:r>
+            <a:r>
+              <a:rPr lang="vi-VN" sz="1900" smtClean="0">
+                <a:solidFill>
+                  <a:srgbClr val="1D1D1D"/>
+                </a:solidFill>
+                <a:latin typeface="Times New Roman" panose="02020603050405020304" pitchFamily="18" charset="0"/>
+                <a:cs typeface="Times New Roman" panose="02020603050405020304" pitchFamily="18" charset="0"/>
+              </a:rPr>
+              <a:t>Bước </a:t>
+            </a:r>
+            <a:r>
+              <a:rPr lang="vi-VN" sz="1900">
+                <a:solidFill>
+                  <a:srgbClr val="1D1D1D"/>
+                </a:solidFill>
+                <a:latin typeface="Times New Roman" panose="02020603050405020304" pitchFamily="18" charset="0"/>
+                <a:cs typeface="Times New Roman" panose="02020603050405020304" pitchFamily="18" charset="0"/>
+              </a:rPr>
+              <a:t>5: DHCP Server nhận được thông tin từ DHCP Client sẽ gửi lại một bản tin ACK để xác nhận là quá trình đã thành công.</a:t>
+            </a:r>
+            <a:endParaRPr lang="vi-VN" sz="1900" b="0" i="0">
+              <a:solidFill>
+                <a:srgbClr val="1D1D1D"/>
+              </a:solidFill>
+              <a:effectLst/>
+              <a:latin typeface="Times New Roman" panose="02020603050405020304" pitchFamily="18" charset="0"/>
+              <a:cs typeface="Times New Roman" panose="02020603050405020304" pitchFamily="18" charset="0"/>
+            </a:endParaRPr>
+          </a:p>
+        </p:txBody>
+      </p:sp>
+    </p:spTree>
+    <p:extLst>
+      <p:ext uri="{BB962C8B-B14F-4D97-AF65-F5344CB8AC3E}">
+        <p14:creationId xmlns:p14="http://schemas.microsoft.com/office/powerpoint/2010/main" val="327111372"/>
+      </p:ext>
+    </p:extLst>
+  </p:cSld>
+  <p:clrMapOvr>
+    <a:masterClrMapping/>
+  </p:clrMapOvr>
+</p:sld>
+</file>
+
+<file path=ppt/slides/slide24.xml><?xml version="1.0" encoding="utf-8"?>
+<p:sld xmlns:a="http://schemas.openxmlformats.org/drawingml/2006/main" xmlns:r="http://schemas.openxmlformats.org/officeDocument/2006/relationships" xmlns:p="http://schemas.openxmlformats.org/presentationml/2006/main">
+  <p:cSld>
+    <p:spTree>
+      <p:nvGrpSpPr>
+        <p:cNvPr id="1" name=""/>
+        <p:cNvGrpSpPr/>
+        <p:nvPr/>
+      </p:nvGrpSpPr>
+      <p:grpSpPr>
+        <a:xfrm>
+          <a:off x="0" y="0"/>
+          <a:ext cx="0" cy="0"/>
+          <a:chOff x="0" y="0"/>
+          <a:chExt cx="0" cy="0"/>
+        </a:xfrm>
+      </p:grpSpPr>
+      <p:sp>
+        <p:nvSpPr>
+          <p:cNvPr id="4" name="Rectangle 3"/>
+          <p:cNvSpPr/>
+          <p:nvPr/>
+        </p:nvSpPr>
+        <p:spPr>
+          <a:xfrm>
+            <a:off x="4275786" y="1491983"/>
+            <a:ext cx="7263683" cy="3477875"/>
+          </a:xfrm>
+          <a:prstGeom prst="rect">
+            <a:avLst/>
+          </a:prstGeom>
+        </p:spPr>
+        <p:txBody>
+          <a:bodyPr wrap="square">
+            <a:spAutoFit/>
+          </a:bodyPr>
+          <a:lstStyle/>
+          <a:p>
+            <a:pPr marL="398463" indent="-398463" algn="just">
+              <a:buFontTx/>
+              <a:buChar char="-"/>
+            </a:pPr>
+            <a:r>
+              <a:rPr lang="vi-VN" sz="2000" smtClean="0">
+                <a:latin typeface="Times New Roman" panose="02020603050405020304" pitchFamily="18" charset="0"/>
+                <a:cs typeface="Times New Roman" panose="02020603050405020304" pitchFamily="18" charset="0"/>
+              </a:rPr>
+              <a:t>TELNET</a:t>
+            </a:r>
+            <a:r>
+              <a:rPr lang="vi-VN" sz="2000">
+                <a:latin typeface="Times New Roman" panose="02020603050405020304" pitchFamily="18" charset="0"/>
+                <a:cs typeface="Times New Roman" panose="02020603050405020304" pitchFamily="18" charset="0"/>
+              </a:rPr>
+              <a:t> viết tắt của TerminaL Network là </a:t>
+            </a:r>
+            <a:r>
+              <a:rPr lang="vi-VN" sz="2000" smtClean="0">
+                <a:latin typeface="Times New Roman" panose="02020603050405020304" pitchFamily="18" charset="0"/>
+                <a:cs typeface="Times New Roman" panose="02020603050405020304" pitchFamily="18" charset="0"/>
+              </a:rPr>
+              <a:t>một</a:t>
+            </a:r>
+            <a:r>
+              <a:rPr lang="en-US" sz="2000">
+                <a:latin typeface="Times New Roman" panose="02020603050405020304" pitchFamily="18" charset="0"/>
+                <a:cs typeface="Times New Roman" panose="02020603050405020304" pitchFamily="18" charset="0"/>
+              </a:rPr>
+              <a:t> </a:t>
+            </a:r>
+            <a:r>
+              <a:rPr lang="en-US" sz="2000" smtClean="0">
+                <a:latin typeface="Times New Roman" panose="02020603050405020304" pitchFamily="18" charset="0"/>
+                <a:cs typeface="Times New Roman" panose="02020603050405020304" pitchFamily="18" charset="0"/>
+              </a:rPr>
+              <a:t>giao thức mạng </a:t>
+            </a:r>
+            <a:r>
+              <a:rPr lang="vi-VN" sz="2000" smtClean="0">
+                <a:latin typeface="Times New Roman" panose="02020603050405020304" pitchFamily="18" charset="0"/>
+                <a:cs typeface="Times New Roman" panose="02020603050405020304" pitchFamily="18" charset="0"/>
+              </a:rPr>
+              <a:t>được </a:t>
+            </a:r>
+            <a:r>
+              <a:rPr lang="vi-VN" sz="2000">
+                <a:latin typeface="Times New Roman" panose="02020603050405020304" pitchFamily="18" charset="0"/>
+                <a:cs typeface="Times New Roman" panose="02020603050405020304" pitchFamily="18" charset="0"/>
+              </a:rPr>
+              <a:t>dùng trên các kết nối </a:t>
+            </a:r>
+            <a:r>
+              <a:rPr lang="vi-VN" sz="2000" smtClean="0">
+                <a:latin typeface="Times New Roman" panose="02020603050405020304" pitchFamily="18" charset="0"/>
+                <a:cs typeface="Times New Roman" panose="02020603050405020304" pitchFamily="18" charset="0"/>
+              </a:rPr>
+              <a:t>với</a:t>
+            </a:r>
+            <a:r>
+              <a:rPr lang="en-US" sz="2000">
+                <a:latin typeface="Times New Roman" panose="02020603050405020304" pitchFamily="18" charset="0"/>
+                <a:cs typeface="Times New Roman" panose="02020603050405020304" pitchFamily="18" charset="0"/>
+              </a:rPr>
+              <a:t> </a:t>
+            </a:r>
+            <a:r>
+              <a:rPr lang="en-US" sz="2000" smtClean="0">
+                <a:latin typeface="Times New Roman" panose="02020603050405020304" pitchFamily="18" charset="0"/>
+                <a:cs typeface="Times New Roman" panose="02020603050405020304" pitchFamily="18" charset="0"/>
+              </a:rPr>
+              <a:t>Internet </a:t>
+            </a:r>
+            <a:r>
+              <a:rPr lang="vi-VN" sz="2000" smtClean="0">
+                <a:latin typeface="Times New Roman" panose="02020603050405020304" pitchFamily="18" charset="0"/>
+                <a:cs typeface="Times New Roman" panose="02020603050405020304" pitchFamily="18" charset="0"/>
+              </a:rPr>
+              <a:t>hoặc </a:t>
+            </a:r>
+            <a:r>
+              <a:rPr lang="vi-VN" sz="2000">
+                <a:latin typeface="Times New Roman" panose="02020603050405020304" pitchFamily="18" charset="0"/>
+                <a:cs typeface="Times New Roman" panose="02020603050405020304" pitchFamily="18" charset="0"/>
+              </a:rPr>
+              <a:t>các kết nối tại mạng máy tính cục bộ </a:t>
+            </a:r>
+            <a:r>
+              <a:rPr lang="en-US" sz="2000" smtClean="0">
+                <a:latin typeface="Times New Roman" panose="02020603050405020304" pitchFamily="18" charset="0"/>
+                <a:cs typeface="Times New Roman" panose="02020603050405020304" pitchFamily="18" charset="0"/>
+              </a:rPr>
+              <a:t>Lan.</a:t>
+            </a:r>
+            <a:endParaRPr lang="en-US" sz="2000" smtClean="0">
+              <a:solidFill>
+                <a:srgbClr val="252C2F"/>
+              </a:solidFill>
+              <a:latin typeface="Times New Roman" panose="02020603050405020304" pitchFamily="18" charset="0"/>
+              <a:cs typeface="Times New Roman" panose="02020603050405020304" pitchFamily="18" charset="0"/>
+            </a:endParaRPr>
+          </a:p>
+          <a:p>
+            <a:pPr marL="342900" indent="-342900" algn="just">
+              <a:buFontTx/>
+              <a:buChar char="-"/>
+            </a:pPr>
+            <a:r>
+              <a:rPr lang="en-US" sz="2000" smtClean="0">
+                <a:solidFill>
+                  <a:srgbClr val="252C2F"/>
+                </a:solidFill>
+                <a:latin typeface="Times New Roman" panose="02020603050405020304" pitchFamily="18" charset="0"/>
+                <a:cs typeface="Times New Roman" panose="02020603050405020304" pitchFamily="18" charset="0"/>
+              </a:rPr>
+              <a:t>Chúng ta cũng có thể hiểu Telnet là một giao thức Client – Server dựa trên nền TCP, và phần Client thường kết nối vào cổng 23 với một Server – nơi cung cấp chương trình ứng dụng thi hành các dịch vụ.</a:t>
+            </a:r>
+          </a:p>
+          <a:p>
+            <a:pPr marL="342900" indent="-342900" algn="just">
+              <a:buFontTx/>
+              <a:buChar char="-"/>
+            </a:pPr>
+            <a:r>
+              <a:rPr lang="vi-VN" sz="2000" smtClean="0">
+                <a:latin typeface="Times New Roman" panose="02020603050405020304" pitchFamily="18" charset="0"/>
+                <a:cs typeface="Times New Roman" panose="02020603050405020304" pitchFamily="18" charset="0"/>
+              </a:rPr>
+              <a:t>Telnet </a:t>
+            </a:r>
+            <a:r>
+              <a:rPr lang="vi-VN" sz="2000">
+                <a:latin typeface="Times New Roman" panose="02020603050405020304" pitchFamily="18" charset="0"/>
+                <a:cs typeface="Times New Roman" panose="02020603050405020304" pitchFamily="18" charset="0"/>
+              </a:rPr>
+              <a:t>không mã hóa dữ liệu truyền tải qua các đường dây kết nối, kể cả mật khẩu, vì thế việc thông tin bị đánh cắp là tương đối dễ </a:t>
+            </a:r>
+            <a:r>
+              <a:rPr lang="vi-VN" sz="2000" smtClean="0">
+                <a:latin typeface="Times New Roman" panose="02020603050405020304" pitchFamily="18" charset="0"/>
+                <a:cs typeface="Times New Roman" panose="02020603050405020304" pitchFamily="18" charset="0"/>
+              </a:rPr>
+              <a:t>dàng.</a:t>
+            </a:r>
+            <a:r>
+              <a:rPr lang="en-US" sz="2000" smtClean="0">
+                <a:latin typeface="Times New Roman" panose="02020603050405020304" pitchFamily="18" charset="0"/>
+                <a:cs typeface="Times New Roman" panose="02020603050405020304" pitchFamily="18" charset="0"/>
+              </a:rPr>
+              <a:t> </a:t>
+            </a:r>
+            <a:r>
+              <a:rPr lang="vi-VN" sz="2000" smtClean="0">
+                <a:latin typeface="Times New Roman" panose="02020603050405020304" pitchFamily="18" charset="0"/>
+                <a:cs typeface="Times New Roman" panose="02020603050405020304" pitchFamily="18" charset="0"/>
+              </a:rPr>
+              <a:t>Telnet </a:t>
+            </a:r>
+            <a:r>
+              <a:rPr lang="vi-VN" sz="2000">
+                <a:latin typeface="Times New Roman" panose="02020603050405020304" pitchFamily="18" charset="0"/>
+                <a:cs typeface="Times New Roman" panose="02020603050405020304" pitchFamily="18" charset="0"/>
+              </a:rPr>
+              <a:t>thiếu tính xác thực người dùng. </a:t>
+            </a:r>
+            <a:br>
+              <a:rPr lang="vi-VN" sz="2000">
+                <a:latin typeface="Times New Roman" panose="02020603050405020304" pitchFamily="18" charset="0"/>
+                <a:cs typeface="Times New Roman" panose="02020603050405020304" pitchFamily="18" charset="0"/>
+              </a:rPr>
+            </a:br>
+            <a:endParaRPr lang="en-US" sz="2000">
+              <a:latin typeface="Times New Roman" panose="02020603050405020304" pitchFamily="18" charset="0"/>
+              <a:cs typeface="Times New Roman" panose="02020603050405020304" pitchFamily="18" charset="0"/>
+            </a:endParaRPr>
+          </a:p>
+        </p:txBody>
+      </p:sp>
+      <p:sp>
+        <p:nvSpPr>
+          <p:cNvPr id="5" name="Title 1"/>
+          <p:cNvSpPr txBox="1">
+            <a:spLocks noGrp="1"/>
+          </p:cNvSpPr>
+          <p:nvPr>
+            <p:ph type="title"/>
+          </p:nvPr>
+        </p:nvSpPr>
+        <p:spPr>
+          <a:prstGeom prst="rect">
+            <a:avLst/>
+          </a:prstGeom>
+        </p:spPr>
+        <p:txBody>
+          <a:bodyPr vert="horz" lIns="91440" tIns="45720" rIns="91440" bIns="45720" rtlCol="0" anchor="ctr">
+            <a:normAutofit/>
+          </a:bodyPr>
+          <a:lstStyle>
+            <a:lvl1pPr algn="l" defTabSz="914400" rtl="0" eaLnBrk="1" latinLnBrk="0" hangingPunct="1">
+              <a:lnSpc>
+                <a:spcPct val="90000"/>
+              </a:lnSpc>
+              <a:spcBef>
+                <a:spcPct val="0"/>
+              </a:spcBef>
+              <a:buNone/>
+              <a:defRPr sz="3600" kern="1200" spc="-60" baseline="0">
+                <a:solidFill>
+                  <a:srgbClr val="FFFFFF"/>
+                </a:solidFill>
+                <a:latin typeface="+mj-lt"/>
+                <a:ea typeface="+mj-ea"/>
+                <a:cs typeface="+mj-cs"/>
+              </a:defRPr>
+            </a:lvl1pPr>
+          </a:lstStyle>
+          <a:p>
+            <a:pPr algn="ctr"/>
+            <a:r>
+              <a:rPr lang="en-US" b="1" smtClean="0"/>
+              <a:t>CÁC GIAO THỨC / DỊCH VỤ TRONG TẦNG APPLICATION</a:t>
+            </a:r>
+            <a:endParaRPr lang="en-US"/>
+          </a:p>
+        </p:txBody>
+      </p:sp>
+      <p:sp>
+        <p:nvSpPr>
+          <p:cNvPr id="6" name="TextBox 5"/>
+          <p:cNvSpPr txBox="1"/>
+          <p:nvPr/>
+        </p:nvSpPr>
+        <p:spPr>
+          <a:xfrm>
+            <a:off x="4443106" y="693063"/>
+            <a:ext cx="6383920" cy="430887"/>
+          </a:xfrm>
+          <a:prstGeom prst="rect">
+            <a:avLst/>
+          </a:prstGeom>
+          <a:noFill/>
+        </p:spPr>
+        <p:txBody>
+          <a:bodyPr wrap="square" rtlCol="0">
+            <a:spAutoFit/>
+          </a:bodyPr>
+          <a:lstStyle/>
+          <a:p>
+            <a:pPr algn="ctr"/>
+            <a:r>
+              <a:rPr lang="en-US" sz="2200" b="1">
+                <a:solidFill>
+                  <a:schemeClr val="accent2">
+                    <a:lumMod val="75000"/>
+                  </a:schemeClr>
+                </a:solidFill>
+                <a:latin typeface="Times New Roman" panose="02020603050405020304" pitchFamily="18" charset="0"/>
+                <a:cs typeface="Times New Roman" panose="02020603050405020304" pitchFamily="18" charset="0"/>
+              </a:rPr>
+              <a:t>D</a:t>
+            </a:r>
+            <a:r>
+              <a:rPr lang="en-US" sz="2200" b="1" smtClean="0">
+                <a:solidFill>
+                  <a:schemeClr val="accent2">
+                    <a:lumMod val="75000"/>
+                  </a:schemeClr>
+                </a:solidFill>
+                <a:latin typeface="Times New Roman" panose="02020603050405020304" pitchFamily="18" charset="0"/>
+                <a:cs typeface="Times New Roman" panose="02020603050405020304" pitchFamily="18" charset="0"/>
+              </a:rPr>
+              <a:t>ịch vụ DHCP</a:t>
+            </a:r>
+            <a:endParaRPr lang="en-US" sz="2200" b="1">
+              <a:solidFill>
+                <a:schemeClr val="accent2">
+                  <a:lumMod val="75000"/>
+                </a:schemeClr>
+              </a:solidFill>
+              <a:latin typeface="Times New Roman" panose="02020603050405020304" pitchFamily="18" charset="0"/>
+              <a:cs typeface="Times New Roman" panose="02020603050405020304" pitchFamily="18" charset="0"/>
+            </a:endParaRPr>
+          </a:p>
+        </p:txBody>
+      </p:sp>
+    </p:spTree>
+    <p:extLst>
+      <p:ext uri="{BB962C8B-B14F-4D97-AF65-F5344CB8AC3E}">
+        <p14:creationId xmlns:p14="http://schemas.microsoft.com/office/powerpoint/2010/main" val="2563394508"/>
+      </p:ext>
+    </p:extLst>
+  </p:cSld>
+  <p:clrMapOvr>
+    <a:masterClrMapping/>
+  </p:clrMapOvr>
+</p:sld>
+</file>
+
+<file path=ppt/slides/slide25.xml><?xml version="1.0" encoding="utf-8"?>
+<p:sld xmlns:a="http://schemas.openxmlformats.org/drawingml/2006/main" xmlns:r="http://schemas.openxmlformats.org/officeDocument/2006/relationships" xmlns:p="http://schemas.openxmlformats.org/presentationml/2006/main">
+  <p:cSld>
+    <p:spTree>
+      <p:nvGrpSpPr>
+        <p:cNvPr id="1" name=""/>
+        <p:cNvGrpSpPr/>
+        <p:nvPr/>
+      </p:nvGrpSpPr>
+      <p:grpSpPr>
+        <a:xfrm>
+          <a:off x="0" y="0"/>
+          <a:ext cx="0" cy="0"/>
+          <a:chOff x="0" y="0"/>
+          <a:chExt cx="0" cy="0"/>
+        </a:xfrm>
+      </p:grpSpPr>
+      <p:sp>
+        <p:nvSpPr>
+          <p:cNvPr id="4" name="Title 1"/>
+          <p:cNvSpPr txBox="1">
+            <a:spLocks noGrp="1"/>
+          </p:cNvSpPr>
+          <p:nvPr>
+            <p:ph type="title"/>
+          </p:nvPr>
+        </p:nvSpPr>
+        <p:spPr>
+          <a:prstGeom prst="rect">
+            <a:avLst/>
+          </a:prstGeom>
+        </p:spPr>
+        <p:txBody>
+          <a:bodyPr vert="horz" lIns="91440" tIns="45720" rIns="91440" bIns="45720" rtlCol="0" anchor="ctr">
+            <a:normAutofit/>
+          </a:bodyPr>
+          <a:lstStyle>
+            <a:lvl1pPr algn="l" defTabSz="914400" rtl="0" eaLnBrk="1" latinLnBrk="0" hangingPunct="1">
+              <a:lnSpc>
+                <a:spcPct val="90000"/>
+              </a:lnSpc>
+              <a:spcBef>
+                <a:spcPct val="0"/>
+              </a:spcBef>
+              <a:buNone/>
+              <a:defRPr sz="3600" kern="1200" spc="-60" baseline="0">
+                <a:solidFill>
+                  <a:srgbClr val="FFFFFF"/>
+                </a:solidFill>
+                <a:latin typeface="+mj-lt"/>
+                <a:ea typeface="+mj-ea"/>
+                <a:cs typeface="+mj-cs"/>
+              </a:defRPr>
+            </a:lvl1pPr>
+          </a:lstStyle>
+          <a:p>
+            <a:pPr algn="ctr"/>
+            <a:r>
+              <a:rPr lang="en-US" b="1" smtClean="0"/>
               <a:t>GIAO THỨC </a:t>
             </a:r>
             <a:r>
@@ -8408,7 +9755,7 @@
 </p:sld>
 </file>
 
-<file path=ppt/slides/slide22.xml><?xml version="1.0" encoding="utf-8"?>
+<file path=ppt/slides/slide26.xml><?xml version="1.0" encoding="utf-8"?>
 <p:sld xmlns:a="http://schemas.openxmlformats.org/drawingml/2006/main" xmlns:r="http://schemas.openxmlformats.org/officeDocument/2006/relationships" xmlns:p="http://schemas.openxmlformats.org/presentationml/2006/main">
   <p:cSld>
     <p:spTree>
@@ -9081,7 +10428,7 @@
         <p:spPr>
           <a:xfrm>
             <a:off x="4509368" y="605268"/>
-            <a:ext cx="5787026" cy="430887"/>
+            <a:ext cx="5787026" cy="523220"/>
           </a:xfrm>
           <a:prstGeom prst="rect">
             <a:avLst/>
@@ -9096,7 +10443,7 @@
           <a:p>
             <a:pPr algn="ctr"/>
             <a:r>
-              <a:rPr lang="en-US" sz="2200" b="1" err="1" smtClean="0">
+              <a:rPr lang="en-US" sz="2800" b="1" smtClean="0">
                 <a:solidFill>
                   <a:schemeClr val="accent2">
                     <a:lumMod val="75000"/>
@@ -9105,117 +10452,9 @@
                 <a:latin typeface="Times New Roman" panose="02020603050405020304" pitchFamily="18" charset="0"/>
                 <a:cs typeface="Times New Roman" panose="02020603050405020304" pitchFamily="18" charset="0"/>
               </a:rPr>
-              <a:t>Các</a:t>
-            </a:r>
-            <a:r>
-              <a:rPr lang="en-US" sz="2200" b="1" smtClean="0">
-                <a:solidFill>
-                  <a:schemeClr val="accent2">
-                    <a:lumMod val="75000"/>
-                  </a:schemeClr>
-                </a:solidFill>
-                <a:latin typeface="Times New Roman" panose="02020603050405020304" pitchFamily="18" charset="0"/>
-                <a:cs typeface="Times New Roman" panose="02020603050405020304" pitchFamily="18" charset="0"/>
-              </a:rPr>
-              <a:t> </a:t>
-            </a:r>
-            <a:r>
-              <a:rPr lang="en-US" sz="2200" b="1" err="1" smtClean="0">
-                <a:solidFill>
-                  <a:schemeClr val="accent2">
-                    <a:lumMod val="75000"/>
-                  </a:schemeClr>
-                </a:solidFill>
-                <a:latin typeface="Times New Roman" panose="02020603050405020304" pitchFamily="18" charset="0"/>
-                <a:cs typeface="Times New Roman" panose="02020603050405020304" pitchFamily="18" charset="0"/>
-              </a:rPr>
-              <a:t>Tầng</a:t>
-            </a:r>
-            <a:r>
-              <a:rPr lang="en-US" sz="2200" b="1" smtClean="0">
-                <a:solidFill>
-                  <a:schemeClr val="accent2">
-                    <a:lumMod val="75000"/>
-                  </a:schemeClr>
-                </a:solidFill>
-                <a:latin typeface="Times New Roman" panose="02020603050405020304" pitchFamily="18" charset="0"/>
-                <a:cs typeface="Times New Roman" panose="02020603050405020304" pitchFamily="18" charset="0"/>
-              </a:rPr>
-              <a:t> </a:t>
-            </a:r>
-            <a:r>
-              <a:rPr lang="en-US" sz="2200" b="1" err="1" smtClean="0">
-                <a:solidFill>
-                  <a:schemeClr val="accent2">
-                    <a:lumMod val="75000"/>
-                  </a:schemeClr>
-                </a:solidFill>
-                <a:latin typeface="Times New Roman" panose="02020603050405020304" pitchFamily="18" charset="0"/>
-                <a:cs typeface="Times New Roman" panose="02020603050405020304" pitchFamily="18" charset="0"/>
-              </a:rPr>
-              <a:t>Của</a:t>
-            </a:r>
-            <a:r>
-              <a:rPr lang="en-US" sz="2200" b="1" smtClean="0">
-                <a:solidFill>
-                  <a:schemeClr val="accent2">
-                    <a:lumMod val="75000"/>
-                  </a:schemeClr>
-                </a:solidFill>
-                <a:latin typeface="Times New Roman" panose="02020603050405020304" pitchFamily="18" charset="0"/>
-                <a:cs typeface="Times New Roman" panose="02020603050405020304" pitchFamily="18" charset="0"/>
-              </a:rPr>
-              <a:t> </a:t>
-            </a:r>
-            <a:r>
-              <a:rPr lang="en-US" sz="2200" b="1" err="1" smtClean="0">
-                <a:solidFill>
-                  <a:schemeClr val="accent2">
-                    <a:lumMod val="75000"/>
-                  </a:schemeClr>
-                </a:solidFill>
-                <a:latin typeface="Times New Roman" panose="02020603050405020304" pitchFamily="18" charset="0"/>
-                <a:cs typeface="Times New Roman" panose="02020603050405020304" pitchFamily="18" charset="0"/>
-              </a:rPr>
-              <a:t>Mô</a:t>
-            </a:r>
-            <a:r>
-              <a:rPr lang="en-US" sz="2200" b="1" smtClean="0">
-                <a:solidFill>
-                  <a:schemeClr val="accent2">
-                    <a:lumMod val="75000"/>
-                  </a:schemeClr>
-                </a:solidFill>
-                <a:latin typeface="Times New Roman" panose="02020603050405020304" pitchFamily="18" charset="0"/>
-                <a:cs typeface="Times New Roman" panose="02020603050405020304" pitchFamily="18" charset="0"/>
-              </a:rPr>
-              <a:t> </a:t>
-            </a:r>
-            <a:r>
-              <a:rPr lang="en-US" sz="2200" b="1" err="1" smtClean="0">
-                <a:solidFill>
-                  <a:schemeClr val="accent2">
-                    <a:lumMod val="75000"/>
-                  </a:schemeClr>
-                </a:solidFill>
-                <a:latin typeface="Times New Roman" panose="02020603050405020304" pitchFamily="18" charset="0"/>
-                <a:cs typeface="Times New Roman" panose="02020603050405020304" pitchFamily="18" charset="0"/>
-              </a:rPr>
-              <a:t>Hình</a:t>
-            </a:r>
-            <a:r>
-              <a:rPr lang="en-US" sz="2200" b="1" smtClean="0">
-                <a:solidFill>
-                  <a:schemeClr val="accent2">
-                    <a:lumMod val="75000"/>
-                  </a:schemeClr>
-                </a:solidFill>
-                <a:latin typeface="Times New Roman" panose="02020603050405020304" pitchFamily="18" charset="0"/>
-                <a:cs typeface="Times New Roman" panose="02020603050405020304" pitchFamily="18" charset="0"/>
-              </a:rPr>
-              <a:t> OSI  </a:t>
-            </a:r>
-            <a:endParaRPr lang="en-US" sz="2200" b="1">
+              <a:t> Layer of the OSI Model</a:t>
+            </a:r>
+            <a:endParaRPr lang="en-US" sz="2800" b="1">
               <a:solidFill>
                 <a:schemeClr val="accent2">
                   <a:lumMod val="75000"/>
@@ -9297,7 +10536,7 @@
         <p:spPr>
           <a:xfrm>
             <a:off x="3908121" y="1406543"/>
-            <a:ext cx="7866345" cy="3170099"/>
+            <a:ext cx="7223705" cy="4770537"/>
           </a:xfrm>
           <a:prstGeom prst="rect">
             <a:avLst/>
@@ -9314,14 +10553,34 @@
               <a:buChar char="-"/>
             </a:pPr>
             <a:r>
-              <a:rPr lang="en-US" sz="2000" smtClean="0">
+              <a:rPr lang="en-US" sz="2400" smtClean="0">
                 <a:solidFill>
                   <a:srgbClr val="222222"/>
                 </a:solidFill>
                 <a:latin typeface="Times New Roman" panose="02020603050405020304" pitchFamily="18" charset="0"/>
                 <a:cs typeface="Times New Roman" panose="02020603050405020304" pitchFamily="18" charset="0"/>
               </a:rPr>
-              <a:t>Provides physical interface for transmission of information. </a:t>
+              <a:t>Provides physical </a:t>
+            </a:r>
+            <a:r>
+              <a:rPr lang="en-US" sz="2400" smtClean="0">
+                <a:solidFill>
+                  <a:srgbClr val="222222"/>
+                </a:solidFill>
+                <a:latin typeface="Times New Roman" panose="02020603050405020304" pitchFamily="18" charset="0"/>
+                <a:cs typeface="Times New Roman" panose="02020603050405020304" pitchFamily="18" charset="0"/>
+              </a:rPr>
+              <a:t>interface for </a:t>
+            </a:r>
+            <a:r>
+              <a:rPr lang="en-US" sz="2400" smtClean="0">
+                <a:solidFill>
+                  <a:srgbClr val="222222"/>
+                </a:solidFill>
+                <a:latin typeface="Times New Roman" panose="02020603050405020304" pitchFamily="18" charset="0"/>
+                <a:cs typeface="Times New Roman" panose="02020603050405020304" pitchFamily="18" charset="0"/>
+              </a:rPr>
+              <a:t>transmission of information. </a:t>
             </a:r>
           </a:p>
           <a:p>
@@ -9329,7 +10588,7 @@
               <a:buFontTx/>
               <a:buChar char="-"/>
             </a:pPr>
-            <a:endParaRPr lang="en-US" sz="2000" smtClean="0">
+            <a:endParaRPr lang="en-US" sz="2400" smtClean="0">
               <a:solidFill>
                 <a:srgbClr val="222222"/>
               </a:solidFill>
@@ -9343,7 +10602,7 @@
               <a:buChar char="-"/>
             </a:pPr>
             <a:r>
-              <a:rPr lang="en-US" sz="2000" b="0" i="0" smtClean="0">
+              <a:rPr lang="en-US" sz="2400" b="0" i="0" smtClean="0">
                 <a:solidFill>
                   <a:srgbClr val="222222"/>
                 </a:solidFill>
@@ -9359,7 +10618,7 @@
               <a:buFontTx/>
               <a:buChar char="-"/>
             </a:pPr>
-            <a:endParaRPr lang="en-US" sz="2000">
+            <a:endParaRPr lang="en-US" sz="2400">
               <a:solidFill>
                 <a:srgbClr val="222222"/>
               </a:solidFill>
@@ -9373,7 +10632,7 @@
               <a:buChar char="-"/>
             </a:pPr>
             <a:r>
-              <a:rPr lang="en-US" altLang="en-US" sz="2000">
+              <a:rPr lang="en-US" altLang="en-US" sz="2400">
                 <a:latin typeface="Times New Roman" panose="02020603050405020304" pitchFamily="18" charset="0"/>
                 <a:cs typeface="Times New Roman" panose="02020603050405020304" pitchFamily="18" charset="0"/>
               </a:rPr>
@@ -9418,8 +10677,8 @@
         </p:nvSpPr>
         <p:spPr>
           <a:xfrm>
-            <a:off x="4509368" y="605268"/>
-            <a:ext cx="5787026" cy="430887"/>
+            <a:off x="4734655" y="480915"/>
+            <a:ext cx="5787026" cy="523220"/>
           </a:xfrm>
           <a:prstGeom prst="rect">
             <a:avLst/>
@@ -9434,7 +10693,7 @@
           <a:p>
             <a:pPr algn="ctr"/>
             <a:r>
-              <a:rPr lang="en-US" sz="2200" b="1" smtClean="0">
+              <a:rPr lang="en-US" sz="2800" b="1" smtClean="0">
                 <a:solidFill>
                   <a:schemeClr val="accent2">
                     <a:lumMod val="75000"/>
@@ -9443,21 +10702,9 @@
                 <a:latin typeface="Times New Roman" panose="02020603050405020304" pitchFamily="18" charset="0"/>
                 <a:cs typeface="Times New Roman" panose="02020603050405020304" pitchFamily="18" charset="0"/>
               </a:rPr>
-              <a:t>Physical Layer</a:t>
-            </a:r>
-            <a:r>
-              <a:rPr lang="en-US" sz="2200" b="1" smtClean="0">
-                <a:solidFill>
-                  <a:schemeClr val="accent2">
-                    <a:lumMod val="75000"/>
-                  </a:schemeClr>
-                </a:solidFill>
-                <a:latin typeface="Times New Roman" panose="02020603050405020304" pitchFamily="18" charset="0"/>
-                <a:cs typeface="Times New Roman" panose="02020603050405020304" pitchFamily="18" charset="0"/>
-              </a:rPr>
-              <a:t>  </a:t>
-            </a:r>
-            <a:endParaRPr lang="en-US" sz="2200" b="1">
+              <a:t>Physical Layer  </a:t>
+            </a:r>
+            <a:endParaRPr lang="en-US" sz="2800" b="1">
               <a:solidFill>
                 <a:schemeClr val="accent2">
                   <a:lumMod val="75000"/>
@@ -9538,8 +10785,8 @@
         </p:nvSpPr>
         <p:spPr>
           <a:xfrm>
-            <a:off x="4509368" y="605268"/>
-            <a:ext cx="5787026" cy="430887"/>
+            <a:off x="4615384" y="499251"/>
+            <a:ext cx="5787026" cy="523220"/>
           </a:xfrm>
           <a:prstGeom prst="rect">
             <a:avLst/>
@@ -9550,11 +10797,12 @@
           <a:bodyPr wrap="square" rtlCol="0">
             <a:spAutoFit/>
           </a:bodyPr>
-          <a:lstStyle/>
-          <a:p>
-            <a:pPr algn="ctr"/>
-            <a:r>
-              <a:rPr lang="en-US" sz="2200" b="1" smtClean="0">
+          <a:lstStyle>
+            <a:defPPr>
+              <a:defRPr lang="en-US"/>
+            </a:defPPr>
+            <a:lvl1pPr algn="ctr">
+              <a:defRPr sz="2800" b="1">
                 <a:solidFill>
                   <a:schemeClr val="accent2">
                     <a:lumMod val="75000"/>
@@ -9562,18 +10810,15 @@
                 </a:solidFill>
                 <a:latin typeface="Times New Roman" panose="02020603050405020304" pitchFamily="18" charset="0"/>
                 <a:cs typeface="Times New Roman" panose="02020603050405020304" pitchFamily="18" charset="0"/>
-              </a:rPr>
+              </a:defRPr>
+            </a:lvl1pPr>
+          </a:lstStyle>
+          <a:p>
+            <a:r>
+              <a:rPr lang="en-US"/>
               <a:t>Data Link Layer</a:t>
             </a:r>
-            <a:endParaRPr lang="en-US" sz="2200" b="1">
-              <a:solidFill>
-                <a:schemeClr val="accent2">
-                  <a:lumMod val="75000"/>
-                </a:schemeClr>
-              </a:solidFill>
-              <a:latin typeface="Times New Roman" panose="02020603050405020304" pitchFamily="18" charset="0"/>
-              <a:cs typeface="Times New Roman" panose="02020603050405020304" pitchFamily="18" charset="0"/>
-            </a:endParaRPr>
+            <a:endParaRPr lang="en-US"/>
           </a:p>
         </p:txBody>
       </p:sp>
@@ -9585,29 +10830,212 @@
         </p:nvSpPr>
         <p:spPr>
           <a:xfrm>
-            <a:off x="4214331" y="3244334"/>
-            <a:ext cx="3763338" cy="369332"/>
+            <a:off x="4095062" y="1230003"/>
+            <a:ext cx="7129529" cy="6001643"/>
           </a:xfrm>
           <a:prstGeom prst="rect">
             <a:avLst/>
           </a:prstGeom>
         </p:spPr>
         <p:txBody>
-          <a:bodyPr wrap="none">
+          <a:bodyPr wrap="square">
             <a:spAutoFit/>
           </a:bodyPr>
           <a:lstStyle/>
           <a:p>
-            <a:r>
-              <a:rPr lang="en-US">
-                <a:solidFill>
-                  <a:srgbClr val="336633"/>
-                </a:solidFill>
-                <a:latin typeface="Verdana" panose="020B0604030504040204" pitchFamily="34" charset="0"/>
-              </a:rPr>
-              <a:t>Analysis of data into the frame</a:t>
-            </a:r>
-            <a:endParaRPr lang="en-US"/>
+            <a:pPr marL="342900" indent="-342900" algn="just">
+              <a:buFontTx/>
+              <a:buChar char="-"/>
+            </a:pPr>
+            <a:r>
+              <a:rPr lang="en-US" sz="2400">
+                <a:latin typeface="Times New Roman" panose="02020603050405020304" pitchFamily="18" charset="0"/>
+                <a:cs typeface="Times New Roman" panose="02020603050405020304" pitchFamily="18" charset="0"/>
+              </a:rPr>
+              <a:t>Data link layer attempts to provide reliable communication over the physical layer interface</a:t>
+            </a:r>
+            <a:r>
+              <a:rPr lang="en-US" sz="2400">
+                <a:latin typeface="Times New Roman" panose="02020603050405020304" pitchFamily="18" charset="0"/>
+                <a:cs typeface="Times New Roman" panose="02020603050405020304" pitchFamily="18" charset="0"/>
+              </a:rPr>
+              <a:t>. </a:t>
+            </a:r>
+            <a:endParaRPr lang="en-US" sz="2400" smtClean="0">
+              <a:latin typeface="Times New Roman" panose="02020603050405020304" pitchFamily="18" charset="0"/>
+              <a:cs typeface="Times New Roman" panose="02020603050405020304" pitchFamily="18" charset="0"/>
+            </a:endParaRPr>
+          </a:p>
+          <a:p>
+            <a:pPr marL="342900" indent="-342900" algn="just">
+              <a:buFontTx/>
+              <a:buChar char="-"/>
+            </a:pPr>
+            <a:endParaRPr lang="en-US" sz="2400" smtClean="0">
+              <a:latin typeface="Times New Roman" panose="02020603050405020304" pitchFamily="18" charset="0"/>
+              <a:cs typeface="Times New Roman" panose="02020603050405020304" pitchFamily="18" charset="0"/>
+            </a:endParaRPr>
+          </a:p>
+          <a:p>
+            <a:pPr marL="342900" indent="-342900" algn="just">
+              <a:buFontTx/>
+              <a:buChar char="-"/>
+            </a:pPr>
+            <a:r>
+              <a:rPr lang="en-US" sz="2400" smtClean="0">
+                <a:latin typeface="Times New Roman" panose="02020603050405020304" pitchFamily="18" charset="0"/>
+                <a:cs typeface="Times New Roman" panose="02020603050405020304" pitchFamily="18" charset="0"/>
+              </a:rPr>
+              <a:t>Analysis </a:t>
+            </a:r>
+            <a:r>
+              <a:rPr lang="en-US" sz="2400">
+                <a:latin typeface="Times New Roman" panose="02020603050405020304" pitchFamily="18" charset="0"/>
+                <a:cs typeface="Times New Roman" panose="02020603050405020304" pitchFamily="18" charset="0"/>
+              </a:rPr>
+              <a:t>of data into the </a:t>
+            </a:r>
+            <a:r>
+              <a:rPr lang="en-US" sz="2400">
+                <a:latin typeface="Times New Roman" panose="02020603050405020304" pitchFamily="18" charset="0"/>
+                <a:cs typeface="Times New Roman" panose="02020603050405020304" pitchFamily="18" charset="0"/>
+              </a:rPr>
+              <a:t>frame and reassemble the </a:t>
+            </a:r>
+            <a:r>
+              <a:rPr lang="en-US" sz="2400">
+                <a:latin typeface="Times New Roman" panose="02020603050405020304" pitchFamily="18" charset="0"/>
+                <a:cs typeface="Times New Roman" panose="02020603050405020304" pitchFamily="18" charset="0"/>
+              </a:rPr>
+              <a:t>received </a:t>
+            </a:r>
+            <a:r>
+              <a:rPr lang="en-US" sz="2400" smtClean="0">
+                <a:latin typeface="Times New Roman" panose="02020603050405020304" pitchFamily="18" charset="0"/>
+                <a:cs typeface="Times New Roman" panose="02020603050405020304" pitchFamily="18" charset="0"/>
+              </a:rPr>
+              <a:t>frames.</a:t>
+            </a:r>
+          </a:p>
+          <a:p>
+            <a:pPr marL="342900" indent="-342900" algn="just">
+              <a:buFontTx/>
+              <a:buChar char="-"/>
+            </a:pPr>
+            <a:endParaRPr lang="en-US" sz="2400">
+              <a:latin typeface="Times New Roman" panose="02020603050405020304" pitchFamily="18" charset="0"/>
+              <a:cs typeface="Times New Roman" panose="02020603050405020304" pitchFamily="18" charset="0"/>
+            </a:endParaRPr>
+          </a:p>
+          <a:p>
+            <a:pPr marL="342900" indent="-342900" algn="just">
+              <a:buFontTx/>
+              <a:buChar char="-"/>
+            </a:pPr>
+            <a:r>
+              <a:rPr lang="en-US" sz="2400">
+                <a:latin typeface="Times New Roman" panose="02020603050405020304" pitchFamily="18" charset="0"/>
+                <a:cs typeface="Times New Roman" panose="02020603050405020304" pitchFamily="18" charset="0"/>
+              </a:rPr>
+              <a:t>Handle errors by implementing an acknowledgement and retransmission scheme.</a:t>
+            </a:r>
+          </a:p>
+          <a:p>
+            <a:pPr marL="342900" indent="-342900" algn="just">
+              <a:buFontTx/>
+              <a:buChar char="-"/>
+            </a:pPr>
+            <a:endParaRPr lang="en-US" sz="2400" smtClean="0">
+              <a:latin typeface="Times New Roman" panose="02020603050405020304" pitchFamily="18" charset="0"/>
+              <a:cs typeface="Times New Roman" panose="02020603050405020304" pitchFamily="18" charset="0"/>
+            </a:endParaRPr>
+          </a:p>
+          <a:p>
+            <a:pPr marL="342900" indent="-342900" algn="just">
+              <a:buFontTx/>
+              <a:buChar char="-"/>
+            </a:pPr>
+            <a:r>
+              <a:rPr lang="en-US" sz="2400">
+                <a:latin typeface="Times New Roman" panose="02020603050405020304" pitchFamily="18" charset="0"/>
+                <a:cs typeface="Times New Roman" panose="02020603050405020304" pitchFamily="18" charset="0"/>
+              </a:rPr>
+              <a:t>Implement flow </a:t>
+            </a:r>
+            <a:r>
+              <a:rPr lang="en-US" sz="2400">
+                <a:latin typeface="Times New Roman" panose="02020603050405020304" pitchFamily="18" charset="0"/>
+                <a:cs typeface="Times New Roman" panose="02020603050405020304" pitchFamily="18" charset="0"/>
+              </a:rPr>
+              <a:t>control</a:t>
+            </a:r>
+            <a:r>
+              <a:rPr lang="en-US" sz="2400" smtClean="0">
+                <a:latin typeface="Times New Roman" panose="02020603050405020304" pitchFamily="18" charset="0"/>
+                <a:cs typeface="Times New Roman" panose="02020603050405020304" pitchFamily="18" charset="0"/>
+              </a:rPr>
+              <a:t>.</a:t>
+            </a:r>
+          </a:p>
+          <a:p>
+            <a:pPr marL="342900" indent="-342900" algn="just">
+              <a:buFontTx/>
+              <a:buChar char="-"/>
+            </a:pPr>
+            <a:endParaRPr lang="en-US" sz="2400">
+              <a:latin typeface="Times New Roman" panose="02020603050405020304" pitchFamily="18" charset="0"/>
+              <a:cs typeface="Times New Roman" panose="02020603050405020304" pitchFamily="18" charset="0"/>
+            </a:endParaRPr>
+          </a:p>
+          <a:p>
+            <a:pPr marL="342900" indent="-342900" algn="just">
+              <a:buFontTx/>
+              <a:buChar char="-"/>
+            </a:pPr>
+            <a:r>
+              <a:rPr lang="en-US" sz="2400" smtClean="0">
+                <a:latin typeface="Times New Roman" panose="02020603050405020304" pitchFamily="18" charset="0"/>
+                <a:cs typeface="Times New Roman" panose="02020603050405020304" pitchFamily="18" charset="0"/>
+              </a:rPr>
+              <a:t>Supports simplex</a:t>
+            </a:r>
+            <a:r>
+              <a:rPr lang="en-US" sz="2400">
+                <a:latin typeface="Times New Roman" panose="02020603050405020304" pitchFamily="18" charset="0"/>
+                <a:cs typeface="Times New Roman" panose="02020603050405020304" pitchFamily="18" charset="0"/>
+              </a:rPr>
+              <a:t>, half-duplex or full-duplex communication.</a:t>
+            </a:r>
+          </a:p>
+          <a:p>
+            <a:pPr marL="342900" indent="-342900" algn="just">
+              <a:buFontTx/>
+              <a:buChar char="-"/>
+            </a:pPr>
+            <a:endParaRPr lang="en-US" sz="2400">
+              <a:latin typeface="Times New Roman" panose="02020603050405020304" pitchFamily="18" charset="0"/>
+              <a:cs typeface="Times New Roman" panose="02020603050405020304" pitchFamily="18" charset="0"/>
+            </a:endParaRPr>
+          </a:p>
+          <a:p>
+            <a:pPr marL="342900" indent="-342900">
+              <a:buFontTx/>
+              <a:buChar char="-"/>
+            </a:pPr>
+            <a:endParaRPr lang="en-US" sz="2400" smtClean="0">
+              <a:latin typeface="Times New Roman" panose="02020603050405020304" pitchFamily="18" charset="0"/>
+              <a:cs typeface="Times New Roman" panose="02020603050405020304" pitchFamily="18" charset="0"/>
+            </a:endParaRPr>
+          </a:p>
+          <a:p>
+            <a:pPr marL="342900" indent="-342900">
+              <a:buFontTx/>
+              <a:buChar char="-"/>
+            </a:pPr>
+            <a:endParaRPr lang="en-US" sz="2400">
+              <a:latin typeface="Times New Roman" panose="02020603050405020304" pitchFamily="18" charset="0"/>
+              <a:cs typeface="Times New Roman" panose="02020603050405020304" pitchFamily="18" charset="0"/>
+            </a:endParaRPr>
           </a:p>
         </p:txBody>
       </p:sp>
@@ -9650,7 +11078,242 @@
       </p:grpSpPr>
       <p:sp>
         <p:nvSpPr>
-          <p:cNvPr id="4" name="Title 1"/>
+          <p:cNvPr id="5" name="Rectangle 4"/>
+          <p:cNvSpPr/>
+          <p:nvPr/>
+        </p:nvSpPr>
+        <p:spPr>
+          <a:xfrm>
+            <a:off x="6171505" y="442317"/>
+            <a:ext cx="2526654" cy="523220"/>
+          </a:xfrm>
+          <a:prstGeom prst="rect">
+            <a:avLst/>
+          </a:prstGeom>
+        </p:spPr>
+        <p:txBody>
+          <a:bodyPr wrap="none">
+            <a:spAutoFit/>
+          </a:bodyPr>
+          <a:lstStyle/>
+          <a:p>
+            <a:pPr algn="ctr"/>
+            <a:r>
+              <a:rPr lang="en-US" sz="2800" b="1" smtClean="0">
+                <a:solidFill>
+                  <a:schemeClr val="accent2">
+                    <a:lumMod val="75000"/>
+                  </a:schemeClr>
+                </a:solidFill>
+                <a:latin typeface="Times New Roman" panose="02020603050405020304" pitchFamily="18" charset="0"/>
+                <a:cs typeface="Times New Roman" panose="02020603050405020304" pitchFamily="18" charset="0"/>
+              </a:rPr>
+              <a:t>Network Layer</a:t>
+            </a:r>
+            <a:endParaRPr lang="en-US" sz="2800" b="1" smtClean="0">
+              <a:solidFill>
+                <a:schemeClr val="accent2">
+                  <a:lumMod val="75000"/>
+                </a:schemeClr>
+              </a:solidFill>
+              <a:latin typeface="Times New Roman" panose="02020603050405020304" pitchFamily="18" charset="0"/>
+              <a:cs typeface="Times New Roman" panose="02020603050405020304" pitchFamily="18" charset="0"/>
+            </a:endParaRPr>
+          </a:p>
+        </p:txBody>
+      </p:sp>
+      <p:sp>
+        <p:nvSpPr>
+          <p:cNvPr id="6" name="Rectangle 5"/>
+          <p:cNvSpPr/>
+          <p:nvPr/>
+        </p:nvSpPr>
+        <p:spPr>
+          <a:xfrm>
+            <a:off x="4233434" y="1111311"/>
+            <a:ext cx="6938149" cy="5201424"/>
+          </a:xfrm>
+          <a:prstGeom prst="rect">
+            <a:avLst/>
+          </a:prstGeom>
+        </p:spPr>
+        <p:txBody>
+          <a:bodyPr wrap="square">
+            <a:spAutoFit/>
+          </a:bodyPr>
+          <a:lstStyle/>
+          <a:p>
+            <a:pPr marL="342900" indent="-342900" algn="just">
+              <a:buFontTx/>
+              <a:buChar char="-"/>
+            </a:pPr>
+            <a:r>
+              <a:rPr lang="en-US" sz="2400">
+                <a:latin typeface="Times New Roman" panose="02020603050405020304" pitchFamily="18" charset="0"/>
+                <a:cs typeface="Times New Roman" panose="02020603050405020304" pitchFamily="18" charset="0"/>
+              </a:rPr>
+              <a:t>Implements routing of frames (packets) through the </a:t>
+            </a:r>
+            <a:r>
+              <a:rPr lang="en-US" sz="2400">
+                <a:latin typeface="Times New Roman" panose="02020603050405020304" pitchFamily="18" charset="0"/>
+                <a:cs typeface="Times New Roman" panose="02020603050405020304" pitchFamily="18" charset="0"/>
+              </a:rPr>
+              <a:t>network</a:t>
+            </a:r>
+            <a:r>
+              <a:rPr lang="en-US" sz="2400" smtClean="0">
+                <a:latin typeface="Times New Roman" panose="02020603050405020304" pitchFamily="18" charset="0"/>
+                <a:cs typeface="Times New Roman" panose="02020603050405020304" pitchFamily="18" charset="0"/>
+              </a:rPr>
+              <a:t>.</a:t>
+            </a:r>
+          </a:p>
+          <a:p>
+            <a:pPr marL="342900" indent="-342900" algn="just">
+              <a:buFontTx/>
+              <a:buChar char="-"/>
+            </a:pPr>
+            <a:endParaRPr lang="en-US" sz="2400">
+              <a:latin typeface="Times New Roman" panose="02020603050405020304" pitchFamily="18" charset="0"/>
+              <a:cs typeface="Times New Roman" panose="02020603050405020304" pitchFamily="18" charset="0"/>
+            </a:endParaRPr>
+          </a:p>
+          <a:p>
+            <a:pPr marL="342900" indent="-342900" algn="just">
+              <a:buFontTx/>
+              <a:buChar char="-"/>
+            </a:pPr>
+            <a:r>
+              <a:rPr lang="en-US" sz="2400">
+                <a:latin typeface="Times New Roman" panose="02020603050405020304" pitchFamily="18" charset="0"/>
+                <a:cs typeface="Times New Roman" panose="02020603050405020304" pitchFamily="18" charset="0"/>
+              </a:rPr>
+              <a:t>Defines the most optimum path the packet should take from the source to </a:t>
+            </a:r>
+            <a:r>
+              <a:rPr lang="en-US" sz="2400">
+                <a:latin typeface="Times New Roman" panose="02020603050405020304" pitchFamily="18" charset="0"/>
+                <a:cs typeface="Times New Roman" panose="02020603050405020304" pitchFamily="18" charset="0"/>
+              </a:rPr>
+              <a:t>the </a:t>
+            </a:r>
+            <a:r>
+              <a:rPr lang="en-US" sz="2400" smtClean="0">
+                <a:latin typeface="Times New Roman" panose="02020603050405020304" pitchFamily="18" charset="0"/>
+                <a:cs typeface="Times New Roman" panose="02020603050405020304" pitchFamily="18" charset="0"/>
+              </a:rPr>
+              <a:t>destination</a:t>
+            </a:r>
+          </a:p>
+          <a:p>
+            <a:pPr marL="342900" indent="-342900" algn="just">
+              <a:buFontTx/>
+              <a:buChar char="-"/>
+            </a:pPr>
+            <a:endParaRPr lang="en-US" sz="2400">
+              <a:latin typeface="Times New Roman" panose="02020603050405020304" pitchFamily="18" charset="0"/>
+              <a:cs typeface="Times New Roman" panose="02020603050405020304" pitchFamily="18" charset="0"/>
+            </a:endParaRPr>
+          </a:p>
+          <a:p>
+            <a:pPr marL="342900" indent="-342900" algn="just">
+              <a:buFontTx/>
+              <a:buChar char="-"/>
+            </a:pPr>
+            <a:r>
+              <a:rPr lang="en-US" sz="2400">
+                <a:latin typeface="Times New Roman" panose="02020603050405020304" pitchFamily="18" charset="0"/>
+                <a:cs typeface="Times New Roman" panose="02020603050405020304" pitchFamily="18" charset="0"/>
+              </a:rPr>
+              <a:t>Handles congestion in the network.</a:t>
+            </a:r>
+          </a:p>
+          <a:p>
+            <a:pPr marL="342900" indent="-342900" algn="just">
+              <a:buFontTx/>
+              <a:buChar char="-"/>
+            </a:pPr>
+            <a:endParaRPr lang="en-US" sz="2400" smtClean="0">
+              <a:latin typeface="Times New Roman" panose="02020603050405020304" pitchFamily="18" charset="0"/>
+              <a:cs typeface="Times New Roman" panose="02020603050405020304" pitchFamily="18" charset="0"/>
+            </a:endParaRPr>
+          </a:p>
+          <a:p>
+            <a:pPr marL="342900" indent="-342900" algn="just">
+              <a:buFontTx/>
+              <a:buChar char="-"/>
+            </a:pPr>
+            <a:r>
+              <a:rPr lang="en-US" sz="2400">
+                <a:latin typeface="Times New Roman" panose="02020603050405020304" pitchFamily="18" charset="0"/>
+                <a:cs typeface="Times New Roman" panose="02020603050405020304" pitchFamily="18" charset="0"/>
+              </a:rPr>
+              <a:t>Facilitates interconnection between heterogeneous networks (</a:t>
+            </a:r>
+            <a:r>
+              <a:rPr lang="en-US" sz="2400">
+                <a:latin typeface="Times New Roman" panose="02020603050405020304" pitchFamily="18" charset="0"/>
+                <a:cs typeface="Times New Roman" panose="02020603050405020304" pitchFamily="18" charset="0"/>
+              </a:rPr>
+              <a:t>Internetworking</a:t>
+            </a:r>
+            <a:r>
+              <a:rPr lang="en-US" sz="2400" smtClean="0">
+                <a:latin typeface="Times New Roman" panose="02020603050405020304" pitchFamily="18" charset="0"/>
+                <a:cs typeface="Times New Roman" panose="02020603050405020304" pitchFamily="18" charset="0"/>
+              </a:rPr>
+              <a:t>).</a:t>
+            </a:r>
+          </a:p>
+          <a:p>
+            <a:pPr marL="342900" indent="-342900" algn="just">
+              <a:buFontTx/>
+              <a:buChar char="-"/>
+            </a:pPr>
+            <a:endParaRPr lang="en-US" sz="2400">
+              <a:latin typeface="Times New Roman" panose="02020603050405020304" pitchFamily="18" charset="0"/>
+              <a:cs typeface="Times New Roman" panose="02020603050405020304" pitchFamily="18" charset="0"/>
+            </a:endParaRPr>
+          </a:p>
+          <a:p>
+            <a:pPr marL="342900" indent="-342900" algn="just">
+              <a:buFontTx/>
+              <a:buChar char="-"/>
+            </a:pPr>
+            <a:r>
+              <a:rPr lang="en-US" sz="2400" smtClean="0">
+                <a:latin typeface="Times New Roman" panose="02020603050405020304" pitchFamily="18" charset="0"/>
+                <a:cs typeface="Times New Roman" panose="02020603050405020304" pitchFamily="18" charset="0"/>
+              </a:rPr>
+              <a:t>Defines </a:t>
+            </a:r>
+            <a:r>
+              <a:rPr lang="en-US" sz="2400">
+                <a:latin typeface="Times New Roman" panose="02020603050405020304" pitchFamily="18" charset="0"/>
+                <a:cs typeface="Times New Roman" panose="02020603050405020304" pitchFamily="18" charset="0"/>
+              </a:rPr>
+              <a:t>how to fragment a packet into smaller packets to accommodate different media.</a:t>
+            </a:r>
+          </a:p>
+          <a:p>
+            <a:pPr marL="342900" indent="-342900">
+              <a:buFontTx/>
+              <a:buChar char="-"/>
+            </a:pPr>
+            <a:endParaRPr lang="en-US" sz="2000" smtClean="0">
+              <a:solidFill>
+                <a:srgbClr val="444444"/>
+              </a:solidFill>
+              <a:latin typeface="Times New Roman" panose="02020603050405020304" pitchFamily="18" charset="0"/>
+              <a:cs typeface="Times New Roman" panose="02020603050405020304" pitchFamily="18" charset="0"/>
+            </a:endParaRPr>
+          </a:p>
+        </p:txBody>
+      </p:sp>
+      <p:sp>
+        <p:nvSpPr>
+          <p:cNvPr id="9" name="Title 1"/>
           <p:cNvSpPr>
             <a:spLocks noGrp="1"/>
           </p:cNvSpPr>
@@ -9658,220 +11321,17 @@
             <p:ph type="title"/>
           </p:nvPr>
         </p:nvSpPr>
-        <p:spPr>
-          <a:xfrm>
-            <a:off x="125260" y="1111311"/>
-            <a:ext cx="3169085" cy="4601183"/>
-          </a:xfrm>
-        </p:spPr>
+        <p:spPr/>
         <p:txBody>
           <a:bodyPr/>
           <a:lstStyle/>
           <a:p>
             <a:pPr algn="ctr"/>
             <a:r>
-              <a:rPr lang="en-US" b="1" smtClean="0"/>
-              <a:t>TCP/IP </a:t>
-            </a:r>
-            <a:r>
               <a:rPr lang="en-US" b="1"/>
-              <a:t>MODEL</a:t>
+              <a:t>OSI MODEL</a:t>
             </a:r>
             <a:endParaRPr lang="en-US"/>
-          </a:p>
-        </p:txBody>
-      </p:sp>
-      <p:sp>
-        <p:nvSpPr>
-          <p:cNvPr id="5" name="Rectangle 4"/>
-          <p:cNvSpPr/>
-          <p:nvPr/>
-        </p:nvSpPr>
-        <p:spPr>
-          <a:xfrm>
-            <a:off x="6332567" y="926645"/>
-            <a:ext cx="2257541" cy="430887"/>
-          </a:xfrm>
-          <a:prstGeom prst="rect">
-            <a:avLst/>
-          </a:prstGeom>
-        </p:spPr>
-        <p:txBody>
-          <a:bodyPr wrap="none">
-            <a:spAutoFit/>
-          </a:bodyPr>
-          <a:lstStyle/>
-          <a:p>
-            <a:pPr algn="ctr"/>
-            <a:r>
-              <a:rPr lang="en-US" sz="2200" b="1" smtClean="0">
-                <a:solidFill>
-                  <a:schemeClr val="accent2">
-                    <a:lumMod val="75000"/>
-                  </a:schemeClr>
-                </a:solidFill>
-                <a:latin typeface="Times New Roman" panose="02020603050405020304" pitchFamily="18" charset="0"/>
-                <a:cs typeface="Times New Roman" panose="02020603050405020304" pitchFamily="18" charset="0"/>
-              </a:rPr>
-              <a:t>Mô hình TCP/IP </a:t>
-            </a:r>
-          </a:p>
-        </p:txBody>
-      </p:sp>
-      <p:sp>
-        <p:nvSpPr>
-          <p:cNvPr id="6" name="Rectangle 5"/>
-          <p:cNvSpPr/>
-          <p:nvPr/>
-        </p:nvSpPr>
-        <p:spPr>
-          <a:xfrm>
-            <a:off x="4087660" y="1514316"/>
-            <a:ext cx="7636702" cy="4401205"/>
-          </a:xfrm>
-          <a:prstGeom prst="rect">
-            <a:avLst/>
-          </a:prstGeom>
-        </p:spPr>
-        <p:txBody>
-          <a:bodyPr wrap="square">
-            <a:spAutoFit/>
-          </a:bodyPr>
-          <a:lstStyle/>
-          <a:p>
-            <a:pPr marL="342900" indent="-342900">
-              <a:buFontTx/>
-              <a:buChar char="-"/>
-            </a:pPr>
-            <a:r>
-              <a:rPr lang="vi-VN" sz="2000" smtClean="0">
-                <a:solidFill>
-                  <a:srgbClr val="444444"/>
-                </a:solidFill>
-                <a:effectLst/>
-                <a:latin typeface="Times New Roman" panose="02020603050405020304" pitchFamily="18" charset="0"/>
-                <a:cs typeface="Times New Roman" panose="02020603050405020304" pitchFamily="18" charset="0"/>
-              </a:rPr>
-              <a:t>Mô hình TCP/IP </a:t>
-            </a:r>
-            <a:r>
-              <a:rPr lang="vi-VN" sz="2000" b="0" i="0" smtClean="0">
-                <a:solidFill>
-                  <a:srgbClr val="444444"/>
-                </a:solidFill>
-                <a:effectLst/>
-                <a:latin typeface="Times New Roman" panose="02020603050405020304" pitchFamily="18" charset="0"/>
-                <a:cs typeface="Times New Roman" panose="02020603050405020304" pitchFamily="18" charset="0"/>
-              </a:rPr>
-              <a:t>là 1 tập các giao thức và quy tắc được phát triển để cho phép các máy tính liên kết với nhau, chia sẻ tài nguyên thông qua 1 hệ thống mạng.</a:t>
-            </a:r>
-            <a:endParaRPr lang="en-US" sz="2000" b="0" i="0" smtClean="0">
-              <a:solidFill>
-                <a:srgbClr val="444444"/>
-              </a:solidFill>
-              <a:effectLst/>
-              <a:latin typeface="Times New Roman" panose="02020603050405020304" pitchFamily="18" charset="0"/>
-              <a:cs typeface="Times New Roman" panose="02020603050405020304" pitchFamily="18" charset="0"/>
-            </a:endParaRPr>
-          </a:p>
-          <a:p>
-            <a:pPr marL="342900" indent="-342900">
-              <a:buFontTx/>
-              <a:buChar char="-"/>
-            </a:pPr>
-            <a:endParaRPr lang="en-US" sz="2000" b="0" i="0" smtClean="0">
-              <a:solidFill>
-                <a:srgbClr val="444444"/>
-              </a:solidFill>
-              <a:effectLst/>
-              <a:latin typeface="Times New Roman" panose="02020603050405020304" pitchFamily="18" charset="0"/>
-              <a:cs typeface="Times New Roman" panose="02020603050405020304" pitchFamily="18" charset="0"/>
-            </a:endParaRPr>
-          </a:p>
-          <a:p>
-            <a:pPr marL="342900" indent="-342900">
-              <a:buFontTx/>
-              <a:buChar char="-"/>
-            </a:pPr>
-            <a:r>
-              <a:rPr lang="vi-VN" sz="2000">
-                <a:latin typeface="Times New Roman" panose="02020603050405020304" pitchFamily="18" charset="0"/>
-                <a:cs typeface="Times New Roman" panose="02020603050405020304" pitchFamily="18" charset="0"/>
-              </a:rPr>
-              <a:t>Mô hình TCP/IP là mô hình có trước so với mô hình OSI, mục đích mô hình OSI để tham chiếu làm rõ ràng cách thức trao đổi thông tin giữa các máy tính với nhau, hay nói cách khác là mô hình OSI mang tính chất dùng cho học tập nghiên cứu nhiều hơn là đưa vào triển khai thực tế</a:t>
-            </a:r>
-            <a:r>
-              <a:rPr lang="vi-VN" sz="2000" smtClean="0">
-                <a:latin typeface="Times New Roman" panose="02020603050405020304" pitchFamily="18" charset="0"/>
-                <a:cs typeface="Times New Roman" panose="02020603050405020304" pitchFamily="18" charset="0"/>
-              </a:rPr>
-              <a:t>.</a:t>
-            </a:r>
-            <a:endParaRPr lang="en-US" sz="2000" smtClean="0">
-              <a:latin typeface="Times New Roman" panose="02020603050405020304" pitchFamily="18" charset="0"/>
-              <a:cs typeface="Times New Roman" panose="02020603050405020304" pitchFamily="18" charset="0"/>
-            </a:endParaRPr>
-          </a:p>
-          <a:p>
-            <a:pPr marL="342900" indent="-342900">
-              <a:buFontTx/>
-              <a:buChar char="-"/>
-            </a:pPr>
-            <a:endParaRPr lang="en-US" sz="2000">
-              <a:latin typeface="Times New Roman" panose="02020603050405020304" pitchFamily="18" charset="0"/>
-              <a:cs typeface="Times New Roman" panose="02020603050405020304" pitchFamily="18" charset="0"/>
-            </a:endParaRPr>
-          </a:p>
-          <a:p>
-            <a:pPr marL="342900" indent="-342900">
-              <a:buFontTx/>
-              <a:buChar char="-"/>
-            </a:pPr>
-            <a:r>
-              <a:rPr lang="vi-VN" sz="2000">
-                <a:latin typeface="Times New Roman" panose="02020603050405020304" pitchFamily="18" charset="0"/>
-                <a:cs typeface="Times New Roman" panose="02020603050405020304" pitchFamily="18" charset="0"/>
-              </a:rPr>
-              <a:t>Mô hình TCP/IP còn được gọi với tên khác là : mô hình DoD ( mô hình của bộ quốc phòng Mỹ</a:t>
-            </a:r>
-            <a:r>
-              <a:rPr lang="vi-VN" sz="2000" smtClean="0">
-                <a:latin typeface="Times New Roman" panose="02020603050405020304" pitchFamily="18" charset="0"/>
-                <a:cs typeface="Times New Roman" panose="02020603050405020304" pitchFamily="18" charset="0"/>
-              </a:rPr>
-              <a:t>)</a:t>
-            </a:r>
-            <a:endParaRPr lang="en-US" sz="2000" smtClean="0">
-              <a:latin typeface="Times New Roman" panose="02020603050405020304" pitchFamily="18" charset="0"/>
-              <a:cs typeface="Times New Roman" panose="02020603050405020304" pitchFamily="18" charset="0"/>
-            </a:endParaRPr>
-          </a:p>
-          <a:p>
-            <a:pPr marL="342900" indent="-342900">
-              <a:buFontTx/>
-              <a:buChar char="-"/>
-            </a:pPr>
-            <a:endParaRPr lang="en-US" sz="2000">
-              <a:latin typeface="Times New Roman" panose="02020603050405020304" pitchFamily="18" charset="0"/>
-              <a:cs typeface="Times New Roman" panose="02020603050405020304" pitchFamily="18" charset="0"/>
-            </a:endParaRPr>
-          </a:p>
-          <a:p>
-            <a:pPr marL="342900" indent="-342900">
-              <a:buFontTx/>
-              <a:buChar char="-"/>
-            </a:pPr>
-            <a:r>
-              <a:rPr lang="en-US" sz="2000" smtClean="0">
-                <a:latin typeface="Times New Roman" panose="02020603050405020304" pitchFamily="18" charset="0"/>
-                <a:cs typeface="Times New Roman" panose="02020603050405020304" pitchFamily="18" charset="0"/>
-              </a:rPr>
-              <a:t>Mô hình TCP/IP gồm có 4 tầng.</a:t>
-            </a:r>
-            <a:endParaRPr lang="en-US" sz="2000">
-              <a:latin typeface="Times New Roman" panose="02020603050405020304" pitchFamily="18" charset="0"/>
-              <a:cs typeface="Times New Roman" panose="02020603050405020304" pitchFamily="18" charset="0"/>
-            </a:endParaRPr>
           </a:p>
         </p:txBody>
       </p:sp>
@@ -9914,7 +11374,7 @@
       </p:grpSpPr>
       <p:sp>
         <p:nvSpPr>
-          <p:cNvPr id="2" name="Title 1"/>
+          <p:cNvPr id="4" name="Title 1"/>
           <p:cNvSpPr>
             <a:spLocks noGrp="1"/>
           </p:cNvSpPr>
@@ -9927,9 +11387,10 @@
           <a:bodyPr/>
           <a:lstStyle/>
           <a:p>
-            <a:r>
-              <a:rPr lang="en-US" smtClean="0"/>
-              <a:t> 	 	</a:t>
+            <a:pPr algn="ctr"/>
+            <a:r>
+              <a:rPr lang="en-US" b="1"/>
+              <a:t>OSI MODEL</a:t>
             </a:r>
             <a:endParaRPr lang="en-US"/>
           </a:p>
@@ -9937,120 +11398,28 @@
       </p:sp>
       <p:sp>
         <p:nvSpPr>
-          <p:cNvPr id="4" name="Title 1"/>
-          <p:cNvSpPr txBox="1">
-            <a:spLocks/>
-          </p:cNvSpPr>
+          <p:cNvPr id="5" name="Rectangle 4"/>
+          <p:cNvSpPr/>
           <p:nvPr/>
         </p:nvSpPr>
         <p:spPr>
           <a:xfrm>
-            <a:off x="125260" y="1111311"/>
-            <a:ext cx="3169085" cy="4601183"/>
+            <a:off x="6065420" y="442317"/>
+            <a:ext cx="2738827" cy="523220"/>
           </a:xfrm>
           <a:prstGeom prst="rect">
             <a:avLst/>
           </a:prstGeom>
         </p:spPr>
         <p:txBody>
-          <a:bodyPr vert="horz" lIns="91440" tIns="45720" rIns="91440" bIns="45720" rtlCol="0" anchor="ctr">
-            <a:normAutofit/>
-          </a:bodyPr>
-          <a:lstStyle>
-            <a:lvl1pPr algn="l" defTabSz="914400" rtl="0" eaLnBrk="1" latinLnBrk="0" hangingPunct="1">
-              <a:lnSpc>
-                <a:spcPct val="90000"/>
-              </a:lnSpc>
-              <a:spcBef>
-                <a:spcPct val="0"/>
-              </a:spcBef>
-              <a:buNone/>
-              <a:defRPr sz="3600" kern="1200" spc="-60" baseline="0">
-                <a:solidFill>
-                  <a:srgbClr val="FFFFFF"/>
-                </a:solidFill>
-                <a:latin typeface="+mj-lt"/>
-                <a:ea typeface="+mj-ea"/>
-                <a:cs typeface="+mj-cs"/>
-              </a:defRPr>
-            </a:lvl1pPr>
-          </a:lstStyle>
-          <a:p>
-            <a:pPr algn="ctr"/>
-            <a:r>
-              <a:rPr lang="en-US" b="1" smtClean="0"/>
-              <a:t>TCP/IP MODEL</a:t>
-            </a:r>
-            <a:endParaRPr lang="en-US"/>
-          </a:p>
-        </p:txBody>
-      </p:sp>
-      <p:pic>
-        <p:nvPicPr>
-          <p:cNvPr id="2050" name="Picture 2" descr="http://2.bp.blogspot.com/-jH4TzAOcspU/UzQeMUZ1JlI/AAAAAAAAADA/cWNGZjCtkI4/s1600/TCP-IP-Model.png"/>
-          <p:cNvPicPr>
-            <a:picLocks noChangeAspect="1" noChangeArrowheads="1"/>
-          </p:cNvPicPr>
-          <p:nvPr/>
-        </p:nvPicPr>
-        <p:blipFill>
-          <a:blip r:embed="rId2">
-            <a:extLst>
-              <a:ext uri="{28A0092B-C50C-407E-A947-70E740481C1C}">
-                <a14:useLocalDpi xmlns:a14="http://schemas.microsoft.com/office/drawing/2010/main" val="0"/>
-              </a:ext>
-            </a:extLst>
-          </a:blip>
-          <a:srcRect/>
-          <a:stretch>
-            <a:fillRect/>
-          </a:stretch>
-        </p:blipFill>
-        <p:spPr bwMode="auto">
-          <a:xfrm>
-            <a:off x="4822521" y="1435060"/>
-            <a:ext cx="5603483" cy="4575584"/>
-          </a:xfrm>
-          <a:prstGeom prst="rect">
-            <a:avLst/>
-          </a:prstGeom>
-          <a:noFill/>
-          <a:extLst>
-            <a:ext uri="{909E8E84-426E-40DD-AFC4-6F175D3DCCD1}">
-              <a14:hiddenFill xmlns:a14="http://schemas.microsoft.com/office/drawing/2010/main">
-                <a:solidFill>
-                  <a:srgbClr val="FFFFFF"/>
-                </a:solidFill>
-              </a14:hiddenFill>
-            </a:ext>
-          </a:extLst>
-        </p:spPr>
-      </p:pic>
-      <p:sp>
-        <p:nvSpPr>
-          <p:cNvPr id="7" name="TextBox 6"/>
-          <p:cNvSpPr txBox="1"/>
-          <p:nvPr/>
-        </p:nvSpPr>
-        <p:spPr>
-          <a:xfrm>
-            <a:off x="4509368" y="605268"/>
-            <a:ext cx="5787026" cy="430887"/>
-          </a:xfrm>
-          <a:prstGeom prst="rect">
-            <a:avLst/>
-          </a:prstGeom>
-          <a:noFill/>
-        </p:spPr>
-        <p:txBody>
-          <a:bodyPr wrap="square" rtlCol="0">
+          <a:bodyPr wrap="none">
             <a:spAutoFit/>
           </a:bodyPr>
           <a:lstStyle/>
           <a:p>
             <a:pPr algn="ctr"/>
             <a:r>
-              <a:rPr lang="en-US" sz="2200" b="1" err="1" smtClean="0">
+              <a:rPr lang="en-US" sz="2800" b="1" smtClean="0">
                 <a:solidFill>
                   <a:schemeClr val="accent2">
                     <a:lumMod val="75000"/>
@@ -10059,117 +11428,9 @@
                 <a:latin typeface="Times New Roman" panose="02020603050405020304" pitchFamily="18" charset="0"/>
                 <a:cs typeface="Times New Roman" panose="02020603050405020304" pitchFamily="18" charset="0"/>
               </a:rPr>
-              <a:t>Các</a:t>
-            </a:r>
-            <a:r>
-              <a:rPr lang="en-US" sz="2200" b="1" smtClean="0">
-                <a:solidFill>
-                  <a:schemeClr val="accent2">
-                    <a:lumMod val="75000"/>
-                  </a:schemeClr>
-                </a:solidFill>
-                <a:latin typeface="Times New Roman" panose="02020603050405020304" pitchFamily="18" charset="0"/>
-                <a:cs typeface="Times New Roman" panose="02020603050405020304" pitchFamily="18" charset="0"/>
-              </a:rPr>
-              <a:t> </a:t>
-            </a:r>
-            <a:r>
-              <a:rPr lang="en-US" sz="2200" b="1" err="1" smtClean="0">
-                <a:solidFill>
-                  <a:schemeClr val="accent2">
-                    <a:lumMod val="75000"/>
-                  </a:schemeClr>
-                </a:solidFill>
-                <a:latin typeface="Times New Roman" panose="02020603050405020304" pitchFamily="18" charset="0"/>
-                <a:cs typeface="Times New Roman" panose="02020603050405020304" pitchFamily="18" charset="0"/>
-              </a:rPr>
-              <a:t>Tầng</a:t>
-            </a:r>
-            <a:r>
-              <a:rPr lang="en-US" sz="2200" b="1" smtClean="0">
-                <a:solidFill>
-                  <a:schemeClr val="accent2">
-                    <a:lumMod val="75000"/>
-                  </a:schemeClr>
-                </a:solidFill>
-                <a:latin typeface="Times New Roman" panose="02020603050405020304" pitchFamily="18" charset="0"/>
-                <a:cs typeface="Times New Roman" panose="02020603050405020304" pitchFamily="18" charset="0"/>
-              </a:rPr>
-              <a:t> </a:t>
-            </a:r>
-            <a:r>
-              <a:rPr lang="en-US" sz="2200" b="1" err="1" smtClean="0">
-                <a:solidFill>
-                  <a:schemeClr val="accent2">
-                    <a:lumMod val="75000"/>
-                  </a:schemeClr>
-                </a:solidFill>
-                <a:latin typeface="Times New Roman" panose="02020603050405020304" pitchFamily="18" charset="0"/>
-                <a:cs typeface="Times New Roman" panose="02020603050405020304" pitchFamily="18" charset="0"/>
-              </a:rPr>
-              <a:t>Của</a:t>
-            </a:r>
-            <a:r>
-              <a:rPr lang="en-US" sz="2200" b="1" smtClean="0">
-                <a:solidFill>
-                  <a:schemeClr val="accent2">
-                    <a:lumMod val="75000"/>
-                  </a:schemeClr>
-                </a:solidFill>
-                <a:latin typeface="Times New Roman" panose="02020603050405020304" pitchFamily="18" charset="0"/>
-                <a:cs typeface="Times New Roman" panose="02020603050405020304" pitchFamily="18" charset="0"/>
-              </a:rPr>
-              <a:t> </a:t>
-            </a:r>
-            <a:r>
-              <a:rPr lang="en-US" sz="2200" b="1" err="1" smtClean="0">
-                <a:solidFill>
-                  <a:schemeClr val="accent2">
-                    <a:lumMod val="75000"/>
-                  </a:schemeClr>
-                </a:solidFill>
-                <a:latin typeface="Times New Roman" panose="02020603050405020304" pitchFamily="18" charset="0"/>
-                <a:cs typeface="Times New Roman" panose="02020603050405020304" pitchFamily="18" charset="0"/>
-              </a:rPr>
-              <a:t>Mô</a:t>
-            </a:r>
-            <a:r>
-              <a:rPr lang="en-US" sz="2200" b="1" smtClean="0">
-                <a:solidFill>
-                  <a:schemeClr val="accent2">
-                    <a:lumMod val="75000"/>
-                  </a:schemeClr>
-                </a:solidFill>
-                <a:latin typeface="Times New Roman" panose="02020603050405020304" pitchFamily="18" charset="0"/>
-                <a:cs typeface="Times New Roman" panose="02020603050405020304" pitchFamily="18" charset="0"/>
-              </a:rPr>
-              <a:t> </a:t>
-            </a:r>
-            <a:r>
-              <a:rPr lang="en-US" sz="2200" b="1" err="1" smtClean="0">
-                <a:solidFill>
-                  <a:schemeClr val="accent2">
-                    <a:lumMod val="75000"/>
-                  </a:schemeClr>
-                </a:solidFill>
-                <a:latin typeface="Times New Roman" panose="02020603050405020304" pitchFamily="18" charset="0"/>
-                <a:cs typeface="Times New Roman" panose="02020603050405020304" pitchFamily="18" charset="0"/>
-              </a:rPr>
-              <a:t>Hình</a:t>
-            </a:r>
-            <a:r>
-              <a:rPr lang="en-US" sz="2200" b="1" smtClean="0">
-                <a:solidFill>
-                  <a:schemeClr val="accent2">
-                    <a:lumMod val="75000"/>
-                  </a:schemeClr>
-                </a:solidFill>
-                <a:latin typeface="Times New Roman" panose="02020603050405020304" pitchFamily="18" charset="0"/>
-                <a:cs typeface="Times New Roman" panose="02020603050405020304" pitchFamily="18" charset="0"/>
-              </a:rPr>
-              <a:t> TCP/IP  </a:t>
-            </a:r>
-            <a:endParaRPr lang="en-US" sz="2200" b="1">
+              <a:t>Transport Layer</a:t>
+            </a:r>
+            <a:endParaRPr lang="en-US" sz="2800" b="1" smtClean="0">
               <a:solidFill>
                 <a:schemeClr val="accent2">
                   <a:lumMod val="75000"/>
@@ -10181,23 +11442,203 @@
           </a:p>
         </p:txBody>
       </p:sp>
+      <p:sp>
+        <p:nvSpPr>
+          <p:cNvPr id="6" name="Rectangle 5"/>
+          <p:cNvSpPr/>
+          <p:nvPr/>
+        </p:nvSpPr>
+        <p:spPr>
+          <a:xfrm>
+            <a:off x="4253948" y="1123837"/>
+            <a:ext cx="7169425" cy="4524315"/>
+          </a:xfrm>
+          <a:prstGeom prst="rect">
+            <a:avLst/>
+          </a:prstGeom>
+        </p:spPr>
+        <p:txBody>
+          <a:bodyPr wrap="square">
+            <a:spAutoFit/>
+          </a:bodyPr>
+          <a:lstStyle/>
+          <a:p>
+            <a:pPr marL="342900" indent="-342900" algn="just">
+              <a:buFontTx/>
+              <a:buChar char="-"/>
+            </a:pPr>
+            <a:r>
+              <a:rPr lang="en-US" sz="2400" smtClean="0">
+                <a:latin typeface="Times New Roman" panose="02020603050405020304" pitchFamily="18" charset="0"/>
+                <a:cs typeface="Times New Roman" panose="02020603050405020304" pitchFamily="18" charset="0"/>
+              </a:rPr>
+              <a:t>Provide </a:t>
+            </a:r>
+            <a:r>
+              <a:rPr lang="en-US" sz="2400">
+                <a:latin typeface="Times New Roman" panose="02020603050405020304" pitchFamily="18" charset="0"/>
+                <a:cs typeface="Times New Roman" panose="02020603050405020304" pitchFamily="18" charset="0"/>
+              </a:rPr>
+              <a:t>a reliable mechanism for the exchange of data between two processes in different </a:t>
+            </a:r>
+            <a:r>
+              <a:rPr lang="en-US" sz="2400">
+                <a:latin typeface="Times New Roman" panose="02020603050405020304" pitchFamily="18" charset="0"/>
+                <a:cs typeface="Times New Roman" panose="02020603050405020304" pitchFamily="18" charset="0"/>
+              </a:rPr>
+              <a:t>computers</a:t>
+            </a:r>
+            <a:r>
+              <a:rPr lang="en-US" sz="2400" smtClean="0">
+                <a:latin typeface="Times New Roman" panose="02020603050405020304" pitchFamily="18" charset="0"/>
+                <a:cs typeface="Times New Roman" panose="02020603050405020304" pitchFamily="18" charset="0"/>
+              </a:rPr>
+              <a:t>.</a:t>
+            </a:r>
+          </a:p>
+          <a:p>
+            <a:pPr marL="342900" indent="-342900" algn="just">
+              <a:buFontTx/>
+              <a:buChar char="-"/>
+            </a:pPr>
+            <a:endParaRPr lang="en-US" sz="2400" smtClean="0">
+              <a:latin typeface="Times New Roman" panose="02020603050405020304" pitchFamily="18" charset="0"/>
+              <a:cs typeface="Times New Roman" panose="02020603050405020304" pitchFamily="18" charset="0"/>
+            </a:endParaRPr>
+          </a:p>
+          <a:p>
+            <a:pPr marL="342900" indent="-342900" algn="just">
+              <a:buFontTx/>
+              <a:buChar char="-"/>
+            </a:pPr>
+            <a:r>
+              <a:rPr lang="en-US" sz="2400">
+                <a:latin typeface="Times New Roman" panose="02020603050405020304" pitchFamily="18" charset="0"/>
+                <a:cs typeface="Times New Roman" panose="02020603050405020304" pitchFamily="18" charset="0"/>
+              </a:rPr>
+              <a:t>Ensures that the data units are delivered error free and delivered in </a:t>
+            </a:r>
+            <a:r>
+              <a:rPr lang="en-US" sz="2400">
+                <a:latin typeface="Times New Roman" panose="02020603050405020304" pitchFamily="18" charset="0"/>
+                <a:cs typeface="Times New Roman" panose="02020603050405020304" pitchFamily="18" charset="0"/>
+              </a:rPr>
+              <a:t>sequence</a:t>
+            </a:r>
+            <a:r>
+              <a:rPr lang="en-US" sz="2400" smtClean="0">
+                <a:latin typeface="Times New Roman" panose="02020603050405020304" pitchFamily="18" charset="0"/>
+                <a:cs typeface="Times New Roman" panose="02020603050405020304" pitchFamily="18" charset="0"/>
+              </a:rPr>
+              <a:t>.</a:t>
+            </a:r>
+          </a:p>
+          <a:p>
+            <a:pPr marL="342900" indent="-342900" algn="just">
+              <a:buFontTx/>
+              <a:buChar char="-"/>
+            </a:pPr>
+            <a:endParaRPr lang="en-US" sz="2400" smtClean="0">
+              <a:latin typeface="Times New Roman" panose="02020603050405020304" pitchFamily="18" charset="0"/>
+              <a:cs typeface="Times New Roman" panose="02020603050405020304" pitchFamily="18" charset="0"/>
+            </a:endParaRPr>
+          </a:p>
+          <a:p>
+            <a:pPr marL="342900" indent="-342900" algn="just">
+              <a:buFontTx/>
+              <a:buChar char="-"/>
+            </a:pPr>
+            <a:r>
+              <a:rPr lang="en-US" sz="2400">
+                <a:latin typeface="Times New Roman" panose="02020603050405020304" pitchFamily="18" charset="0"/>
+                <a:cs typeface="Times New Roman" panose="02020603050405020304" pitchFamily="18" charset="0"/>
+              </a:rPr>
+              <a:t>Ensures that there is no loss or duplication of data </a:t>
+            </a:r>
+            <a:r>
+              <a:rPr lang="en-US" sz="2400">
+                <a:latin typeface="Times New Roman" panose="02020603050405020304" pitchFamily="18" charset="0"/>
+                <a:cs typeface="Times New Roman" panose="02020603050405020304" pitchFamily="18" charset="0"/>
+              </a:rPr>
+              <a:t>units</a:t>
+            </a:r>
+            <a:r>
+              <a:rPr lang="en-US" sz="2400" smtClean="0">
+                <a:latin typeface="Times New Roman" panose="02020603050405020304" pitchFamily="18" charset="0"/>
+                <a:cs typeface="Times New Roman" panose="02020603050405020304" pitchFamily="18" charset="0"/>
+              </a:rPr>
+              <a:t>.</a:t>
+            </a:r>
+          </a:p>
+          <a:p>
+            <a:pPr marL="342900" indent="-342900" algn="just">
+              <a:buFontTx/>
+              <a:buChar char="-"/>
+            </a:pPr>
+            <a:endParaRPr lang="en-US" sz="2400">
+              <a:latin typeface="Times New Roman" panose="02020603050405020304" pitchFamily="18" charset="0"/>
+              <a:cs typeface="Times New Roman" panose="02020603050405020304" pitchFamily="18" charset="0"/>
+            </a:endParaRPr>
+          </a:p>
+          <a:p>
+            <a:pPr marL="342900" indent="-342900" algn="just">
+              <a:buFontTx/>
+              <a:buChar char="-"/>
+            </a:pPr>
+            <a:r>
+              <a:rPr lang="en-US" sz="2400">
+                <a:latin typeface="Times New Roman" panose="02020603050405020304" pitchFamily="18" charset="0"/>
+                <a:cs typeface="Times New Roman" panose="02020603050405020304" pitchFamily="18" charset="0"/>
+              </a:rPr>
+              <a:t>Provides for the connection </a:t>
+            </a:r>
+            <a:r>
+              <a:rPr lang="en-US" sz="2400">
+                <a:latin typeface="Times New Roman" panose="02020603050405020304" pitchFamily="18" charset="0"/>
+                <a:cs typeface="Times New Roman" panose="02020603050405020304" pitchFamily="18" charset="0"/>
+              </a:rPr>
+              <a:t>management</a:t>
+            </a:r>
+            <a:r>
+              <a:rPr lang="en-US" sz="2400" smtClean="0">
+                <a:latin typeface="Times New Roman" panose="02020603050405020304" pitchFamily="18" charset="0"/>
+                <a:cs typeface="Times New Roman" panose="02020603050405020304" pitchFamily="18" charset="0"/>
+              </a:rPr>
+              <a:t>.</a:t>
+            </a:r>
+          </a:p>
+          <a:p>
+            <a:pPr algn="just"/>
+            <a:endParaRPr lang="en-US" sz="2400">
+              <a:latin typeface="Times New Roman" panose="02020603050405020304" pitchFamily="18" charset="0"/>
+              <a:cs typeface="Times New Roman" panose="02020603050405020304" pitchFamily="18" charset="0"/>
+            </a:endParaRPr>
+          </a:p>
+          <a:p>
+            <a:pPr marL="342900" indent="-342900" algn="just">
+              <a:buFontTx/>
+              <a:buChar char="-"/>
+            </a:pPr>
+            <a:r>
+              <a:rPr lang="en-US" sz="2400">
+                <a:latin typeface="Times New Roman" panose="02020603050405020304" pitchFamily="18" charset="0"/>
+                <a:cs typeface="Times New Roman" panose="02020603050405020304" pitchFamily="18" charset="0"/>
+              </a:rPr>
+              <a:t>Multiplex multiple connection over a single channel.</a:t>
+            </a:r>
+          </a:p>
+        </p:txBody>
+      </p:sp>
     </p:spTree>
     <p:extLst>
       <p:ext uri="{BB962C8B-B14F-4D97-AF65-F5344CB8AC3E}">
-        <p14:creationId xmlns:p14="http://schemas.microsoft.com/office/powerpoint/2010/main" val="2399207951"/>
+        <p14:creationId xmlns:p14="http://schemas.microsoft.com/office/powerpoint/2010/main" val="3125751679"/>
       </p:ext>
     </p:extLst>
   </p:cSld>
   <p:clrMapOvr>
     <a:masterClrMapping/>
   </p:clrMapOvr>
-  <p:timing>
-    <p:tnLst>
-      <p:par>
-        <p:cTn id="1" dur="indefinite" restart="never" nodeType="tmRoot"/>
-      </p:par>
-    </p:tnLst>
-  </p:timing>
 </p:sld>
 </file>
 
@@ -10220,29 +11661,52 @@
       </p:grpSpPr>
       <p:sp>
         <p:nvSpPr>
-          <p:cNvPr id="4" name="TextBox 3"/>
-          <p:cNvSpPr txBox="1"/>
+          <p:cNvPr id="4" name="Title 1"/>
+          <p:cNvSpPr>
+            <a:spLocks noGrp="1"/>
+          </p:cNvSpPr>
+          <p:nvPr>
+            <p:ph type="title"/>
+          </p:nvPr>
+        </p:nvSpPr>
+        <p:spPr/>
+        <p:txBody>
+          <a:bodyPr/>
+          <a:lstStyle/>
+          <a:p>
+            <a:pPr algn="ctr"/>
+            <a:r>
+              <a:rPr lang="en-US" b="1"/>
+              <a:t>OSI MODEL</a:t>
+            </a:r>
+            <a:endParaRPr lang="en-US"/>
+          </a:p>
+        </p:txBody>
+      </p:sp>
+      <p:sp>
+        <p:nvSpPr>
+          <p:cNvPr id="5" name="Rectangle 4"/>
+          <p:cNvSpPr/>
           <p:nvPr/>
         </p:nvSpPr>
         <p:spPr>
           <a:xfrm>
-            <a:off x="4509368" y="605268"/>
-            <a:ext cx="5787026" cy="430887"/>
+            <a:off x="6281312" y="442317"/>
+            <a:ext cx="2307043" cy="523220"/>
           </a:xfrm>
           <a:prstGeom prst="rect">
             <a:avLst/>
           </a:prstGeom>
-          <a:noFill/>
         </p:spPr>
         <p:txBody>
-          <a:bodyPr wrap="square" rtlCol="0">
+          <a:bodyPr wrap="none">
             <a:spAutoFit/>
           </a:bodyPr>
           <a:lstStyle/>
           <a:p>
             <a:pPr algn="ctr"/>
             <a:r>
-              <a:rPr lang="en-US" sz="2200" b="1" err="1" smtClean="0">
+              <a:rPr lang="en-US" sz="2800" b="1" smtClean="0">
                 <a:solidFill>
                   <a:schemeClr val="accent2">
                     <a:lumMod val="75000"/>
@@ -10251,117 +11715,9 @@
                 <a:latin typeface="Times New Roman" panose="02020603050405020304" pitchFamily="18" charset="0"/>
                 <a:cs typeface="Times New Roman" panose="02020603050405020304" pitchFamily="18" charset="0"/>
               </a:rPr>
-              <a:t>Các</a:t>
-            </a:r>
-            <a:r>
-              <a:rPr lang="en-US" sz="2200" b="1" smtClean="0">
-                <a:solidFill>
-                  <a:schemeClr val="accent2">
-                    <a:lumMod val="75000"/>
-                  </a:schemeClr>
-                </a:solidFill>
-                <a:latin typeface="Times New Roman" panose="02020603050405020304" pitchFamily="18" charset="0"/>
-                <a:cs typeface="Times New Roman" panose="02020603050405020304" pitchFamily="18" charset="0"/>
-              </a:rPr>
-              <a:t> </a:t>
-            </a:r>
-            <a:r>
-              <a:rPr lang="en-US" sz="2200" b="1" err="1" smtClean="0">
-                <a:solidFill>
-                  <a:schemeClr val="accent2">
-                    <a:lumMod val="75000"/>
-                  </a:schemeClr>
-                </a:solidFill>
-                <a:latin typeface="Times New Roman" panose="02020603050405020304" pitchFamily="18" charset="0"/>
-                <a:cs typeface="Times New Roman" panose="02020603050405020304" pitchFamily="18" charset="0"/>
-              </a:rPr>
-              <a:t>Tầng</a:t>
-            </a:r>
-            <a:r>
-              <a:rPr lang="en-US" sz="2200" b="1" smtClean="0">
-                <a:solidFill>
-                  <a:schemeClr val="accent2">
-                    <a:lumMod val="75000"/>
-                  </a:schemeClr>
-                </a:solidFill>
-                <a:latin typeface="Times New Roman" panose="02020603050405020304" pitchFamily="18" charset="0"/>
-                <a:cs typeface="Times New Roman" panose="02020603050405020304" pitchFamily="18" charset="0"/>
-              </a:rPr>
-              <a:t> </a:t>
-            </a:r>
-            <a:r>
-              <a:rPr lang="en-US" sz="2200" b="1" err="1" smtClean="0">
-                <a:solidFill>
-                  <a:schemeClr val="accent2">
-                    <a:lumMod val="75000"/>
-                  </a:schemeClr>
-                </a:solidFill>
-                <a:latin typeface="Times New Roman" panose="02020603050405020304" pitchFamily="18" charset="0"/>
-                <a:cs typeface="Times New Roman" panose="02020603050405020304" pitchFamily="18" charset="0"/>
-              </a:rPr>
-              <a:t>Của</a:t>
-            </a:r>
-            <a:r>
-              <a:rPr lang="en-US" sz="2200" b="1" smtClean="0">
-                <a:solidFill>
-                  <a:schemeClr val="accent2">
-                    <a:lumMod val="75000"/>
-                  </a:schemeClr>
-                </a:solidFill>
-                <a:latin typeface="Times New Roman" panose="02020603050405020304" pitchFamily="18" charset="0"/>
-                <a:cs typeface="Times New Roman" panose="02020603050405020304" pitchFamily="18" charset="0"/>
-              </a:rPr>
-              <a:t> </a:t>
-            </a:r>
-            <a:r>
-              <a:rPr lang="en-US" sz="2200" b="1" err="1" smtClean="0">
-                <a:solidFill>
-                  <a:schemeClr val="accent2">
-                    <a:lumMod val="75000"/>
-                  </a:schemeClr>
-                </a:solidFill>
-                <a:latin typeface="Times New Roman" panose="02020603050405020304" pitchFamily="18" charset="0"/>
-                <a:cs typeface="Times New Roman" panose="02020603050405020304" pitchFamily="18" charset="0"/>
-              </a:rPr>
-              <a:t>Mô</a:t>
-            </a:r>
-            <a:r>
-              <a:rPr lang="en-US" sz="2200" b="1" smtClean="0">
-                <a:solidFill>
-                  <a:schemeClr val="accent2">
-                    <a:lumMod val="75000"/>
-                  </a:schemeClr>
-                </a:solidFill>
-                <a:latin typeface="Times New Roman" panose="02020603050405020304" pitchFamily="18" charset="0"/>
-                <a:cs typeface="Times New Roman" panose="02020603050405020304" pitchFamily="18" charset="0"/>
-              </a:rPr>
-              <a:t> </a:t>
-            </a:r>
-            <a:r>
-              <a:rPr lang="en-US" sz="2200" b="1" err="1" smtClean="0">
-                <a:solidFill>
-                  <a:schemeClr val="accent2">
-                    <a:lumMod val="75000"/>
-                  </a:schemeClr>
-                </a:solidFill>
-                <a:latin typeface="Times New Roman" panose="02020603050405020304" pitchFamily="18" charset="0"/>
-                <a:cs typeface="Times New Roman" panose="02020603050405020304" pitchFamily="18" charset="0"/>
-              </a:rPr>
-              <a:t>Hình</a:t>
-            </a:r>
-            <a:r>
-              <a:rPr lang="en-US" sz="2200" b="1" smtClean="0">
-                <a:solidFill>
-                  <a:schemeClr val="accent2">
-                    <a:lumMod val="75000"/>
-                  </a:schemeClr>
-                </a:solidFill>
-                <a:latin typeface="Times New Roman" panose="02020603050405020304" pitchFamily="18" charset="0"/>
-                <a:cs typeface="Times New Roman" panose="02020603050405020304" pitchFamily="18" charset="0"/>
-              </a:rPr>
-              <a:t> TCP/IP  </a:t>
-            </a:r>
-            <a:endParaRPr lang="en-US" sz="2200" b="1">
+              <a:t>Session Layer</a:t>
+            </a:r>
+            <a:endParaRPr lang="en-US" sz="2800" b="1" smtClean="0">
               <a:solidFill>
                 <a:schemeClr val="accent2">
                   <a:lumMod val="75000"/>
@@ -10375,162 +11731,101 @@
       </p:sp>
       <p:sp>
         <p:nvSpPr>
-          <p:cNvPr id="5" name="Title 1"/>
-          <p:cNvSpPr txBox="1">
-            <a:spLocks/>
-          </p:cNvSpPr>
+          <p:cNvPr id="6" name="Rectangle 5"/>
+          <p:cNvSpPr/>
           <p:nvPr/>
         </p:nvSpPr>
         <p:spPr>
           <a:xfrm>
-            <a:off x="125260" y="1111311"/>
-            <a:ext cx="3169085" cy="4601183"/>
+            <a:off x="4386832" y="1123837"/>
+            <a:ext cx="6771497" cy="3046988"/>
           </a:xfrm>
           <a:prstGeom prst="rect">
             <a:avLst/>
           </a:prstGeom>
         </p:spPr>
         <p:txBody>
-          <a:bodyPr vert="horz" lIns="91440" tIns="45720" rIns="91440" bIns="45720" rtlCol="0" anchor="ctr">
-            <a:normAutofit/>
-          </a:bodyPr>
-          <a:lstStyle>
-            <a:lvl1pPr algn="l" defTabSz="914400" rtl="0" eaLnBrk="1" latinLnBrk="0" hangingPunct="1">
-              <a:lnSpc>
-                <a:spcPct val="90000"/>
-              </a:lnSpc>
-              <a:spcBef>
-                <a:spcPct val="0"/>
-              </a:spcBef>
-              <a:buNone/>
-              <a:defRPr sz="3600" kern="1200" spc="-60" baseline="0">
-                <a:solidFill>
-                  <a:srgbClr val="FFFFFF"/>
-                </a:solidFill>
-                <a:latin typeface="+mj-lt"/>
-                <a:ea typeface="+mj-ea"/>
-                <a:cs typeface="+mj-cs"/>
-              </a:defRPr>
-            </a:lvl1pPr>
-          </a:lstStyle>
-          <a:p>
-            <a:pPr algn="ctr"/>
-            <a:r>
-              <a:rPr lang="en-US" b="1" smtClean="0"/>
-              <a:t>TCP/IP MODEL</a:t>
-            </a:r>
-            <a:endParaRPr lang="en-US"/>
-          </a:p>
-        </p:txBody>
-      </p:sp>
-      <p:sp>
-        <p:nvSpPr>
-          <p:cNvPr id="6" name="Rectangle 5"/>
-          <p:cNvSpPr/>
-          <p:nvPr/>
-        </p:nvSpPr>
-        <p:spPr>
-          <a:xfrm>
-            <a:off x="4262906" y="1474566"/>
-            <a:ext cx="6877319" cy="3477875"/>
-          </a:xfrm>
-          <a:prstGeom prst="rect">
-            <a:avLst/>
-          </a:prstGeom>
-        </p:spPr>
-        <p:txBody>
           <a:bodyPr wrap="square">
             <a:spAutoFit/>
           </a:bodyPr>
           <a:lstStyle/>
           <a:p>
-            <a:pPr algn="just" fontAlgn="base"/>
-            <a:r>
-              <a:rPr lang="vi-VN" sz="2000" b="1" i="0" smtClean="0">
-                <a:solidFill>
-                  <a:srgbClr val="222222"/>
-                </a:solidFill>
-                <a:effectLst/>
-                <a:latin typeface="Times New Roman" panose="02020603050405020304" pitchFamily="18" charset="0"/>
-                <a:cs typeface="Times New Roman" panose="02020603050405020304" pitchFamily="18" charset="0"/>
-              </a:rPr>
-              <a:t>Tầng 1 : Network Access Layer </a:t>
-            </a:r>
-            <a:r>
-              <a:rPr lang="vi-VN" sz="2000" b="0" i="0" smtClean="0">
-                <a:solidFill>
-                  <a:srgbClr val="222222"/>
-                </a:solidFill>
-                <a:effectLst/>
-                <a:latin typeface="Times New Roman" panose="02020603050405020304" pitchFamily="18" charset="0"/>
-                <a:cs typeface="Times New Roman" panose="02020603050405020304" pitchFamily="18" charset="0"/>
-              </a:rPr>
-              <a:t>(tầng truy cập) có thể coi tầng truy cập là một tầng riêng biệt hoặc cũng có thể tách thành 2 tầng vật lý và tầng liên kết dữ liệu như trong mô hình OSI, tầng truy cập được sử dụng để truyền gói tin từ tầng mạng đến các host trong mạng. Thành phần tầng truy cập bao gồm cả các thiết bị vật lý ( hun, switch, cáp mạng, card mạng HBA-Host Bus Adapter và các đặc tả mức thấp như tín hiệu điện.</a:t>
-            </a:r>
-            <a:endParaRPr lang="en-US" sz="2000" b="0" i="0" smtClean="0">
-              <a:solidFill>
-                <a:srgbClr val="222222"/>
-              </a:solidFill>
-              <a:effectLst/>
+            <a:pPr marL="285750" indent="-285750" algn="just">
+              <a:buFontTx/>
+              <a:buChar char="-"/>
+            </a:pPr>
+            <a:r>
+              <a:rPr lang="en-US" sz="2400" smtClean="0">
+                <a:latin typeface="Times New Roman" panose="02020603050405020304" pitchFamily="18" charset="0"/>
+                <a:cs typeface="Times New Roman" panose="02020603050405020304" pitchFamily="18" charset="0"/>
+              </a:rPr>
+              <a:t>Provides </a:t>
+            </a:r>
+            <a:r>
+              <a:rPr lang="en-US" sz="2400">
+                <a:latin typeface="Times New Roman" panose="02020603050405020304" pitchFamily="18" charset="0"/>
+                <a:cs typeface="Times New Roman" panose="02020603050405020304" pitchFamily="18" charset="0"/>
+              </a:rPr>
+              <a:t>mechanism for controlling the dialogue between the two end systems. It defines how to start, control and end conversations (called sessions) between </a:t>
+            </a:r>
+            <a:r>
+              <a:rPr lang="en-US" sz="2400">
+                <a:latin typeface="Times New Roman" panose="02020603050405020304" pitchFamily="18" charset="0"/>
+                <a:cs typeface="Times New Roman" panose="02020603050405020304" pitchFamily="18" charset="0"/>
+              </a:rPr>
+              <a:t>applications</a:t>
+            </a:r>
+            <a:r>
+              <a:rPr lang="en-US" sz="2400" smtClean="0">
+                <a:latin typeface="Times New Roman" panose="02020603050405020304" pitchFamily="18" charset="0"/>
+                <a:cs typeface="Times New Roman" panose="02020603050405020304" pitchFamily="18" charset="0"/>
+              </a:rPr>
+              <a:t>.</a:t>
+            </a:r>
+          </a:p>
+          <a:p>
+            <a:pPr algn="just"/>
+            <a:endParaRPr lang="en-US" sz="2400" smtClean="0">
               <a:latin typeface="Times New Roman" panose="02020603050405020304" pitchFamily="18" charset="0"/>
               <a:cs typeface="Times New Roman" panose="02020603050405020304" pitchFamily="18" charset="0"/>
             </a:endParaRPr>
           </a:p>
           <a:p>
-            <a:pPr algn="just" fontAlgn="base"/>
-            <a:endParaRPr lang="vi-VN" sz="2000" b="0" i="0" smtClean="0">
-              <a:solidFill>
-                <a:srgbClr val="222222"/>
-              </a:solidFill>
-              <a:effectLst/>
+            <a:pPr marL="285750" indent="-285750" algn="just">
+              <a:buFontTx/>
+              <a:buChar char="-"/>
+            </a:pPr>
+            <a:r>
+              <a:rPr lang="en-US" sz="2400" smtClean="0">
+                <a:latin typeface="Times New Roman" panose="02020603050405020304" pitchFamily="18" charset="0"/>
+                <a:cs typeface="Times New Roman" panose="02020603050405020304" pitchFamily="18" charset="0"/>
+              </a:rPr>
+              <a:t>This layer </a:t>
+            </a:r>
+            <a:r>
+              <a:rPr lang="en-US" sz="2400">
+                <a:latin typeface="Times New Roman" panose="02020603050405020304" pitchFamily="18" charset="0"/>
+                <a:cs typeface="Times New Roman" panose="02020603050405020304" pitchFamily="18" charset="0"/>
+              </a:rPr>
+              <a:t>provides mechanisms to identify the name and function of security information when transmitted over computer networks.</a:t>
+            </a:r>
+            <a:endParaRPr lang="en-US" sz="2400">
               <a:latin typeface="Times New Roman" panose="02020603050405020304" pitchFamily="18" charset="0"/>
               <a:cs typeface="Times New Roman" panose="02020603050405020304" pitchFamily="18" charset="0"/>
             </a:endParaRPr>
           </a:p>
-          <a:p>
-            <a:pPr algn="just" fontAlgn="base"/>
-            <a:r>
-              <a:rPr lang="vi-VN" sz="2000" b="1" i="0" smtClean="0">
-                <a:solidFill>
-                  <a:srgbClr val="222222"/>
-                </a:solidFill>
-                <a:effectLst/>
-                <a:latin typeface="Times New Roman" panose="02020603050405020304" pitchFamily="18" charset="0"/>
-                <a:cs typeface="Times New Roman" panose="02020603050405020304" pitchFamily="18" charset="0"/>
-              </a:rPr>
-              <a:t>Tầng 2 : Internet Layer </a:t>
-            </a:r>
-            <a:r>
-              <a:rPr lang="vi-VN" sz="2000" b="0" i="0" smtClean="0">
-                <a:solidFill>
-                  <a:srgbClr val="222222"/>
-                </a:solidFill>
-                <a:effectLst/>
-                <a:latin typeface="Times New Roman" panose="02020603050405020304" pitchFamily="18" charset="0"/>
-                <a:cs typeface="Times New Roman" panose="02020603050405020304" pitchFamily="18" charset="0"/>
-              </a:rPr>
-              <a:t>(tầng mạng) Nhiệm vụ của tầng mạng trên mô hình TCP/IP là giải quyết vấn đề dẫn các gói tin đi qua các mạng để đến đúng đích mong muốn.</a:t>
-            </a:r>
-          </a:p>
         </p:txBody>
       </p:sp>
     </p:spTree>
     <p:extLst>
       <p:ext uri="{BB962C8B-B14F-4D97-AF65-F5344CB8AC3E}">
-        <p14:creationId xmlns:p14="http://schemas.microsoft.com/office/powerpoint/2010/main" val="3643462918"/>
+        <p14:creationId xmlns:p14="http://schemas.microsoft.com/office/powerpoint/2010/main" val="2712323165"/>
       </p:ext>
     </p:extLst>
   </p:cSld>
   <p:clrMapOvr>
     <a:masterClrMapping/>
   </p:clrMapOvr>
-  <p:timing>
-    <p:tnLst>
-      <p:par>
-        <p:cTn id="1" dur="indefinite" restart="never" nodeType="tmRoot"/>
-      </p:par>
-    </p:tnLst>
-  </p:timing>
 </p:sld>
 </file>
 
@@ -10553,178 +11848,52 @@
       </p:grpSpPr>
       <p:sp>
         <p:nvSpPr>
-          <p:cNvPr id="4" name="Rectangle 3"/>
+          <p:cNvPr id="4" name="Title 1"/>
+          <p:cNvSpPr>
+            <a:spLocks noGrp="1"/>
+          </p:cNvSpPr>
+          <p:nvPr>
+            <p:ph type="title"/>
+          </p:nvPr>
+        </p:nvSpPr>
+        <p:spPr/>
+        <p:txBody>
+          <a:bodyPr/>
+          <a:lstStyle/>
+          <a:p>
+            <a:pPr algn="ctr"/>
+            <a:r>
+              <a:rPr lang="en-US" b="1"/>
+              <a:t>OSI MODEL</a:t>
+            </a:r>
+            <a:endParaRPr lang="en-US"/>
+          </a:p>
+        </p:txBody>
+      </p:sp>
+      <p:sp>
+        <p:nvSpPr>
+          <p:cNvPr id="5" name="Rectangle 4"/>
           <p:cNvSpPr/>
           <p:nvPr/>
         </p:nvSpPr>
         <p:spPr>
           <a:xfrm>
-            <a:off x="4262908" y="1532950"/>
-            <a:ext cx="6864438" cy="4093428"/>
+            <a:off x="5875786" y="442317"/>
+            <a:ext cx="3118098" cy="523220"/>
           </a:xfrm>
           <a:prstGeom prst="rect">
             <a:avLst/>
           </a:prstGeom>
         </p:spPr>
         <p:txBody>
-          <a:bodyPr wrap="square">
+          <a:bodyPr wrap="none">
             <a:spAutoFit/>
           </a:bodyPr>
           <a:lstStyle/>
           <a:p>
-            <a:pPr algn="just" fontAlgn="base"/>
-            <a:r>
-              <a:rPr lang="vi-VN" sz="2000" b="1" i="0" smtClean="0">
-                <a:solidFill>
-                  <a:srgbClr val="222222"/>
-                </a:solidFill>
-                <a:effectLst/>
-                <a:latin typeface="Times New Roman" panose="02020603050405020304" pitchFamily="18" charset="0"/>
-                <a:cs typeface="Times New Roman" panose="02020603050405020304" pitchFamily="18" charset="0"/>
-              </a:rPr>
-              <a:t>Tầng 3 : Transport Layer </a:t>
-            </a:r>
-            <a:r>
-              <a:rPr lang="vi-VN" sz="2000" b="0" i="0" smtClean="0">
-                <a:solidFill>
-                  <a:srgbClr val="222222"/>
-                </a:solidFill>
-                <a:effectLst/>
-                <a:latin typeface="Times New Roman" panose="02020603050405020304" pitchFamily="18" charset="0"/>
-                <a:cs typeface="Times New Roman" panose="02020603050405020304" pitchFamily="18" charset="0"/>
-              </a:rPr>
-              <a:t>(tầng vận chuyển) cũng giống với tầng vận chuyển của mô hình OSI, tầng vận chuyển làm nhiệm vụ phân nhỏ các gói tin có kích thước lớn khi gửi và tập hợp lại khi nhận, đảm bảo tính toàn vẹn cho dữ liệu (không lỗi,không mất, không lặp, đúng thứ tự).</a:t>
-            </a:r>
-            <a:endParaRPr lang="en-US" sz="2000" b="0" i="0" smtClean="0">
-              <a:solidFill>
-                <a:srgbClr val="222222"/>
-              </a:solidFill>
-              <a:effectLst/>
-              <a:latin typeface="Times New Roman" panose="02020603050405020304" pitchFamily="18" charset="0"/>
-              <a:cs typeface="Times New Roman" panose="02020603050405020304" pitchFamily="18" charset="0"/>
-            </a:endParaRPr>
-          </a:p>
-          <a:p>
-            <a:pPr algn="just" fontAlgn="base"/>
-            <a:endParaRPr lang="vi-VN" sz="2000" b="0" i="0" smtClean="0">
-              <a:solidFill>
-                <a:srgbClr val="222222"/>
-              </a:solidFill>
-              <a:effectLst/>
-              <a:latin typeface="Times New Roman" panose="02020603050405020304" pitchFamily="18" charset="0"/>
-              <a:cs typeface="Times New Roman" panose="02020603050405020304" pitchFamily="18" charset="0"/>
-            </a:endParaRPr>
-          </a:p>
-          <a:p>
-            <a:pPr algn="just" fontAlgn="base"/>
-            <a:r>
-              <a:rPr lang="vi-VN" sz="2000" b="1" i="0" smtClean="0">
-                <a:solidFill>
-                  <a:srgbClr val="222222"/>
-                </a:solidFill>
-                <a:effectLst/>
-                <a:latin typeface="Times New Roman" panose="02020603050405020304" pitchFamily="18" charset="0"/>
-                <a:cs typeface="Times New Roman" panose="02020603050405020304" pitchFamily="18" charset="0"/>
-              </a:rPr>
-              <a:t>Tầng 4 : Application Layer </a:t>
-            </a:r>
-            <a:r>
-              <a:rPr lang="vi-VN" sz="2000" b="0" i="0" smtClean="0">
-                <a:solidFill>
-                  <a:srgbClr val="222222"/>
-                </a:solidFill>
-                <a:effectLst/>
-                <a:latin typeface="Times New Roman" panose="02020603050405020304" pitchFamily="18" charset="0"/>
-                <a:cs typeface="Times New Roman" panose="02020603050405020304" pitchFamily="18" charset="0"/>
-              </a:rPr>
-              <a:t>(tầng ứng dụng) là nơi các chương trình mạng như Web Browser, Mail User Agent làm việc để liên lạc giữa các node mạng. Do mô hình TCP/IP không có tầng nào nằm giữa tầng ứng dụng và tầng vận chuyển , nên tầng ứng dụng của mô hình TCP/IP bao gồm cả các giao thức hoạt động như tầng trình diễn và phiên trong mô hình OSI. Việc này thường do người lập trình viên thực hiện.</a:t>
-            </a:r>
-            <a:endParaRPr lang="vi-VN" sz="2000" b="0" i="0">
-              <a:solidFill>
-                <a:srgbClr val="222222"/>
-              </a:solidFill>
-              <a:effectLst/>
-              <a:latin typeface="Times New Roman" panose="02020603050405020304" pitchFamily="18" charset="0"/>
-              <a:cs typeface="Times New Roman" panose="02020603050405020304" pitchFamily="18" charset="0"/>
-            </a:endParaRPr>
-          </a:p>
-        </p:txBody>
-      </p:sp>
-      <p:sp>
-        <p:nvSpPr>
-          <p:cNvPr id="5" name="Title 1"/>
-          <p:cNvSpPr txBox="1">
-            <a:spLocks/>
-          </p:cNvSpPr>
-          <p:nvPr/>
-        </p:nvSpPr>
-        <p:spPr>
-          <a:xfrm>
-            <a:off x="125260" y="1111311"/>
-            <a:ext cx="3169085" cy="4601183"/>
-          </a:xfrm>
-          <a:prstGeom prst="rect">
-            <a:avLst/>
-          </a:prstGeom>
-        </p:spPr>
-        <p:txBody>
-          <a:bodyPr vert="horz" lIns="91440" tIns="45720" rIns="91440" bIns="45720" rtlCol="0" anchor="ctr">
-            <a:normAutofit/>
-          </a:bodyPr>
-          <a:lstStyle>
-            <a:lvl1pPr algn="l" defTabSz="914400" rtl="0" eaLnBrk="1" latinLnBrk="0" hangingPunct="1">
-              <a:lnSpc>
-                <a:spcPct val="90000"/>
-              </a:lnSpc>
-              <a:spcBef>
-                <a:spcPct val="0"/>
-              </a:spcBef>
-              <a:buNone/>
-              <a:defRPr sz="3600" kern="1200" spc="-60" baseline="0">
-                <a:solidFill>
-                  <a:srgbClr val="FFFFFF"/>
-                </a:solidFill>
-                <a:latin typeface="+mj-lt"/>
-                <a:ea typeface="+mj-ea"/>
-                <a:cs typeface="+mj-cs"/>
-              </a:defRPr>
-            </a:lvl1pPr>
-          </a:lstStyle>
-          <a:p>
             <a:pPr algn="ctr"/>
             <a:r>
-              <a:rPr lang="en-US" b="1" smtClean="0"/>
-              <a:t>TCP/IP MODEL</a:t>
-            </a:r>
-            <a:endParaRPr lang="en-US"/>
-          </a:p>
-        </p:txBody>
-      </p:sp>
-      <p:sp>
-        <p:nvSpPr>
-          <p:cNvPr id="6" name="TextBox 5"/>
-          <p:cNvSpPr txBox="1"/>
-          <p:nvPr/>
-        </p:nvSpPr>
-        <p:spPr>
-          <a:xfrm>
-            <a:off x="4509368" y="605268"/>
-            <a:ext cx="5787026" cy="430887"/>
-          </a:xfrm>
-          <a:prstGeom prst="rect">
-            <a:avLst/>
-          </a:prstGeom>
-          <a:noFill/>
-        </p:spPr>
-        <p:txBody>
-          <a:bodyPr wrap="square" rtlCol="0">
-            <a:spAutoFit/>
-          </a:bodyPr>
-          <a:lstStyle/>
-          <a:p>
-            <a:pPr algn="ctr"/>
-            <a:r>
-              <a:rPr lang="en-US" sz="2200" b="1" err="1" smtClean="0">
+              <a:rPr lang="en-US" sz="2800" b="1" smtClean="0">
                 <a:solidFill>
                   <a:schemeClr val="accent2">
                     <a:lumMod val="75000"/>
@@ -10733,117 +11902,9 @@
                 <a:latin typeface="Times New Roman" panose="02020603050405020304" pitchFamily="18" charset="0"/>
                 <a:cs typeface="Times New Roman" panose="02020603050405020304" pitchFamily="18" charset="0"/>
               </a:rPr>
-              <a:t>Các</a:t>
-            </a:r>
-            <a:r>
-              <a:rPr lang="en-US" sz="2200" b="1" smtClean="0">
-                <a:solidFill>
-                  <a:schemeClr val="accent2">
-                    <a:lumMod val="75000"/>
-                  </a:schemeClr>
-                </a:solidFill>
-                <a:latin typeface="Times New Roman" panose="02020603050405020304" pitchFamily="18" charset="0"/>
-                <a:cs typeface="Times New Roman" panose="02020603050405020304" pitchFamily="18" charset="0"/>
-              </a:rPr>
-              <a:t> </a:t>
-            </a:r>
-            <a:r>
-              <a:rPr lang="en-US" sz="2200" b="1" err="1" smtClean="0">
-                <a:solidFill>
-                  <a:schemeClr val="accent2">
-                    <a:lumMod val="75000"/>
-                  </a:schemeClr>
-                </a:solidFill>
-                <a:latin typeface="Times New Roman" panose="02020603050405020304" pitchFamily="18" charset="0"/>
-                <a:cs typeface="Times New Roman" panose="02020603050405020304" pitchFamily="18" charset="0"/>
-              </a:rPr>
-              <a:t>Tầng</a:t>
-            </a:r>
-            <a:r>
-              <a:rPr lang="en-US" sz="2200" b="1" smtClean="0">
-                <a:solidFill>
-                  <a:schemeClr val="accent2">
-                    <a:lumMod val="75000"/>
-                  </a:schemeClr>
-                </a:solidFill>
-                <a:latin typeface="Times New Roman" panose="02020603050405020304" pitchFamily="18" charset="0"/>
-                <a:cs typeface="Times New Roman" panose="02020603050405020304" pitchFamily="18" charset="0"/>
-              </a:rPr>
-              <a:t> </a:t>
-            </a:r>
-            <a:r>
-              <a:rPr lang="en-US" sz="2200" b="1" err="1" smtClean="0">
-                <a:solidFill>
-                  <a:schemeClr val="accent2">
-                    <a:lumMod val="75000"/>
-                  </a:schemeClr>
-                </a:solidFill>
-                <a:latin typeface="Times New Roman" panose="02020603050405020304" pitchFamily="18" charset="0"/>
-                <a:cs typeface="Times New Roman" panose="02020603050405020304" pitchFamily="18" charset="0"/>
-              </a:rPr>
-              <a:t>Của</a:t>
-            </a:r>
-            <a:r>
-              <a:rPr lang="en-US" sz="2200" b="1" smtClean="0">
-                <a:solidFill>
-                  <a:schemeClr val="accent2">
-                    <a:lumMod val="75000"/>
-                  </a:schemeClr>
-                </a:solidFill>
-                <a:latin typeface="Times New Roman" panose="02020603050405020304" pitchFamily="18" charset="0"/>
-                <a:cs typeface="Times New Roman" panose="02020603050405020304" pitchFamily="18" charset="0"/>
-              </a:rPr>
-              <a:t> </a:t>
-            </a:r>
-            <a:r>
-              <a:rPr lang="en-US" sz="2200" b="1" err="1" smtClean="0">
-                <a:solidFill>
-                  <a:schemeClr val="accent2">
-                    <a:lumMod val="75000"/>
-                  </a:schemeClr>
-                </a:solidFill>
-                <a:latin typeface="Times New Roman" panose="02020603050405020304" pitchFamily="18" charset="0"/>
-                <a:cs typeface="Times New Roman" panose="02020603050405020304" pitchFamily="18" charset="0"/>
-              </a:rPr>
-              <a:t>Mô</a:t>
-            </a:r>
-            <a:r>
-              <a:rPr lang="en-US" sz="2200" b="1" smtClean="0">
-                <a:solidFill>
-                  <a:schemeClr val="accent2">
-                    <a:lumMod val="75000"/>
-                  </a:schemeClr>
-                </a:solidFill>
-                <a:latin typeface="Times New Roman" panose="02020603050405020304" pitchFamily="18" charset="0"/>
-                <a:cs typeface="Times New Roman" panose="02020603050405020304" pitchFamily="18" charset="0"/>
-              </a:rPr>
-              <a:t> </a:t>
-            </a:r>
-            <a:r>
-              <a:rPr lang="en-US" sz="2200" b="1" err="1" smtClean="0">
-                <a:solidFill>
-                  <a:schemeClr val="accent2">
-                    <a:lumMod val="75000"/>
-                  </a:schemeClr>
-                </a:solidFill>
-                <a:latin typeface="Times New Roman" panose="02020603050405020304" pitchFamily="18" charset="0"/>
-                <a:cs typeface="Times New Roman" panose="02020603050405020304" pitchFamily="18" charset="0"/>
-              </a:rPr>
-              <a:t>Hình</a:t>
-            </a:r>
-            <a:r>
-              <a:rPr lang="en-US" sz="2200" b="1" smtClean="0">
-                <a:solidFill>
-                  <a:schemeClr val="accent2">
-                    <a:lumMod val="75000"/>
-                  </a:schemeClr>
-                </a:solidFill>
-                <a:latin typeface="Times New Roman" panose="02020603050405020304" pitchFamily="18" charset="0"/>
-                <a:cs typeface="Times New Roman" panose="02020603050405020304" pitchFamily="18" charset="0"/>
-              </a:rPr>
-              <a:t> TCP/IP  </a:t>
-            </a:r>
-            <a:endParaRPr lang="en-US" sz="2200" b="1">
+              <a:t>Presentation Layer</a:t>
+            </a:r>
+            <a:endParaRPr lang="en-US" sz="2800" b="1" smtClean="0">
               <a:solidFill>
                 <a:schemeClr val="accent2">
                   <a:lumMod val="75000"/>
@@ -10855,23 +11916,131 @@
           </a:p>
         </p:txBody>
       </p:sp>
+      <p:sp>
+        <p:nvSpPr>
+          <p:cNvPr id="6" name="Rectangle 5"/>
+          <p:cNvSpPr/>
+          <p:nvPr/>
+        </p:nvSpPr>
+        <p:spPr>
+          <a:xfrm>
+            <a:off x="4121425" y="1712664"/>
+            <a:ext cx="7076661" cy="2234458"/>
+          </a:xfrm>
+          <a:prstGeom prst="rect">
+            <a:avLst/>
+          </a:prstGeom>
+        </p:spPr>
+        <p:txBody>
+          <a:bodyPr wrap="square">
+            <a:spAutoFit/>
+          </a:bodyPr>
+          <a:lstStyle/>
+          <a:p>
+            <a:pPr marL="384175" indent="-285750" algn="just" defTabSz="414338">
+              <a:lnSpc>
+                <a:spcPct val="80000"/>
+              </a:lnSpc>
+              <a:spcBef>
+                <a:spcPct val="50000"/>
+              </a:spcBef>
+              <a:buClr>
+                <a:srgbClr val="CC0000"/>
+              </a:buClr>
+              <a:buFontTx/>
+              <a:buChar char="-"/>
+            </a:pPr>
+            <a:r>
+              <a:rPr lang="en-US" sz="2400" smtClean="0">
+                <a:latin typeface="Times New Roman" panose="02020603050405020304" pitchFamily="18" charset="0"/>
+                <a:cs typeface="Times New Roman" panose="02020603050405020304" pitchFamily="18" charset="0"/>
+              </a:rPr>
+              <a:t>Presentation </a:t>
+            </a:r>
+            <a:r>
+              <a:rPr lang="en-US" sz="2400">
+                <a:latin typeface="Times New Roman" panose="02020603050405020304" pitchFamily="18" charset="0"/>
+                <a:cs typeface="Times New Roman" panose="02020603050405020304" pitchFamily="18" charset="0"/>
+              </a:rPr>
+              <a:t>layer defines the format in which the data is to be exchanged between the two </a:t>
+            </a:r>
+            <a:r>
+              <a:rPr lang="en-US" sz="2400">
+                <a:latin typeface="Times New Roman" panose="02020603050405020304" pitchFamily="18" charset="0"/>
+                <a:cs typeface="Times New Roman" panose="02020603050405020304" pitchFamily="18" charset="0"/>
+              </a:rPr>
+              <a:t>communicating </a:t>
+            </a:r>
+            <a:r>
+              <a:rPr lang="en-US" sz="2400" smtClean="0">
+                <a:latin typeface="Times New Roman" panose="02020603050405020304" pitchFamily="18" charset="0"/>
+                <a:cs typeface="Times New Roman" panose="02020603050405020304" pitchFamily="18" charset="0"/>
+              </a:rPr>
+              <a:t>entities.</a:t>
+            </a:r>
+          </a:p>
+          <a:p>
+            <a:pPr marL="98425" algn="just" defTabSz="414338">
+              <a:lnSpc>
+                <a:spcPct val="80000"/>
+              </a:lnSpc>
+              <a:spcBef>
+                <a:spcPct val="50000"/>
+              </a:spcBef>
+              <a:buClr>
+                <a:srgbClr val="CC0000"/>
+              </a:buClr>
+            </a:pPr>
+            <a:endParaRPr lang="en-US" sz="2400" smtClean="0">
+              <a:latin typeface="Times New Roman" panose="02020603050405020304" pitchFamily="18" charset="0"/>
+              <a:cs typeface="Times New Roman" panose="02020603050405020304" pitchFamily="18" charset="0"/>
+            </a:endParaRPr>
+          </a:p>
+          <a:p>
+            <a:pPr marL="384175" indent="-285750" algn="just" defTabSz="414338">
+              <a:lnSpc>
+                <a:spcPct val="80000"/>
+              </a:lnSpc>
+              <a:spcBef>
+                <a:spcPct val="50000"/>
+              </a:spcBef>
+              <a:buClr>
+                <a:srgbClr val="CC0000"/>
+              </a:buClr>
+              <a:buFontTx/>
+              <a:buChar char="-"/>
+            </a:pPr>
+            <a:r>
+              <a:rPr lang="en-US" sz="2400" smtClean="0">
+                <a:latin typeface="Times New Roman" panose="02020603050405020304" pitchFamily="18" charset="0"/>
+                <a:cs typeface="Times New Roman" panose="02020603050405020304" pitchFamily="18" charset="0"/>
+              </a:rPr>
+              <a:t>Also </a:t>
+            </a:r>
+            <a:r>
+              <a:rPr lang="en-US" sz="2400">
+                <a:latin typeface="Times New Roman" panose="02020603050405020304" pitchFamily="18" charset="0"/>
+                <a:cs typeface="Times New Roman" panose="02020603050405020304" pitchFamily="18" charset="0"/>
+              </a:rPr>
+              <a:t>handles data compression and data encryption (cryptography).</a:t>
+            </a:r>
+            <a:endParaRPr lang="en-US" sz="2400">
+              <a:latin typeface="Times New Roman" panose="02020603050405020304" pitchFamily="18" charset="0"/>
+              <a:cs typeface="Times New Roman" panose="02020603050405020304" pitchFamily="18" charset="0"/>
+            </a:endParaRPr>
+          </a:p>
+        </p:txBody>
+      </p:sp>
     </p:spTree>
     <p:extLst>
       <p:ext uri="{BB962C8B-B14F-4D97-AF65-F5344CB8AC3E}">
-        <p14:creationId xmlns:p14="http://schemas.microsoft.com/office/powerpoint/2010/main" val="1804764705"/>
+        <p14:creationId xmlns:p14="http://schemas.microsoft.com/office/powerpoint/2010/main" val="281998830"/>
       </p:ext>
     </p:extLst>
   </p:cSld>
   <p:clrMapOvr>
     <a:masterClrMapping/>
   </p:clrMapOvr>
-  <p:timing>
-    <p:tnLst>
-      <p:par>
-        <p:cTn id="1" dur="indefinite" restart="never" nodeType="tmRoot"/>
-      </p:par>
-    </p:tnLst>
-  </p:timing>
 </p:sld>
 </file>
 
